--- a/rec-notes/r01.pptx
+++ b/rec-notes/r01.pptx
@@ -9782,7 +9782,57 @@
             </a:r>
             <a:r>
               <a:rPr lang="en-US" dirty="0" smtClean="0"/>
-              <a:t>list” to check your configuration</a:t>
+              <a:t>list” to check your </a:t>
+            </a:r>
+            <a:r>
+              <a:rPr lang="en-US" dirty="0" smtClean="0"/>
+              <a:t>configuration</a:t>
+            </a:r>
+          </a:p>
+          <a:p>
+            <a:r>
+              <a:rPr lang="en-US" dirty="0" smtClean="0"/>
+              <a:t>Here</a:t>
+            </a:r>
+            <a:r>
+              <a:rPr lang="en-US" dirty="0"/>
+              <a:t>, the </a:t>
+            </a:r>
+            <a:r>
+              <a:rPr lang="en-US" dirty="0" smtClean="0">
+                <a:solidFill>
+                  <a:schemeClr val="accent1"/>
+                </a:solidFill>
+              </a:rPr>
+              <a:t>&lt;</a:t>
+            </a:r>
+            <a:r>
+              <a:rPr lang="en-US" dirty="0">
+                <a:solidFill>
+                  <a:schemeClr val="accent1"/>
+                </a:solidFill>
+              </a:rPr>
+              <a:t>Your Email</a:t>
+            </a:r>
+            <a:r>
+              <a:rPr lang="en-US" dirty="0" smtClean="0">
+                <a:solidFill>
+                  <a:schemeClr val="accent1"/>
+                </a:solidFill>
+              </a:rPr>
+              <a:t>&gt;</a:t>
+            </a:r>
+            <a:r>
+              <a:rPr lang="en-US" dirty="0" smtClean="0"/>
+              <a:t> </a:t>
+            </a:r>
+            <a:r>
+              <a:rPr lang="en-US" dirty="0"/>
+              <a:t>should be the one associated with </a:t>
+            </a:r>
+            <a:r>
+              <a:rPr lang="en-US" dirty="0" smtClean="0"/>
+              <a:t>your GitHub account</a:t>
             </a:r>
             <a:endParaRPr lang="en-US" dirty="0"/>
           </a:p>

--- a/rec-notes/r01.pptx
+++ b/rec-notes/r01.pptx
@@ -9782,11 +9782,7 @@
             </a:r>
             <a:r>
               <a:rPr lang="en-US" dirty="0" smtClean="0"/>
-              <a:t>list” to check your </a:t>
-            </a:r>
-            <a:r>
-              <a:rPr lang="en-US" dirty="0" smtClean="0"/>
-              <a:t>configuration</a:t>
+              <a:t>list” to check your configuration</a:t>
             </a:r>
           </a:p>
           <a:p>
@@ -11991,7 +11987,11 @@
           <a:p>
             <a:r>
               <a:rPr lang="en-US" dirty="0" smtClean="0"/>
-              <a:t>Submit to your remote repository (on GitHub)</a:t>
+              <a:t>Push to </a:t>
+            </a:r>
+            <a:r>
+              <a:rPr lang="en-US" dirty="0" smtClean="0"/>
+              <a:t>your remote repository (on GitHub)</a:t>
             </a:r>
           </a:p>
           <a:p>

--- a/rec-notes/r01.pptx
+++ b/rec-notes/r01.pptx
@@ -5,45 +5,43 @@
     <p:sldMasterId id="2147483684" r:id="rId1"/>
   </p:sldMasterIdLst>
   <p:notesMasterIdLst>
-    <p:notesMasterId r:id="rId38"/>
+    <p:notesMasterId r:id="rId36"/>
   </p:notesMasterIdLst>
   <p:sldIdLst>
     <p:sldId id="256" r:id="rId2"/>
-    <p:sldId id="257" r:id="rId3"/>
-    <p:sldId id="258" r:id="rId4"/>
-    <p:sldId id="259" r:id="rId5"/>
-    <p:sldId id="260" r:id="rId6"/>
-    <p:sldId id="261" r:id="rId7"/>
-    <p:sldId id="262" r:id="rId8"/>
-    <p:sldId id="263" r:id="rId9"/>
-    <p:sldId id="265" r:id="rId10"/>
-    <p:sldId id="264" r:id="rId11"/>
-    <p:sldId id="266" r:id="rId12"/>
-    <p:sldId id="267" r:id="rId13"/>
-    <p:sldId id="291" r:id="rId14"/>
-    <p:sldId id="292" r:id="rId15"/>
-    <p:sldId id="293" r:id="rId16"/>
-    <p:sldId id="294" r:id="rId17"/>
-    <p:sldId id="295" r:id="rId18"/>
-    <p:sldId id="296" r:id="rId19"/>
-    <p:sldId id="268" r:id="rId20"/>
-    <p:sldId id="269" r:id="rId21"/>
-    <p:sldId id="272" r:id="rId22"/>
-    <p:sldId id="274" r:id="rId23"/>
-    <p:sldId id="270" r:id="rId24"/>
-    <p:sldId id="275" r:id="rId25"/>
-    <p:sldId id="276" r:id="rId26"/>
-    <p:sldId id="277" r:id="rId27"/>
-    <p:sldId id="278" r:id="rId28"/>
-    <p:sldId id="282" r:id="rId29"/>
-    <p:sldId id="283" r:id="rId30"/>
-    <p:sldId id="284" r:id="rId31"/>
-    <p:sldId id="285" r:id="rId32"/>
-    <p:sldId id="286" r:id="rId33"/>
-    <p:sldId id="287" r:id="rId34"/>
-    <p:sldId id="288" r:id="rId35"/>
-    <p:sldId id="289" r:id="rId36"/>
-    <p:sldId id="290" r:id="rId37"/>
+    <p:sldId id="258" r:id="rId3"/>
+    <p:sldId id="259" r:id="rId4"/>
+    <p:sldId id="260" r:id="rId5"/>
+    <p:sldId id="261" r:id="rId6"/>
+    <p:sldId id="262" r:id="rId7"/>
+    <p:sldId id="263" r:id="rId8"/>
+    <p:sldId id="265" r:id="rId9"/>
+    <p:sldId id="264" r:id="rId10"/>
+    <p:sldId id="266" r:id="rId11"/>
+    <p:sldId id="267" r:id="rId12"/>
+    <p:sldId id="292" r:id="rId13"/>
+    <p:sldId id="293" r:id="rId14"/>
+    <p:sldId id="294" r:id="rId15"/>
+    <p:sldId id="295" r:id="rId16"/>
+    <p:sldId id="296" r:id="rId17"/>
+    <p:sldId id="268" r:id="rId18"/>
+    <p:sldId id="269" r:id="rId19"/>
+    <p:sldId id="272" r:id="rId20"/>
+    <p:sldId id="274" r:id="rId21"/>
+    <p:sldId id="270" r:id="rId22"/>
+    <p:sldId id="275" r:id="rId23"/>
+    <p:sldId id="276" r:id="rId24"/>
+    <p:sldId id="277" r:id="rId25"/>
+    <p:sldId id="278" r:id="rId26"/>
+    <p:sldId id="282" r:id="rId27"/>
+    <p:sldId id="283" r:id="rId28"/>
+    <p:sldId id="284" r:id="rId29"/>
+    <p:sldId id="285" r:id="rId30"/>
+    <p:sldId id="286" r:id="rId31"/>
+    <p:sldId id="287" r:id="rId32"/>
+    <p:sldId id="288" r:id="rId33"/>
+    <p:sldId id="289" r:id="rId34"/>
+    <p:sldId id="290" r:id="rId35"/>
   </p:sldIdLst>
   <p:sldSz cx="12192000" cy="6858000"/>
   <p:notesSz cx="6858000" cy="9144000"/>
@@ -232,7 +230,7 @@
           <a:p>
             <a:fld id="{FFB259E9-2292-734A-9561-4530563ECBFA}" type="datetimeFigureOut">
               <a:rPr lang="en-US" smtClean="0"/>
-              <a:t>9/2/20</a:t>
+              <a:t>9/2/21</a:t>
             </a:fld>
             <a:endParaRPr lang="en-US"/>
           </a:p>
@@ -296,38 +294,37 @@
           <a:p>
             <a:pPr lvl="0"/>
             <a:r>
-              <a:rPr lang="en-US" smtClean="0"/>
+              <a:rPr lang="en-US"/>
               <a:t>Click to edit Master text styles</a:t>
             </a:r>
           </a:p>
           <a:p>
             <a:pPr lvl="1"/>
             <a:r>
-              <a:rPr lang="en-US" smtClean="0"/>
+              <a:rPr lang="en-US"/>
               <a:t>Second level</a:t>
             </a:r>
           </a:p>
           <a:p>
             <a:pPr lvl="2"/>
             <a:r>
-              <a:rPr lang="en-US" smtClean="0"/>
+              <a:rPr lang="en-US"/>
               <a:t>Third level</a:t>
             </a:r>
           </a:p>
           <a:p>
             <a:pPr lvl="3"/>
             <a:r>
-              <a:rPr lang="en-US" smtClean="0"/>
+              <a:rPr lang="en-US"/>
               <a:t>Fourth level</a:t>
             </a:r>
           </a:p>
           <a:p>
             <a:pPr lvl="4"/>
             <a:r>
-              <a:rPr lang="en-US" smtClean="0"/>
+              <a:rPr lang="en-US"/>
               <a:t>Fifth level</a:t>
             </a:r>
-            <a:endParaRPr lang="en-US"/>
           </a:p>
         </p:txBody>
       </p:sp>
@@ -658,7 +655,7 @@
     </p:spTree>
     <p:extLst>
       <p:ext uri="{BB962C8B-B14F-4D97-AF65-F5344CB8AC3E}">
-        <p14:creationId xmlns:p14="http://schemas.microsoft.com/office/powerpoint/2010/main" val="1958268382"/>
+        <p14:creationId xmlns:p14="http://schemas.microsoft.com/office/powerpoint/2010/main" val="1200244693"/>
       </p:ext>
     </p:extLst>
   </p:cSld>
@@ -742,7 +739,7 @@
     </p:spTree>
     <p:extLst>
       <p:ext uri="{BB962C8B-B14F-4D97-AF65-F5344CB8AC3E}">
-        <p14:creationId xmlns:p14="http://schemas.microsoft.com/office/powerpoint/2010/main" val="1200244693"/>
+        <p14:creationId xmlns:p14="http://schemas.microsoft.com/office/powerpoint/2010/main" val="170395956"/>
       </p:ext>
     </p:extLst>
   </p:cSld>
@@ -826,7 +823,7 @@
     </p:spTree>
     <p:extLst>
       <p:ext uri="{BB962C8B-B14F-4D97-AF65-F5344CB8AC3E}">
-        <p14:creationId xmlns:p14="http://schemas.microsoft.com/office/powerpoint/2010/main" val="170395956"/>
+        <p14:creationId xmlns:p14="http://schemas.microsoft.com/office/powerpoint/2010/main" val="3495541"/>
       </p:ext>
     </p:extLst>
   </p:cSld>
@@ -910,7 +907,7 @@
     </p:spTree>
     <p:extLst>
       <p:ext uri="{BB962C8B-B14F-4D97-AF65-F5344CB8AC3E}">
-        <p14:creationId xmlns:p14="http://schemas.microsoft.com/office/powerpoint/2010/main" val="2044960810"/>
+        <p14:creationId xmlns:p14="http://schemas.microsoft.com/office/powerpoint/2010/main" val="2115542604"/>
       </p:ext>
     </p:extLst>
   </p:cSld>
@@ -994,7 +991,7 @@
     </p:spTree>
     <p:extLst>
       <p:ext uri="{BB962C8B-B14F-4D97-AF65-F5344CB8AC3E}">
-        <p14:creationId xmlns:p14="http://schemas.microsoft.com/office/powerpoint/2010/main" val="3495541"/>
+        <p14:creationId xmlns:p14="http://schemas.microsoft.com/office/powerpoint/2010/main" val="1686555848"/>
       </p:ext>
     </p:extLst>
   </p:cSld>
@@ -1078,7 +1075,7 @@
     </p:spTree>
     <p:extLst>
       <p:ext uri="{BB962C8B-B14F-4D97-AF65-F5344CB8AC3E}">
-        <p14:creationId xmlns:p14="http://schemas.microsoft.com/office/powerpoint/2010/main" val="2115542604"/>
+        <p14:creationId xmlns:p14="http://schemas.microsoft.com/office/powerpoint/2010/main" val="561950469"/>
       </p:ext>
     </p:extLst>
   </p:cSld>
@@ -1132,7 +1129,15 @@
           <a:bodyPr/>
           <a:lstStyle/>
           <a:p>
-            <a:endParaRPr lang="en-US" dirty="0"/>
+            <a:endParaRPr lang="en-US" sz="1200" b="0" i="0" kern="1200" dirty="0">
+              <a:solidFill>
+                <a:schemeClr val="tx1"/>
+              </a:solidFill>
+              <a:effectLst/>
+              <a:latin typeface="+mn-lt"/>
+              <a:ea typeface="+mn-ea"/>
+              <a:cs typeface="+mn-cs"/>
+            </a:endParaRPr>
           </a:p>
         </p:txBody>
       </p:sp>
@@ -1162,7 +1167,7 @@
     </p:spTree>
     <p:extLst>
       <p:ext uri="{BB962C8B-B14F-4D97-AF65-F5344CB8AC3E}">
-        <p14:creationId xmlns:p14="http://schemas.microsoft.com/office/powerpoint/2010/main" val="1686555848"/>
+        <p14:creationId xmlns:p14="http://schemas.microsoft.com/office/powerpoint/2010/main" val="1706888948"/>
       </p:ext>
     </p:extLst>
   </p:cSld>
@@ -1246,7 +1251,7 @@
     </p:spTree>
     <p:extLst>
       <p:ext uri="{BB962C8B-B14F-4D97-AF65-F5344CB8AC3E}">
-        <p14:creationId xmlns:p14="http://schemas.microsoft.com/office/powerpoint/2010/main" val="561950469"/>
+        <p14:creationId xmlns:p14="http://schemas.microsoft.com/office/powerpoint/2010/main" val="378776724"/>
       </p:ext>
     </p:extLst>
   </p:cSld>
@@ -1300,15 +1305,24 @@
           <a:bodyPr/>
           <a:lstStyle/>
           <a:p>
-            <a:endParaRPr lang="en-US" sz="1200" b="0" i="0" kern="1200" dirty="0" smtClean="0">
-              <a:solidFill>
-                <a:schemeClr val="tx1"/>
-              </a:solidFill>
-              <a:effectLst/>
-              <a:latin typeface="+mn-lt"/>
-              <a:ea typeface="+mn-ea"/>
-              <a:cs typeface="+mn-cs"/>
-            </a:endParaRPr>
+            <a:pPr marL="0" marR="0" lvl="1" indent="0" algn="l" defTabSz="914400" rtl="0" eaLnBrk="1" fontAlgn="auto" latinLnBrk="0" hangingPunct="1">
+              <a:lnSpc>
+                <a:spcPct val="100000"/>
+              </a:lnSpc>
+              <a:spcBef>
+                <a:spcPts val="0"/>
+              </a:spcBef>
+              <a:spcAft>
+                <a:spcPts val="0"/>
+              </a:spcAft>
+              <a:buClrTx/>
+              <a:buSzTx/>
+              <a:buFontTx/>
+              <a:buNone/>
+              <a:tabLst/>
+              <a:defRPr/>
+            </a:pPr>
+            <a:endParaRPr lang="en-US" dirty="0"/>
           </a:p>
         </p:txBody>
       </p:sp>
@@ -1338,7 +1352,7 @@
     </p:spTree>
     <p:extLst>
       <p:ext uri="{BB962C8B-B14F-4D97-AF65-F5344CB8AC3E}">
-        <p14:creationId xmlns:p14="http://schemas.microsoft.com/office/powerpoint/2010/main" val="1706888948"/>
+        <p14:creationId xmlns:p14="http://schemas.microsoft.com/office/powerpoint/2010/main" val="1487670893"/>
       </p:ext>
     </p:extLst>
   </p:cSld>
@@ -1422,7 +1436,7 @@
     </p:spTree>
     <p:extLst>
       <p:ext uri="{BB962C8B-B14F-4D97-AF65-F5344CB8AC3E}">
-        <p14:creationId xmlns:p14="http://schemas.microsoft.com/office/powerpoint/2010/main" val="378776724"/>
+        <p14:creationId xmlns:p14="http://schemas.microsoft.com/office/powerpoint/2010/main" val="671997930"/>
       </p:ext>
     </p:extLst>
   </p:cSld>
@@ -1506,7 +1520,7 @@
     </p:spTree>
     <p:extLst>
       <p:ext uri="{BB962C8B-B14F-4D97-AF65-F5344CB8AC3E}">
-        <p14:creationId xmlns:p14="http://schemas.microsoft.com/office/powerpoint/2010/main" val="168679556"/>
+        <p14:creationId xmlns:p14="http://schemas.microsoft.com/office/powerpoint/2010/main" val="1729860992"/>
       </p:ext>
     </p:extLst>
   </p:cSld>
@@ -1560,24 +1574,7 @@
           <a:bodyPr/>
           <a:lstStyle/>
           <a:p>
-            <a:pPr marL="0" marR="0" lvl="1" indent="0" algn="l" defTabSz="914400" rtl="0" eaLnBrk="1" fontAlgn="auto" latinLnBrk="0" hangingPunct="1">
-              <a:lnSpc>
-                <a:spcPct val="100000"/>
-              </a:lnSpc>
-              <a:spcBef>
-                <a:spcPts val="0"/>
-              </a:spcBef>
-              <a:spcAft>
-                <a:spcPts val="0"/>
-              </a:spcAft>
-              <a:buClrTx/>
-              <a:buSzTx/>
-              <a:buFontTx/>
-              <a:buNone/>
-              <a:tabLst/>
-              <a:defRPr/>
-            </a:pPr>
-            <a:endParaRPr lang="en-US" dirty="0" smtClean="0"/>
+            <a:endParaRPr lang="en-US" dirty="0"/>
           </a:p>
         </p:txBody>
       </p:sp>
@@ -1598,7 +1595,7 @@
           <a:p>
             <a:fld id="{CCE68BC9-0D59-5B41-905F-0B596EF65438}" type="slidenum">
               <a:rPr lang="en-US" smtClean="0"/>
-              <a:t>20</a:t>
+              <a:t>21</a:t>
             </a:fld>
             <a:endParaRPr lang="en-US"/>
           </a:p>
@@ -1607,7 +1604,7 @@
     </p:spTree>
     <p:extLst>
       <p:ext uri="{BB962C8B-B14F-4D97-AF65-F5344CB8AC3E}">
-        <p14:creationId xmlns:p14="http://schemas.microsoft.com/office/powerpoint/2010/main" val="1487670893"/>
+        <p14:creationId xmlns:p14="http://schemas.microsoft.com/office/powerpoint/2010/main" val="1928361188"/>
       </p:ext>
     </p:extLst>
   </p:cSld>
@@ -1682,7 +1679,7 @@
           <a:p>
             <a:fld id="{CCE68BC9-0D59-5B41-905F-0B596EF65438}" type="slidenum">
               <a:rPr lang="en-US" smtClean="0"/>
-              <a:t>21</a:t>
+              <a:t>22</a:t>
             </a:fld>
             <a:endParaRPr lang="en-US"/>
           </a:p>
@@ -1691,7 +1688,7 @@
     </p:spTree>
     <p:extLst>
       <p:ext uri="{BB962C8B-B14F-4D97-AF65-F5344CB8AC3E}">
-        <p14:creationId xmlns:p14="http://schemas.microsoft.com/office/powerpoint/2010/main" val="671997930"/>
+        <p14:creationId xmlns:p14="http://schemas.microsoft.com/office/powerpoint/2010/main" val="2055338015"/>
       </p:ext>
     </p:extLst>
   </p:cSld>
@@ -1775,7 +1772,7 @@
     </p:spTree>
     <p:extLst>
       <p:ext uri="{BB962C8B-B14F-4D97-AF65-F5344CB8AC3E}">
-        <p14:creationId xmlns:p14="http://schemas.microsoft.com/office/powerpoint/2010/main" val="1928361188"/>
+        <p14:creationId xmlns:p14="http://schemas.microsoft.com/office/powerpoint/2010/main" val="1519159411"/>
       </p:ext>
     </p:extLst>
   </p:cSld>
@@ -1859,7 +1856,7 @@
     </p:spTree>
     <p:extLst>
       <p:ext uri="{BB962C8B-B14F-4D97-AF65-F5344CB8AC3E}">
-        <p14:creationId xmlns:p14="http://schemas.microsoft.com/office/powerpoint/2010/main" val="2055338015"/>
+        <p14:creationId xmlns:p14="http://schemas.microsoft.com/office/powerpoint/2010/main" val="928650133"/>
       </p:ext>
     </p:extLst>
   </p:cSld>
@@ -1943,7 +1940,7 @@
     </p:spTree>
     <p:extLst>
       <p:ext uri="{BB962C8B-B14F-4D97-AF65-F5344CB8AC3E}">
-        <p14:creationId xmlns:p14="http://schemas.microsoft.com/office/powerpoint/2010/main" val="1519159411"/>
+        <p14:creationId xmlns:p14="http://schemas.microsoft.com/office/powerpoint/2010/main" val="2040738013"/>
       </p:ext>
     </p:extLst>
   </p:cSld>
@@ -2027,7 +2024,7 @@
     </p:spTree>
     <p:extLst>
       <p:ext uri="{BB962C8B-B14F-4D97-AF65-F5344CB8AC3E}">
-        <p14:creationId xmlns:p14="http://schemas.microsoft.com/office/powerpoint/2010/main" val="928650133"/>
+        <p14:creationId xmlns:p14="http://schemas.microsoft.com/office/powerpoint/2010/main" val="926840520"/>
       </p:ext>
     </p:extLst>
   </p:cSld>
@@ -2102,7 +2099,7 @@
           <a:p>
             <a:fld id="{CCE68BC9-0D59-5B41-905F-0B596EF65438}" type="slidenum">
               <a:rPr lang="en-US" smtClean="0"/>
-              <a:t>27</a:t>
+              <a:t>29</a:t>
             </a:fld>
             <a:endParaRPr lang="en-US"/>
           </a:p>
@@ -2111,7 +2108,7 @@
     </p:spTree>
     <p:extLst>
       <p:ext uri="{BB962C8B-B14F-4D97-AF65-F5344CB8AC3E}">
-        <p14:creationId xmlns:p14="http://schemas.microsoft.com/office/powerpoint/2010/main" val="2040738013"/>
+        <p14:creationId xmlns:p14="http://schemas.microsoft.com/office/powerpoint/2010/main" val="945782274"/>
       </p:ext>
     </p:extLst>
   </p:cSld>
@@ -2186,175 +2183,7 @@
           <a:p>
             <a:fld id="{CCE68BC9-0D59-5B41-905F-0B596EF65438}" type="slidenum">
               <a:rPr lang="en-US" smtClean="0"/>
-              <a:t>28</a:t>
-            </a:fld>
-            <a:endParaRPr lang="en-US"/>
-          </a:p>
-        </p:txBody>
-      </p:sp>
-    </p:spTree>
-    <p:extLst>
-      <p:ext uri="{BB962C8B-B14F-4D97-AF65-F5344CB8AC3E}">
-        <p14:creationId xmlns:p14="http://schemas.microsoft.com/office/powerpoint/2010/main" val="926840520"/>
-      </p:ext>
-    </p:extLst>
-  </p:cSld>
-  <p:clrMapOvr>
-    <a:masterClrMapping/>
-  </p:clrMapOvr>
-</p:notes>
-</file>
-
-<file path=ppt/notesSlides/notesSlide28.xml><?xml version="1.0" encoding="utf-8"?>
-<p:notes xmlns:a="http://schemas.openxmlformats.org/drawingml/2006/main" xmlns:r="http://schemas.openxmlformats.org/officeDocument/2006/relationships" xmlns:p="http://schemas.openxmlformats.org/presentationml/2006/main">
-  <p:cSld>
-    <p:spTree>
-      <p:nvGrpSpPr>
-        <p:cNvPr id="1" name=""/>
-        <p:cNvGrpSpPr/>
-        <p:nvPr/>
-      </p:nvGrpSpPr>
-      <p:grpSpPr>
-        <a:xfrm>
-          <a:off x="0" y="0"/>
-          <a:ext cx="0" cy="0"/>
-          <a:chOff x="0" y="0"/>
-          <a:chExt cx="0" cy="0"/>
-        </a:xfrm>
-      </p:grpSpPr>
-      <p:sp>
-        <p:nvSpPr>
-          <p:cNvPr id="2" name="Slide Image Placeholder 1"/>
-          <p:cNvSpPr>
-            <a:spLocks noGrp="1" noRot="1" noChangeAspect="1"/>
-          </p:cNvSpPr>
-          <p:nvPr>
-            <p:ph type="sldImg"/>
-          </p:nvPr>
-        </p:nvSpPr>
-        <p:spPr/>
-      </p:sp>
-      <p:sp>
-        <p:nvSpPr>
-          <p:cNvPr id="3" name="Notes Placeholder 2"/>
-          <p:cNvSpPr>
-            <a:spLocks noGrp="1"/>
-          </p:cNvSpPr>
-          <p:nvPr>
-            <p:ph type="body" idx="1"/>
-          </p:nvPr>
-        </p:nvSpPr>
-        <p:spPr/>
-        <p:txBody>
-          <a:bodyPr/>
-          <a:lstStyle/>
-          <a:p>
-            <a:endParaRPr lang="en-US" dirty="0"/>
-          </a:p>
-        </p:txBody>
-      </p:sp>
-      <p:sp>
-        <p:nvSpPr>
-          <p:cNvPr id="4" name="Slide Number Placeholder 3"/>
-          <p:cNvSpPr>
-            <a:spLocks noGrp="1"/>
-          </p:cNvSpPr>
-          <p:nvPr>
-            <p:ph type="sldNum" sz="quarter" idx="10"/>
-          </p:nvPr>
-        </p:nvSpPr>
-        <p:spPr/>
-        <p:txBody>
-          <a:bodyPr/>
-          <a:lstStyle/>
-          <a:p>
-            <a:fld id="{CCE68BC9-0D59-5B41-905F-0B596EF65438}" type="slidenum">
-              <a:rPr lang="en-US" smtClean="0"/>
-              <a:t>31</a:t>
-            </a:fld>
-            <a:endParaRPr lang="en-US"/>
-          </a:p>
-        </p:txBody>
-      </p:sp>
-    </p:spTree>
-    <p:extLst>
-      <p:ext uri="{BB962C8B-B14F-4D97-AF65-F5344CB8AC3E}">
-        <p14:creationId xmlns:p14="http://schemas.microsoft.com/office/powerpoint/2010/main" val="945782274"/>
-      </p:ext>
-    </p:extLst>
-  </p:cSld>
-  <p:clrMapOvr>
-    <a:masterClrMapping/>
-  </p:clrMapOvr>
-</p:notes>
-</file>
-
-<file path=ppt/notesSlides/notesSlide29.xml><?xml version="1.0" encoding="utf-8"?>
-<p:notes xmlns:a="http://schemas.openxmlformats.org/drawingml/2006/main" xmlns:r="http://schemas.openxmlformats.org/officeDocument/2006/relationships" xmlns:p="http://schemas.openxmlformats.org/presentationml/2006/main">
-  <p:cSld>
-    <p:spTree>
-      <p:nvGrpSpPr>
-        <p:cNvPr id="1" name=""/>
-        <p:cNvGrpSpPr/>
-        <p:nvPr/>
-      </p:nvGrpSpPr>
-      <p:grpSpPr>
-        <a:xfrm>
-          <a:off x="0" y="0"/>
-          <a:ext cx="0" cy="0"/>
-          <a:chOff x="0" y="0"/>
-          <a:chExt cx="0" cy="0"/>
-        </a:xfrm>
-      </p:grpSpPr>
-      <p:sp>
-        <p:nvSpPr>
-          <p:cNvPr id="2" name="Slide Image Placeholder 1"/>
-          <p:cNvSpPr>
-            <a:spLocks noGrp="1" noRot="1" noChangeAspect="1"/>
-          </p:cNvSpPr>
-          <p:nvPr>
-            <p:ph type="sldImg"/>
-          </p:nvPr>
-        </p:nvSpPr>
-        <p:spPr/>
-      </p:sp>
-      <p:sp>
-        <p:nvSpPr>
-          <p:cNvPr id="3" name="Notes Placeholder 2"/>
-          <p:cNvSpPr>
-            <a:spLocks noGrp="1"/>
-          </p:cNvSpPr>
-          <p:nvPr>
-            <p:ph type="body" idx="1"/>
-          </p:nvPr>
-        </p:nvSpPr>
-        <p:spPr/>
-        <p:txBody>
-          <a:bodyPr/>
-          <a:lstStyle/>
-          <a:p>
-            <a:endParaRPr lang="en-US" dirty="0"/>
-          </a:p>
-        </p:txBody>
-      </p:sp>
-      <p:sp>
-        <p:nvSpPr>
-          <p:cNvPr id="4" name="Slide Number Placeholder 3"/>
-          <p:cNvSpPr>
-            <a:spLocks noGrp="1"/>
-          </p:cNvSpPr>
-          <p:nvPr>
-            <p:ph type="sldNum" sz="quarter" idx="10"/>
-          </p:nvPr>
-        </p:nvSpPr>
-        <p:spPr/>
-        <p:txBody>
-          <a:bodyPr/>
-          <a:lstStyle/>
-          <a:p>
-            <a:fld id="{CCE68BC9-0D59-5B41-905F-0B596EF65438}" type="slidenum">
-              <a:rPr lang="en-US" smtClean="0"/>
-              <a:t>36</a:t>
+              <a:t>34</a:t>
             </a:fld>
             <a:endParaRPr lang="en-US"/>
           </a:p>
@@ -2447,7 +2276,7 @@
     </p:spTree>
     <p:extLst>
       <p:ext uri="{BB962C8B-B14F-4D97-AF65-F5344CB8AC3E}">
-        <p14:creationId xmlns:p14="http://schemas.microsoft.com/office/powerpoint/2010/main" val="1729860992"/>
+        <p14:creationId xmlns:p14="http://schemas.microsoft.com/office/powerpoint/2010/main" val="284233654"/>
       </p:ext>
     </p:extLst>
   </p:cSld>
@@ -2531,7 +2360,7 @@
     </p:spTree>
     <p:extLst>
       <p:ext uri="{BB962C8B-B14F-4D97-AF65-F5344CB8AC3E}">
-        <p14:creationId xmlns:p14="http://schemas.microsoft.com/office/powerpoint/2010/main" val="284233654"/>
+        <p14:creationId xmlns:p14="http://schemas.microsoft.com/office/powerpoint/2010/main" val="1267265885"/>
       </p:ext>
     </p:extLst>
   </p:cSld>
@@ -2585,6 +2414,9 @@
           <a:bodyPr/>
           <a:lstStyle/>
           <a:p>
+            <a:endParaRPr lang="en-US" altLang="zh-CN" baseline="0" dirty="0"/>
+          </a:p>
+          <a:p>
             <a:endParaRPr lang="en-US" dirty="0"/>
           </a:p>
         </p:txBody>
@@ -2615,7 +2447,7 @@
     </p:spTree>
     <p:extLst>
       <p:ext uri="{BB962C8B-B14F-4D97-AF65-F5344CB8AC3E}">
-        <p14:creationId xmlns:p14="http://schemas.microsoft.com/office/powerpoint/2010/main" val="1267265885"/>
+        <p14:creationId xmlns:p14="http://schemas.microsoft.com/office/powerpoint/2010/main" val="504210831"/>
       </p:ext>
     </p:extLst>
   </p:cSld>
@@ -2669,9 +2501,6 @@
           <a:bodyPr/>
           <a:lstStyle/>
           <a:p>
-            <a:endParaRPr lang="en-US" altLang="zh-CN" baseline="0" dirty="0" smtClean="0"/>
-          </a:p>
-          <a:p>
             <a:endParaRPr lang="en-US" dirty="0"/>
           </a:p>
         </p:txBody>
@@ -2702,7 +2531,7 @@
     </p:spTree>
     <p:extLst>
       <p:ext uri="{BB962C8B-B14F-4D97-AF65-F5344CB8AC3E}">
-        <p14:creationId xmlns:p14="http://schemas.microsoft.com/office/powerpoint/2010/main" val="504210831"/>
+        <p14:creationId xmlns:p14="http://schemas.microsoft.com/office/powerpoint/2010/main" val="510880876"/>
       </p:ext>
     </p:extLst>
   </p:cSld>
@@ -2786,7 +2615,7 @@
     </p:spTree>
     <p:extLst>
       <p:ext uri="{BB962C8B-B14F-4D97-AF65-F5344CB8AC3E}">
-        <p14:creationId xmlns:p14="http://schemas.microsoft.com/office/powerpoint/2010/main" val="510880876"/>
+        <p14:creationId xmlns:p14="http://schemas.microsoft.com/office/powerpoint/2010/main" val="1901385431"/>
       </p:ext>
     </p:extLst>
   </p:cSld>
@@ -2870,7 +2699,7 @@
     </p:spTree>
     <p:extLst>
       <p:ext uri="{BB962C8B-B14F-4D97-AF65-F5344CB8AC3E}">
-        <p14:creationId xmlns:p14="http://schemas.microsoft.com/office/powerpoint/2010/main" val="1901385431"/>
+        <p14:creationId xmlns:p14="http://schemas.microsoft.com/office/powerpoint/2010/main" val="1814975711"/>
       </p:ext>
     </p:extLst>
   </p:cSld>
@@ -2954,7 +2783,7 @@
     </p:spTree>
     <p:extLst>
       <p:ext uri="{BB962C8B-B14F-4D97-AF65-F5344CB8AC3E}">
-        <p14:creationId xmlns:p14="http://schemas.microsoft.com/office/powerpoint/2010/main" val="1814975711"/>
+        <p14:creationId xmlns:p14="http://schemas.microsoft.com/office/powerpoint/2010/main" val="1958268382"/>
       </p:ext>
     </p:extLst>
   </p:cSld>
@@ -3006,7 +2835,7 @@
           </a:lstStyle>
           <a:p>
             <a:r>
-              <a:rPr lang="en-US" smtClean="0"/>
+              <a:rPr lang="en-US"/>
               <a:t>Click to edit Master title style</a:t>
             </a:r>
             <a:endParaRPr lang="en-US" dirty="0"/>
@@ -3071,7 +2900,7 @@
           </a:lstStyle>
           <a:p>
             <a:r>
-              <a:rPr lang="en-US" smtClean="0"/>
+              <a:rPr lang="en-US"/>
               <a:t>Click to edit Master subtitle style</a:t>
             </a:r>
             <a:endParaRPr lang="en-US" dirty="0"/>
@@ -3095,7 +2924,7 @@
           <a:p>
             <a:fld id="{DD4648B0-0D8A-A44A-9F83-65A680C91D66}" type="datetime1">
               <a:rPr lang="en-US" smtClean="0"/>
-              <a:t>9/2/20</a:t>
+              <a:t>9/2/21</a:t>
             </a:fld>
             <a:endParaRPr lang="en-US"/>
           </a:p>
@@ -3189,7 +3018,7 @@
           <a:lstStyle/>
           <a:p>
             <a:r>
-              <a:rPr lang="en-US" smtClean="0"/>
+              <a:rPr lang="en-US"/>
               <a:t>Click to edit Master title style</a:t>
             </a:r>
             <a:endParaRPr lang="en-US" dirty="0"/>
@@ -3213,35 +3042,35 @@
           <a:p>
             <a:pPr lvl="0"/>
             <a:r>
-              <a:rPr lang="en-US" smtClean="0"/>
+              <a:rPr lang="en-US"/>
               <a:t>Click to edit Master text styles</a:t>
             </a:r>
           </a:p>
           <a:p>
             <a:pPr lvl="1"/>
             <a:r>
-              <a:rPr lang="en-US" smtClean="0"/>
+              <a:rPr lang="en-US"/>
               <a:t>Second level</a:t>
             </a:r>
           </a:p>
           <a:p>
             <a:pPr lvl="2"/>
             <a:r>
-              <a:rPr lang="en-US" smtClean="0"/>
+              <a:rPr lang="en-US"/>
               <a:t>Third level</a:t>
             </a:r>
           </a:p>
           <a:p>
             <a:pPr lvl="3"/>
             <a:r>
-              <a:rPr lang="en-US" smtClean="0"/>
+              <a:rPr lang="en-US"/>
               <a:t>Fourth level</a:t>
             </a:r>
           </a:p>
           <a:p>
             <a:pPr lvl="4"/>
             <a:r>
-              <a:rPr lang="en-US" smtClean="0"/>
+              <a:rPr lang="en-US"/>
               <a:t>Fifth level</a:t>
             </a:r>
             <a:endParaRPr lang="en-US" dirty="0"/>
@@ -3265,7 +3094,7 @@
           <a:p>
             <a:fld id="{C9853402-525C-D94A-9AFC-8B1CA73A089A}" type="datetime1">
               <a:rPr lang="en-US" smtClean="0"/>
-              <a:t>9/2/20</a:t>
+              <a:t>9/2/21</a:t>
             </a:fld>
             <a:endParaRPr lang="en-US"/>
           </a:p>
@@ -3364,7 +3193,7 @@
           <a:lstStyle/>
           <a:p>
             <a:r>
-              <a:rPr lang="en-US" smtClean="0"/>
+              <a:rPr lang="en-US"/>
               <a:t>Click to edit Master title style</a:t>
             </a:r>
             <a:endParaRPr lang="en-US" dirty="0"/>
@@ -3393,35 +3222,35 @@
           <a:p>
             <a:pPr lvl="0"/>
             <a:r>
-              <a:rPr lang="en-US" smtClean="0"/>
+              <a:rPr lang="en-US"/>
               <a:t>Click to edit Master text styles</a:t>
             </a:r>
           </a:p>
           <a:p>
             <a:pPr lvl="1"/>
             <a:r>
-              <a:rPr lang="en-US" smtClean="0"/>
+              <a:rPr lang="en-US"/>
               <a:t>Second level</a:t>
             </a:r>
           </a:p>
           <a:p>
             <a:pPr lvl="2"/>
             <a:r>
-              <a:rPr lang="en-US" smtClean="0"/>
+              <a:rPr lang="en-US"/>
               <a:t>Third level</a:t>
             </a:r>
           </a:p>
           <a:p>
             <a:pPr lvl="3"/>
             <a:r>
-              <a:rPr lang="en-US" smtClean="0"/>
+              <a:rPr lang="en-US"/>
               <a:t>Fourth level</a:t>
             </a:r>
           </a:p>
           <a:p>
             <a:pPr lvl="4"/>
             <a:r>
-              <a:rPr lang="en-US" smtClean="0"/>
+              <a:rPr lang="en-US"/>
               <a:t>Fifth level</a:t>
             </a:r>
             <a:endParaRPr lang="en-US" dirty="0"/>
@@ -3445,7 +3274,7 @@
           <a:p>
             <a:fld id="{58A97C24-B85F-1F4C-8829-B7F99EAEEC5E}" type="datetime1">
               <a:rPr lang="en-US" smtClean="0"/>
-              <a:t>9/2/20</a:t>
+              <a:t>9/2/21</a:t>
             </a:fld>
             <a:endParaRPr lang="en-US"/>
           </a:p>
@@ -3539,7 +3368,7 @@
           <a:lstStyle/>
           <a:p>
             <a:r>
-              <a:rPr lang="en-US" smtClean="0"/>
+              <a:rPr lang="en-US"/>
               <a:t>Click to edit Master title style</a:t>
             </a:r>
             <a:endParaRPr lang="en-US" dirty="0"/>
@@ -3563,35 +3392,35 @@
           <a:p>
             <a:pPr lvl="0"/>
             <a:r>
-              <a:rPr lang="en-US" smtClean="0"/>
+              <a:rPr lang="en-US"/>
               <a:t>Click to edit Master text styles</a:t>
             </a:r>
           </a:p>
           <a:p>
             <a:pPr lvl="1"/>
             <a:r>
-              <a:rPr lang="en-US" smtClean="0"/>
+              <a:rPr lang="en-US"/>
               <a:t>Second level</a:t>
             </a:r>
           </a:p>
           <a:p>
             <a:pPr lvl="2"/>
             <a:r>
-              <a:rPr lang="en-US" smtClean="0"/>
+              <a:rPr lang="en-US"/>
               <a:t>Third level</a:t>
             </a:r>
           </a:p>
           <a:p>
             <a:pPr lvl="3"/>
             <a:r>
-              <a:rPr lang="en-US" smtClean="0"/>
+              <a:rPr lang="en-US"/>
               <a:t>Fourth level</a:t>
             </a:r>
           </a:p>
           <a:p>
             <a:pPr lvl="4"/>
             <a:r>
-              <a:rPr lang="en-US" smtClean="0"/>
+              <a:rPr lang="en-US"/>
               <a:t>Fifth level</a:t>
             </a:r>
             <a:endParaRPr lang="en-US" dirty="0"/>
@@ -3615,7 +3444,7 @@
           <a:p>
             <a:fld id="{5B2ABF40-D45C-4B4D-9AEA-D280B9A137A5}" type="datetime1">
               <a:rPr lang="en-US" smtClean="0"/>
-              <a:t>9/2/20</a:t>
+              <a:t>9/2/21</a:t>
             </a:fld>
             <a:endParaRPr lang="en-US"/>
           </a:p>
@@ -3723,7 +3552,7 @@
           </a:lstStyle>
           <a:p>
             <a:r>
-              <a:rPr lang="en-US" smtClean="0"/>
+              <a:rPr lang="en-US"/>
               <a:t>Click to edit Master title style</a:t>
             </a:r>
             <a:endParaRPr lang="en-US" dirty="0"/>
@@ -3843,7 +3672,7 @@
           <a:p>
             <a:pPr lvl="0"/>
             <a:r>
-              <a:rPr lang="en-US" smtClean="0"/>
+              <a:rPr lang="en-US"/>
               <a:t>Click to edit Master text styles</a:t>
             </a:r>
           </a:p>
@@ -3866,7 +3695,7 @@
           <a:p>
             <a:fld id="{E3BF3FF8-5E31-8E4A-81D6-016472780C8A}" type="datetime1">
               <a:rPr lang="en-US" smtClean="0"/>
-              <a:t>9/2/20</a:t>
+              <a:t>9/2/21</a:t>
             </a:fld>
             <a:endParaRPr lang="en-US"/>
           </a:p>
@@ -3965,7 +3794,7 @@
           <a:lstStyle/>
           <a:p>
             <a:r>
-              <a:rPr lang="en-US" smtClean="0"/>
+              <a:rPr lang="en-US"/>
               <a:t>Click to edit Master title style</a:t>
             </a:r>
             <a:endParaRPr lang="en-US" dirty="0"/>
@@ -3994,35 +3823,35 @@
           <a:p>
             <a:pPr lvl="0"/>
             <a:r>
-              <a:rPr lang="en-US" smtClean="0"/>
+              <a:rPr lang="en-US"/>
               <a:t>Click to edit Master text styles</a:t>
             </a:r>
           </a:p>
           <a:p>
             <a:pPr lvl="1"/>
             <a:r>
-              <a:rPr lang="en-US" smtClean="0"/>
+              <a:rPr lang="en-US"/>
               <a:t>Second level</a:t>
             </a:r>
           </a:p>
           <a:p>
             <a:pPr lvl="2"/>
             <a:r>
-              <a:rPr lang="en-US" smtClean="0"/>
+              <a:rPr lang="en-US"/>
               <a:t>Third level</a:t>
             </a:r>
           </a:p>
           <a:p>
             <a:pPr lvl="3"/>
             <a:r>
-              <a:rPr lang="en-US" smtClean="0"/>
+              <a:rPr lang="en-US"/>
               <a:t>Fourth level</a:t>
             </a:r>
           </a:p>
           <a:p>
             <a:pPr lvl="4"/>
             <a:r>
-              <a:rPr lang="en-US" smtClean="0"/>
+              <a:rPr lang="en-US"/>
               <a:t>Fifth level</a:t>
             </a:r>
             <a:endParaRPr lang="en-US" dirty="0"/>
@@ -4051,35 +3880,35 @@
           <a:p>
             <a:pPr lvl="0"/>
             <a:r>
-              <a:rPr lang="en-US" smtClean="0"/>
+              <a:rPr lang="en-US"/>
               <a:t>Click to edit Master text styles</a:t>
             </a:r>
           </a:p>
           <a:p>
             <a:pPr lvl="1"/>
             <a:r>
-              <a:rPr lang="en-US" smtClean="0"/>
+              <a:rPr lang="en-US"/>
               <a:t>Second level</a:t>
             </a:r>
           </a:p>
           <a:p>
             <a:pPr lvl="2"/>
             <a:r>
-              <a:rPr lang="en-US" smtClean="0"/>
+              <a:rPr lang="en-US"/>
               <a:t>Third level</a:t>
             </a:r>
           </a:p>
           <a:p>
             <a:pPr lvl="3"/>
             <a:r>
-              <a:rPr lang="en-US" smtClean="0"/>
+              <a:rPr lang="en-US"/>
               <a:t>Fourth level</a:t>
             </a:r>
           </a:p>
           <a:p>
             <a:pPr lvl="4"/>
             <a:r>
-              <a:rPr lang="en-US" smtClean="0"/>
+              <a:rPr lang="en-US"/>
               <a:t>Fifth level</a:t>
             </a:r>
             <a:endParaRPr lang="en-US" dirty="0"/>
@@ -4103,7 +3932,7 @@
           <a:p>
             <a:fld id="{391C098F-9C46-1543-B69E-82AC018785DD}" type="datetime1">
               <a:rPr lang="en-US" smtClean="0"/>
-              <a:t>9/2/20</a:t>
+              <a:t>9/2/21</a:t>
             </a:fld>
             <a:endParaRPr lang="en-US"/>
           </a:p>
@@ -4202,7 +4031,7 @@
           <a:lstStyle/>
           <a:p>
             <a:r>
-              <a:rPr lang="en-US" smtClean="0"/>
+              <a:rPr lang="en-US"/>
               <a:t>Click to edit Master title style</a:t>
             </a:r>
             <a:endParaRPr lang="en-US" dirty="0"/>
@@ -4268,7 +4097,7 @@
           <a:p>
             <a:pPr lvl="0"/>
             <a:r>
-              <a:rPr lang="en-US" smtClean="0"/>
+              <a:rPr lang="en-US"/>
               <a:t>Click to edit Master text styles</a:t>
             </a:r>
           </a:p>
@@ -4296,35 +4125,35 @@
           <a:p>
             <a:pPr lvl="0"/>
             <a:r>
-              <a:rPr lang="en-US" smtClean="0"/>
+              <a:rPr lang="en-US"/>
               <a:t>Click to edit Master text styles</a:t>
             </a:r>
           </a:p>
           <a:p>
             <a:pPr lvl="1"/>
             <a:r>
-              <a:rPr lang="en-US" smtClean="0"/>
+              <a:rPr lang="en-US"/>
               <a:t>Second level</a:t>
             </a:r>
           </a:p>
           <a:p>
             <a:pPr lvl="2"/>
             <a:r>
-              <a:rPr lang="en-US" smtClean="0"/>
+              <a:rPr lang="en-US"/>
               <a:t>Third level</a:t>
             </a:r>
           </a:p>
           <a:p>
             <a:pPr lvl="3"/>
             <a:r>
-              <a:rPr lang="en-US" smtClean="0"/>
+              <a:rPr lang="en-US"/>
               <a:t>Fourth level</a:t>
             </a:r>
           </a:p>
           <a:p>
             <a:pPr lvl="4"/>
             <a:r>
-              <a:rPr lang="en-US" smtClean="0"/>
+              <a:rPr lang="en-US"/>
               <a:t>Fifth level</a:t>
             </a:r>
             <a:endParaRPr lang="en-US" dirty="0"/>
@@ -4390,7 +4219,7 @@
           <a:p>
             <a:pPr lvl="0"/>
             <a:r>
-              <a:rPr lang="en-US" smtClean="0"/>
+              <a:rPr lang="en-US"/>
               <a:t>Click to edit Master text styles</a:t>
             </a:r>
           </a:p>
@@ -4418,35 +4247,35 @@
           <a:p>
             <a:pPr lvl="0"/>
             <a:r>
-              <a:rPr lang="en-US" smtClean="0"/>
+              <a:rPr lang="en-US"/>
               <a:t>Click to edit Master text styles</a:t>
             </a:r>
           </a:p>
           <a:p>
             <a:pPr lvl="1"/>
             <a:r>
-              <a:rPr lang="en-US" smtClean="0"/>
+              <a:rPr lang="en-US"/>
               <a:t>Second level</a:t>
             </a:r>
           </a:p>
           <a:p>
             <a:pPr lvl="2"/>
             <a:r>
-              <a:rPr lang="en-US" smtClean="0"/>
+              <a:rPr lang="en-US"/>
               <a:t>Third level</a:t>
             </a:r>
           </a:p>
           <a:p>
             <a:pPr lvl="3"/>
             <a:r>
-              <a:rPr lang="en-US" smtClean="0"/>
+              <a:rPr lang="en-US"/>
               <a:t>Fourth level</a:t>
             </a:r>
           </a:p>
           <a:p>
             <a:pPr lvl="4"/>
             <a:r>
-              <a:rPr lang="en-US" smtClean="0"/>
+              <a:rPr lang="en-US"/>
               <a:t>Fifth level</a:t>
             </a:r>
             <a:endParaRPr lang="en-US" dirty="0"/>
@@ -4470,7 +4299,7 @@
           <a:p>
             <a:fld id="{DAE7E8CE-F674-CE45-907F-B93796A820FE}" type="datetime1">
               <a:rPr lang="en-US" smtClean="0"/>
-              <a:t>9/2/20</a:t>
+              <a:t>9/2/21</a:t>
             </a:fld>
             <a:endParaRPr lang="en-US"/>
           </a:p>
@@ -4564,7 +4393,7 @@
           <a:lstStyle/>
           <a:p>
             <a:r>
-              <a:rPr lang="en-US" smtClean="0"/>
+              <a:rPr lang="en-US"/>
               <a:t>Click to edit Master title style</a:t>
             </a:r>
             <a:endParaRPr lang="en-US" dirty="0"/>
@@ -4588,7 +4417,7 @@
           <a:p>
             <a:fld id="{DBDF53C4-8DB6-654C-B35C-A00DACD59E89}" type="datetime1">
               <a:rPr lang="en-US" smtClean="0"/>
-              <a:t>9/2/20</a:t>
+              <a:t>9/2/21</a:t>
             </a:fld>
             <a:endParaRPr lang="en-US"/>
           </a:p>
@@ -4683,7 +4512,7 @@
           <a:p>
             <a:fld id="{9221EE96-EEA7-8042-A539-B688675B1160}" type="datetime1">
               <a:rPr lang="en-US" smtClean="0"/>
-              <a:t>9/2/20</a:t>
+              <a:t>9/2/21</a:t>
             </a:fld>
             <a:endParaRPr lang="en-US"/>
           </a:p>
@@ -4786,7 +4615,7 @@
           </a:lstStyle>
           <a:p>
             <a:r>
-              <a:rPr lang="en-US" smtClean="0"/>
+              <a:rPr lang="en-US"/>
               <a:t>Click to edit Master title style</a:t>
             </a:r>
             <a:endParaRPr lang="en-US" dirty="0"/>
@@ -4843,35 +4672,35 @@
           <a:p>
             <a:pPr lvl="0"/>
             <a:r>
-              <a:rPr lang="en-US" smtClean="0"/>
+              <a:rPr lang="en-US"/>
               <a:t>Click to edit Master text styles</a:t>
             </a:r>
           </a:p>
           <a:p>
             <a:pPr lvl="1"/>
             <a:r>
-              <a:rPr lang="en-US" smtClean="0"/>
+              <a:rPr lang="en-US"/>
               <a:t>Second level</a:t>
             </a:r>
           </a:p>
           <a:p>
             <a:pPr lvl="2"/>
             <a:r>
-              <a:rPr lang="en-US" smtClean="0"/>
+              <a:rPr lang="en-US"/>
               <a:t>Third level</a:t>
             </a:r>
           </a:p>
           <a:p>
             <a:pPr lvl="3"/>
             <a:r>
-              <a:rPr lang="en-US" smtClean="0"/>
+              <a:rPr lang="en-US"/>
               <a:t>Fourth level</a:t>
             </a:r>
           </a:p>
           <a:p>
             <a:pPr lvl="4"/>
             <a:r>
-              <a:rPr lang="en-US" smtClean="0"/>
+              <a:rPr lang="en-US"/>
               <a:t>Fifth level</a:t>
             </a:r>
             <a:endParaRPr lang="en-US" dirty="0"/>
@@ -4937,7 +4766,7 @@
           <a:p>
             <a:pPr lvl="0"/>
             <a:r>
-              <a:rPr lang="en-US" smtClean="0"/>
+              <a:rPr lang="en-US"/>
               <a:t>Click to edit Master text styles</a:t>
             </a:r>
           </a:p>
@@ -4960,7 +4789,7 @@
           <a:p>
             <a:fld id="{2A1AD559-03F7-AE4F-AE6E-879DA4105F4A}" type="datetime1">
               <a:rPr lang="en-US" smtClean="0"/>
-              <a:t>9/2/20</a:t>
+              <a:t>9/2/21</a:t>
             </a:fld>
             <a:endParaRPr lang="en-US"/>
           </a:p>
@@ -5063,7 +4892,7 @@
           </a:lstStyle>
           <a:p>
             <a:r>
-              <a:rPr lang="en-US" smtClean="0"/>
+              <a:rPr lang="en-US"/>
               <a:t>Click to edit Master title style</a:t>
             </a:r>
             <a:endParaRPr lang="en-US" dirty="0"/>
@@ -5128,7 +4957,7 @@
           </a:lstStyle>
           <a:p>
             <a:r>
-              <a:rPr lang="en-US" smtClean="0"/>
+              <a:rPr lang="en-US"/>
               <a:t>Drag picture to placeholder or click icon to add</a:t>
             </a:r>
             <a:endParaRPr lang="en-US" dirty="0"/>
@@ -5194,7 +5023,7 @@
           <a:p>
             <a:pPr lvl="0"/>
             <a:r>
-              <a:rPr lang="en-US" smtClean="0"/>
+              <a:rPr lang="en-US"/>
               <a:t>Click to edit Master text styles</a:t>
             </a:r>
           </a:p>
@@ -5217,7 +5046,7 @@
           <a:p>
             <a:fld id="{098ED254-4AE8-634D-8DBD-99E7834EA271}" type="datetime1">
               <a:rPr lang="en-US" smtClean="0"/>
-              <a:t>9/2/20</a:t>
+              <a:t>9/2/21</a:t>
             </a:fld>
             <a:endParaRPr lang="en-US"/>
           </a:p>
@@ -5326,7 +5155,7 @@
           <a:lstStyle/>
           <a:p>
             <a:r>
-              <a:rPr lang="en-US" smtClean="0"/>
+              <a:rPr lang="en-US"/>
               <a:t>Click to edit Master title style</a:t>
             </a:r>
             <a:endParaRPr lang="en-US" dirty="0"/>
@@ -5360,35 +5189,35 @@
           <a:p>
             <a:pPr lvl="0"/>
             <a:r>
-              <a:rPr lang="en-US" smtClean="0"/>
+              <a:rPr lang="en-US"/>
               <a:t>Click to edit Master text styles</a:t>
             </a:r>
           </a:p>
           <a:p>
             <a:pPr lvl="1"/>
             <a:r>
-              <a:rPr lang="en-US" smtClean="0"/>
+              <a:rPr lang="en-US"/>
               <a:t>Second level</a:t>
             </a:r>
           </a:p>
           <a:p>
             <a:pPr lvl="2"/>
             <a:r>
-              <a:rPr lang="en-US" smtClean="0"/>
+              <a:rPr lang="en-US"/>
               <a:t>Third level</a:t>
             </a:r>
           </a:p>
           <a:p>
             <a:pPr lvl="3"/>
             <a:r>
-              <a:rPr lang="en-US" smtClean="0"/>
+              <a:rPr lang="en-US"/>
               <a:t>Fourth level</a:t>
             </a:r>
           </a:p>
           <a:p>
             <a:pPr lvl="4"/>
             <a:r>
-              <a:rPr lang="en-US" smtClean="0"/>
+              <a:rPr lang="en-US"/>
               <a:t>Fifth level</a:t>
             </a:r>
             <a:endParaRPr lang="en-US" dirty="0"/>
@@ -5430,7 +5259,7 @@
           <a:p>
             <a:fld id="{6F0CE346-2F65-2A42-99D8-3393CF554B36}" type="datetime1">
               <a:rPr lang="en-US" smtClean="0"/>
-              <a:t>9/2/20</a:t>
+              <a:t>9/2/21</a:t>
             </a:fld>
             <a:endParaRPr lang="en-US"/>
           </a:p>
@@ -5854,24 +5683,23 @@
           <a:lstStyle/>
           <a:p>
             <a:r>
-              <a:rPr lang="en-US" sz="5400" dirty="0" smtClean="0"/>
+              <a:rPr lang="en-US" sz="5400" dirty="0"/>
               <a:t>Computer Systems Organization</a:t>
             </a:r>
             <a:br>
-              <a:rPr lang="en-US" sz="5400" dirty="0" smtClean="0"/>
+              <a:rPr lang="en-US" sz="5400" dirty="0"/>
             </a:br>
             <a:r>
-              <a:rPr lang="en-US" sz="5400" dirty="0" smtClean="0"/>
+              <a:rPr lang="en-US" sz="5400" dirty="0"/>
               <a:t>Recitation</a:t>
             </a:r>
             <a:br>
-              <a:rPr lang="en-US" sz="5400" dirty="0" smtClean="0"/>
+              <a:rPr lang="en-US" sz="5400" dirty="0"/>
             </a:br>
             <a:r>
-              <a:rPr lang="en-US" sz="4000" dirty="0" smtClean="0"/>
+              <a:rPr lang="en-US" sz="4000" dirty="0"/>
               <a:t>CSCI-UA 0201-007</a:t>
             </a:r>
-            <a:endParaRPr lang="en-US" sz="4000" dirty="0"/>
           </a:p>
         </p:txBody>
       </p:sp>
@@ -5896,18 +5724,9 @@
           <a:lstStyle/>
           <a:p>
             <a:r>
-              <a:rPr lang="en-US" dirty="0" smtClean="0"/>
-              <a:t>R01: Introduction &amp; Environment </a:t>
-            </a:r>
-            <a:r>
-              <a:rPr lang="en-US" dirty="0"/>
-              <a:t>S</a:t>
-            </a:r>
-            <a:r>
-              <a:rPr lang="en-US" dirty="0" smtClean="0"/>
-              <a:t>etup</a:t>
-            </a:r>
-            <a:endParaRPr lang="en-US" dirty="0"/>
+              <a:rPr lang="en-US" dirty="0"/>
+              <a:t>R01: Introduction &amp; Environment Setup</a:t>
+            </a:r>
           </a:p>
         </p:txBody>
       </p:sp>
@@ -5934,22 +5753,21 @@
           <a:lstStyle/>
           <a:p>
             <a:r>
-              <a:rPr lang="en-US" smtClean="0"/>
+              <a:rPr lang="en-US"/>
               <a:t>Many slides </a:t>
             </a:r>
             <a:r>
-              <a:rPr lang="en-US" dirty="0" smtClean="0"/>
+              <a:rPr lang="en-US" dirty="0"/>
               <a:t>are based on John </a:t>
             </a:r>
             <a:r>
-              <a:rPr lang="en-US" dirty="0" err="1" smtClean="0"/>
+              <a:rPr lang="en-US" dirty="0" err="1"/>
               <a:t>Westhoff’s</a:t>
             </a:r>
             <a:r>
-              <a:rPr lang="en-US" dirty="0" smtClean="0"/>
+              <a:rPr lang="en-US" dirty="0"/>
               <a:t> Fall 2019 CSO recitation</a:t>
             </a:r>
-            <a:endParaRPr lang="en-US" dirty="0"/>
           </a:p>
         </p:txBody>
       </p:sp>
@@ -5963,13 +5781,6 @@
   <p:clrMapOvr>
     <a:masterClrMapping/>
   </p:clrMapOvr>
-  <p:timing>
-    <p:tnLst>
-      <p:par>
-        <p:cTn id="1" dur="indefinite" restart="never" nodeType="tmRoot"/>
-      </p:par>
-    </p:tnLst>
-  </p:timing>
 </p:sld>
 </file>
 
@@ -6006,10 +5817,9 @@
           <a:lstStyle/>
           <a:p>
             <a:r>
-              <a:rPr lang="en-US" dirty="0" smtClean="0"/>
-              <a:t>Today’s Topics</a:t>
-            </a:r>
-            <a:endParaRPr lang="en-US" dirty="0"/>
+              <a:rPr lang="en-US" dirty="0"/>
+              <a:t>Today’s Goal</a:t>
+            </a:r>
           </a:p>
         </p:txBody>
       </p:sp>
@@ -6029,57 +5839,46 @@
           <a:lstStyle/>
           <a:p>
             <a:r>
-              <a:rPr lang="en-US" dirty="0" smtClean="0"/>
-              <a:t>Setting up your virtual machine</a:t>
-            </a:r>
-          </a:p>
-          <a:p>
-            <a:r>
-              <a:rPr lang="en-US" dirty="0" smtClean="0"/>
-              <a:t>Setting up your </a:t>
-            </a:r>
-            <a:r>
-              <a:rPr lang="en-US" dirty="0" err="1" smtClean="0"/>
-              <a:t>git</a:t>
-            </a:r>
-            <a:r>
-              <a:rPr lang="en-US" dirty="0" smtClean="0"/>
-              <a:t> repositories</a:t>
-            </a:r>
-          </a:p>
-          <a:p>
-            <a:r>
-              <a:rPr lang="en-US" dirty="0" smtClean="0"/>
-              <a:t>Basic Unix commands</a:t>
-            </a:r>
-          </a:p>
-          <a:p>
-            <a:r>
-              <a:rPr lang="en-US" dirty="0" smtClean="0"/>
-              <a:t>Program development</a:t>
+              <a:rPr lang="en-US" dirty="0"/>
+              <a:t>By the end of today’s recitation, your should</a:t>
             </a:r>
           </a:p>
           <a:p>
             <a:pPr lvl="1"/>
             <a:r>
-              <a:rPr lang="en-US" dirty="0" smtClean="0"/>
-              <a:t>Editor (Sublime)</a:t>
+              <a:rPr lang="en-US" dirty="0"/>
+              <a:t>Be able to log into snappy1</a:t>
             </a:r>
           </a:p>
           <a:p>
             <a:pPr lvl="1"/>
             <a:r>
-              <a:rPr lang="en-US" dirty="0" smtClean="0"/>
-              <a:t>Version control (</a:t>
-            </a:r>
-            <a:r>
-              <a:rPr lang="en-US" dirty="0" err="1" smtClean="0"/>
-              <a:t>Git</a:t>
-            </a:r>
-            <a:r>
-              <a:rPr lang="en-US" dirty="0" smtClean="0"/>
-              <a:t>)</a:t>
-            </a:r>
+              <a:rPr lang="en-US" dirty="0"/>
+              <a:t>Have GitHub ready for you to submit work</a:t>
+            </a:r>
+          </a:p>
+          <a:p>
+            <a:pPr lvl="2"/>
+            <a:r>
+              <a:rPr lang="en-US" dirty="0"/>
+              <a:t>An account</a:t>
+            </a:r>
+          </a:p>
+          <a:p>
+            <a:pPr lvl="2"/>
+            <a:r>
+              <a:rPr lang="en-US" dirty="0"/>
+              <a:t>Lab-1 repository</a:t>
+            </a:r>
+          </a:p>
+          <a:p>
+            <a:pPr lvl="2"/>
+            <a:r>
+              <a:rPr lang="en-US" dirty="0"/>
+              <a:t>Know how to submit assignments</a:t>
+            </a:r>
+          </a:p>
+          <a:p>
             <a:endParaRPr lang="en-US" dirty="0"/>
           </a:p>
         </p:txBody>
@@ -6110,20 +5909,13 @@
     </p:spTree>
     <p:extLst>
       <p:ext uri="{BB962C8B-B14F-4D97-AF65-F5344CB8AC3E}">
-        <p14:creationId xmlns:p14="http://schemas.microsoft.com/office/powerpoint/2010/main" val="1759529970"/>
+        <p14:creationId xmlns:p14="http://schemas.microsoft.com/office/powerpoint/2010/main" val="1150538041"/>
       </p:ext>
     </p:extLst>
   </p:cSld>
   <p:clrMapOvr>
     <a:masterClrMapping/>
   </p:clrMapOvr>
-  <p:timing>
-    <p:tnLst>
-      <p:par>
-        <p:cTn id="1" dur="indefinite" restart="never" nodeType="tmRoot"/>
-      </p:par>
-    </p:tnLst>
-  </p:timing>
 </p:sld>
 </file>
 
@@ -6160,10 +5952,9 @@
           <a:lstStyle/>
           <a:p>
             <a:r>
-              <a:rPr lang="en-US" dirty="0" smtClean="0"/>
-              <a:t>Today’s Goal</a:t>
-            </a:r>
-            <a:endParaRPr lang="en-US" dirty="0"/>
+              <a:rPr lang="en-US" dirty="0"/>
+              <a:t>Basic virtual machine setup</a:t>
+            </a:r>
           </a:p>
         </p:txBody>
       </p:sp>
@@ -6183,47 +5974,32 @@
           <a:lstStyle/>
           <a:p>
             <a:r>
-              <a:rPr lang="en-US" dirty="0" smtClean="0"/>
-              <a:t>By the end of today’s recitation, your should</a:t>
+              <a:rPr lang="en-US" dirty="0"/>
+              <a:t>Follow </a:t>
+            </a:r>
+            <a:r>
+              <a:rPr lang="en-US" dirty="0">
+                <a:hlinkClick r:id="rId3"/>
+              </a:rPr>
+              <a:t>https://nyu-cso.github.io/labs/</a:t>
+            </a:r>
+            <a:r>
+              <a:rPr lang="en-US" dirty="0"/>
+              <a:t> instructions</a:t>
             </a:r>
           </a:p>
           <a:p>
             <a:pPr lvl="1"/>
             <a:r>
-              <a:rPr lang="en-US" dirty="0" smtClean="0"/>
-              <a:t>Have the class virtual machine installed</a:t>
-            </a:r>
-          </a:p>
-          <a:p>
-            <a:pPr lvl="1"/>
-            <a:r>
-              <a:rPr lang="en-US" dirty="0" smtClean="0"/>
-              <a:t>Have GitHub ready for you to submit work</a:t>
-            </a:r>
-          </a:p>
-          <a:p>
-            <a:pPr lvl="2"/>
-            <a:r>
-              <a:rPr lang="en-US" dirty="0" smtClean="0"/>
-              <a:t>An account</a:t>
-            </a:r>
-          </a:p>
-          <a:p>
-            <a:pPr lvl="2"/>
-            <a:r>
-              <a:rPr lang="en-US" dirty="0" smtClean="0"/>
-              <a:t>Lab-1 repository</a:t>
-            </a:r>
-          </a:p>
-          <a:p>
-            <a:pPr lvl="2"/>
-            <a:r>
-              <a:rPr lang="en-US" dirty="0" smtClean="0"/>
-              <a:t>Know how to submit assignments</a:t>
-            </a:r>
-          </a:p>
-          <a:p>
-            <a:endParaRPr lang="en-US" dirty="0"/>
+              <a:rPr lang="en-US" dirty="0"/>
+              <a:t>Separate instructions for Mac and Windows</a:t>
+            </a:r>
+          </a:p>
+          <a:p>
+            <a:r>
+              <a:rPr lang="en-US" dirty="0"/>
+              <a:t>Demo</a:t>
+            </a:r>
           </a:p>
         </p:txBody>
       </p:sp>
@@ -6253,20 +6029,13 @@
     </p:spTree>
     <p:extLst>
       <p:ext uri="{BB962C8B-B14F-4D97-AF65-F5344CB8AC3E}">
-        <p14:creationId xmlns:p14="http://schemas.microsoft.com/office/powerpoint/2010/main" val="1150538041"/>
+        <p14:creationId xmlns:p14="http://schemas.microsoft.com/office/powerpoint/2010/main" val="2084599522"/>
       </p:ext>
     </p:extLst>
   </p:cSld>
   <p:clrMapOvr>
     <a:masterClrMapping/>
   </p:clrMapOvr>
-  <p:timing>
-    <p:tnLst>
-      <p:par>
-        <p:cTn id="1" dur="indefinite" restart="never" nodeType="tmRoot"/>
-      </p:par>
-    </p:tnLst>
-  </p:timing>
 </p:sld>
 </file>
 
@@ -6303,362 +6072,7 @@
           <a:lstStyle/>
           <a:p>
             <a:r>
-              <a:rPr lang="en-US" dirty="0" smtClean="0"/>
-              <a:t>Basic virtual machine setup</a:t>
-            </a:r>
-            <a:endParaRPr lang="en-US" dirty="0"/>
-          </a:p>
-        </p:txBody>
-      </p:sp>
-      <p:sp>
-        <p:nvSpPr>
-          <p:cNvPr id="3" name="Content Placeholder 2"/>
-          <p:cNvSpPr>
-            <a:spLocks noGrp="1"/>
-          </p:cNvSpPr>
-          <p:nvPr>
-            <p:ph idx="1"/>
-          </p:nvPr>
-        </p:nvSpPr>
-        <p:spPr/>
-        <p:txBody>
-          <a:bodyPr/>
-          <a:lstStyle/>
-          <a:p>
-            <a:r>
-              <a:rPr lang="en-US" dirty="0" smtClean="0"/>
-              <a:t>Follow </a:t>
-            </a:r>
-            <a:r>
               <a:rPr lang="en-US" dirty="0">
-                <a:hlinkClick r:id="rId3"/>
-              </a:rPr>
-              <a:t>https://nyu-cso.github.io/labs</a:t>
-            </a:r>
-            <a:r>
-              <a:rPr lang="en-US" dirty="0" smtClean="0">
-                <a:hlinkClick r:id="rId3"/>
-              </a:rPr>
-              <a:t>/</a:t>
-            </a:r>
-            <a:r>
-              <a:rPr lang="en-US" dirty="0" smtClean="0"/>
-              <a:t> instructions to </a:t>
-            </a:r>
-          </a:p>
-          <a:p>
-            <a:pPr lvl="1"/>
-            <a:r>
-              <a:rPr lang="en-US" dirty="0" smtClean="0"/>
-              <a:t>Download </a:t>
-            </a:r>
-            <a:r>
-              <a:rPr lang="en-US" dirty="0" err="1" smtClean="0"/>
-              <a:t>VirtualBox</a:t>
-            </a:r>
-            <a:r>
-              <a:rPr lang="en-US" dirty="0" smtClean="0"/>
-              <a:t> 6.0.10</a:t>
-            </a:r>
-          </a:p>
-          <a:p>
-            <a:pPr lvl="1"/>
-            <a:r>
-              <a:rPr lang="en-US" dirty="0" smtClean="0"/>
-              <a:t>Download our </a:t>
-            </a:r>
-            <a:r>
-              <a:rPr lang="en-US" dirty="0" err="1" smtClean="0"/>
-              <a:t>VirtualBox</a:t>
-            </a:r>
-            <a:r>
-              <a:rPr lang="en-US" dirty="0" smtClean="0"/>
-              <a:t> image</a:t>
-            </a:r>
-          </a:p>
-          <a:p>
-            <a:pPr lvl="1"/>
-            <a:r>
-              <a:rPr lang="en-US" dirty="0" smtClean="0"/>
-              <a:t>Launch </a:t>
-            </a:r>
-            <a:r>
-              <a:rPr lang="en-US" dirty="0" err="1" smtClean="0"/>
-              <a:t>VirtualBox</a:t>
-            </a:r>
-            <a:r>
-              <a:rPr lang="en-US" dirty="0" smtClean="0"/>
-              <a:t> and import the image</a:t>
-            </a:r>
-          </a:p>
-          <a:p>
-            <a:pPr lvl="1"/>
-            <a:r>
-              <a:rPr lang="en-US" dirty="0" smtClean="0"/>
-              <a:t>Launch </a:t>
-            </a:r>
-            <a:r>
-              <a:rPr lang="en-US" dirty="0" err="1" smtClean="0"/>
-              <a:t>Lubuntu</a:t>
-            </a:r>
-            <a:r>
-              <a:rPr lang="en-US" dirty="0" smtClean="0"/>
-              <a:t> Linux</a:t>
-            </a:r>
-          </a:p>
-          <a:p>
-            <a:pPr lvl="2"/>
-            <a:r>
-              <a:rPr lang="en-US" dirty="0" smtClean="0"/>
-              <a:t>Username “lab”, password “lab12345”</a:t>
-            </a:r>
-            <a:endParaRPr lang="en-US" dirty="0"/>
-          </a:p>
-        </p:txBody>
-      </p:sp>
-      <p:sp>
-        <p:nvSpPr>
-          <p:cNvPr id="4" name="Slide Number Placeholder 3"/>
-          <p:cNvSpPr>
-            <a:spLocks noGrp="1"/>
-          </p:cNvSpPr>
-          <p:nvPr>
-            <p:ph type="sldNum" sz="quarter" idx="12"/>
-          </p:nvPr>
-        </p:nvSpPr>
-        <p:spPr/>
-        <p:txBody>
-          <a:bodyPr/>
-          <a:lstStyle/>
-          <a:p>
-            <a:fld id="{2EF37834-DECA-D44B-90BD-9C7AAAF5A0F7}" type="slidenum">
-              <a:rPr lang="en-US" smtClean="0"/>
-              <a:t>12</a:t>
-            </a:fld>
-            <a:endParaRPr lang="en-US"/>
-          </a:p>
-        </p:txBody>
-      </p:sp>
-    </p:spTree>
-    <p:extLst>
-      <p:ext uri="{BB962C8B-B14F-4D97-AF65-F5344CB8AC3E}">
-        <p14:creationId xmlns:p14="http://schemas.microsoft.com/office/powerpoint/2010/main" val="2084599522"/>
-      </p:ext>
-    </p:extLst>
-  </p:cSld>
-  <p:clrMapOvr>
-    <a:masterClrMapping/>
-  </p:clrMapOvr>
-  <p:timing>
-    <p:tnLst>
-      <p:par>
-        <p:cTn id="1" dur="indefinite" restart="never" nodeType="tmRoot"/>
-      </p:par>
-    </p:tnLst>
-  </p:timing>
-</p:sld>
-</file>
-
-<file path=ppt/slides/slide13.xml><?xml version="1.0" encoding="utf-8"?>
-<p:sld xmlns:a="http://schemas.openxmlformats.org/drawingml/2006/main" xmlns:r="http://schemas.openxmlformats.org/officeDocument/2006/relationships" xmlns:p="http://schemas.openxmlformats.org/presentationml/2006/main">
-  <p:cSld>
-    <p:spTree>
-      <p:nvGrpSpPr>
-        <p:cNvPr id="1" name=""/>
-        <p:cNvGrpSpPr/>
-        <p:nvPr/>
-      </p:nvGrpSpPr>
-      <p:grpSpPr>
-        <a:xfrm>
-          <a:off x="0" y="0"/>
-          <a:ext cx="0" cy="0"/>
-          <a:chOff x="0" y="0"/>
-          <a:chExt cx="0" cy="0"/>
-        </a:xfrm>
-      </p:grpSpPr>
-      <p:sp>
-        <p:nvSpPr>
-          <p:cNvPr id="2" name="Title 1"/>
-          <p:cNvSpPr>
-            <a:spLocks noGrp="1"/>
-          </p:cNvSpPr>
-          <p:nvPr>
-            <p:ph type="title"/>
-          </p:nvPr>
-        </p:nvSpPr>
-        <p:spPr/>
-        <p:txBody>
-          <a:bodyPr/>
-          <a:lstStyle/>
-          <a:p>
-            <a:r>
-              <a:rPr lang="en-US" dirty="0" smtClean="0"/>
-              <a:t>Advanced VM setup</a:t>
-            </a:r>
-            <a:endParaRPr lang="en-US" dirty="0"/>
-          </a:p>
-        </p:txBody>
-      </p:sp>
-      <p:sp>
-        <p:nvSpPr>
-          <p:cNvPr id="3" name="Content Placeholder 2"/>
-          <p:cNvSpPr>
-            <a:spLocks noGrp="1"/>
-          </p:cNvSpPr>
-          <p:nvPr>
-            <p:ph idx="1"/>
-          </p:nvPr>
-        </p:nvSpPr>
-        <p:spPr/>
-        <p:txBody>
-          <a:bodyPr/>
-          <a:lstStyle/>
-          <a:p>
-            <a:r>
-              <a:rPr lang="en-US" dirty="0" smtClean="0"/>
-              <a:t>After finishing the basic setup, you are good to go</a:t>
-            </a:r>
-          </a:p>
-          <a:p>
-            <a:r>
-              <a:rPr lang="en-US" dirty="0" smtClean="0"/>
-              <a:t>But if you want to</a:t>
-            </a:r>
-          </a:p>
-          <a:p>
-            <a:pPr lvl="1"/>
-            <a:r>
-              <a:rPr lang="en-US" dirty="0" smtClean="0"/>
-              <a:t>Resize the VM window to full screen nicely</a:t>
-            </a:r>
-          </a:p>
-          <a:p>
-            <a:pPr lvl="1"/>
-            <a:r>
-              <a:rPr lang="en-US" dirty="0" smtClean="0"/>
-              <a:t>Copy and paste between the VM and your laptop</a:t>
-            </a:r>
-          </a:p>
-          <a:p>
-            <a:pPr lvl="1"/>
-            <a:r>
-              <a:rPr lang="en-US" dirty="0" smtClean="0"/>
-              <a:t>Move files between your laptop and the VM</a:t>
-            </a:r>
-          </a:p>
-          <a:p>
-            <a:r>
-              <a:rPr lang="en-US" dirty="0" smtClean="0"/>
-              <a:t> Then check our the Lab instruction page!</a:t>
-            </a:r>
-          </a:p>
-          <a:p>
-            <a:pPr lvl="1"/>
-            <a:r>
-              <a:rPr lang="en-US" dirty="0">
-                <a:hlinkClick r:id="rId3"/>
-              </a:rPr>
-              <a:t>https://nyu-cso.github.io/labs</a:t>
-            </a:r>
-            <a:r>
-              <a:rPr lang="en-US" dirty="0" smtClean="0">
-                <a:hlinkClick r:id="rId3"/>
-              </a:rPr>
-              <a:t>/</a:t>
-            </a:r>
-            <a:endParaRPr lang="en-US" dirty="0" smtClean="0"/>
-          </a:p>
-          <a:p>
-            <a:pPr lvl="1"/>
-            <a:r>
-              <a:rPr lang="en-US" dirty="0" smtClean="0"/>
-              <a:t>Recommend it!</a:t>
-            </a:r>
-          </a:p>
-          <a:p>
-            <a:pPr lvl="1"/>
-            <a:endParaRPr lang="en-US" dirty="0"/>
-          </a:p>
-        </p:txBody>
-      </p:sp>
-      <p:sp>
-        <p:nvSpPr>
-          <p:cNvPr id="4" name="Slide Number Placeholder 3"/>
-          <p:cNvSpPr>
-            <a:spLocks noGrp="1"/>
-          </p:cNvSpPr>
-          <p:nvPr>
-            <p:ph type="sldNum" sz="quarter" idx="12"/>
-          </p:nvPr>
-        </p:nvSpPr>
-        <p:spPr/>
-        <p:txBody>
-          <a:bodyPr/>
-          <a:lstStyle/>
-          <a:p>
-            <a:fld id="{2EF37834-DECA-D44B-90BD-9C7AAAF5A0F7}" type="slidenum">
-              <a:rPr lang="en-US" smtClean="0"/>
-              <a:pPr/>
-              <a:t>13</a:t>
-            </a:fld>
-            <a:endParaRPr lang="en-US" dirty="0"/>
-          </a:p>
-        </p:txBody>
-      </p:sp>
-    </p:spTree>
-    <p:extLst>
-      <p:ext uri="{BB962C8B-B14F-4D97-AF65-F5344CB8AC3E}">
-        <p14:creationId xmlns:p14="http://schemas.microsoft.com/office/powerpoint/2010/main" val="2016634825"/>
-      </p:ext>
-    </p:extLst>
-  </p:cSld>
-  <p:clrMapOvr>
-    <a:masterClrMapping/>
-  </p:clrMapOvr>
-  <p:timing>
-    <p:tnLst>
-      <p:par>
-        <p:cTn id="1" dur="indefinite" restart="never" nodeType="tmRoot"/>
-      </p:par>
-    </p:tnLst>
-  </p:timing>
-</p:sld>
-</file>
-
-<file path=ppt/slides/slide14.xml><?xml version="1.0" encoding="utf-8"?>
-<p:sld xmlns:a="http://schemas.openxmlformats.org/drawingml/2006/main" xmlns:r="http://schemas.openxmlformats.org/officeDocument/2006/relationships" xmlns:p="http://schemas.openxmlformats.org/presentationml/2006/main">
-  <p:cSld>
-    <p:spTree>
-      <p:nvGrpSpPr>
-        <p:cNvPr id="1" name=""/>
-        <p:cNvGrpSpPr/>
-        <p:nvPr/>
-      </p:nvGrpSpPr>
-      <p:grpSpPr>
-        <a:xfrm>
-          <a:off x="0" y="0"/>
-          <a:ext cx="0" cy="0"/>
-          <a:chOff x="0" y="0"/>
-          <a:chExt cx="0" cy="0"/>
-        </a:xfrm>
-      </p:grpSpPr>
-      <p:sp>
-        <p:nvSpPr>
-          <p:cNvPr id="2" name="Title 1"/>
-          <p:cNvSpPr>
-            <a:spLocks noGrp="1"/>
-          </p:cNvSpPr>
-          <p:nvPr>
-            <p:ph type="title"/>
-          </p:nvPr>
-        </p:nvSpPr>
-        <p:spPr/>
-        <p:txBody>
-          <a:bodyPr/>
-          <a:lstStyle/>
-          <a:p>
-            <a:r>
-              <a:rPr lang="en-US" dirty="0" smtClean="0">
                 <a:solidFill>
                   <a:srgbClr val="FF0000"/>
                 </a:solidFill>
@@ -6666,11 +6080,11 @@
               <a:t>Attention:</a:t>
             </a:r>
             <a:r>
-              <a:rPr lang="en-US" dirty="0" smtClean="0"/>
+              <a:rPr lang="en-US" dirty="0"/>
               <a:t> You </a:t>
             </a:r>
             <a:r>
-              <a:rPr lang="en-US" dirty="0" smtClean="0">
+              <a:rPr lang="en-US" dirty="0">
                 <a:solidFill>
                   <a:srgbClr val="FF0000"/>
                 </a:solidFill>
@@ -6678,10 +6092,9 @@
               <a:t>MUST</a:t>
             </a:r>
             <a:r>
-              <a:rPr lang="en-US" dirty="0" smtClean="0"/>
-              <a:t> test your code in your class virtual machine</a:t>
-            </a:r>
-            <a:endParaRPr lang="en-US" dirty="0"/>
+              <a:rPr lang="en-US" dirty="0"/>
+              <a:t> test your code on snappy1</a:t>
+            </a:r>
           </a:p>
         </p:txBody>
       </p:sp>
@@ -6701,11 +6114,11 @@
           <a:lstStyle/>
           <a:p>
             <a:r>
-              <a:rPr lang="en-US" dirty="0" smtClean="0"/>
-              <a:t>We recommend you to do your labs in your virtual machine we provide to you, and </a:t>
-            </a:r>
-            <a:r>
-              <a:rPr lang="en-US" dirty="0" smtClean="0">
+              <a:rPr lang="en-US" dirty="0"/>
+              <a:t>We recommend you to do your labs on snappy1 and </a:t>
+            </a:r>
+            <a:r>
+              <a:rPr lang="en-US" dirty="0">
                 <a:solidFill>
                   <a:srgbClr val="FF0000"/>
                 </a:solidFill>
@@ -6715,50 +6128,41 @@
           </a:p>
           <a:p>
             <a:r>
-              <a:rPr lang="en-US" dirty="0" smtClean="0"/>
-              <a:t>More tools are available for debugging in VM (</a:t>
-            </a:r>
-            <a:r>
-              <a:rPr lang="en-US" dirty="0" err="1" smtClean="0"/>
+              <a:rPr lang="en-US" dirty="0"/>
+              <a:t>More tools are available for debugging (</a:t>
+            </a:r>
+            <a:r>
+              <a:rPr lang="en-US" dirty="0" err="1"/>
               <a:t>gdb</a:t>
             </a:r>
             <a:r>
-              <a:rPr lang="en-US" dirty="0" smtClean="0"/>
+              <a:rPr lang="en-US" dirty="0"/>
               <a:t> etc.)</a:t>
             </a:r>
           </a:p>
           <a:p>
             <a:r>
-              <a:rPr lang="en-US" dirty="0" err="1" smtClean="0"/>
+              <a:rPr lang="en-US" dirty="0" err="1"/>
               <a:t>Gradescope</a:t>
             </a:r>
             <a:r>
-              <a:rPr lang="en-US" dirty="0" smtClean="0"/>
+              <a:rPr lang="en-US" dirty="0"/>
               <a:t> runs the same test script</a:t>
             </a:r>
           </a:p>
           <a:p>
             <a:pPr lvl="1"/>
             <a:r>
-              <a:rPr lang="en-US" altLang="zh-CN" dirty="0" smtClean="0"/>
+              <a:rPr lang="en-US" altLang="zh-CN" dirty="0"/>
               <a:t>In general, there should be no surprises</a:t>
             </a:r>
-            <a:endParaRPr lang="en-US" dirty="0" smtClean="0"/>
-          </a:p>
-          <a:p>
-            <a:r>
-              <a:rPr lang="en-US" dirty="0" smtClean="0"/>
-              <a:t>If </a:t>
-            </a:r>
-            <a:r>
-              <a:rPr lang="en-US" dirty="0"/>
-              <a:t>you choose to do your labs outside of the class virtual machine, we will not provide any technical support should you encounter any OS-related issues in doing the </a:t>
-            </a:r>
-            <a:r>
-              <a:rPr lang="en-US" dirty="0" smtClean="0"/>
-              <a:t>labs</a:t>
-            </a:r>
             <a:endParaRPr lang="en-US" dirty="0"/>
+          </a:p>
+          <a:p>
+            <a:r>
+              <a:rPr lang="en-US" dirty="0"/>
+              <a:t>If you choose to do your labs outside of snappy1, we will not provide any technical support should you encounter any OS-related issues in doing the labs</a:t>
+            </a:r>
           </a:p>
         </p:txBody>
       </p:sp>
@@ -6780,7 +6184,7 @@
             <a:fld id="{2EF37834-DECA-D44B-90BD-9C7AAAF5A0F7}" type="slidenum">
               <a:rPr lang="en-US" smtClean="0"/>
               <a:pPr/>
-              <a:t>14</a:t>
+              <a:t>12</a:t>
             </a:fld>
             <a:endParaRPr lang="en-US" dirty="0"/>
           </a:p>
@@ -6878,6 +6282,309 @@
 </p:sld>
 </file>
 
+<file path=ppt/slides/slide13.xml><?xml version="1.0" encoding="utf-8"?>
+<p:sld xmlns:a="http://schemas.openxmlformats.org/drawingml/2006/main" xmlns:r="http://schemas.openxmlformats.org/officeDocument/2006/relationships" xmlns:p="http://schemas.openxmlformats.org/presentationml/2006/main">
+  <p:cSld>
+    <p:spTree>
+      <p:nvGrpSpPr>
+        <p:cNvPr id="1" name=""/>
+        <p:cNvGrpSpPr/>
+        <p:nvPr/>
+      </p:nvGrpSpPr>
+      <p:grpSpPr>
+        <a:xfrm>
+          <a:off x="0" y="0"/>
+          <a:ext cx="0" cy="0"/>
+          <a:chOff x="0" y="0"/>
+          <a:chExt cx="0" cy="0"/>
+        </a:xfrm>
+      </p:grpSpPr>
+      <p:sp>
+        <p:nvSpPr>
+          <p:cNvPr id="2" name="Title 1"/>
+          <p:cNvSpPr>
+            <a:spLocks noGrp="1"/>
+          </p:cNvSpPr>
+          <p:nvPr>
+            <p:ph type="title"/>
+          </p:nvPr>
+        </p:nvSpPr>
+        <p:spPr/>
+        <p:txBody>
+          <a:bodyPr/>
+          <a:lstStyle/>
+          <a:p>
+            <a:r>
+              <a:rPr lang="en-US" dirty="0"/>
+              <a:t>I’m in snappy1, now what?</a:t>
+            </a:r>
+          </a:p>
+        </p:txBody>
+      </p:sp>
+      <p:sp>
+        <p:nvSpPr>
+          <p:cNvPr id="4" name="Slide Number Placeholder 3"/>
+          <p:cNvSpPr>
+            <a:spLocks noGrp="1"/>
+          </p:cNvSpPr>
+          <p:nvPr>
+            <p:ph type="sldNum" sz="quarter" idx="12"/>
+          </p:nvPr>
+        </p:nvSpPr>
+        <p:spPr/>
+        <p:txBody>
+          <a:bodyPr/>
+          <a:lstStyle/>
+          <a:p>
+            <a:fld id="{2EF37834-DECA-D44B-90BD-9C7AAAF5A0F7}" type="slidenum">
+              <a:rPr lang="en-US" smtClean="0"/>
+              <a:pPr/>
+              <a:t>13</a:t>
+            </a:fld>
+            <a:endParaRPr lang="en-US" dirty="0"/>
+          </a:p>
+        </p:txBody>
+      </p:sp>
+    </p:spTree>
+    <p:extLst>
+      <p:ext uri="{BB962C8B-B14F-4D97-AF65-F5344CB8AC3E}">
+        <p14:creationId xmlns:p14="http://schemas.microsoft.com/office/powerpoint/2010/main" val="836634550"/>
+      </p:ext>
+    </p:extLst>
+  </p:cSld>
+  <p:clrMapOvr>
+    <a:masterClrMapping/>
+  </p:clrMapOvr>
+</p:sld>
+</file>
+
+<file path=ppt/slides/slide14.xml><?xml version="1.0" encoding="utf-8"?>
+<p:sld xmlns:a="http://schemas.openxmlformats.org/drawingml/2006/main" xmlns:r="http://schemas.openxmlformats.org/officeDocument/2006/relationships" xmlns:p="http://schemas.openxmlformats.org/presentationml/2006/main">
+  <p:cSld>
+    <p:spTree>
+      <p:nvGrpSpPr>
+        <p:cNvPr id="1" name=""/>
+        <p:cNvGrpSpPr/>
+        <p:nvPr/>
+      </p:nvGrpSpPr>
+      <p:grpSpPr>
+        <a:xfrm>
+          <a:off x="0" y="0"/>
+          <a:ext cx="0" cy="0"/>
+          <a:chOff x="0" y="0"/>
+          <a:chExt cx="0" cy="0"/>
+        </a:xfrm>
+      </p:grpSpPr>
+      <p:sp>
+        <p:nvSpPr>
+          <p:cNvPr id="2" name="Title 1"/>
+          <p:cNvSpPr>
+            <a:spLocks noGrp="1"/>
+          </p:cNvSpPr>
+          <p:nvPr>
+            <p:ph type="title"/>
+          </p:nvPr>
+        </p:nvSpPr>
+        <p:spPr/>
+        <p:txBody>
+          <a:bodyPr/>
+          <a:lstStyle/>
+          <a:p>
+            <a:r>
+              <a:rPr lang="en-US" dirty="0"/>
+              <a:t>Basic Commands</a:t>
+            </a:r>
+          </a:p>
+        </p:txBody>
+      </p:sp>
+      <p:sp>
+        <p:nvSpPr>
+          <p:cNvPr id="3" name="Content Placeholder 2"/>
+          <p:cNvSpPr>
+            <a:spLocks noGrp="1"/>
+          </p:cNvSpPr>
+          <p:nvPr>
+            <p:ph idx="1"/>
+          </p:nvPr>
+        </p:nvSpPr>
+        <p:spPr>
+          <a:xfrm>
+            <a:off x="838200" y="1825624"/>
+            <a:ext cx="10515600" cy="4530725"/>
+          </a:xfrm>
+        </p:spPr>
+        <p:txBody>
+          <a:bodyPr>
+            <a:normAutofit/>
+          </a:bodyPr>
+          <a:lstStyle/>
+          <a:p>
+            <a:r>
+              <a:rPr lang="en-US" dirty="0"/>
+              <a:t>Some useful commands to know:</a:t>
+            </a:r>
+          </a:p>
+          <a:p>
+            <a:pPr lvl="1"/>
+            <a:r>
+              <a:rPr lang="en-US" dirty="0"/>
+              <a:t>man</a:t>
+            </a:r>
+          </a:p>
+          <a:p>
+            <a:pPr lvl="1"/>
+            <a:r>
+              <a:rPr lang="en-US" dirty="0"/>
+              <a:t>ls, cd, </a:t>
+            </a:r>
+            <a:r>
+              <a:rPr lang="en-US" dirty="0" err="1"/>
+              <a:t>pwd</a:t>
+            </a:r>
+            <a:r>
+              <a:rPr lang="en-US" dirty="0"/>
+              <a:t>, </a:t>
+            </a:r>
+            <a:r>
+              <a:rPr lang="en-US" dirty="0" err="1"/>
+              <a:t>mkdir</a:t>
+            </a:r>
+            <a:endParaRPr lang="en-US" dirty="0"/>
+          </a:p>
+          <a:p>
+            <a:pPr lvl="1"/>
+            <a:r>
+              <a:rPr lang="en-US" dirty="0" err="1"/>
+              <a:t>cp</a:t>
+            </a:r>
+            <a:r>
+              <a:rPr lang="en-US" dirty="0"/>
+              <a:t>, mv, </a:t>
+            </a:r>
+            <a:r>
+              <a:rPr lang="en-US" dirty="0" err="1"/>
+              <a:t>rm</a:t>
+            </a:r>
+            <a:endParaRPr lang="en-US" dirty="0"/>
+          </a:p>
+          <a:p>
+            <a:pPr lvl="1"/>
+            <a:r>
+              <a:rPr lang="en-US" dirty="0"/>
+              <a:t>echo, cat</a:t>
+            </a:r>
+          </a:p>
+          <a:p>
+            <a:pPr lvl="1"/>
+            <a:r>
+              <a:rPr lang="en-US" dirty="0" err="1"/>
+              <a:t>wc</a:t>
+            </a:r>
+            <a:endParaRPr lang="en-US" dirty="0"/>
+          </a:p>
+          <a:p>
+            <a:pPr lvl="1"/>
+            <a:r>
+              <a:rPr lang="en-US" dirty="0"/>
+              <a:t>grep</a:t>
+            </a:r>
+          </a:p>
+          <a:p>
+            <a:pPr lvl="1"/>
+            <a:r>
+              <a:rPr lang="en-US" dirty="0"/>
+              <a:t>ctrl-</a:t>
+            </a:r>
+            <a:r>
+              <a:rPr lang="en-US" dirty="0" err="1"/>
+              <a:t>c,ctrl</a:t>
+            </a:r>
+            <a:r>
+              <a:rPr lang="en-US" dirty="0"/>
+              <a:t>-d, ctrl-z, </a:t>
+            </a:r>
+            <a:r>
+              <a:rPr lang="en-US" dirty="0" err="1"/>
+              <a:t>fg</a:t>
+            </a:r>
+            <a:r>
+              <a:rPr lang="en-US" dirty="0"/>
+              <a:t>, </a:t>
+            </a:r>
+            <a:r>
+              <a:rPr lang="en-US" dirty="0" err="1"/>
+              <a:t>bg</a:t>
+            </a:r>
+            <a:endParaRPr lang="en-US" dirty="0"/>
+          </a:p>
+          <a:p>
+            <a:pPr lvl="1"/>
+            <a:r>
+              <a:rPr lang="en-US" dirty="0"/>
+              <a:t>|, &gt;, &lt;, &gt;&gt;</a:t>
+            </a:r>
+          </a:p>
+          <a:p>
+            <a:pPr lvl="1"/>
+            <a:r>
+              <a:rPr lang="en-US" dirty="0"/>
+              <a:t>apt install/search</a:t>
+            </a:r>
+          </a:p>
+          <a:p>
+            <a:pPr lvl="1"/>
+            <a:r>
+              <a:rPr lang="en-US" dirty="0"/>
+              <a:t>history, ctrl-r</a:t>
+            </a:r>
+          </a:p>
+          <a:p>
+            <a:pPr lvl="1"/>
+            <a:endParaRPr lang="en-US" dirty="0"/>
+          </a:p>
+          <a:p>
+            <a:pPr lvl="1"/>
+            <a:endParaRPr lang="en-US" dirty="0"/>
+          </a:p>
+        </p:txBody>
+      </p:sp>
+      <p:sp>
+        <p:nvSpPr>
+          <p:cNvPr id="4" name="Slide Number Placeholder 3"/>
+          <p:cNvSpPr>
+            <a:spLocks noGrp="1"/>
+          </p:cNvSpPr>
+          <p:nvPr>
+            <p:ph type="sldNum" sz="quarter" idx="12"/>
+          </p:nvPr>
+        </p:nvSpPr>
+        <p:spPr/>
+        <p:txBody>
+          <a:bodyPr/>
+          <a:lstStyle/>
+          <a:p>
+            <a:fld id="{2EF37834-DECA-D44B-90BD-9C7AAAF5A0F7}" type="slidenum">
+              <a:rPr lang="en-US" smtClean="0"/>
+              <a:pPr/>
+              <a:t>14</a:t>
+            </a:fld>
+            <a:endParaRPr lang="en-US" dirty="0"/>
+          </a:p>
+        </p:txBody>
+      </p:sp>
+    </p:spTree>
+    <p:extLst>
+      <p:ext uri="{BB962C8B-B14F-4D97-AF65-F5344CB8AC3E}">
+        <p14:creationId xmlns:p14="http://schemas.microsoft.com/office/powerpoint/2010/main" val="912638727"/>
+      </p:ext>
+    </p:extLst>
+  </p:cSld>
+  <p:clrMapOvr>
+    <a:masterClrMapping/>
+  </p:clrMapOvr>
+</p:sld>
+</file>
+
 <file path=ppt/slides/slide15.xml><?xml version="1.0" encoding="utf-8"?>
 <p:sld xmlns:a="http://schemas.openxmlformats.org/drawingml/2006/main" xmlns:r="http://schemas.openxmlformats.org/officeDocument/2006/relationships" xmlns:p="http://schemas.openxmlformats.org/presentationml/2006/main">
   <p:cSld>
@@ -6911,10 +6618,9 @@
           <a:lstStyle/>
           <a:p>
             <a:r>
-              <a:rPr lang="en-US" dirty="0" smtClean="0"/>
-              <a:t>Open up a terminal</a:t>
-            </a:r>
-            <a:endParaRPr lang="en-US" dirty="0"/>
+              <a:rPr lang="en-US" dirty="0"/>
+              <a:t>Basic Commands</a:t>
+            </a:r>
           </a:p>
         </p:txBody>
       </p:sp>
@@ -6934,94 +6640,48 @@
           <a:lstStyle/>
           <a:p>
             <a:r>
-              <a:rPr lang="en-US" dirty="0" smtClean="0"/>
-              <a:t>Click the “</a:t>
-            </a:r>
-            <a:r>
-              <a:rPr lang="en-US" dirty="0" err="1" smtClean="0"/>
-              <a:t>LXterminal</a:t>
-            </a:r>
-            <a:r>
-              <a:rPr lang="en-US" dirty="0" smtClean="0"/>
-              <a:t>” icon on the desktop</a:t>
-            </a:r>
-          </a:p>
-          <a:p>
-            <a:r>
-              <a:rPr lang="en-US" dirty="0" smtClean="0"/>
-              <a:t>OR click start icon (the bottom left icon)</a:t>
+              <a:rPr lang="en-US" dirty="0"/>
+              <a:t>Whenever you want to find out how to do something using command line, ask Google first</a:t>
+            </a:r>
+          </a:p>
+          <a:p>
+            <a:r>
+              <a:rPr lang="en-US" dirty="0"/>
+              <a:t>Here is a link contains useful command, for both beginners and experienced users:</a:t>
             </a:r>
           </a:p>
           <a:p>
             <a:pPr lvl="1"/>
             <a:r>
-              <a:rPr lang="en-US" dirty="0" smtClean="0"/>
-              <a:t>Click “System Tools” and then “</a:t>
-            </a:r>
-            <a:r>
-              <a:rPr lang="en-US" dirty="0" err="1" smtClean="0"/>
-              <a:t>LXterminal</a:t>
-            </a:r>
-            <a:r>
-              <a:rPr lang="en-US" dirty="0" smtClean="0"/>
-              <a:t>”</a:t>
-            </a:r>
-          </a:p>
-          <a:p>
-            <a:r>
-              <a:rPr lang="en-US" dirty="0" smtClean="0"/>
-              <a:t>OR use the keyboard shortcut</a:t>
-            </a:r>
-          </a:p>
-          <a:p>
-            <a:pPr lvl="1"/>
-            <a:r>
-              <a:rPr lang="en-US" dirty="0" smtClean="0"/>
-              <a:t>Ctrl + Alt+ T</a:t>
-            </a:r>
-          </a:p>
-          <a:p>
-            <a:r>
-              <a:rPr lang="en-US" dirty="0" smtClean="0"/>
-              <a:t>To copy paste in a terminal, you need to use</a:t>
-            </a:r>
-          </a:p>
-          <a:p>
-            <a:pPr lvl="1"/>
-            <a:r>
-              <a:rPr lang="en-US" dirty="0" smtClean="0"/>
-              <a:t>Ctrl + Shift + C to copy</a:t>
-            </a:r>
-          </a:p>
-          <a:p>
-            <a:pPr lvl="1"/>
-            <a:r>
-              <a:rPr lang="en-US" dirty="0"/>
-              <a:t>Ctrl + Shift + </a:t>
-            </a:r>
-            <a:r>
-              <a:rPr lang="en-US" dirty="0" smtClean="0"/>
-              <a:t>V </a:t>
-            </a:r>
-            <a:r>
-              <a:rPr lang="en-US" dirty="0"/>
-              <a:t>to </a:t>
-            </a:r>
-            <a:r>
-              <a:rPr lang="en-US" dirty="0" smtClean="0"/>
-              <a:t>paste</a:t>
-            </a:r>
-          </a:p>
-          <a:p>
-            <a:pPr lvl="1"/>
-            <a:r>
-              <a:rPr lang="en-US" dirty="0" smtClean="0"/>
-              <a:t>Or just right click</a:t>
-            </a:r>
-            <a:endParaRPr lang="en-US" dirty="0"/>
-          </a:p>
-          <a:p>
-            <a:pPr lvl="1"/>
+              <a:rPr lang="en-US" dirty="0">
+                <a:hlinkClick r:id="rId3"/>
+              </a:rPr>
+              <a:t>https://</a:t>
+            </a:r>
+            <a:r>
+              <a:rPr lang="en-US" dirty="0" err="1">
+                <a:hlinkClick r:id="rId3"/>
+              </a:rPr>
+              <a:t>github.com</a:t>
+            </a:r>
+            <a:r>
+              <a:rPr lang="en-US" dirty="0">
+                <a:hlinkClick r:id="rId3"/>
+              </a:rPr>
+              <a:t>/</a:t>
+            </a:r>
+            <a:r>
+              <a:rPr lang="en-US" dirty="0" err="1">
+                <a:hlinkClick r:id="rId3"/>
+              </a:rPr>
+              <a:t>jlevy</a:t>
+            </a:r>
+            <a:r>
+              <a:rPr lang="en-US" dirty="0">
+                <a:hlinkClick r:id="rId3"/>
+              </a:rPr>
+              <a:t>/the-art-of-command-line</a:t>
+            </a:r>
             <a:endParaRPr lang="en-US" dirty="0"/>
           </a:p>
         </p:txBody>
@@ -7053,20 +6713,13 @@
     </p:spTree>
     <p:extLst>
       <p:ext uri="{BB962C8B-B14F-4D97-AF65-F5344CB8AC3E}">
-        <p14:creationId xmlns:p14="http://schemas.microsoft.com/office/powerpoint/2010/main" val="836634550"/>
+        <p14:creationId xmlns:p14="http://schemas.microsoft.com/office/powerpoint/2010/main" val="1970560314"/>
       </p:ext>
     </p:extLst>
   </p:cSld>
   <p:clrMapOvr>
     <a:masterClrMapping/>
   </p:clrMapOvr>
-  <p:timing>
-    <p:tnLst>
-      <p:par>
-        <p:cTn id="1" dur="indefinite" restart="never" nodeType="tmRoot"/>
-      </p:par>
-    </p:tnLst>
-  </p:timing>
 </p:sld>
 </file>
 
@@ -7103,162 +6756,84 @@
           <a:lstStyle/>
           <a:p>
             <a:r>
-              <a:rPr lang="en-US" dirty="0" smtClean="0"/>
-              <a:t>Basic Commands</a:t>
+              <a:rPr lang="en-US" dirty="0"/>
+              <a:t>Editor</a:t>
+            </a:r>
+          </a:p>
+        </p:txBody>
+      </p:sp>
+      <p:sp>
+        <p:nvSpPr>
+          <p:cNvPr id="3" name="Content Placeholder 2"/>
+          <p:cNvSpPr>
+            <a:spLocks noGrp="1"/>
+          </p:cNvSpPr>
+          <p:nvPr>
+            <p:ph idx="1"/>
+          </p:nvPr>
+        </p:nvSpPr>
+        <p:spPr/>
+        <p:txBody>
+          <a:bodyPr/>
+          <a:lstStyle/>
+          <a:p>
+            <a:r>
+              <a:rPr lang="en-US" dirty="0"/>
+              <a:t>You need a good editor to code with for productivity</a:t>
+            </a:r>
+          </a:p>
+          <a:p>
+            <a:r>
+              <a:rPr lang="en-US" dirty="0"/>
+              <a:t>Popular editors used by programmers:</a:t>
+            </a:r>
+          </a:p>
+          <a:p>
+            <a:pPr lvl="1"/>
+            <a:r>
+              <a:rPr lang="en-US" dirty="0"/>
+              <a:t>vim</a:t>
+            </a:r>
+          </a:p>
+          <a:p>
+            <a:pPr lvl="1"/>
+            <a:r>
+              <a:rPr lang="en-US" dirty="0" err="1"/>
+              <a:t>emacs</a:t>
             </a:r>
             <a:endParaRPr lang="en-US" dirty="0"/>
           </a:p>
-        </p:txBody>
-      </p:sp>
-      <p:sp>
-        <p:nvSpPr>
-          <p:cNvPr id="3" name="Content Placeholder 2"/>
-          <p:cNvSpPr>
-            <a:spLocks noGrp="1"/>
-          </p:cNvSpPr>
-          <p:nvPr>
-            <p:ph idx="1"/>
-          </p:nvPr>
-        </p:nvSpPr>
-        <p:spPr>
-          <a:xfrm>
-            <a:off x="838200" y="1825624"/>
-            <a:ext cx="10515600" cy="4530725"/>
-          </a:xfrm>
-        </p:spPr>
-        <p:txBody>
-          <a:bodyPr>
-            <a:normAutofit/>
-          </a:bodyPr>
-          <a:lstStyle/>
-          <a:p>
-            <a:r>
-              <a:rPr lang="en-US" dirty="0" smtClean="0"/>
-              <a:t>Some useful commands to know:</a:t>
-            </a:r>
-          </a:p>
           <a:p>
             <a:pPr lvl="1"/>
             <a:r>
-              <a:rPr lang="en-US" dirty="0" smtClean="0"/>
-              <a:t>man</a:t>
-            </a:r>
+              <a:rPr lang="en-US" dirty="0" err="1"/>
+              <a:t>vscode</a:t>
+            </a:r>
+            <a:endParaRPr lang="en-US" dirty="0"/>
           </a:p>
           <a:p>
             <a:pPr lvl="1"/>
             <a:r>
-              <a:rPr lang="en-US" dirty="0" smtClean="0"/>
-              <a:t>ls, cd, </a:t>
-            </a:r>
-            <a:r>
-              <a:rPr lang="en-US" dirty="0" err="1" smtClean="0"/>
-              <a:t>pwd</a:t>
-            </a:r>
-            <a:r>
-              <a:rPr lang="en-US" dirty="0" smtClean="0"/>
-              <a:t>, </a:t>
-            </a:r>
-            <a:r>
-              <a:rPr lang="en-US" dirty="0" err="1" smtClean="0"/>
-              <a:t>mkdir</a:t>
-            </a:r>
-            <a:endParaRPr lang="en-US" dirty="0" smtClean="0"/>
+              <a:rPr lang="en-US" dirty="0">
+                <a:solidFill>
+                  <a:srgbClr val="FFCBE7"/>
+                </a:solidFill>
+              </a:rPr>
+              <a:t>sublime</a:t>
+            </a:r>
+          </a:p>
+          <a:p>
+            <a:r>
+              <a:rPr lang="en-US" dirty="0"/>
+              <a:t>We recommend you use Sublime Text</a:t>
+            </a:r>
           </a:p>
           <a:p>
             <a:pPr lvl="1"/>
             <a:r>
-              <a:rPr lang="en-US" dirty="0" err="1" smtClean="0"/>
-              <a:t>cp</a:t>
-            </a:r>
-            <a:r>
-              <a:rPr lang="en-US" dirty="0" smtClean="0"/>
-              <a:t>, mv, </a:t>
-            </a:r>
-            <a:r>
-              <a:rPr lang="en-US" dirty="0" err="1" smtClean="0"/>
-              <a:t>rm</a:t>
-            </a:r>
-            <a:endParaRPr lang="en-US" dirty="0" smtClean="0"/>
-          </a:p>
-          <a:p>
-            <a:pPr lvl="1"/>
-            <a:r>
-              <a:rPr lang="en-US" dirty="0" smtClean="0"/>
-              <a:t>echo, cat</a:t>
-            </a:r>
-          </a:p>
-          <a:p>
-            <a:pPr lvl="1"/>
-            <a:r>
-              <a:rPr lang="en-US" dirty="0" err="1" smtClean="0"/>
-              <a:t>wc</a:t>
-            </a:r>
-            <a:endParaRPr lang="en-US" dirty="0" smtClean="0"/>
-          </a:p>
-          <a:p>
-            <a:pPr lvl="1"/>
-            <a:r>
-              <a:rPr lang="en-US" dirty="0" smtClean="0"/>
-              <a:t>grep</a:t>
-            </a:r>
-          </a:p>
-          <a:p>
-            <a:pPr lvl="1"/>
-            <a:r>
-              <a:rPr lang="en-US" dirty="0" smtClean="0"/>
-              <a:t>ctrl-</a:t>
-            </a:r>
-            <a:r>
-              <a:rPr lang="en-US" dirty="0" err="1" smtClean="0"/>
-              <a:t>c,ctrl</a:t>
-            </a:r>
-            <a:r>
-              <a:rPr lang="en-US" dirty="0" smtClean="0"/>
-              <a:t>-d, ctrl-z, </a:t>
-            </a:r>
-            <a:r>
-              <a:rPr lang="en-US" dirty="0" err="1" smtClean="0"/>
-              <a:t>fg</a:t>
-            </a:r>
-            <a:r>
-              <a:rPr lang="en-US" dirty="0" smtClean="0"/>
-              <a:t>, </a:t>
-            </a:r>
-            <a:r>
-              <a:rPr lang="en-US" dirty="0" err="1" smtClean="0"/>
-              <a:t>bg</a:t>
-            </a:r>
-            <a:endParaRPr lang="en-US" dirty="0" smtClean="0"/>
-          </a:p>
-          <a:p>
-            <a:pPr lvl="1"/>
-            <a:r>
-              <a:rPr lang="en-US" dirty="0" smtClean="0"/>
-              <a:t>|, &gt;, &lt;, &gt;&gt;</a:t>
-            </a:r>
-          </a:p>
-          <a:p>
-            <a:pPr lvl="1"/>
-            <a:r>
-              <a:rPr lang="en-US" dirty="0" smtClean="0"/>
-              <a:t>apt install/search</a:t>
-            </a:r>
-          </a:p>
-          <a:p>
-            <a:pPr lvl="1"/>
-            <a:r>
-              <a:rPr lang="en-US" dirty="0" smtClean="0"/>
-              <a:t>history, ctrl-r</a:t>
-            </a:r>
-            <a:endParaRPr lang="en-US" dirty="0"/>
-          </a:p>
-          <a:p>
-            <a:pPr lvl="1"/>
-            <a:endParaRPr lang="en-US" dirty="0" smtClean="0"/>
-          </a:p>
-          <a:p>
-            <a:pPr lvl="1"/>
-            <a:endParaRPr lang="en-US" dirty="0"/>
+              <a:rPr lang="en-US" dirty="0"/>
+              <a:t>Which should be already installed on the VM image</a:t>
+            </a:r>
           </a:p>
         </p:txBody>
       </p:sp>
@@ -7289,20 +6864,13 @@
     </p:spTree>
     <p:extLst>
       <p:ext uri="{BB962C8B-B14F-4D97-AF65-F5344CB8AC3E}">
-        <p14:creationId xmlns:p14="http://schemas.microsoft.com/office/powerpoint/2010/main" val="912638727"/>
+        <p14:creationId xmlns:p14="http://schemas.microsoft.com/office/powerpoint/2010/main" val="2110615666"/>
       </p:ext>
     </p:extLst>
   </p:cSld>
   <p:clrMapOvr>
     <a:masterClrMapping/>
   </p:clrMapOvr>
-  <p:timing>
-    <p:tnLst>
-      <p:par>
-        <p:cTn id="1" dur="indefinite" restart="never" nodeType="tmRoot"/>
-      </p:par>
-    </p:tnLst>
-  </p:timing>
 </p:sld>
 </file>
 
@@ -7339,313 +6907,7 @@
           <a:lstStyle/>
           <a:p>
             <a:r>
-              <a:rPr lang="en-US" dirty="0" smtClean="0"/>
-              <a:t>Basic Commands</a:t>
-            </a:r>
-            <a:endParaRPr lang="en-US" dirty="0"/>
-          </a:p>
-        </p:txBody>
-      </p:sp>
-      <p:sp>
-        <p:nvSpPr>
-          <p:cNvPr id="3" name="Content Placeholder 2"/>
-          <p:cNvSpPr>
-            <a:spLocks noGrp="1"/>
-          </p:cNvSpPr>
-          <p:nvPr>
-            <p:ph idx="1"/>
-          </p:nvPr>
-        </p:nvSpPr>
-        <p:spPr/>
-        <p:txBody>
-          <a:bodyPr/>
-          <a:lstStyle/>
-          <a:p>
-            <a:r>
-              <a:rPr lang="en-US" dirty="0" smtClean="0"/>
-              <a:t>Whenever you want to find out how to do something using command line, ask Google first</a:t>
-            </a:r>
-          </a:p>
-          <a:p>
-            <a:r>
-              <a:rPr lang="en-US" dirty="0" smtClean="0"/>
-              <a:t>Here is a link contains useful command, for both beginners and experienced users:</a:t>
-            </a:r>
-          </a:p>
-          <a:p>
-            <a:pPr lvl="1"/>
-            <a:r>
-              <a:rPr lang="en-US" dirty="0">
-                <a:hlinkClick r:id="rId3"/>
-              </a:rPr>
-              <a:t>https://</a:t>
-            </a:r>
-            <a:r>
-              <a:rPr lang="en-US" dirty="0" err="1" smtClean="0">
-                <a:hlinkClick r:id="rId3"/>
-              </a:rPr>
-              <a:t>github.com</a:t>
-            </a:r>
-            <a:r>
-              <a:rPr lang="en-US" dirty="0" smtClean="0">
-                <a:hlinkClick r:id="rId3"/>
-              </a:rPr>
-              <a:t>/</a:t>
-            </a:r>
-            <a:r>
-              <a:rPr lang="en-US" dirty="0" err="1" smtClean="0">
-                <a:hlinkClick r:id="rId3"/>
-              </a:rPr>
-              <a:t>jlevy</a:t>
-            </a:r>
-            <a:r>
-              <a:rPr lang="en-US" dirty="0" smtClean="0">
-                <a:hlinkClick r:id="rId3"/>
-              </a:rPr>
-              <a:t>/the-art-of-command-line</a:t>
-            </a:r>
-            <a:endParaRPr lang="en-US" dirty="0"/>
-          </a:p>
-        </p:txBody>
-      </p:sp>
-      <p:sp>
-        <p:nvSpPr>
-          <p:cNvPr id="4" name="Slide Number Placeholder 3"/>
-          <p:cNvSpPr>
-            <a:spLocks noGrp="1"/>
-          </p:cNvSpPr>
-          <p:nvPr>
-            <p:ph type="sldNum" sz="quarter" idx="12"/>
-          </p:nvPr>
-        </p:nvSpPr>
-        <p:spPr/>
-        <p:txBody>
-          <a:bodyPr/>
-          <a:lstStyle/>
-          <a:p>
-            <a:fld id="{2EF37834-DECA-D44B-90BD-9C7AAAF5A0F7}" type="slidenum">
-              <a:rPr lang="en-US" smtClean="0"/>
-              <a:pPr/>
-              <a:t>17</a:t>
-            </a:fld>
-            <a:endParaRPr lang="en-US" dirty="0"/>
-          </a:p>
-        </p:txBody>
-      </p:sp>
-    </p:spTree>
-    <p:extLst>
-      <p:ext uri="{BB962C8B-B14F-4D97-AF65-F5344CB8AC3E}">
-        <p14:creationId xmlns:p14="http://schemas.microsoft.com/office/powerpoint/2010/main" val="1970560314"/>
-      </p:ext>
-    </p:extLst>
-  </p:cSld>
-  <p:clrMapOvr>
-    <a:masterClrMapping/>
-  </p:clrMapOvr>
-  <p:timing>
-    <p:tnLst>
-      <p:par>
-        <p:cTn id="1" dur="indefinite" restart="never" nodeType="tmRoot"/>
-      </p:par>
-    </p:tnLst>
-  </p:timing>
-</p:sld>
-</file>
-
-<file path=ppt/slides/slide18.xml><?xml version="1.0" encoding="utf-8"?>
-<p:sld xmlns:a="http://schemas.openxmlformats.org/drawingml/2006/main" xmlns:r="http://schemas.openxmlformats.org/officeDocument/2006/relationships" xmlns:p="http://schemas.openxmlformats.org/presentationml/2006/main">
-  <p:cSld>
-    <p:spTree>
-      <p:nvGrpSpPr>
-        <p:cNvPr id="1" name=""/>
-        <p:cNvGrpSpPr/>
-        <p:nvPr/>
-      </p:nvGrpSpPr>
-      <p:grpSpPr>
-        <a:xfrm>
-          <a:off x="0" y="0"/>
-          <a:ext cx="0" cy="0"/>
-          <a:chOff x="0" y="0"/>
-          <a:chExt cx="0" cy="0"/>
-        </a:xfrm>
-      </p:grpSpPr>
-      <p:sp>
-        <p:nvSpPr>
-          <p:cNvPr id="2" name="Title 1"/>
-          <p:cNvSpPr>
-            <a:spLocks noGrp="1"/>
-          </p:cNvSpPr>
-          <p:nvPr>
-            <p:ph type="title"/>
-          </p:nvPr>
-        </p:nvSpPr>
-        <p:spPr/>
-        <p:txBody>
-          <a:bodyPr/>
-          <a:lstStyle/>
-          <a:p>
-            <a:r>
-              <a:rPr lang="en-US" dirty="0" smtClean="0"/>
-              <a:t>Editor</a:t>
-            </a:r>
-            <a:endParaRPr lang="en-US" dirty="0"/>
-          </a:p>
-        </p:txBody>
-      </p:sp>
-      <p:sp>
-        <p:nvSpPr>
-          <p:cNvPr id="3" name="Content Placeholder 2"/>
-          <p:cNvSpPr>
-            <a:spLocks noGrp="1"/>
-          </p:cNvSpPr>
-          <p:nvPr>
-            <p:ph idx="1"/>
-          </p:nvPr>
-        </p:nvSpPr>
-        <p:spPr/>
-        <p:txBody>
-          <a:bodyPr/>
-          <a:lstStyle/>
-          <a:p>
-            <a:r>
-              <a:rPr lang="en-US" dirty="0" smtClean="0"/>
-              <a:t>You need a good editor to code with for productivity</a:t>
-            </a:r>
-          </a:p>
-          <a:p>
-            <a:r>
-              <a:rPr lang="en-US" dirty="0" smtClean="0"/>
-              <a:t>Popular editors used by programmers:</a:t>
-            </a:r>
-          </a:p>
-          <a:p>
-            <a:pPr lvl="1"/>
-            <a:r>
-              <a:rPr lang="en-US" dirty="0" smtClean="0"/>
-              <a:t>vim</a:t>
-            </a:r>
-          </a:p>
-          <a:p>
-            <a:pPr lvl="1"/>
-            <a:r>
-              <a:rPr lang="en-US" dirty="0" err="1" smtClean="0"/>
-              <a:t>emacs</a:t>
-            </a:r>
-            <a:endParaRPr lang="en-US" dirty="0" smtClean="0"/>
-          </a:p>
-          <a:p>
-            <a:pPr lvl="1"/>
-            <a:r>
-              <a:rPr lang="en-US" dirty="0" err="1" smtClean="0"/>
-              <a:t>vscode</a:t>
-            </a:r>
-            <a:endParaRPr lang="en-US" dirty="0" smtClean="0"/>
-          </a:p>
-          <a:p>
-            <a:pPr lvl="1"/>
-            <a:r>
-              <a:rPr lang="en-US" dirty="0" smtClean="0">
-                <a:solidFill>
-                  <a:srgbClr val="FFCBE7"/>
-                </a:solidFill>
-              </a:rPr>
-              <a:t>sublime</a:t>
-            </a:r>
-          </a:p>
-          <a:p>
-            <a:r>
-              <a:rPr lang="en-US" dirty="0" smtClean="0"/>
-              <a:t>We recommend you use Sublime Text</a:t>
-            </a:r>
-          </a:p>
-          <a:p>
-            <a:pPr lvl="1"/>
-            <a:r>
-              <a:rPr lang="en-US" dirty="0" smtClean="0"/>
-              <a:t>Which should be already installed on the VM image</a:t>
-            </a:r>
-            <a:endParaRPr lang="en-US" dirty="0"/>
-          </a:p>
-        </p:txBody>
-      </p:sp>
-      <p:sp>
-        <p:nvSpPr>
-          <p:cNvPr id="4" name="Slide Number Placeholder 3"/>
-          <p:cNvSpPr>
-            <a:spLocks noGrp="1"/>
-          </p:cNvSpPr>
-          <p:nvPr>
-            <p:ph type="sldNum" sz="quarter" idx="12"/>
-          </p:nvPr>
-        </p:nvSpPr>
-        <p:spPr/>
-        <p:txBody>
-          <a:bodyPr/>
-          <a:lstStyle/>
-          <a:p>
-            <a:fld id="{2EF37834-DECA-D44B-90BD-9C7AAAF5A0F7}" type="slidenum">
-              <a:rPr lang="en-US" smtClean="0"/>
-              <a:pPr/>
-              <a:t>18</a:t>
-            </a:fld>
-            <a:endParaRPr lang="en-US" dirty="0"/>
-          </a:p>
-        </p:txBody>
-      </p:sp>
-    </p:spTree>
-    <p:extLst>
-      <p:ext uri="{BB962C8B-B14F-4D97-AF65-F5344CB8AC3E}">
-        <p14:creationId xmlns:p14="http://schemas.microsoft.com/office/powerpoint/2010/main" val="2110615666"/>
-      </p:ext>
-    </p:extLst>
-  </p:cSld>
-  <p:clrMapOvr>
-    <a:masterClrMapping/>
-  </p:clrMapOvr>
-  <p:timing>
-    <p:tnLst>
-      <p:par>
-        <p:cTn id="1" dur="indefinite" restart="never" nodeType="tmRoot"/>
-      </p:par>
-    </p:tnLst>
-  </p:timing>
-</p:sld>
-</file>
-
-<file path=ppt/slides/slide19.xml><?xml version="1.0" encoding="utf-8"?>
-<p:sld xmlns:a="http://schemas.openxmlformats.org/drawingml/2006/main" xmlns:r="http://schemas.openxmlformats.org/officeDocument/2006/relationships" xmlns:p="http://schemas.openxmlformats.org/presentationml/2006/main">
-  <p:cSld>
-    <p:spTree>
-      <p:nvGrpSpPr>
-        <p:cNvPr id="1" name=""/>
-        <p:cNvGrpSpPr/>
-        <p:nvPr/>
-      </p:nvGrpSpPr>
-      <p:grpSpPr>
-        <a:xfrm>
-          <a:off x="0" y="0"/>
-          <a:ext cx="0" cy="0"/>
-          <a:chOff x="0" y="0"/>
-          <a:chExt cx="0" cy="0"/>
-        </a:xfrm>
-      </p:grpSpPr>
-      <p:sp>
-        <p:nvSpPr>
-          <p:cNvPr id="2" name="Title 1"/>
-          <p:cNvSpPr>
-            <a:spLocks noGrp="1"/>
-          </p:cNvSpPr>
-          <p:nvPr>
-            <p:ph type="title"/>
-          </p:nvPr>
-        </p:nvSpPr>
-        <p:spPr/>
-        <p:txBody>
-          <a:bodyPr/>
-          <a:lstStyle/>
-          <a:p>
-            <a:r>
-              <a:rPr lang="en-US" altLang="zh-CN" dirty="0" smtClean="0"/>
+              <a:rPr lang="en-US" altLang="zh-CN" dirty="0"/>
               <a:t>Setup GitHub/lab1 repo</a:t>
             </a:r>
             <a:endParaRPr lang="en-US" dirty="0"/>
@@ -7670,7 +6932,7 @@
           <a:lstStyle/>
           <a:p>
             <a:r>
-              <a:rPr lang="en-US" dirty="0" smtClean="0"/>
+              <a:rPr lang="en-US" dirty="0"/>
               <a:t>Create a GitHub account if you don’t have one</a:t>
             </a:r>
           </a:p>
@@ -7680,21 +6942,21 @@
               <a:t>We have created for you a corresponding private lab repository on </a:t>
             </a:r>
             <a:r>
-              <a:rPr lang="en-US" dirty="0" err="1" smtClean="0"/>
+              <a:rPr lang="en-US" dirty="0" err="1"/>
               <a:t>Github.com</a:t>
             </a:r>
-            <a:endParaRPr lang="en-US" dirty="0" smtClean="0"/>
-          </a:p>
-          <a:p>
-            <a:r>
-              <a:rPr lang="en-US" dirty="0" smtClean="0"/>
+            <a:endParaRPr lang="en-US" dirty="0"/>
+          </a:p>
+          <a:p>
+            <a:r>
+              <a:rPr lang="en-US" dirty="0"/>
               <a:t>Enroll yourself in the GitHub classroom</a:t>
             </a:r>
           </a:p>
           <a:p>
             <a:pPr lvl="1"/>
             <a:r>
-              <a:rPr lang="en-US" dirty="0" smtClean="0"/>
+              <a:rPr lang="en-US" dirty="0"/>
               <a:t>Create your lab-1 repository by clicking the link below</a:t>
             </a:r>
           </a:p>
@@ -7706,53 +6968,53 @@
               </a:rPr>
               <a:t>https://classroom.github.com/a/RvmnAdGI</a:t>
             </a:r>
-            <a:endParaRPr lang="en-US" dirty="0" smtClean="0"/>
+            <a:endParaRPr lang="en-US" dirty="0"/>
           </a:p>
           <a:p>
             <a:pPr lvl="2"/>
             <a:r>
-              <a:rPr lang="en-US" dirty="0" smtClean="0"/>
+              <a:rPr lang="en-US" dirty="0"/>
               <a:t>Select your NYU </a:t>
             </a:r>
             <a:r>
-              <a:rPr lang="en-US" dirty="0" err="1" smtClean="0"/>
+              <a:rPr lang="en-US" dirty="0" err="1"/>
               <a:t>NetID</a:t>
             </a:r>
-            <a:endParaRPr lang="en-US" dirty="0" smtClean="0"/>
+            <a:endParaRPr lang="en-US" dirty="0"/>
           </a:p>
           <a:p>
             <a:pPr lvl="3"/>
             <a:r>
-              <a:rPr lang="en-US" dirty="0" smtClean="0"/>
+              <a:rPr lang="en-US" dirty="0"/>
               <a:t>Very important!</a:t>
             </a:r>
           </a:p>
           <a:p>
             <a:pPr lvl="2"/>
             <a:r>
-              <a:rPr lang="en-US" dirty="0" smtClean="0"/>
+              <a:rPr lang="en-US" dirty="0"/>
               <a:t>Don’t select someone else’s </a:t>
             </a:r>
             <a:r>
-              <a:rPr lang="en-US" dirty="0" err="1" smtClean="0"/>
+              <a:rPr lang="en-US" dirty="0" err="1"/>
               <a:t>NetID</a:t>
             </a:r>
             <a:r>
-              <a:rPr lang="en-US" dirty="0" smtClean="0"/>
+              <a:rPr lang="en-US" dirty="0"/>
               <a:t>!</a:t>
             </a:r>
           </a:p>
           <a:p>
             <a:r>
-              <a:rPr lang="en-US" dirty="0" smtClean="0"/>
+              <a:rPr lang="en-US" dirty="0"/>
               <a:t>If you cannot find your </a:t>
             </a:r>
             <a:r>
-              <a:rPr lang="en-US" dirty="0" err="1" smtClean="0"/>
+              <a:rPr lang="en-US" dirty="0" err="1"/>
               <a:t>NetID</a:t>
             </a:r>
             <a:r>
-              <a:rPr lang="en-US" dirty="0" smtClean="0"/>
+              <a:rPr lang="en-US" dirty="0"/>
               <a:t>, let me know!</a:t>
             </a:r>
           </a:p>
@@ -7775,7 +7037,7 @@
           <a:p>
             <a:fld id="{2EF37834-DECA-D44B-90BD-9C7AAAF5A0F7}" type="slidenum">
               <a:rPr lang="en-US" smtClean="0"/>
-              <a:t>19</a:t>
+              <a:t>17</a:t>
             </a:fld>
             <a:endParaRPr lang="en-US"/>
           </a:p>
@@ -8211,7 +7473,7 @@
 </p:sld>
 </file>
 
-<file path=ppt/slides/slide2.xml><?xml version="1.0" encoding="utf-8"?>
+<file path=ppt/slides/slide18.xml><?xml version="1.0" encoding="utf-8"?>
 <p:sld xmlns:a="http://schemas.openxmlformats.org/drawingml/2006/main" xmlns:r="http://schemas.openxmlformats.org/officeDocument/2006/relationships" xmlns:p="http://schemas.openxmlformats.org/presentationml/2006/main">
   <p:cSld>
     <p:spTree>
@@ -8244,10 +7506,13 @@
           <a:lstStyle/>
           <a:p>
             <a:r>
-              <a:rPr lang="en-US" dirty="0" smtClean="0"/>
-              <a:t>Before we get started </a:t>
-            </a:r>
-            <a:endParaRPr lang="en-US" dirty="0"/>
+              <a:rPr lang="en-US" dirty="0" err="1"/>
+              <a:t>Git</a:t>
+            </a:r>
+            <a:r>
+              <a:rPr lang="en-US" dirty="0"/>
+              <a:t> Overview</a:t>
+            </a:r>
           </a:p>
         </p:txBody>
       </p:sp>
@@ -8267,176 +7532,11 @@
           <a:lstStyle/>
           <a:p>
             <a:r>
-              <a:rPr lang="en-US" dirty="0" smtClean="0"/>
-              <a:t>Go to </a:t>
+              <a:rPr lang="en-US" dirty="0"/>
+              <a:t>Distributed </a:t>
             </a:r>
             <a:r>
               <a:rPr lang="en-US" dirty="0">
-                <a:hlinkClick r:id="rId3"/>
-              </a:rPr>
-              <a:t>https://nyu-cso.github.io/labs</a:t>
-            </a:r>
-            <a:r>
-              <a:rPr lang="en-US" dirty="0" smtClean="0">
-                <a:hlinkClick r:id="rId3"/>
-              </a:rPr>
-              <a:t>/</a:t>
-            </a:r>
-            <a:r>
-              <a:rPr lang="en-US" dirty="0" smtClean="0"/>
-              <a:t> and start the download for the version of </a:t>
-            </a:r>
-            <a:r>
-              <a:rPr lang="en-US" dirty="0" err="1" smtClean="0">
-                <a:solidFill>
-                  <a:schemeClr val="accent4">
-                    <a:lumMod val="40000"/>
-                    <a:lumOff val="60000"/>
-                  </a:schemeClr>
-                </a:solidFill>
-              </a:rPr>
-              <a:t>VirtualBox</a:t>
-            </a:r>
-            <a:r>
-              <a:rPr lang="en-US" dirty="0" smtClean="0"/>
-              <a:t> relevant to you </a:t>
-            </a:r>
-          </a:p>
-          <a:p>
-            <a:r>
-              <a:rPr lang="en-US" dirty="0" smtClean="0"/>
-              <a:t>Start the download for the </a:t>
-            </a:r>
-            <a:r>
-              <a:rPr lang="en-US" dirty="0" smtClean="0">
-                <a:solidFill>
-                  <a:schemeClr val="accent4">
-                    <a:lumMod val="40000"/>
-                    <a:lumOff val="60000"/>
-                  </a:schemeClr>
-                </a:solidFill>
-              </a:rPr>
-              <a:t>class VM image</a:t>
-            </a:r>
-            <a:endParaRPr lang="en-US" dirty="0">
-              <a:solidFill>
-                <a:schemeClr val="accent4">
-                  <a:lumMod val="40000"/>
-                  <a:lumOff val="60000"/>
-                </a:schemeClr>
-              </a:solidFill>
-            </a:endParaRPr>
-          </a:p>
-        </p:txBody>
-      </p:sp>
-      <p:sp>
-        <p:nvSpPr>
-          <p:cNvPr id="4" name="Slide Number Placeholder 3"/>
-          <p:cNvSpPr>
-            <a:spLocks noGrp="1"/>
-          </p:cNvSpPr>
-          <p:nvPr>
-            <p:ph type="sldNum" sz="quarter" idx="12"/>
-          </p:nvPr>
-        </p:nvSpPr>
-        <p:spPr/>
-        <p:txBody>
-          <a:bodyPr/>
-          <a:lstStyle/>
-          <a:p>
-            <a:fld id="{2EF37834-DECA-D44B-90BD-9C7AAAF5A0F7}" type="slidenum">
-              <a:rPr lang="en-US" smtClean="0"/>
-              <a:t>2</a:t>
-            </a:fld>
-            <a:endParaRPr lang="en-US"/>
-          </a:p>
-        </p:txBody>
-      </p:sp>
-    </p:spTree>
-    <p:extLst>
-      <p:ext uri="{BB962C8B-B14F-4D97-AF65-F5344CB8AC3E}">
-        <p14:creationId xmlns:p14="http://schemas.microsoft.com/office/powerpoint/2010/main" val="226729592"/>
-      </p:ext>
-    </p:extLst>
-  </p:cSld>
-  <p:clrMapOvr>
-    <a:masterClrMapping/>
-  </p:clrMapOvr>
-  <p:timing>
-    <p:tnLst>
-      <p:par>
-        <p:cTn id="1" dur="indefinite" restart="never" nodeType="tmRoot"/>
-      </p:par>
-    </p:tnLst>
-  </p:timing>
-</p:sld>
-</file>
-
-<file path=ppt/slides/slide20.xml><?xml version="1.0" encoding="utf-8"?>
-<p:sld xmlns:a="http://schemas.openxmlformats.org/drawingml/2006/main" xmlns:r="http://schemas.openxmlformats.org/officeDocument/2006/relationships" xmlns:p="http://schemas.openxmlformats.org/presentationml/2006/main">
-  <p:cSld>
-    <p:spTree>
-      <p:nvGrpSpPr>
-        <p:cNvPr id="1" name=""/>
-        <p:cNvGrpSpPr/>
-        <p:nvPr/>
-      </p:nvGrpSpPr>
-      <p:grpSpPr>
-        <a:xfrm>
-          <a:off x="0" y="0"/>
-          <a:ext cx="0" cy="0"/>
-          <a:chOff x="0" y="0"/>
-          <a:chExt cx="0" cy="0"/>
-        </a:xfrm>
-      </p:grpSpPr>
-      <p:sp>
-        <p:nvSpPr>
-          <p:cNvPr id="2" name="Title 1"/>
-          <p:cNvSpPr>
-            <a:spLocks noGrp="1"/>
-          </p:cNvSpPr>
-          <p:nvPr>
-            <p:ph type="title"/>
-          </p:nvPr>
-        </p:nvSpPr>
-        <p:spPr/>
-        <p:txBody>
-          <a:bodyPr/>
-          <a:lstStyle/>
-          <a:p>
-            <a:r>
-              <a:rPr lang="en-US" dirty="0" err="1" smtClean="0"/>
-              <a:t>Git</a:t>
-            </a:r>
-            <a:r>
-              <a:rPr lang="en-US" dirty="0" smtClean="0"/>
-              <a:t> Overview</a:t>
-            </a:r>
-            <a:endParaRPr lang="en-US" dirty="0"/>
-          </a:p>
-        </p:txBody>
-      </p:sp>
-      <p:sp>
-        <p:nvSpPr>
-          <p:cNvPr id="3" name="Content Placeholder 2"/>
-          <p:cNvSpPr>
-            <a:spLocks noGrp="1"/>
-          </p:cNvSpPr>
-          <p:nvPr>
-            <p:ph idx="1"/>
-          </p:nvPr>
-        </p:nvSpPr>
-        <p:spPr/>
-        <p:txBody>
-          <a:bodyPr/>
-          <a:lstStyle/>
-          <a:p>
-            <a:r>
-              <a:rPr lang="en-US" dirty="0" smtClean="0"/>
-              <a:t>Distributed </a:t>
-            </a:r>
-            <a:r>
-              <a:rPr lang="en-US" dirty="0" smtClean="0">
                 <a:solidFill>
                   <a:schemeClr val="accent1"/>
                 </a:solidFill>
@@ -8444,24 +7544,24 @@
               <a:t>version control</a:t>
             </a:r>
             <a:r>
-              <a:rPr lang="en-US" dirty="0" smtClean="0"/>
+              <a:rPr lang="en-US" dirty="0"/>
               <a:t> system</a:t>
             </a:r>
           </a:p>
           <a:p>
             <a:r>
-              <a:rPr lang="en-US" dirty="0" smtClean="0"/>
+              <a:rPr lang="en-US" dirty="0"/>
               <a:t>What is version control?</a:t>
             </a:r>
           </a:p>
           <a:p>
             <a:pPr lvl="1"/>
             <a:r>
-              <a:rPr lang="en-US" dirty="0" smtClean="0"/>
+              <a:rPr lang="en-US" dirty="0"/>
               <a:t>Manages </a:t>
             </a:r>
             <a:r>
-              <a:rPr lang="en-US" i="1" dirty="0" smtClean="0">
+              <a:rPr lang="en-US" i="1" dirty="0">
                 <a:solidFill>
                   <a:srgbClr val="FF0000"/>
                 </a:solidFill>
@@ -8469,20 +7569,20 @@
               <a:t>changes</a:t>
             </a:r>
             <a:r>
-              <a:rPr lang="en-US" dirty="0" smtClean="0"/>
+              <a:rPr lang="en-US" dirty="0"/>
               <a:t> to documents, source files and other collections of information</a:t>
             </a:r>
           </a:p>
           <a:p>
             <a:r>
-              <a:rPr lang="en-US" dirty="0" smtClean="0"/>
+              <a:rPr lang="en-US" dirty="0"/>
               <a:t>Why is version control indispensable?</a:t>
             </a:r>
           </a:p>
           <a:p>
             <a:pPr lvl="1"/>
             <a:r>
-              <a:rPr lang="en-US" dirty="0" smtClean="0">
+              <a:rPr lang="en-US" dirty="0">
                 <a:solidFill>
                   <a:srgbClr val="FFCBE7"/>
                 </a:solidFill>
@@ -8490,21 +7590,21 @@
               <a:t>History tracking</a:t>
             </a:r>
             <a:r>
-              <a:rPr lang="en-US" dirty="0" smtClean="0"/>
+              <a:rPr lang="en-US" dirty="0"/>
               <a:t>: track code changes</a:t>
             </a:r>
           </a:p>
           <a:p>
             <a:pPr lvl="1"/>
             <a:r>
-              <a:rPr lang="en-US" dirty="0" smtClean="0"/>
+              <a:rPr lang="en-US" dirty="0"/>
               <a:t>Roll back to older version</a:t>
             </a:r>
           </a:p>
           <a:p>
             <a:pPr lvl="1"/>
             <a:r>
-              <a:rPr lang="en-US" dirty="0" smtClean="0">
+              <a:rPr lang="en-US" dirty="0">
                 <a:solidFill>
                   <a:srgbClr val="FFC000"/>
                 </a:solidFill>
@@ -8512,11 +7612,11 @@
               <a:t>Collaborate</a:t>
             </a:r>
             <a:r>
-              <a:rPr lang="en-US" dirty="0" smtClean="0"/>
+              <a:rPr lang="en-US" dirty="0"/>
               <a:t> with others (</a:t>
             </a:r>
             <a:r>
-              <a:rPr lang="en-US" i="1" dirty="0" smtClean="0">
+              <a:rPr lang="en-US" i="1" dirty="0">
                 <a:solidFill>
                   <a:srgbClr val="FFCBE7"/>
                 </a:solidFill>
@@ -8524,24 +7624,23 @@
               <a:t>collaborative history tracking</a:t>
             </a:r>
             <a:r>
-              <a:rPr lang="en-US" dirty="0" smtClean="0"/>
+              <a:rPr lang="en-US" dirty="0"/>
               <a:t>)</a:t>
             </a:r>
           </a:p>
           <a:p>
             <a:r>
-              <a:rPr lang="en-US" dirty="0" smtClean="0"/>
+              <a:rPr lang="en-US" dirty="0"/>
               <a:t>We are going to use the popular “</a:t>
             </a:r>
             <a:r>
-              <a:rPr lang="en-US" dirty="0" err="1" smtClean="0"/>
+              <a:rPr lang="en-US" dirty="0" err="1"/>
               <a:t>Git</a:t>
             </a:r>
             <a:r>
-              <a:rPr lang="en-US" dirty="0" smtClean="0"/>
+              <a:rPr lang="en-US" dirty="0"/>
               <a:t>” as our version control system</a:t>
             </a:r>
-            <a:endParaRPr lang="en-US" dirty="0"/>
           </a:p>
         </p:txBody>
       </p:sp>
@@ -8582,7 +7681,7 @@
           <a:p>
             <a:pPr algn="ctr"/>
             <a:r>
-              <a:rPr lang="en-US" b="1" dirty="0" smtClean="0">
+              <a:rPr lang="en-US" b="1" dirty="0">
                 <a:solidFill>
                   <a:schemeClr val="bg1"/>
                 </a:solidFill>
@@ -8590,10 +7689,9 @@
               <a:t>Create</a:t>
             </a:r>
             <a:r>
-              <a:rPr lang="en-US" dirty="0" smtClean="0"/>
+              <a:rPr lang="en-US" dirty="0"/>
               <a:t> things</a:t>
             </a:r>
-            <a:endParaRPr lang="en-US" dirty="0"/>
           </a:p>
         </p:txBody>
       </p:sp>
@@ -8639,21 +7737,12 @@
                   <a:schemeClr val="bg1"/>
                 </a:solidFill>
               </a:rPr>
-              <a:t>S</a:t>
-            </a:r>
-            <a:r>
-              <a:rPr lang="en-US" b="1" dirty="0" smtClean="0">
-                <a:solidFill>
-                  <a:schemeClr val="bg1"/>
-                </a:solidFill>
-              </a:rPr>
-              <a:t>ave</a:t>
-            </a:r>
-            <a:r>
-              <a:rPr lang="en-US" dirty="0" smtClean="0"/>
+              <a:t>Save</a:t>
+            </a:r>
+            <a:r>
+              <a:rPr lang="en-US" dirty="0"/>
               <a:t> things</a:t>
             </a:r>
-            <a:endParaRPr lang="en-US" dirty="0"/>
           </a:p>
         </p:txBody>
       </p:sp>
@@ -8694,7 +7783,7 @@
           <a:p>
             <a:pPr algn="ctr"/>
             <a:r>
-              <a:rPr lang="en-US" b="1" dirty="0" smtClean="0">
+              <a:rPr lang="en-US" b="1" dirty="0">
                 <a:solidFill>
                   <a:schemeClr val="bg1"/>
                 </a:solidFill>
@@ -8702,10 +7791,9 @@
               <a:t>Edit</a:t>
             </a:r>
             <a:r>
-              <a:rPr lang="en-US" dirty="0" smtClean="0"/>
+              <a:rPr lang="en-US" dirty="0"/>
               <a:t> things</a:t>
             </a:r>
-            <a:endParaRPr lang="en-US" dirty="0"/>
           </a:p>
         </p:txBody>
       </p:sp>
@@ -8746,22 +7834,17 @@
           <a:p>
             <a:pPr algn="ctr"/>
             <a:r>
-              <a:rPr lang="en-US" dirty="0" smtClean="0"/>
+              <a:rPr lang="en-US" dirty="0"/>
               <a:t>Save the thing </a:t>
             </a:r>
             <a:r>
-              <a:rPr lang="en-US" b="1" dirty="0" smtClean="0">
+              <a:rPr lang="en-US" b="1" dirty="0">
                 <a:solidFill>
                   <a:schemeClr val="bg1"/>
                 </a:solidFill>
               </a:rPr>
               <a:t>again</a:t>
             </a:r>
-            <a:endParaRPr lang="en-US" b="1" dirty="0">
-              <a:solidFill>
-                <a:schemeClr val="bg1"/>
-              </a:solidFill>
-            </a:endParaRPr>
           </a:p>
         </p:txBody>
       </p:sp>
@@ -8923,7 +8006,7 @@
           <a:p>
             <a:fld id="{2EF37834-DECA-D44B-90BD-9C7AAAF5A0F7}" type="slidenum">
               <a:rPr lang="en-US" smtClean="0"/>
-              <a:t>20</a:t>
+              <a:t>18</a:t>
             </a:fld>
             <a:endParaRPr lang="en-US"/>
           </a:p>
@@ -9537,6 +8620,574 @@
 </p:sld>
 </file>
 
+<file path=ppt/slides/slide19.xml><?xml version="1.0" encoding="utf-8"?>
+<p:sld xmlns:a="http://schemas.openxmlformats.org/drawingml/2006/main" xmlns:r="http://schemas.openxmlformats.org/officeDocument/2006/relationships" xmlns:p="http://schemas.openxmlformats.org/presentationml/2006/main">
+  <p:cSld>
+    <p:spTree>
+      <p:nvGrpSpPr>
+        <p:cNvPr id="1" name=""/>
+        <p:cNvGrpSpPr/>
+        <p:nvPr/>
+      </p:nvGrpSpPr>
+      <p:grpSpPr>
+        <a:xfrm>
+          <a:off x="0" y="0"/>
+          <a:ext cx="0" cy="0"/>
+          <a:chOff x="0" y="0"/>
+          <a:chExt cx="0" cy="0"/>
+        </a:xfrm>
+      </p:grpSpPr>
+      <p:sp>
+        <p:nvSpPr>
+          <p:cNvPr id="2" name="Title 1"/>
+          <p:cNvSpPr>
+            <a:spLocks noGrp="1"/>
+          </p:cNvSpPr>
+          <p:nvPr>
+            <p:ph type="title"/>
+          </p:nvPr>
+        </p:nvSpPr>
+        <p:spPr/>
+        <p:txBody>
+          <a:bodyPr/>
+          <a:lstStyle/>
+          <a:p>
+            <a:r>
+              <a:rPr lang="en-US" dirty="0"/>
+              <a:t>You need to </a:t>
+            </a:r>
+            <a:r>
+              <a:rPr lang="en-US" dirty="0" err="1"/>
+              <a:t>config</a:t>
+            </a:r>
+            <a:r>
+              <a:rPr lang="en-US" dirty="0"/>
+              <a:t> </a:t>
+            </a:r>
+            <a:r>
+              <a:rPr lang="en-US" dirty="0" err="1"/>
+              <a:t>git</a:t>
+            </a:r>
+            <a:r>
+              <a:rPr lang="en-US" dirty="0"/>
+              <a:t> first!</a:t>
+            </a:r>
+          </a:p>
+        </p:txBody>
+      </p:sp>
+      <p:sp>
+        <p:nvSpPr>
+          <p:cNvPr id="3" name="Content Placeholder 2"/>
+          <p:cNvSpPr>
+            <a:spLocks noGrp="1"/>
+          </p:cNvSpPr>
+          <p:nvPr>
+            <p:ph idx="1"/>
+          </p:nvPr>
+        </p:nvSpPr>
+        <p:spPr/>
+        <p:txBody>
+          <a:bodyPr/>
+          <a:lstStyle/>
+          <a:p>
+            <a:r>
+              <a:rPr lang="en-US" dirty="0" err="1">
+                <a:solidFill>
+                  <a:schemeClr val="accent1"/>
+                </a:solidFill>
+              </a:rPr>
+              <a:t>git</a:t>
+            </a:r>
+            <a:r>
+              <a:rPr lang="en-US" dirty="0">
+                <a:solidFill>
+                  <a:schemeClr val="accent1"/>
+                </a:solidFill>
+              </a:rPr>
+              <a:t> </a:t>
+            </a:r>
+            <a:r>
+              <a:rPr lang="en-US" dirty="0" err="1">
+                <a:solidFill>
+                  <a:schemeClr val="accent1"/>
+                </a:solidFill>
+              </a:rPr>
+              <a:t>config</a:t>
+            </a:r>
+            <a:r>
+              <a:rPr lang="en-US" dirty="0">
+                <a:solidFill>
+                  <a:schemeClr val="accent1"/>
+                </a:solidFill>
+              </a:rPr>
+              <a:t> </a:t>
+            </a:r>
+            <a:r>
+              <a:rPr lang="mr-IN" dirty="0">
+                <a:solidFill>
+                  <a:schemeClr val="accent1"/>
+                </a:solidFill>
+              </a:rPr>
+              <a:t>--</a:t>
+            </a:r>
+            <a:r>
+              <a:rPr lang="en-US" dirty="0">
+                <a:solidFill>
+                  <a:schemeClr val="accent1"/>
+                </a:solidFill>
+              </a:rPr>
+              <a:t>global </a:t>
+            </a:r>
+            <a:r>
+              <a:rPr lang="en-US" dirty="0" err="1">
+                <a:solidFill>
+                  <a:schemeClr val="accent1"/>
+                </a:solidFill>
+              </a:rPr>
+              <a:t>user.email</a:t>
+            </a:r>
+            <a:r>
+              <a:rPr lang="en-US" dirty="0">
+                <a:solidFill>
+                  <a:schemeClr val="accent1"/>
+                </a:solidFill>
+              </a:rPr>
+              <a:t> “&lt;Your Email&gt;”</a:t>
+            </a:r>
+          </a:p>
+          <a:p>
+            <a:r>
+              <a:rPr lang="en-US" dirty="0" err="1">
+                <a:solidFill>
+                  <a:schemeClr val="accent1"/>
+                </a:solidFill>
+              </a:rPr>
+              <a:t>git</a:t>
+            </a:r>
+            <a:r>
+              <a:rPr lang="en-US" dirty="0">
+                <a:solidFill>
+                  <a:schemeClr val="accent1"/>
+                </a:solidFill>
+              </a:rPr>
+              <a:t> </a:t>
+            </a:r>
+            <a:r>
+              <a:rPr lang="en-US" dirty="0" err="1">
+                <a:solidFill>
+                  <a:schemeClr val="accent1"/>
+                </a:solidFill>
+              </a:rPr>
+              <a:t>config</a:t>
+            </a:r>
+            <a:r>
+              <a:rPr lang="en-US" dirty="0">
+                <a:solidFill>
+                  <a:schemeClr val="accent1"/>
+                </a:solidFill>
+              </a:rPr>
+              <a:t> </a:t>
+            </a:r>
+            <a:r>
+              <a:rPr lang="mr-IN" dirty="0">
+                <a:solidFill>
+                  <a:schemeClr val="accent1"/>
+                </a:solidFill>
+              </a:rPr>
+              <a:t>--</a:t>
+            </a:r>
+            <a:r>
+              <a:rPr lang="en-US" dirty="0">
+                <a:solidFill>
+                  <a:schemeClr val="accent1"/>
+                </a:solidFill>
+              </a:rPr>
+              <a:t>global </a:t>
+            </a:r>
+            <a:r>
+              <a:rPr lang="en-US" dirty="0" err="1">
+                <a:solidFill>
+                  <a:schemeClr val="accent1"/>
+                </a:solidFill>
+              </a:rPr>
+              <a:t>user.name</a:t>
+            </a:r>
+            <a:r>
+              <a:rPr lang="en-US" dirty="0">
+                <a:solidFill>
+                  <a:schemeClr val="accent1"/>
+                </a:solidFill>
+              </a:rPr>
+              <a:t> “&lt;Your Name&gt;”</a:t>
+            </a:r>
+          </a:p>
+          <a:p>
+            <a:r>
+              <a:rPr lang="en-US" dirty="0"/>
+              <a:t>You can issue “</a:t>
+            </a:r>
+            <a:r>
+              <a:rPr lang="en-US" dirty="0" err="1"/>
+              <a:t>git</a:t>
+            </a:r>
+            <a:r>
+              <a:rPr lang="en-US" dirty="0"/>
+              <a:t> </a:t>
+            </a:r>
+            <a:r>
+              <a:rPr lang="en-US" dirty="0" err="1"/>
+              <a:t>config</a:t>
+            </a:r>
+            <a:r>
+              <a:rPr lang="en-US" dirty="0"/>
+              <a:t> </a:t>
+            </a:r>
+            <a:r>
+              <a:rPr lang="mr-IN" dirty="0"/>
+              <a:t>--</a:t>
+            </a:r>
+            <a:r>
+              <a:rPr lang="en-US" dirty="0"/>
+              <a:t>list” to check your configuration</a:t>
+            </a:r>
+          </a:p>
+          <a:p>
+            <a:r>
+              <a:rPr lang="en-US" dirty="0"/>
+              <a:t>Here, the </a:t>
+            </a:r>
+            <a:r>
+              <a:rPr lang="en-US" dirty="0">
+                <a:solidFill>
+                  <a:schemeClr val="accent1"/>
+                </a:solidFill>
+              </a:rPr>
+              <a:t>&lt;Your Email&gt;</a:t>
+            </a:r>
+            <a:r>
+              <a:rPr lang="en-US" dirty="0"/>
+              <a:t> should be the one associated with your GitHub account</a:t>
+            </a:r>
+          </a:p>
+        </p:txBody>
+      </p:sp>
+      <p:sp>
+        <p:nvSpPr>
+          <p:cNvPr id="4" name="Slide Number Placeholder 3"/>
+          <p:cNvSpPr>
+            <a:spLocks noGrp="1"/>
+          </p:cNvSpPr>
+          <p:nvPr>
+            <p:ph type="sldNum" sz="quarter" idx="12"/>
+          </p:nvPr>
+        </p:nvSpPr>
+        <p:spPr/>
+        <p:txBody>
+          <a:bodyPr/>
+          <a:lstStyle/>
+          <a:p>
+            <a:fld id="{2EF37834-DECA-D44B-90BD-9C7AAAF5A0F7}" type="slidenum">
+              <a:rPr lang="en-US" smtClean="0"/>
+              <a:t>19</a:t>
+            </a:fld>
+            <a:endParaRPr lang="en-US"/>
+          </a:p>
+        </p:txBody>
+      </p:sp>
+    </p:spTree>
+    <p:extLst>
+      <p:ext uri="{BB962C8B-B14F-4D97-AF65-F5344CB8AC3E}">
+        <p14:creationId xmlns:p14="http://schemas.microsoft.com/office/powerpoint/2010/main" val="1953703493"/>
+      </p:ext>
+    </p:extLst>
+  </p:cSld>
+  <p:clrMapOvr>
+    <a:masterClrMapping/>
+  </p:clrMapOvr>
+</p:sld>
+</file>
+
+<file path=ppt/slides/slide2.xml><?xml version="1.0" encoding="utf-8"?>
+<p:sld xmlns:a="http://schemas.openxmlformats.org/drawingml/2006/main" xmlns:r="http://schemas.openxmlformats.org/officeDocument/2006/relationships" xmlns:p="http://schemas.openxmlformats.org/presentationml/2006/main">
+  <p:cSld>
+    <p:spTree>
+      <p:nvGrpSpPr>
+        <p:cNvPr id="1" name=""/>
+        <p:cNvGrpSpPr/>
+        <p:nvPr/>
+      </p:nvGrpSpPr>
+      <p:grpSpPr>
+        <a:xfrm>
+          <a:off x="0" y="0"/>
+          <a:ext cx="0" cy="0"/>
+          <a:chOff x="0" y="0"/>
+          <a:chExt cx="0" cy="0"/>
+        </a:xfrm>
+      </p:grpSpPr>
+      <p:sp>
+        <p:nvSpPr>
+          <p:cNvPr id="4" name="Title 3"/>
+          <p:cNvSpPr>
+            <a:spLocks noGrp="1"/>
+          </p:cNvSpPr>
+          <p:nvPr>
+            <p:ph type="title"/>
+          </p:nvPr>
+        </p:nvSpPr>
+        <p:spPr/>
+        <p:txBody>
+          <a:bodyPr/>
+          <a:lstStyle/>
+          <a:p>
+            <a:r>
+              <a:rPr lang="en-US" dirty="0">
+                <a:solidFill>
+                  <a:schemeClr val="accent1"/>
+                </a:solidFill>
+              </a:rPr>
+              <a:t>Logistics</a:t>
+            </a:r>
+          </a:p>
+        </p:txBody>
+      </p:sp>
+      <p:sp>
+        <p:nvSpPr>
+          <p:cNvPr id="5" name="Text Placeholder 4"/>
+          <p:cNvSpPr>
+            <a:spLocks noGrp="1"/>
+          </p:cNvSpPr>
+          <p:nvPr>
+            <p:ph type="body" idx="1"/>
+          </p:nvPr>
+        </p:nvSpPr>
+        <p:spPr/>
+        <p:txBody>
+          <a:bodyPr/>
+          <a:lstStyle/>
+          <a:p>
+            <a:r>
+              <a:rPr lang="en-US" dirty="0"/>
+              <a:t>Important things you should know</a:t>
+            </a:r>
+          </a:p>
+        </p:txBody>
+      </p:sp>
+      <p:sp>
+        <p:nvSpPr>
+          <p:cNvPr id="2" name="Slide Number Placeholder 1"/>
+          <p:cNvSpPr>
+            <a:spLocks noGrp="1"/>
+          </p:cNvSpPr>
+          <p:nvPr>
+            <p:ph type="sldNum" sz="quarter" idx="12"/>
+          </p:nvPr>
+        </p:nvSpPr>
+        <p:spPr/>
+        <p:txBody>
+          <a:bodyPr/>
+          <a:lstStyle/>
+          <a:p>
+            <a:fld id="{2EF37834-DECA-D44B-90BD-9C7AAAF5A0F7}" type="slidenum">
+              <a:rPr lang="en-US" smtClean="0"/>
+              <a:t>2</a:t>
+            </a:fld>
+            <a:endParaRPr lang="en-US"/>
+          </a:p>
+        </p:txBody>
+      </p:sp>
+    </p:spTree>
+    <p:extLst>
+      <p:ext uri="{BB962C8B-B14F-4D97-AF65-F5344CB8AC3E}">
+        <p14:creationId xmlns:p14="http://schemas.microsoft.com/office/powerpoint/2010/main" val="2025566344"/>
+      </p:ext>
+    </p:extLst>
+  </p:cSld>
+  <p:clrMapOvr>
+    <a:masterClrMapping/>
+  </p:clrMapOvr>
+</p:sld>
+</file>
+
+<file path=ppt/slides/slide20.xml><?xml version="1.0" encoding="utf-8"?>
+<p:sld xmlns:a="http://schemas.openxmlformats.org/drawingml/2006/main" xmlns:r="http://schemas.openxmlformats.org/officeDocument/2006/relationships" xmlns:p="http://schemas.openxmlformats.org/presentationml/2006/main">
+  <p:cSld>
+    <p:spTree>
+      <p:nvGrpSpPr>
+        <p:cNvPr id="1" name=""/>
+        <p:cNvGrpSpPr/>
+        <p:nvPr/>
+      </p:nvGrpSpPr>
+      <p:grpSpPr>
+        <a:xfrm>
+          <a:off x="0" y="0"/>
+          <a:ext cx="0" cy="0"/>
+          <a:chOff x="0" y="0"/>
+          <a:chExt cx="0" cy="0"/>
+        </a:xfrm>
+      </p:grpSpPr>
+      <p:sp>
+        <p:nvSpPr>
+          <p:cNvPr id="2" name="Title 1"/>
+          <p:cNvSpPr>
+            <a:spLocks noGrp="1"/>
+          </p:cNvSpPr>
+          <p:nvPr>
+            <p:ph type="title"/>
+          </p:nvPr>
+        </p:nvSpPr>
+        <p:spPr/>
+        <p:txBody>
+          <a:bodyPr/>
+          <a:lstStyle/>
+          <a:p>
+            <a:r>
+              <a:rPr lang="en-US" altLang="zh-CN" dirty="0"/>
+              <a:t>A list of </a:t>
+            </a:r>
+            <a:r>
+              <a:rPr lang="en-US" altLang="zh-CN" dirty="0" err="1"/>
+              <a:t>git</a:t>
+            </a:r>
+            <a:r>
+              <a:rPr lang="en-US" altLang="zh-CN" dirty="0"/>
+              <a:t> commands you need </a:t>
+            </a:r>
+            <a:endParaRPr lang="en-US" dirty="0"/>
+          </a:p>
+        </p:txBody>
+      </p:sp>
+      <p:sp>
+        <p:nvSpPr>
+          <p:cNvPr id="3" name="Content Placeholder 2"/>
+          <p:cNvSpPr>
+            <a:spLocks noGrp="1"/>
+          </p:cNvSpPr>
+          <p:nvPr>
+            <p:ph idx="1"/>
+          </p:nvPr>
+        </p:nvSpPr>
+        <p:spPr/>
+        <p:txBody>
+          <a:bodyPr>
+            <a:normAutofit/>
+          </a:bodyPr>
+          <a:lstStyle/>
+          <a:p>
+            <a:r>
+              <a:rPr lang="en-US" dirty="0" err="1"/>
+              <a:t>git</a:t>
+            </a:r>
+            <a:r>
+              <a:rPr lang="en-US" dirty="0"/>
+              <a:t> clone</a:t>
+            </a:r>
+          </a:p>
+          <a:p>
+            <a:r>
+              <a:rPr lang="en-US" dirty="0" err="1"/>
+              <a:t>git</a:t>
+            </a:r>
+            <a:r>
+              <a:rPr lang="en-US" dirty="0"/>
+              <a:t> status</a:t>
+            </a:r>
+          </a:p>
+          <a:p>
+            <a:r>
+              <a:rPr lang="en-US" dirty="0" err="1"/>
+              <a:t>git</a:t>
+            </a:r>
+            <a:r>
+              <a:rPr lang="en-US" dirty="0"/>
+              <a:t> remote</a:t>
+            </a:r>
+          </a:p>
+          <a:p>
+            <a:r>
+              <a:rPr lang="en-US" dirty="0" err="1"/>
+              <a:t>git</a:t>
+            </a:r>
+            <a:r>
+              <a:rPr lang="en-US" dirty="0"/>
+              <a:t> add &lt;file name&gt;</a:t>
+            </a:r>
+          </a:p>
+          <a:p>
+            <a:r>
+              <a:rPr lang="en-US" dirty="0" err="1"/>
+              <a:t>git</a:t>
+            </a:r>
+            <a:r>
+              <a:rPr lang="en-US" dirty="0"/>
+              <a:t> commit </a:t>
+            </a:r>
+            <a:r>
+              <a:rPr lang="mr-IN" dirty="0"/>
+              <a:t>-</a:t>
+            </a:r>
+            <a:r>
+              <a:rPr lang="en-US" dirty="0"/>
+              <a:t>m &lt;commit messages&gt;</a:t>
+            </a:r>
+          </a:p>
+          <a:p>
+            <a:r>
+              <a:rPr lang="en-US" dirty="0" err="1"/>
+              <a:t>git</a:t>
+            </a:r>
+            <a:r>
+              <a:rPr lang="en-US" dirty="0"/>
+              <a:t> push origin master</a:t>
+            </a:r>
+          </a:p>
+          <a:p>
+            <a:r>
+              <a:rPr lang="en-US" dirty="0" err="1"/>
+              <a:t>git</a:t>
+            </a:r>
+            <a:r>
+              <a:rPr lang="en-US" dirty="0"/>
+              <a:t> pull upstream master</a:t>
+            </a:r>
+          </a:p>
+        </p:txBody>
+      </p:sp>
+      <p:sp>
+        <p:nvSpPr>
+          <p:cNvPr id="4" name="Slide Number Placeholder 3"/>
+          <p:cNvSpPr>
+            <a:spLocks noGrp="1"/>
+          </p:cNvSpPr>
+          <p:nvPr>
+            <p:ph type="sldNum" sz="quarter" idx="12"/>
+          </p:nvPr>
+        </p:nvSpPr>
+        <p:spPr/>
+        <p:txBody>
+          <a:bodyPr/>
+          <a:lstStyle/>
+          <a:p>
+            <a:fld id="{2EF37834-DECA-D44B-90BD-9C7AAAF5A0F7}" type="slidenum">
+              <a:rPr lang="en-US" smtClean="0"/>
+              <a:t>20</a:t>
+            </a:fld>
+            <a:endParaRPr lang="en-US"/>
+          </a:p>
+        </p:txBody>
+      </p:sp>
+    </p:spTree>
+    <p:extLst>
+      <p:ext uri="{BB962C8B-B14F-4D97-AF65-F5344CB8AC3E}">
+        <p14:creationId xmlns:p14="http://schemas.microsoft.com/office/powerpoint/2010/main" val="466758556"/>
+      </p:ext>
+    </p:extLst>
+  </p:cSld>
+  <p:clrMapOvr>
+    <a:masterClrMapping/>
+  </p:clrMapOvr>
+</p:sld>
+</file>
+
 <file path=ppt/slides/slide21.xml><?xml version="1.0" encoding="utf-8"?>
 <p:sld xmlns:a="http://schemas.openxmlformats.org/drawingml/2006/main" xmlns:r="http://schemas.openxmlformats.org/officeDocument/2006/relationships" xmlns:p="http://schemas.openxmlformats.org/presentationml/2006/main">
   <p:cSld>
@@ -9570,553 +9221,6 @@
           <a:lstStyle/>
           <a:p>
             <a:r>
-              <a:rPr lang="en-US" dirty="0" smtClean="0"/>
-              <a:t>You need to </a:t>
-            </a:r>
-            <a:r>
-              <a:rPr lang="en-US" dirty="0" err="1" smtClean="0"/>
-              <a:t>config</a:t>
-            </a:r>
-            <a:r>
-              <a:rPr lang="en-US" dirty="0" smtClean="0"/>
-              <a:t> </a:t>
-            </a:r>
-            <a:r>
-              <a:rPr lang="en-US" dirty="0" err="1" smtClean="0"/>
-              <a:t>git</a:t>
-            </a:r>
-            <a:r>
-              <a:rPr lang="en-US" dirty="0" smtClean="0"/>
-              <a:t> first!</a:t>
-            </a:r>
-            <a:endParaRPr lang="en-US" dirty="0"/>
-          </a:p>
-        </p:txBody>
-      </p:sp>
-      <p:sp>
-        <p:nvSpPr>
-          <p:cNvPr id="3" name="Content Placeholder 2"/>
-          <p:cNvSpPr>
-            <a:spLocks noGrp="1"/>
-          </p:cNvSpPr>
-          <p:nvPr>
-            <p:ph idx="1"/>
-          </p:nvPr>
-        </p:nvSpPr>
-        <p:spPr/>
-        <p:txBody>
-          <a:bodyPr/>
-          <a:lstStyle/>
-          <a:p>
-            <a:r>
-              <a:rPr lang="en-US" dirty="0" err="1" smtClean="0">
-                <a:solidFill>
-                  <a:schemeClr val="accent1"/>
-                </a:solidFill>
-              </a:rPr>
-              <a:t>git</a:t>
-            </a:r>
-            <a:r>
-              <a:rPr lang="en-US" dirty="0" smtClean="0">
-                <a:solidFill>
-                  <a:schemeClr val="accent1"/>
-                </a:solidFill>
-              </a:rPr>
-              <a:t> </a:t>
-            </a:r>
-            <a:r>
-              <a:rPr lang="en-US" dirty="0" err="1" smtClean="0">
-                <a:solidFill>
-                  <a:schemeClr val="accent1"/>
-                </a:solidFill>
-              </a:rPr>
-              <a:t>config</a:t>
-            </a:r>
-            <a:r>
-              <a:rPr lang="en-US" dirty="0" smtClean="0">
-                <a:solidFill>
-                  <a:schemeClr val="accent1"/>
-                </a:solidFill>
-              </a:rPr>
-              <a:t> </a:t>
-            </a:r>
-            <a:r>
-              <a:rPr lang="mr-IN" dirty="0" smtClean="0">
-                <a:solidFill>
-                  <a:schemeClr val="accent1"/>
-                </a:solidFill>
-              </a:rPr>
-              <a:t>--</a:t>
-            </a:r>
-            <a:r>
-              <a:rPr lang="en-US" dirty="0" smtClean="0">
-                <a:solidFill>
-                  <a:schemeClr val="accent1"/>
-                </a:solidFill>
-              </a:rPr>
-              <a:t>global </a:t>
-            </a:r>
-            <a:r>
-              <a:rPr lang="en-US" dirty="0" err="1" smtClean="0">
-                <a:solidFill>
-                  <a:schemeClr val="accent1"/>
-                </a:solidFill>
-              </a:rPr>
-              <a:t>user.email</a:t>
-            </a:r>
-            <a:r>
-              <a:rPr lang="en-US" dirty="0" smtClean="0">
-                <a:solidFill>
-                  <a:schemeClr val="accent1"/>
-                </a:solidFill>
-              </a:rPr>
-              <a:t> “&lt;Your Email&gt;”</a:t>
-            </a:r>
-          </a:p>
-          <a:p>
-            <a:r>
-              <a:rPr lang="en-US" dirty="0" err="1">
-                <a:solidFill>
-                  <a:schemeClr val="accent1"/>
-                </a:solidFill>
-              </a:rPr>
-              <a:t>git</a:t>
-            </a:r>
-            <a:r>
-              <a:rPr lang="en-US" dirty="0">
-                <a:solidFill>
-                  <a:schemeClr val="accent1"/>
-                </a:solidFill>
-              </a:rPr>
-              <a:t> </a:t>
-            </a:r>
-            <a:r>
-              <a:rPr lang="en-US" dirty="0" err="1">
-                <a:solidFill>
-                  <a:schemeClr val="accent1"/>
-                </a:solidFill>
-              </a:rPr>
-              <a:t>config</a:t>
-            </a:r>
-            <a:r>
-              <a:rPr lang="en-US" dirty="0">
-                <a:solidFill>
-                  <a:schemeClr val="accent1"/>
-                </a:solidFill>
-              </a:rPr>
-              <a:t> </a:t>
-            </a:r>
-            <a:r>
-              <a:rPr lang="mr-IN" dirty="0">
-                <a:solidFill>
-                  <a:schemeClr val="accent1"/>
-                </a:solidFill>
-              </a:rPr>
-              <a:t>--</a:t>
-            </a:r>
-            <a:r>
-              <a:rPr lang="en-US" dirty="0">
-                <a:solidFill>
-                  <a:schemeClr val="accent1"/>
-                </a:solidFill>
-              </a:rPr>
-              <a:t>global </a:t>
-            </a:r>
-            <a:r>
-              <a:rPr lang="en-US" dirty="0" err="1" smtClean="0">
-                <a:solidFill>
-                  <a:schemeClr val="accent1"/>
-                </a:solidFill>
-              </a:rPr>
-              <a:t>user.name</a:t>
-            </a:r>
-            <a:r>
-              <a:rPr lang="en-US" dirty="0" smtClean="0">
-                <a:solidFill>
-                  <a:schemeClr val="accent1"/>
-                </a:solidFill>
-              </a:rPr>
-              <a:t> </a:t>
-            </a:r>
-            <a:r>
-              <a:rPr lang="en-US" dirty="0">
-                <a:solidFill>
-                  <a:schemeClr val="accent1"/>
-                </a:solidFill>
-              </a:rPr>
-              <a:t>“&lt;Your </a:t>
-            </a:r>
-            <a:r>
-              <a:rPr lang="en-US" dirty="0" smtClean="0">
-                <a:solidFill>
-                  <a:schemeClr val="accent1"/>
-                </a:solidFill>
-              </a:rPr>
-              <a:t>Name&gt;”</a:t>
-            </a:r>
-          </a:p>
-          <a:p>
-            <a:r>
-              <a:rPr lang="en-US" dirty="0" smtClean="0"/>
-              <a:t>You can issue “</a:t>
-            </a:r>
-            <a:r>
-              <a:rPr lang="en-US" dirty="0" err="1" smtClean="0"/>
-              <a:t>git</a:t>
-            </a:r>
-            <a:r>
-              <a:rPr lang="en-US" dirty="0" smtClean="0"/>
-              <a:t> </a:t>
-            </a:r>
-            <a:r>
-              <a:rPr lang="en-US" dirty="0" err="1" smtClean="0"/>
-              <a:t>config</a:t>
-            </a:r>
-            <a:r>
-              <a:rPr lang="en-US" dirty="0" smtClean="0"/>
-              <a:t> </a:t>
-            </a:r>
-            <a:r>
-              <a:rPr lang="mr-IN" dirty="0" smtClean="0"/>
-              <a:t>--</a:t>
-            </a:r>
-            <a:r>
-              <a:rPr lang="en-US" dirty="0" smtClean="0"/>
-              <a:t>list” to check your configuration</a:t>
-            </a:r>
-          </a:p>
-          <a:p>
-            <a:r>
-              <a:rPr lang="en-US" dirty="0" smtClean="0"/>
-              <a:t>Here</a:t>
-            </a:r>
-            <a:r>
-              <a:rPr lang="en-US" dirty="0"/>
-              <a:t>, the </a:t>
-            </a:r>
-            <a:r>
-              <a:rPr lang="en-US" dirty="0" smtClean="0">
-                <a:solidFill>
-                  <a:schemeClr val="accent1"/>
-                </a:solidFill>
-              </a:rPr>
-              <a:t>&lt;</a:t>
-            </a:r>
-            <a:r>
-              <a:rPr lang="en-US" dirty="0">
-                <a:solidFill>
-                  <a:schemeClr val="accent1"/>
-                </a:solidFill>
-              </a:rPr>
-              <a:t>Your Email</a:t>
-            </a:r>
-            <a:r>
-              <a:rPr lang="en-US" dirty="0" smtClean="0">
-                <a:solidFill>
-                  <a:schemeClr val="accent1"/>
-                </a:solidFill>
-              </a:rPr>
-              <a:t>&gt;</a:t>
-            </a:r>
-            <a:r>
-              <a:rPr lang="en-US" dirty="0" smtClean="0"/>
-              <a:t> </a:t>
-            </a:r>
-            <a:r>
-              <a:rPr lang="en-US" dirty="0"/>
-              <a:t>should be the one associated with </a:t>
-            </a:r>
-            <a:r>
-              <a:rPr lang="en-US" dirty="0" smtClean="0"/>
-              <a:t>your GitHub account</a:t>
-            </a:r>
-            <a:endParaRPr lang="en-US" dirty="0"/>
-          </a:p>
-        </p:txBody>
-      </p:sp>
-      <p:sp>
-        <p:nvSpPr>
-          <p:cNvPr id="4" name="Slide Number Placeholder 3"/>
-          <p:cNvSpPr>
-            <a:spLocks noGrp="1"/>
-          </p:cNvSpPr>
-          <p:nvPr>
-            <p:ph type="sldNum" sz="quarter" idx="12"/>
-          </p:nvPr>
-        </p:nvSpPr>
-        <p:spPr/>
-        <p:txBody>
-          <a:bodyPr/>
-          <a:lstStyle/>
-          <a:p>
-            <a:fld id="{2EF37834-DECA-D44B-90BD-9C7AAAF5A0F7}" type="slidenum">
-              <a:rPr lang="en-US" smtClean="0"/>
-              <a:t>21</a:t>
-            </a:fld>
-            <a:endParaRPr lang="en-US"/>
-          </a:p>
-        </p:txBody>
-      </p:sp>
-    </p:spTree>
-    <p:extLst>
-      <p:ext uri="{BB962C8B-B14F-4D97-AF65-F5344CB8AC3E}">
-        <p14:creationId xmlns:p14="http://schemas.microsoft.com/office/powerpoint/2010/main" val="1953703493"/>
-      </p:ext>
-    </p:extLst>
-  </p:cSld>
-  <p:clrMapOvr>
-    <a:masterClrMapping/>
-  </p:clrMapOvr>
-  <p:timing>
-    <p:tnLst>
-      <p:par>
-        <p:cTn id="1" dur="indefinite" restart="never" nodeType="tmRoot"/>
-      </p:par>
-    </p:tnLst>
-  </p:timing>
-</p:sld>
-</file>
-
-<file path=ppt/slides/slide22.xml><?xml version="1.0" encoding="utf-8"?>
-<p:sld xmlns:a="http://schemas.openxmlformats.org/drawingml/2006/main" xmlns:r="http://schemas.openxmlformats.org/officeDocument/2006/relationships" xmlns:p="http://schemas.openxmlformats.org/presentationml/2006/main">
-  <p:cSld>
-    <p:spTree>
-      <p:nvGrpSpPr>
-        <p:cNvPr id="1" name=""/>
-        <p:cNvGrpSpPr/>
-        <p:nvPr/>
-      </p:nvGrpSpPr>
-      <p:grpSpPr>
-        <a:xfrm>
-          <a:off x="0" y="0"/>
-          <a:ext cx="0" cy="0"/>
-          <a:chOff x="0" y="0"/>
-          <a:chExt cx="0" cy="0"/>
-        </a:xfrm>
-      </p:grpSpPr>
-      <p:sp>
-        <p:nvSpPr>
-          <p:cNvPr id="2" name="Title 1"/>
-          <p:cNvSpPr>
-            <a:spLocks noGrp="1"/>
-          </p:cNvSpPr>
-          <p:nvPr>
-            <p:ph type="title"/>
-          </p:nvPr>
-        </p:nvSpPr>
-        <p:spPr/>
-        <p:txBody>
-          <a:bodyPr/>
-          <a:lstStyle/>
-          <a:p>
-            <a:r>
-              <a:rPr lang="en-US" altLang="zh-CN" dirty="0" smtClean="0"/>
-              <a:t>A list of </a:t>
-            </a:r>
-            <a:r>
-              <a:rPr lang="en-US" altLang="zh-CN" dirty="0" err="1" smtClean="0"/>
-              <a:t>git</a:t>
-            </a:r>
-            <a:r>
-              <a:rPr lang="en-US" altLang="zh-CN" dirty="0" smtClean="0"/>
-              <a:t> commands you need </a:t>
-            </a:r>
-            <a:endParaRPr lang="en-US" dirty="0"/>
-          </a:p>
-        </p:txBody>
-      </p:sp>
-      <p:sp>
-        <p:nvSpPr>
-          <p:cNvPr id="3" name="Content Placeholder 2"/>
-          <p:cNvSpPr>
-            <a:spLocks noGrp="1"/>
-          </p:cNvSpPr>
-          <p:nvPr>
-            <p:ph idx="1"/>
-          </p:nvPr>
-        </p:nvSpPr>
-        <p:spPr/>
-        <p:txBody>
-          <a:bodyPr>
-            <a:normAutofit/>
-          </a:bodyPr>
-          <a:lstStyle/>
-          <a:p>
-            <a:r>
-              <a:rPr lang="en-US" dirty="0" err="1" smtClean="0"/>
-              <a:t>git</a:t>
-            </a:r>
-            <a:r>
-              <a:rPr lang="en-US" dirty="0" smtClean="0"/>
-              <a:t> clone</a:t>
-            </a:r>
-          </a:p>
-          <a:p>
-            <a:r>
-              <a:rPr lang="en-US" dirty="0" err="1" smtClean="0"/>
-              <a:t>git</a:t>
-            </a:r>
-            <a:r>
-              <a:rPr lang="en-US" dirty="0" smtClean="0"/>
-              <a:t> status</a:t>
-            </a:r>
-          </a:p>
-          <a:p>
-            <a:r>
-              <a:rPr lang="en-US" dirty="0" err="1"/>
-              <a:t>git</a:t>
-            </a:r>
-            <a:r>
-              <a:rPr lang="en-US" dirty="0"/>
-              <a:t> </a:t>
-            </a:r>
-            <a:r>
-              <a:rPr lang="en-US" dirty="0" smtClean="0"/>
-              <a:t>remote</a:t>
-            </a:r>
-          </a:p>
-          <a:p>
-            <a:r>
-              <a:rPr lang="en-US" dirty="0" err="1"/>
-              <a:t>git</a:t>
-            </a:r>
-            <a:r>
-              <a:rPr lang="en-US" dirty="0"/>
-              <a:t> </a:t>
-            </a:r>
-            <a:r>
-              <a:rPr lang="en-US" dirty="0" smtClean="0"/>
-              <a:t>add &lt;file name&gt;</a:t>
-            </a:r>
-          </a:p>
-          <a:p>
-            <a:r>
-              <a:rPr lang="en-US" dirty="0" err="1"/>
-              <a:t>git</a:t>
-            </a:r>
-            <a:r>
-              <a:rPr lang="en-US" dirty="0"/>
-              <a:t> </a:t>
-            </a:r>
-            <a:r>
-              <a:rPr lang="en-US" dirty="0" smtClean="0"/>
-              <a:t>commit </a:t>
-            </a:r>
-            <a:r>
-              <a:rPr lang="mr-IN" dirty="0" smtClean="0"/>
-              <a:t>-</a:t>
-            </a:r>
-            <a:r>
-              <a:rPr lang="en-US" dirty="0" smtClean="0"/>
-              <a:t>m &lt;commit messages&gt;</a:t>
-            </a:r>
-          </a:p>
-          <a:p>
-            <a:r>
-              <a:rPr lang="en-US" dirty="0" err="1"/>
-              <a:t>git</a:t>
-            </a:r>
-            <a:r>
-              <a:rPr lang="en-US" dirty="0"/>
-              <a:t> </a:t>
-            </a:r>
-            <a:r>
-              <a:rPr lang="en-US" dirty="0" smtClean="0"/>
-              <a:t>push origin master</a:t>
-            </a:r>
-          </a:p>
-          <a:p>
-            <a:r>
-              <a:rPr lang="en-US" dirty="0" err="1"/>
-              <a:t>git</a:t>
-            </a:r>
-            <a:r>
-              <a:rPr lang="en-US" dirty="0"/>
-              <a:t> </a:t>
-            </a:r>
-            <a:r>
-              <a:rPr lang="en-US" dirty="0" smtClean="0"/>
-              <a:t>pull upstream master</a:t>
-            </a:r>
-          </a:p>
-        </p:txBody>
-      </p:sp>
-      <p:sp>
-        <p:nvSpPr>
-          <p:cNvPr id="4" name="Slide Number Placeholder 3"/>
-          <p:cNvSpPr>
-            <a:spLocks noGrp="1"/>
-          </p:cNvSpPr>
-          <p:nvPr>
-            <p:ph type="sldNum" sz="quarter" idx="12"/>
-          </p:nvPr>
-        </p:nvSpPr>
-        <p:spPr/>
-        <p:txBody>
-          <a:bodyPr/>
-          <a:lstStyle/>
-          <a:p>
-            <a:fld id="{2EF37834-DECA-D44B-90BD-9C7AAAF5A0F7}" type="slidenum">
-              <a:rPr lang="en-US" smtClean="0"/>
-              <a:t>22</a:t>
-            </a:fld>
-            <a:endParaRPr lang="en-US"/>
-          </a:p>
-        </p:txBody>
-      </p:sp>
-    </p:spTree>
-    <p:extLst>
-      <p:ext uri="{BB962C8B-B14F-4D97-AF65-F5344CB8AC3E}">
-        <p14:creationId xmlns:p14="http://schemas.microsoft.com/office/powerpoint/2010/main" val="466758556"/>
-      </p:ext>
-    </p:extLst>
-  </p:cSld>
-  <p:clrMapOvr>
-    <a:masterClrMapping/>
-  </p:clrMapOvr>
-  <p:timing>
-    <p:tnLst>
-      <p:par>
-        <p:cTn id="1" dur="indefinite" restart="never" nodeType="tmRoot"/>
-      </p:par>
-    </p:tnLst>
-  </p:timing>
-</p:sld>
-</file>
-
-<file path=ppt/slides/slide23.xml><?xml version="1.0" encoding="utf-8"?>
-<p:sld xmlns:a="http://schemas.openxmlformats.org/drawingml/2006/main" xmlns:r="http://schemas.openxmlformats.org/officeDocument/2006/relationships" xmlns:p="http://schemas.openxmlformats.org/presentationml/2006/main">
-  <p:cSld>
-    <p:spTree>
-      <p:nvGrpSpPr>
-        <p:cNvPr id="1" name=""/>
-        <p:cNvGrpSpPr/>
-        <p:nvPr/>
-      </p:nvGrpSpPr>
-      <p:grpSpPr>
-        <a:xfrm>
-          <a:off x="0" y="0"/>
-          <a:ext cx="0" cy="0"/>
-          <a:chOff x="0" y="0"/>
-          <a:chExt cx="0" cy="0"/>
-        </a:xfrm>
-      </p:grpSpPr>
-      <p:sp>
-        <p:nvSpPr>
-          <p:cNvPr id="2" name="Title 1"/>
-          <p:cNvSpPr>
-            <a:spLocks noGrp="1"/>
-          </p:cNvSpPr>
-          <p:nvPr>
-            <p:ph type="title"/>
-          </p:nvPr>
-        </p:nvSpPr>
-        <p:spPr/>
-        <p:txBody>
-          <a:bodyPr/>
-          <a:lstStyle/>
-          <a:p>
-            <a:r>
               <a:rPr lang="en-US" dirty="0" err="1"/>
               <a:t>Git</a:t>
             </a:r>
@@ -10148,7 +9252,7 @@
           <a:lstStyle/>
           <a:p>
             <a:r>
-              <a:rPr lang="en-US" dirty="0" smtClean="0"/>
+              <a:rPr lang="en-US" dirty="0"/>
               <a:t>GitHub: </a:t>
             </a:r>
           </a:p>
@@ -10263,10 +9367,9 @@
           <a:lstStyle/>
           <a:p>
             <a:r>
-              <a:rPr lang="en-US" smtClean="0"/>
+              <a:rPr lang="en-US"/>
               <a:t>Your VM</a:t>
             </a:r>
-            <a:endParaRPr lang="en-US"/>
           </a:p>
         </p:txBody>
       </p:sp>
@@ -10345,10 +9448,9 @@
           <a:lstStyle/>
           <a:p>
             <a:r>
-              <a:rPr lang="en-US" smtClean="0"/>
+              <a:rPr lang="en-US"/>
               <a:t>Make changes locally</a:t>
             </a:r>
-            <a:endParaRPr lang="en-US"/>
           </a:p>
         </p:txBody>
       </p:sp>
@@ -10471,10 +9573,9 @@
           <a:lstStyle/>
           <a:p>
             <a:r>
-              <a:rPr lang="en-US" dirty="0" smtClean="0"/>
+              <a:rPr lang="en-US" dirty="0"/>
               <a:t>Submit assignments to GitHub</a:t>
             </a:r>
-            <a:endParaRPr lang="en-US" dirty="0"/>
           </a:p>
         </p:txBody>
       </p:sp>
@@ -10501,10 +9602,9 @@
           <a:lstStyle/>
           <a:p>
             <a:r>
-              <a:rPr lang="en-US" dirty="0" smtClean="0"/>
+              <a:rPr lang="en-US" dirty="0"/>
               <a:t>Pull assignments from GitHub (clone lab repo)</a:t>
             </a:r>
-            <a:endParaRPr lang="en-US" dirty="0"/>
           </a:p>
         </p:txBody>
       </p:sp>
@@ -10531,18 +9631,13 @@
           <a:lstStyle/>
           <a:p>
             <a:r>
-              <a:rPr lang="en-US" sz="2000" b="1" u="sng" dirty="0" smtClean="0">
+              <a:rPr lang="en-US" sz="2000" b="1" u="sng" dirty="0">
                 <a:solidFill>
                   <a:srgbClr val="FFCBE7"/>
                 </a:solidFill>
               </a:rPr>
               <a:t>GitHub</a:t>
             </a:r>
-            <a:endParaRPr lang="en-US" sz="2000" b="1" u="sng" dirty="0">
-              <a:solidFill>
-                <a:srgbClr val="FFCBE7"/>
-              </a:solidFill>
-            </a:endParaRPr>
           </a:p>
         </p:txBody>
       </p:sp>
@@ -10563,7 +9658,7 @@
           <a:p>
             <a:fld id="{2EF37834-DECA-D44B-90BD-9C7AAAF5A0F7}" type="slidenum">
               <a:rPr lang="en-US" smtClean="0"/>
-              <a:t>23</a:t>
+              <a:t>21</a:t>
             </a:fld>
             <a:endParaRPr lang="en-US"/>
           </a:p>
@@ -10836,7 +9931,7 @@
 </p:sld>
 </file>
 
-<file path=ppt/slides/slide24.xml><?xml version="1.0" encoding="utf-8"?>
+<file path=ppt/slides/slide22.xml><?xml version="1.0" encoding="utf-8"?>
 <p:sld xmlns:a="http://schemas.openxmlformats.org/drawingml/2006/main" xmlns:r="http://schemas.openxmlformats.org/officeDocument/2006/relationships" xmlns:p="http://schemas.openxmlformats.org/presentationml/2006/main">
   <p:cSld>
     <p:spTree>
@@ -10869,10 +9964,9 @@
           <a:lstStyle/>
           <a:p>
             <a:r>
-              <a:rPr lang="en-US" dirty="0" smtClean="0"/>
+              <a:rPr lang="en-US" dirty="0"/>
               <a:t>Clone your lab repo locally</a:t>
             </a:r>
-            <a:endParaRPr lang="en-US" dirty="0"/>
           </a:p>
         </p:txBody>
       </p:sp>
@@ -10897,14 +9991,14 @@
           <a:lstStyle/>
           <a:p>
             <a:r>
-              <a:rPr lang="en-US" altLang="zh-CN" dirty="0" smtClean="0"/>
+              <a:rPr lang="en-US" altLang="zh-CN" dirty="0"/>
               <a:t>In command line, type:</a:t>
             </a:r>
           </a:p>
           <a:p>
             <a:pPr lvl="1"/>
             <a:r>
-              <a:rPr lang="en-US" altLang="zh-CN" dirty="0" err="1" smtClean="0">
+              <a:rPr lang="en-US" altLang="zh-CN" dirty="0" err="1">
                 <a:solidFill>
                   <a:srgbClr val="92D050"/>
                 </a:solidFill>
@@ -10912,7 +10006,7 @@
               <a:t>mkdir</a:t>
             </a:r>
             <a:r>
-              <a:rPr lang="en-US" altLang="zh-CN" dirty="0" smtClean="0">
+              <a:rPr lang="en-US" altLang="zh-CN" dirty="0">
                 <a:solidFill>
                   <a:srgbClr val="92D050"/>
                 </a:solidFill>
@@ -10920,7 +10014,7 @@
               <a:t> </a:t>
             </a:r>
             <a:r>
-              <a:rPr lang="en-US" altLang="zh-CN" dirty="0" err="1" smtClean="0">
+              <a:rPr lang="en-US" altLang="zh-CN" dirty="0" err="1">
                 <a:solidFill>
                   <a:srgbClr val="92D050"/>
                 </a:solidFill>
@@ -10928,7 +10022,7 @@
               <a:t>cso</a:t>
             </a:r>
             <a:r>
-              <a:rPr lang="en-US" altLang="zh-CN" dirty="0" smtClean="0">
+              <a:rPr lang="en-US" altLang="zh-CN" dirty="0">
                 <a:solidFill>
                   <a:srgbClr val="92D050"/>
                 </a:solidFill>
@@ -10939,7 +10033,7 @@
           <a:p>
             <a:pPr lvl="1"/>
             <a:r>
-              <a:rPr lang="en-US" altLang="zh-CN" dirty="0" smtClean="0">
+              <a:rPr lang="en-US" altLang="zh-CN" dirty="0">
                 <a:solidFill>
                   <a:schemeClr val="accent1"/>
                 </a:solidFill>
@@ -10947,7 +10041,7 @@
               <a:t>cd </a:t>
             </a:r>
             <a:r>
-              <a:rPr lang="en-US" altLang="zh-CN" dirty="0" err="1" smtClean="0">
+              <a:rPr lang="en-US" altLang="zh-CN" dirty="0" err="1">
                 <a:solidFill>
                   <a:schemeClr val="accent1"/>
                 </a:solidFill>
@@ -10955,7 +10049,7 @@
               <a:t>cso</a:t>
             </a:r>
             <a:r>
-              <a:rPr lang="en-US" altLang="zh-CN" dirty="0" smtClean="0">
+              <a:rPr lang="en-US" altLang="zh-CN" dirty="0">
                 <a:solidFill>
                   <a:schemeClr val="accent1"/>
                 </a:solidFill>
@@ -10966,7 +10060,7 @@
           <a:p>
             <a:pPr lvl="1"/>
             <a:r>
-              <a:rPr lang="en-US" dirty="0" err="1" smtClean="0">
+              <a:rPr lang="en-US" dirty="0" err="1">
                 <a:solidFill>
                   <a:schemeClr val="accent1"/>
                 </a:solidFill>
@@ -11014,7 +10108,7 @@
               <a:t>&gt;.</a:t>
             </a:r>
             <a:r>
-              <a:rPr lang="en-US" dirty="0" err="1" smtClean="0">
+              <a:rPr lang="en-US" dirty="0" err="1">
                 <a:solidFill>
                   <a:schemeClr val="accent1"/>
                 </a:solidFill>
@@ -11027,32 +10121,24 @@
                   <a:schemeClr val="accent1"/>
                 </a:solidFill>
               </a:rPr>
-              <a:t> </a:t>
-            </a:r>
-            <a:r>
-              <a:rPr lang="en-US" dirty="0" smtClean="0">
-                <a:solidFill>
-                  <a:schemeClr val="accent1"/>
-                </a:solidFill>
-              </a:rPr>
-              <a:t>lab1</a:t>
+              <a:t> lab1</a:t>
             </a:r>
           </a:p>
           <a:p>
             <a:pPr lvl="2"/>
             <a:r>
-              <a:rPr lang="en-US" dirty="0" smtClean="0"/>
+              <a:rPr lang="en-US" dirty="0"/>
               <a:t>If you copy the above command to command line, don’t let the line break</a:t>
             </a:r>
           </a:p>
           <a:p>
             <a:pPr lvl="2"/>
             <a:r>
-              <a:rPr lang="en-US" dirty="0" smtClean="0"/>
+              <a:rPr lang="en-US" dirty="0"/>
               <a:t>Replace &lt;Your GitHub Username&gt; (</a:t>
             </a:r>
             <a:r>
-              <a:rPr lang="en-US" dirty="0" smtClean="0">
+              <a:rPr lang="en-US" dirty="0">
                 <a:solidFill>
                   <a:srgbClr val="FF0000"/>
                 </a:solidFill>
@@ -11060,14 +10146,14 @@
               <a:t>including the angle brackets</a:t>
             </a:r>
             <a:r>
-              <a:rPr lang="en-US" dirty="0" smtClean="0"/>
+              <a:rPr lang="en-US" dirty="0"/>
               <a:t>)  with your GitHub username.</a:t>
             </a:r>
           </a:p>
           <a:p>
             <a:pPr lvl="1"/>
             <a:r>
-              <a:rPr lang="en-US" dirty="0" smtClean="0">
+              <a:rPr lang="en-US" dirty="0">
                 <a:solidFill>
                   <a:schemeClr val="accent1"/>
                 </a:solidFill>
@@ -11094,7 +10180,7 @@
           <a:p>
             <a:fld id="{2EF37834-DECA-D44B-90BD-9C7AAAF5A0F7}" type="slidenum">
               <a:rPr lang="en-US" smtClean="0"/>
-              <a:t>24</a:t>
+              <a:t>22</a:t>
             </a:fld>
             <a:endParaRPr lang="en-US"/>
           </a:p>
@@ -11148,17 +10234,10 @@
   <p:clrMapOvr>
     <a:masterClrMapping/>
   </p:clrMapOvr>
-  <p:timing>
-    <p:tnLst>
-      <p:par>
-        <p:cTn id="1" dur="indefinite" restart="never" nodeType="tmRoot"/>
-      </p:par>
-    </p:tnLst>
-  </p:timing>
 </p:sld>
 </file>
 
-<file path=ppt/slides/slide25.xml><?xml version="1.0" encoding="utf-8"?>
+<file path=ppt/slides/slide23.xml><?xml version="1.0" encoding="utf-8"?>
 <p:sld xmlns:a="http://schemas.openxmlformats.org/drawingml/2006/main" xmlns:r="http://schemas.openxmlformats.org/officeDocument/2006/relationships" xmlns:p="http://schemas.openxmlformats.org/presentationml/2006/main">
   <p:cSld>
     <p:spTree>
@@ -11191,14 +10270,13 @@
           <a:lstStyle/>
           <a:p>
             <a:r>
-              <a:rPr lang="en-US" dirty="0" err="1" smtClean="0"/>
+              <a:rPr lang="en-US" dirty="0" err="1"/>
               <a:t>Git</a:t>
             </a:r>
             <a:r>
-              <a:rPr lang="en-US" dirty="0" smtClean="0"/>
+              <a:rPr lang="en-US" dirty="0"/>
               <a:t> Setup</a:t>
             </a:r>
-            <a:endParaRPr lang="en-US" dirty="0"/>
           </a:p>
         </p:txBody>
       </p:sp>
@@ -11254,14 +10332,13 @@
           <a:lstStyle/>
           <a:p>
             <a:r>
-              <a:rPr lang="en-US" dirty="0" smtClean="0"/>
+              <a:rPr lang="en-US" dirty="0"/>
               <a:t>The remote copy is stored in </a:t>
             </a:r>
             <a:r>
-              <a:rPr lang="en-US" smtClean="0"/>
+              <a:rPr lang="en-US"/>
               <a:t>some efficient format</a:t>
             </a:r>
-            <a:endParaRPr lang="en-US"/>
           </a:p>
         </p:txBody>
       </p:sp>
@@ -11318,7 +10395,7 @@
           <a:p>
             <a:fld id="{2EF37834-DECA-D44B-90BD-9C7AAAF5A0F7}" type="slidenum">
               <a:rPr lang="en-US" smtClean="0"/>
-              <a:t>25</a:t>
+              <a:t>23</a:t>
             </a:fld>
             <a:endParaRPr lang="en-US"/>
           </a:p>
@@ -11334,17 +10411,10 @@
   <p:clrMapOvr>
     <a:masterClrMapping/>
   </p:clrMapOvr>
-  <p:timing>
-    <p:tnLst>
-      <p:par>
-        <p:cTn id="1" dur="indefinite" restart="never" nodeType="tmRoot"/>
-      </p:par>
-    </p:tnLst>
-  </p:timing>
 </p:sld>
 </file>
 
-<file path=ppt/slides/slide26.xml><?xml version="1.0" encoding="utf-8"?>
+<file path=ppt/slides/slide24.xml><?xml version="1.0" encoding="utf-8"?>
 <p:sld xmlns:a="http://schemas.openxmlformats.org/drawingml/2006/main" xmlns:r="http://schemas.openxmlformats.org/officeDocument/2006/relationships" xmlns:p="http://schemas.openxmlformats.org/presentationml/2006/main">
   <p:cSld>
     <p:spTree>
@@ -11377,10 +10447,9 @@
           <a:lstStyle/>
           <a:p>
             <a:r>
-              <a:rPr lang="en-US" dirty="0" smtClean="0"/>
+              <a:rPr lang="en-US" dirty="0"/>
               <a:t>A closer look at your local repository</a:t>
             </a:r>
-            <a:endParaRPr lang="en-US" dirty="0"/>
           </a:p>
         </p:txBody>
       </p:sp>
@@ -11436,10 +10505,9 @@
           <a:lstStyle/>
           <a:p>
             <a:r>
-              <a:rPr lang="en-US" dirty="0" smtClean="0"/>
+              <a:rPr lang="en-US" dirty="0"/>
               <a:t>Local repository</a:t>
             </a:r>
-            <a:endParaRPr lang="en-US" dirty="0"/>
           </a:p>
         </p:txBody>
       </p:sp>
@@ -11460,7 +10528,7 @@
           <a:p>
             <a:fld id="{2EF37834-DECA-D44B-90BD-9C7AAAF5A0F7}" type="slidenum">
               <a:rPr lang="en-US" smtClean="0"/>
-              <a:t>26</a:t>
+              <a:t>24</a:t>
             </a:fld>
             <a:endParaRPr lang="en-US"/>
           </a:p>
@@ -11476,17 +10544,10 @@
   <p:clrMapOvr>
     <a:masterClrMapping/>
   </p:clrMapOvr>
-  <p:timing>
-    <p:tnLst>
-      <p:par>
-        <p:cTn id="1" dur="indefinite" restart="never" nodeType="tmRoot"/>
-      </p:par>
-    </p:tnLst>
-  </p:timing>
 </p:sld>
 </file>
 
-<file path=ppt/slides/slide27.xml><?xml version="1.0" encoding="utf-8"?>
+<file path=ppt/slides/slide25.xml><?xml version="1.0" encoding="utf-8"?>
 <p:sld xmlns:a="http://schemas.openxmlformats.org/drawingml/2006/main" xmlns:r="http://schemas.openxmlformats.org/officeDocument/2006/relationships" xmlns:p="http://schemas.openxmlformats.org/presentationml/2006/main">
   <p:cSld>
     <p:spTree>
@@ -11519,11 +10580,11 @@
           <a:lstStyle/>
           <a:p>
             <a:r>
-              <a:rPr lang="en-US" dirty="0" smtClean="0"/>
+              <a:rPr lang="en-US" dirty="0"/>
               <a:t>How to interact with </a:t>
             </a:r>
             <a:r>
-              <a:rPr lang="en-US" dirty="0" err="1" smtClean="0"/>
+              <a:rPr lang="en-US" dirty="0" err="1"/>
               <a:t>Git</a:t>
             </a:r>
             <a:endParaRPr lang="en-US" dirty="0"/>
@@ -11546,78 +10607,77 @@
           <a:lstStyle/>
           <a:p>
             <a:r>
-              <a:rPr lang="en-US" dirty="0" err="1" smtClean="0"/>
+              <a:rPr lang="en-US" dirty="0" err="1"/>
               <a:t>git</a:t>
             </a:r>
             <a:r>
-              <a:rPr lang="en-US" dirty="0" smtClean="0"/>
+              <a:rPr lang="en-US" dirty="0"/>
               <a:t> add </a:t>
             </a:r>
             <a:r>
-              <a:rPr lang="en-US" dirty="0" err="1" smtClean="0"/>
+              <a:rPr lang="en-US" dirty="0" err="1"/>
               <a:t>hello_world.c</a:t>
             </a:r>
-            <a:endParaRPr lang="en-US" dirty="0" smtClean="0"/>
+            <a:endParaRPr lang="en-US" dirty="0"/>
           </a:p>
           <a:p>
             <a:pPr lvl="1"/>
             <a:r>
-              <a:rPr lang="en-US" dirty="0" smtClean="0"/>
+              <a:rPr lang="en-US" dirty="0"/>
               <a:t>Tell </a:t>
             </a:r>
             <a:r>
-              <a:rPr lang="en-US" dirty="0" err="1" smtClean="0"/>
+              <a:rPr lang="en-US" dirty="0" err="1"/>
               <a:t>git</a:t>
             </a:r>
             <a:r>
-              <a:rPr lang="en-US" dirty="0" smtClean="0"/>
+              <a:rPr lang="en-US" dirty="0"/>
               <a:t> to track changes to </a:t>
             </a:r>
             <a:r>
-              <a:rPr lang="en-US" dirty="0" err="1" smtClean="0"/>
+              <a:rPr lang="en-US" dirty="0" err="1"/>
               <a:t>hello_world.c</a:t>
             </a:r>
-            <a:endParaRPr lang="en-US" dirty="0" smtClean="0"/>
-          </a:p>
-          <a:p>
-            <a:r>
-              <a:rPr lang="en-US" dirty="0" err="1" smtClean="0"/>
+            <a:endParaRPr lang="en-US" dirty="0"/>
+          </a:p>
+          <a:p>
+            <a:r>
+              <a:rPr lang="en-US" dirty="0" err="1"/>
               <a:t>git</a:t>
             </a:r>
             <a:r>
-              <a:rPr lang="en-US" dirty="0" smtClean="0"/>
+              <a:rPr lang="en-US" dirty="0"/>
               <a:t> commit</a:t>
             </a:r>
           </a:p>
           <a:p>
             <a:pPr lvl="1"/>
             <a:r>
-              <a:rPr lang="en-US" dirty="0" smtClean="0"/>
+              <a:rPr lang="en-US" dirty="0"/>
               <a:t>Store tracked file to .</a:t>
             </a:r>
             <a:r>
-              <a:rPr lang="en-US" dirty="0" err="1" smtClean="0"/>
+              <a:rPr lang="en-US" dirty="0" err="1"/>
               <a:t>git</a:t>
             </a:r>
-            <a:endParaRPr lang="en-US" dirty="0" smtClean="0"/>
-          </a:p>
-          <a:p>
-            <a:r>
-              <a:rPr lang="en-US" dirty="0" err="1" smtClean="0"/>
+            <a:endParaRPr lang="en-US" dirty="0"/>
+          </a:p>
+          <a:p>
+            <a:r>
+              <a:rPr lang="en-US" dirty="0" err="1"/>
               <a:t>git</a:t>
             </a:r>
             <a:r>
-              <a:rPr lang="en-US" dirty="0" smtClean="0"/>
+              <a:rPr lang="en-US" dirty="0"/>
               <a:t> push origin master</a:t>
             </a:r>
           </a:p>
           <a:p>
             <a:pPr lvl="1"/>
             <a:r>
-              <a:rPr lang="en-US" dirty="0" smtClean="0"/>
+              <a:rPr lang="en-US" dirty="0"/>
               <a:t>Submit commits to your remote repository</a:t>
             </a:r>
-            <a:endParaRPr lang="en-US" dirty="0"/>
           </a:p>
         </p:txBody>
       </p:sp>
@@ -11698,7 +10758,7 @@
           <a:p>
             <a:fld id="{2EF37834-DECA-D44B-90BD-9C7AAAF5A0F7}" type="slidenum">
               <a:rPr lang="en-US" smtClean="0"/>
-              <a:t>27</a:t>
+              <a:t>25</a:t>
             </a:fld>
             <a:endParaRPr lang="en-US"/>
           </a:p>
@@ -11792,7 +10852,7 @@
 </p:sld>
 </file>
 
-<file path=ppt/slides/slide28.xml><?xml version="1.0" encoding="utf-8"?>
+<file path=ppt/slides/slide26.xml><?xml version="1.0" encoding="utf-8"?>
 <p:sld xmlns:a="http://schemas.openxmlformats.org/drawingml/2006/main" xmlns:r="http://schemas.openxmlformats.org/officeDocument/2006/relationships" xmlns:p="http://schemas.openxmlformats.org/presentationml/2006/main">
   <p:cSld>
     <p:spTree>
@@ -11825,18 +10885,13 @@
           <a:lstStyle/>
           <a:p>
             <a:r>
-              <a:rPr lang="en-US" dirty="0" smtClean="0">
+              <a:rPr lang="en-US" dirty="0">
                 <a:solidFill>
                   <a:schemeClr val="accent1"/>
                 </a:solidFill>
               </a:rPr>
               <a:t>For each new assignment</a:t>
             </a:r>
-            <a:endParaRPr lang="en-US" dirty="0">
-              <a:solidFill>
-                <a:schemeClr val="accent1"/>
-              </a:solidFill>
-            </a:endParaRPr>
           </a:p>
         </p:txBody>
       </p:sp>
@@ -11863,44 +10918,40 @@
           <a:lstStyle/>
           <a:p>
             <a:r>
-              <a:rPr lang="en-US" dirty="0" smtClean="0"/>
+              <a:rPr lang="en-US" dirty="0"/>
               <a:t>Create lab repo on GitHub (click link, select yourself)</a:t>
             </a:r>
           </a:p>
           <a:p>
             <a:r>
-              <a:rPr lang="en-US" dirty="0" smtClean="0"/>
+              <a:rPr lang="en-US" dirty="0"/>
               <a:t>Clone your lab repo locally</a:t>
             </a:r>
           </a:p>
           <a:p>
             <a:pPr lvl="1"/>
             <a:r>
-              <a:rPr lang="en-US" dirty="0" smtClean="0"/>
+              <a:rPr lang="en-US" dirty="0"/>
               <a:t>cd </a:t>
             </a:r>
             <a:r>
-              <a:rPr lang="en-US" dirty="0" err="1" smtClean="0"/>
+              <a:rPr lang="en-US" dirty="0" err="1"/>
               <a:t>cso</a:t>
             </a:r>
             <a:r>
-              <a:rPr lang="en-US" dirty="0" smtClean="0"/>
+              <a:rPr lang="en-US" dirty="0"/>
               <a:t>-labs</a:t>
             </a:r>
           </a:p>
           <a:p>
             <a:pPr lvl="1"/>
             <a:r>
-              <a:rPr lang="en-US" dirty="0" err="1" smtClean="0"/>
+              <a:rPr lang="en-US" dirty="0" err="1"/>
               <a:t>git</a:t>
             </a:r>
             <a:r>
-              <a:rPr lang="en-US" dirty="0" smtClean="0"/>
-              <a:t> </a:t>
-            </a:r>
-            <a:r>
-              <a:rPr lang="en-US" dirty="0"/>
-              <a:t>clone https://</a:t>
+              <a:rPr lang="en-US" dirty="0"/>
+              <a:t> clone https://</a:t>
             </a:r>
             <a:r>
               <a:rPr lang="en-US" dirty="0" err="1"/>
@@ -11926,85 +10977,79 @@
               <a:rPr lang="en-US" dirty="0"/>
               <a:t> lab1</a:t>
             </a:r>
-            <a:endParaRPr lang="en-US" dirty="0" smtClean="0"/>
-          </a:p>
-          <a:p>
-            <a:r>
-              <a:rPr lang="en-US" dirty="0" smtClean="0"/>
+          </a:p>
+          <a:p>
+            <a:r>
+              <a:rPr lang="en-US" dirty="0"/>
               <a:t>Then make changes locally in the VM</a:t>
             </a:r>
           </a:p>
           <a:p>
             <a:r>
-              <a:rPr lang="en-US" dirty="0" smtClean="0"/>
+              <a:rPr lang="en-US" dirty="0"/>
               <a:t>Tell </a:t>
             </a:r>
             <a:r>
-              <a:rPr lang="en-US" dirty="0" err="1" smtClean="0"/>
+              <a:rPr lang="en-US" dirty="0" err="1"/>
               <a:t>git</a:t>
             </a:r>
             <a:r>
-              <a:rPr lang="en-US" dirty="0" smtClean="0"/>
+              <a:rPr lang="en-US" dirty="0"/>
               <a:t> to track changes</a:t>
             </a:r>
           </a:p>
           <a:p>
             <a:pPr lvl="1"/>
             <a:r>
-              <a:rPr lang="en-US" dirty="0" err="1" smtClean="0"/>
+              <a:rPr lang="en-US" dirty="0" err="1"/>
               <a:t>git</a:t>
             </a:r>
             <a:r>
-              <a:rPr lang="en-US" dirty="0" smtClean="0"/>
+              <a:rPr lang="en-US" dirty="0"/>
               <a:t> add filenames</a:t>
             </a:r>
           </a:p>
           <a:p>
             <a:r>
-              <a:rPr lang="en-US" dirty="0" smtClean="0"/>
+              <a:rPr lang="en-US" dirty="0"/>
               <a:t>Commit your changes</a:t>
             </a:r>
           </a:p>
           <a:p>
             <a:pPr lvl="1"/>
             <a:r>
-              <a:rPr lang="en-US" dirty="0" err="1" smtClean="0"/>
+              <a:rPr lang="en-US" dirty="0" err="1"/>
               <a:t>git</a:t>
             </a:r>
             <a:r>
-              <a:rPr lang="en-US" dirty="0" smtClean="0"/>
+              <a:rPr lang="en-US" dirty="0"/>
               <a:t> commit </a:t>
             </a:r>
             <a:r>
-              <a:rPr lang="mr-IN" dirty="0" smtClean="0"/>
+              <a:rPr lang="mr-IN" dirty="0"/>
               <a:t>-</a:t>
             </a:r>
             <a:r>
-              <a:rPr lang="en-US" dirty="0" smtClean="0"/>
+              <a:rPr lang="en-US" dirty="0"/>
               <a:t>m “commit messages”</a:t>
             </a:r>
           </a:p>
           <a:p>
             <a:r>
-              <a:rPr lang="en-US" dirty="0" smtClean="0"/>
-              <a:t>Push to </a:t>
-            </a:r>
-            <a:r>
-              <a:rPr lang="en-US" dirty="0" smtClean="0"/>
-              <a:t>your remote repository (on GitHub)</a:t>
+              <a:rPr lang="en-US" dirty="0"/>
+              <a:t>Push to your remote repository (on GitHub)</a:t>
             </a:r>
           </a:p>
           <a:p>
             <a:pPr lvl="1"/>
             <a:r>
-              <a:rPr lang="en-US" dirty="0" err="1" smtClean="0"/>
+              <a:rPr lang="en-US" dirty="0" err="1"/>
               <a:t>git</a:t>
             </a:r>
             <a:r>
-              <a:rPr lang="en-US" dirty="0" smtClean="0"/>
+              <a:rPr lang="en-US" dirty="0"/>
               <a:t> push origin master</a:t>
             </a:r>
-            <a:endParaRPr lang="en-US" dirty="0"/>
           </a:p>
         </p:txBody>
       </p:sp>
@@ -12025,7 +11070,7 @@
           <a:p>
             <a:fld id="{2EF37834-DECA-D44B-90BD-9C7AAAF5A0F7}" type="slidenum">
               <a:rPr lang="en-US" smtClean="0"/>
-              <a:t>28</a:t>
+              <a:t>26</a:t>
             </a:fld>
             <a:endParaRPr lang="en-US"/>
           </a:p>
@@ -12474,7 +11519,7 @@
 </p:sld>
 </file>
 
-<file path=ppt/slides/slide29.xml><?xml version="1.0" encoding="utf-8"?>
+<file path=ppt/slides/slide27.xml><?xml version="1.0" encoding="utf-8"?>
 <p:sld xmlns:a="http://schemas.openxmlformats.org/drawingml/2006/main" xmlns:r="http://schemas.openxmlformats.org/officeDocument/2006/relationships" xmlns:p="http://schemas.openxmlformats.org/presentationml/2006/main">
   <p:cSld>
     <p:spTree>
@@ -12507,14 +11552,13 @@
           <a:lstStyle/>
           <a:p>
             <a:r>
-              <a:rPr lang="en-US" dirty="0" err="1" smtClean="0"/>
+              <a:rPr lang="en-US" dirty="0" err="1"/>
               <a:t>Git</a:t>
             </a:r>
             <a:r>
-              <a:rPr lang="en-US" dirty="0" smtClean="0"/>
+              <a:rPr lang="en-US" dirty="0"/>
               <a:t> commit</a:t>
             </a:r>
-            <a:endParaRPr lang="en-US" dirty="0"/>
           </a:p>
         </p:txBody>
       </p:sp>
@@ -12534,61 +11578,53 @@
           <a:lstStyle/>
           <a:p>
             <a:r>
-              <a:rPr lang="en-US" dirty="0" smtClean="0"/>
+              <a:rPr lang="en-US" dirty="0"/>
               <a:t>When you issue “</a:t>
             </a:r>
             <a:r>
-              <a:rPr lang="en-US" dirty="0" err="1" smtClean="0"/>
+              <a:rPr lang="en-US" dirty="0" err="1"/>
               <a:t>git</a:t>
             </a:r>
             <a:r>
-              <a:rPr lang="en-US" dirty="0" smtClean="0"/>
+              <a:rPr lang="en-US" dirty="0"/>
               <a:t> commit”, you need to provide a message which is a short description of the changes you made</a:t>
             </a:r>
           </a:p>
           <a:p>
             <a:r>
-              <a:rPr lang="en-US" dirty="0" smtClean="0"/>
+              <a:rPr lang="en-US" dirty="0"/>
               <a:t>You can use “-m” option to provide the commit message</a:t>
             </a:r>
           </a:p>
           <a:p>
             <a:pPr lvl="1"/>
             <a:r>
-              <a:rPr lang="en-US" dirty="0" smtClean="0"/>
+              <a:rPr lang="en-US" dirty="0"/>
               <a:t>E.g.: </a:t>
             </a:r>
             <a:r>
-              <a:rPr lang="en-US" dirty="0" err="1" smtClean="0"/>
+              <a:rPr lang="en-US" dirty="0" err="1"/>
               <a:t>git</a:t>
             </a:r>
             <a:r>
-              <a:rPr lang="en-US" dirty="0" smtClean="0"/>
-              <a:t> commit </a:t>
-            </a:r>
-            <a:r>
-              <a:rPr lang="en-US" dirty="0"/>
-              <a:t>-</a:t>
-            </a:r>
-            <a:r>
-              <a:rPr lang="en-US" dirty="0" smtClean="0"/>
-              <a:t>m “my first commit”</a:t>
-            </a:r>
-          </a:p>
-          <a:p>
-            <a:r>
-              <a:rPr lang="en-US" dirty="0" smtClean="0"/>
+              <a:rPr lang="en-US" dirty="0"/>
+              <a:t> commit -m “my first commit”</a:t>
+            </a:r>
+          </a:p>
+          <a:p>
+            <a:r>
+              <a:rPr lang="en-US" dirty="0"/>
               <a:t>If you don’t use “-m” option, an command line editor will pop up for you to edit the commit message</a:t>
             </a:r>
           </a:p>
           <a:p>
             <a:pPr lvl="1"/>
             <a:r>
-              <a:rPr lang="en-US" dirty="0" smtClean="0"/>
+              <a:rPr lang="en-US" dirty="0"/>
               <a:t>By default, </a:t>
             </a:r>
             <a:r>
-              <a:rPr lang="en-US" dirty="0" err="1" smtClean="0"/>
+              <a:rPr lang="en-US" dirty="0" err="1"/>
               <a:t>nano</a:t>
             </a:r>
             <a:endParaRPr lang="en-US" dirty="0"/>
@@ -12612,7 +11648,7 @@
           <a:p>
             <a:fld id="{2EF37834-DECA-D44B-90BD-9C7AAAF5A0F7}" type="slidenum">
               <a:rPr lang="en-US" smtClean="0"/>
-              <a:t>29</a:t>
+              <a:t>27</a:t>
             </a:fld>
             <a:endParaRPr lang="en-US"/>
           </a:p>
@@ -12628,17 +11664,10 @@
   <p:clrMapOvr>
     <a:masterClrMapping/>
   </p:clrMapOvr>
-  <p:timing>
-    <p:tnLst>
-      <p:par>
-        <p:cTn id="1" dur="indefinite" restart="never" nodeType="tmRoot"/>
-      </p:par>
-    </p:tnLst>
-  </p:timing>
 </p:sld>
 </file>
 
-<file path=ppt/slides/slide3.xml><?xml version="1.0" encoding="utf-8"?>
+<file path=ppt/slides/slide28.xml><?xml version="1.0" encoding="utf-8"?>
 <p:sld xmlns:a="http://schemas.openxmlformats.org/drawingml/2006/main" xmlns:r="http://schemas.openxmlformats.org/officeDocument/2006/relationships" xmlns:p="http://schemas.openxmlformats.org/presentationml/2006/main">
   <p:cSld>
     <p:spTree>
@@ -12657,7 +11686,7 @@
       </p:grpSpPr>
       <p:sp>
         <p:nvSpPr>
-          <p:cNvPr id="4" name="Title 3"/>
+          <p:cNvPr id="2" name="Title 1"/>
           <p:cNvSpPr>
             <a:spLocks noGrp="1"/>
           </p:cNvSpPr>
@@ -12671,207 +11700,91 @@
           <a:lstStyle/>
           <a:p>
             <a:r>
-              <a:rPr lang="en-US" dirty="0" smtClean="0">
-                <a:solidFill>
-                  <a:schemeClr val="accent1"/>
-                </a:solidFill>
-              </a:rPr>
-              <a:t>Logistics</a:t>
-            </a:r>
-            <a:endParaRPr lang="en-US" dirty="0">
-              <a:solidFill>
-                <a:schemeClr val="accent1"/>
-              </a:solidFill>
-            </a:endParaRPr>
-          </a:p>
-        </p:txBody>
-      </p:sp>
-      <p:sp>
-        <p:nvSpPr>
-          <p:cNvPr id="5" name="Text Placeholder 4"/>
-          <p:cNvSpPr>
-            <a:spLocks noGrp="1"/>
-          </p:cNvSpPr>
-          <p:nvPr>
-            <p:ph type="body" idx="1"/>
-          </p:nvPr>
-        </p:nvSpPr>
-        <p:spPr/>
-        <p:txBody>
-          <a:bodyPr/>
-          <a:lstStyle/>
-          <a:p>
-            <a:r>
-              <a:rPr lang="en-US" dirty="0" smtClean="0"/>
-              <a:t>Important things you should know</a:t>
-            </a:r>
+              <a:rPr lang="en-US" dirty="0"/>
+              <a:t>How to get out of Nano Editor</a:t>
+            </a:r>
+          </a:p>
+        </p:txBody>
+      </p:sp>
+      <p:sp>
+        <p:nvSpPr>
+          <p:cNvPr id="3" name="Content Placeholder 2"/>
+          <p:cNvSpPr>
+            <a:spLocks noGrp="1"/>
+          </p:cNvSpPr>
+          <p:nvPr>
+            <p:ph idx="1"/>
+          </p:nvPr>
+        </p:nvSpPr>
+        <p:spPr/>
+        <p:txBody>
+          <a:bodyPr/>
+          <a:lstStyle/>
+          <a:p>
+            <a:r>
+              <a:rPr lang="en-US" dirty="0"/>
+              <a:t>The default editor is called Nano</a:t>
+            </a:r>
+          </a:p>
+          <a:p>
             <a:endParaRPr lang="en-US" dirty="0"/>
           </a:p>
-        </p:txBody>
-      </p:sp>
-      <p:sp>
-        <p:nvSpPr>
-          <p:cNvPr id="2" name="Slide Number Placeholder 1"/>
-          <p:cNvSpPr>
-            <a:spLocks noGrp="1"/>
-          </p:cNvSpPr>
-          <p:nvPr>
-            <p:ph type="sldNum" sz="quarter" idx="12"/>
-          </p:nvPr>
-        </p:nvSpPr>
-        <p:spPr/>
-        <p:txBody>
-          <a:bodyPr/>
-          <a:lstStyle/>
-          <a:p>
-            <a:fld id="{2EF37834-DECA-D44B-90BD-9C7AAAF5A0F7}" type="slidenum">
-              <a:rPr lang="en-US" smtClean="0"/>
-              <a:t>3</a:t>
-            </a:fld>
-            <a:endParaRPr lang="en-US"/>
-          </a:p>
-        </p:txBody>
-      </p:sp>
-    </p:spTree>
-    <p:extLst>
-      <p:ext uri="{BB962C8B-B14F-4D97-AF65-F5344CB8AC3E}">
-        <p14:creationId xmlns:p14="http://schemas.microsoft.com/office/powerpoint/2010/main" val="2025566344"/>
-      </p:ext>
-    </p:extLst>
-  </p:cSld>
-  <p:clrMapOvr>
-    <a:masterClrMapping/>
-  </p:clrMapOvr>
-  <p:timing>
-    <p:tnLst>
-      <p:par>
-        <p:cTn id="1" dur="indefinite" restart="never" nodeType="tmRoot"/>
-      </p:par>
-    </p:tnLst>
-  </p:timing>
-</p:sld>
-</file>
-
-<file path=ppt/slides/slide30.xml><?xml version="1.0" encoding="utf-8"?>
-<p:sld xmlns:a="http://schemas.openxmlformats.org/drawingml/2006/main" xmlns:r="http://schemas.openxmlformats.org/officeDocument/2006/relationships" xmlns:p="http://schemas.openxmlformats.org/presentationml/2006/main">
-  <p:cSld>
-    <p:spTree>
-      <p:nvGrpSpPr>
-        <p:cNvPr id="1" name=""/>
-        <p:cNvGrpSpPr/>
-        <p:nvPr/>
-      </p:nvGrpSpPr>
-      <p:grpSpPr>
-        <a:xfrm>
-          <a:off x="0" y="0"/>
-          <a:ext cx="0" cy="0"/>
-          <a:chOff x="0" y="0"/>
-          <a:chExt cx="0" cy="0"/>
-        </a:xfrm>
-      </p:grpSpPr>
-      <p:sp>
-        <p:nvSpPr>
-          <p:cNvPr id="2" name="Title 1"/>
-          <p:cNvSpPr>
-            <a:spLocks noGrp="1"/>
-          </p:cNvSpPr>
-          <p:nvPr>
-            <p:ph type="title"/>
-          </p:nvPr>
-        </p:nvSpPr>
-        <p:spPr/>
-        <p:txBody>
-          <a:bodyPr/>
-          <a:lstStyle/>
-          <a:p>
-            <a:r>
-              <a:rPr lang="en-US" dirty="0" smtClean="0"/>
-              <a:t>How to get out of Nano Editor</a:t>
-            </a:r>
+          <a:p>
             <a:endParaRPr lang="en-US" dirty="0"/>
           </a:p>
-        </p:txBody>
-      </p:sp>
-      <p:sp>
-        <p:nvSpPr>
-          <p:cNvPr id="3" name="Content Placeholder 2"/>
-          <p:cNvSpPr>
-            <a:spLocks noGrp="1"/>
-          </p:cNvSpPr>
-          <p:nvPr>
-            <p:ph idx="1"/>
-          </p:nvPr>
-        </p:nvSpPr>
-        <p:spPr/>
-        <p:txBody>
-          <a:bodyPr/>
-          <a:lstStyle/>
-          <a:p>
-            <a:r>
-              <a:rPr lang="en-US" dirty="0" smtClean="0"/>
-              <a:t>The default editor is called Nano</a:t>
-            </a:r>
-          </a:p>
           <a:p>
             <a:endParaRPr lang="en-US" dirty="0"/>
           </a:p>
           <a:p>
-            <a:endParaRPr lang="en-US" dirty="0" smtClean="0"/>
-          </a:p>
-          <a:p>
             <a:endParaRPr lang="en-US" dirty="0"/>
           </a:p>
           <a:p>
-            <a:endParaRPr lang="en-US" dirty="0" smtClean="0"/>
-          </a:p>
-          <a:p>
-            <a:r>
-              <a:rPr lang="en-US" dirty="0" smtClean="0"/>
+            <a:r>
+              <a:rPr lang="en-US" dirty="0"/>
               <a:t>To add a commit message from </a:t>
             </a:r>
             <a:r>
-              <a:rPr lang="en-US" dirty="0" err="1" smtClean="0"/>
+              <a:rPr lang="en-US" dirty="0" err="1"/>
               <a:t>nano</a:t>
             </a:r>
-            <a:endParaRPr lang="en-US" dirty="0" smtClean="0"/>
+            <a:endParaRPr lang="en-US" dirty="0"/>
           </a:p>
           <a:p>
             <a:pPr lvl="1"/>
             <a:r>
-              <a:rPr lang="en-US" dirty="0" smtClean="0"/>
+              <a:rPr lang="en-US" dirty="0"/>
               <a:t>First type in some commit message</a:t>
             </a:r>
           </a:p>
           <a:p>
             <a:pPr lvl="1"/>
             <a:r>
-              <a:rPr lang="en-US" dirty="0" smtClean="0"/>
+              <a:rPr lang="en-US" dirty="0"/>
               <a:t>Hit </a:t>
             </a:r>
             <a:r>
-              <a:rPr lang="en-US" dirty="0" err="1" smtClean="0"/>
+              <a:rPr lang="en-US" dirty="0" err="1"/>
               <a:t>Ctrl+O</a:t>
             </a:r>
             <a:r>
-              <a:rPr lang="en-US" dirty="0" smtClean="0"/>
+              <a:rPr lang="en-US" dirty="0"/>
               <a:t> to save your commit message (^ means Ctrl)</a:t>
             </a:r>
           </a:p>
           <a:p>
             <a:pPr lvl="1"/>
             <a:r>
-              <a:rPr lang="en-US" dirty="0" smtClean="0"/>
+              <a:rPr lang="en-US" dirty="0"/>
               <a:t>Hit </a:t>
             </a:r>
             <a:r>
-              <a:rPr lang="en-US" dirty="0" err="1" smtClean="0"/>
+              <a:rPr lang="en-US" dirty="0" err="1"/>
               <a:t>Ctrl+X</a:t>
             </a:r>
             <a:r>
-              <a:rPr lang="en-US" dirty="0" smtClean="0"/>
+              <a:rPr lang="en-US" dirty="0"/>
               <a:t> to exit</a:t>
             </a:r>
-            <a:endParaRPr lang="en-US" dirty="0"/>
           </a:p>
         </p:txBody>
       </p:sp>
@@ -12922,7 +11835,7 @@
           <a:p>
             <a:fld id="{2EF37834-DECA-D44B-90BD-9C7AAAF5A0F7}" type="slidenum">
               <a:rPr lang="en-US" smtClean="0"/>
-              <a:t>30</a:t>
+              <a:t>28</a:t>
             </a:fld>
             <a:endParaRPr lang="en-US"/>
           </a:p>
@@ -12938,17 +11851,10 @@
   <p:clrMapOvr>
     <a:masterClrMapping/>
   </p:clrMapOvr>
-  <p:timing>
-    <p:tnLst>
-      <p:par>
-        <p:cTn id="1" dur="indefinite" restart="never" nodeType="tmRoot"/>
-      </p:par>
-    </p:tnLst>
-  </p:timing>
 </p:sld>
 </file>
 
-<file path=ppt/slides/slide31.xml><?xml version="1.0" encoding="utf-8"?>
+<file path=ppt/slides/slide29.xml><?xml version="1.0" encoding="utf-8"?>
 <p:sld xmlns:a="http://schemas.openxmlformats.org/drawingml/2006/main" xmlns:r="http://schemas.openxmlformats.org/officeDocument/2006/relationships" xmlns:p="http://schemas.openxmlformats.org/presentationml/2006/main">
   <p:cSld>
     <p:spTree>
@@ -12981,18 +11887,17 @@
           <a:lstStyle/>
           <a:p>
             <a:r>
-              <a:rPr lang="en-US" dirty="0" smtClean="0"/>
+              <a:rPr lang="en-US" dirty="0"/>
               <a:t>Double check with “</a:t>
             </a:r>
             <a:r>
-              <a:rPr lang="en-US" dirty="0" err="1" smtClean="0"/>
+              <a:rPr lang="en-US" dirty="0" err="1"/>
               <a:t>git</a:t>
             </a:r>
             <a:r>
-              <a:rPr lang="en-US" dirty="0" smtClean="0"/>
+              <a:rPr lang="en-US" dirty="0"/>
               <a:t> status”</a:t>
             </a:r>
-            <a:endParaRPr lang="en-US" dirty="0"/>
           </a:p>
         </p:txBody>
       </p:sp>
@@ -13012,46 +11917,46 @@
           <a:lstStyle/>
           <a:p>
             <a:r>
-              <a:rPr lang="en-US" dirty="0" smtClean="0"/>
+              <a:rPr lang="en-US" dirty="0"/>
               <a:t>Sometimes, you might forget to do some (or all) of</a:t>
             </a:r>
           </a:p>
           <a:p>
             <a:pPr lvl="1"/>
             <a:r>
-              <a:rPr lang="en-US" dirty="0" err="1" smtClean="0"/>
+              <a:rPr lang="en-US" dirty="0" err="1"/>
               <a:t>git</a:t>
             </a:r>
             <a:r>
-              <a:rPr lang="en-US" dirty="0" smtClean="0"/>
+              <a:rPr lang="en-US" dirty="0"/>
               <a:t> add, </a:t>
             </a:r>
             <a:r>
-              <a:rPr lang="en-US" dirty="0" err="1" smtClean="0"/>
+              <a:rPr lang="en-US" dirty="0" err="1"/>
               <a:t>git</a:t>
             </a:r>
             <a:r>
-              <a:rPr lang="en-US" dirty="0" smtClean="0"/>
+              <a:rPr lang="en-US" dirty="0"/>
               <a:t> commit, </a:t>
             </a:r>
             <a:r>
-              <a:rPr lang="en-US" dirty="0" err="1" smtClean="0"/>
+              <a:rPr lang="en-US" dirty="0" err="1"/>
               <a:t>git</a:t>
             </a:r>
             <a:r>
-              <a:rPr lang="en-US" dirty="0" smtClean="0"/>
+              <a:rPr lang="en-US" dirty="0"/>
               <a:t> push</a:t>
             </a:r>
           </a:p>
           <a:p>
             <a:r>
-              <a:rPr lang="en-US" dirty="0" smtClean="0"/>
+              <a:rPr lang="en-US" dirty="0"/>
               <a:t>It’s always good to check the status of your repository</a:t>
             </a:r>
           </a:p>
           <a:p>
             <a:r>
-              <a:rPr lang="en-US" dirty="0" err="1" smtClean="0">
+              <a:rPr lang="en-US" dirty="0" err="1">
                 <a:solidFill>
                   <a:schemeClr val="accent1"/>
                 </a:solidFill>
@@ -13059,7 +11964,7 @@
               <a:t>git</a:t>
             </a:r>
             <a:r>
-              <a:rPr lang="en-US" dirty="0" smtClean="0">
+              <a:rPr lang="en-US" dirty="0">
                 <a:solidFill>
                   <a:schemeClr val="accent1"/>
                 </a:solidFill>
@@ -13067,31 +11972,30 @@
               <a:t> status </a:t>
             </a:r>
             <a:r>
-              <a:rPr lang="en-US" dirty="0" smtClean="0"/>
+              <a:rPr lang="en-US" dirty="0"/>
               <a:t>tells you</a:t>
             </a:r>
           </a:p>
           <a:p>
             <a:pPr lvl="1"/>
             <a:r>
-              <a:rPr lang="en-US" dirty="0" smtClean="0"/>
+              <a:rPr lang="en-US" dirty="0"/>
               <a:t>What files are going to commit</a:t>
             </a:r>
           </a:p>
           <a:p>
             <a:pPr lvl="1"/>
             <a:r>
-              <a:rPr lang="en-US" dirty="0" smtClean="0"/>
+              <a:rPr lang="en-US" dirty="0"/>
               <a:t>What files are not tracked</a:t>
             </a:r>
           </a:p>
           <a:p>
             <a:pPr lvl="1"/>
             <a:r>
-              <a:rPr lang="en-US" dirty="0" smtClean="0"/>
+              <a:rPr lang="en-US" dirty="0"/>
               <a:t>Whether you forget to push commits to remote</a:t>
             </a:r>
-            <a:endParaRPr lang="en-US" dirty="0"/>
           </a:p>
         </p:txBody>
       </p:sp>
@@ -13112,7 +12016,7 @@
           <a:p>
             <a:fld id="{2EF37834-DECA-D44B-90BD-9C7AAAF5A0F7}" type="slidenum">
               <a:rPr lang="en-US" smtClean="0"/>
-              <a:t>31</a:t>
+              <a:t>29</a:t>
             </a:fld>
             <a:endParaRPr lang="en-US"/>
           </a:p>
@@ -13128,17 +12032,10 @@
   <p:clrMapOvr>
     <a:masterClrMapping/>
   </p:clrMapOvr>
-  <p:timing>
-    <p:tnLst>
-      <p:par>
-        <p:cTn id="1" dur="indefinite" restart="never" nodeType="tmRoot"/>
-      </p:par>
-    </p:tnLst>
-  </p:timing>
 </p:sld>
 </file>
 
-<file path=ppt/slides/slide32.xml><?xml version="1.0" encoding="utf-8"?>
+<file path=ppt/slides/slide3.xml><?xml version="1.0" encoding="utf-8"?>
 <p:sld xmlns:a="http://schemas.openxmlformats.org/drawingml/2006/main" xmlns:r="http://schemas.openxmlformats.org/officeDocument/2006/relationships" xmlns:p="http://schemas.openxmlformats.org/presentationml/2006/main">
   <p:cSld>
     <p:spTree>
@@ -13157,7 +12054,7 @@
       </p:grpSpPr>
       <p:sp>
         <p:nvSpPr>
-          <p:cNvPr id="2" name="Title 1"/>
+          <p:cNvPr id="4" name="Title 3"/>
           <p:cNvSpPr>
             <a:spLocks noGrp="1"/>
           </p:cNvSpPr>
@@ -13171,16 +12068,15 @@
           <a:lstStyle/>
           <a:p>
             <a:r>
-              <a:rPr lang="en-US" dirty="0" smtClean="0"/>
-              <a:t>Triple check with GitHub</a:t>
-            </a:r>
-            <a:endParaRPr lang="en-US" dirty="0"/>
-          </a:p>
-        </p:txBody>
-      </p:sp>
-      <p:sp>
-        <p:nvSpPr>
-          <p:cNvPr id="3" name="Content Placeholder 2"/>
+              <a:rPr lang="en-US" dirty="0"/>
+              <a:t>What is this recitation for?</a:t>
+            </a:r>
+          </a:p>
+        </p:txBody>
+      </p:sp>
+      <p:sp>
+        <p:nvSpPr>
+          <p:cNvPr id="5" name="Content Placeholder 4"/>
           <p:cNvSpPr>
             <a:spLocks noGrp="1"/>
           </p:cNvSpPr>
@@ -13194,964 +12090,7 @@
           <a:lstStyle/>
           <a:p>
             <a:r>
-              <a:rPr lang="en-US" dirty="0" smtClean="0"/>
-              <a:t>Still not sure/confident about whether assignment was submitted properly?</a:t>
-            </a:r>
-          </a:p>
-          <a:p>
-            <a:r>
-              <a:rPr lang="en-US" dirty="0"/>
-              <a:t>Go to </a:t>
-            </a:r>
-            <a:r>
-              <a:rPr lang="en-US" dirty="0" smtClean="0">
-                <a:hlinkClick r:id="rId2"/>
-              </a:rPr>
-              <a:t>github.com</a:t>
-            </a:r>
-            <a:r>
-              <a:rPr lang="en-US" dirty="0" smtClean="0"/>
-              <a:t>, then go to your repo</a:t>
-            </a:r>
-          </a:p>
-          <a:p>
-            <a:r>
-              <a:rPr lang="en-US" dirty="0" smtClean="0"/>
-              <a:t>Manually check if every file contains the up-to-date information</a:t>
-            </a:r>
-            <a:endParaRPr lang="en-US" dirty="0"/>
-          </a:p>
-        </p:txBody>
-      </p:sp>
-      <p:sp>
-        <p:nvSpPr>
-          <p:cNvPr id="4" name="Slide Number Placeholder 3"/>
-          <p:cNvSpPr>
-            <a:spLocks noGrp="1"/>
-          </p:cNvSpPr>
-          <p:nvPr>
-            <p:ph type="sldNum" sz="quarter" idx="12"/>
-          </p:nvPr>
-        </p:nvSpPr>
-        <p:spPr/>
-        <p:txBody>
-          <a:bodyPr/>
-          <a:lstStyle/>
-          <a:p>
-            <a:fld id="{2EF37834-DECA-D44B-90BD-9C7AAAF5A0F7}" type="slidenum">
-              <a:rPr lang="en-US" smtClean="0"/>
-              <a:t>32</a:t>
-            </a:fld>
-            <a:endParaRPr lang="en-US"/>
-          </a:p>
-        </p:txBody>
-      </p:sp>
-    </p:spTree>
-    <p:extLst>
-      <p:ext uri="{BB962C8B-B14F-4D97-AF65-F5344CB8AC3E}">
-        <p14:creationId xmlns:p14="http://schemas.microsoft.com/office/powerpoint/2010/main" val="1071662170"/>
-      </p:ext>
-    </p:extLst>
-  </p:cSld>
-  <p:clrMapOvr>
-    <a:masterClrMapping/>
-  </p:clrMapOvr>
-  <p:timing>
-    <p:tnLst>
-      <p:par>
-        <p:cTn id="1" dur="indefinite" restart="never" nodeType="tmRoot"/>
-      </p:par>
-    </p:tnLst>
-  </p:timing>
-</p:sld>
-</file>
-
-<file path=ppt/slides/slide33.xml><?xml version="1.0" encoding="utf-8"?>
-<p:sld xmlns:a="http://schemas.openxmlformats.org/drawingml/2006/main" xmlns:r="http://schemas.openxmlformats.org/officeDocument/2006/relationships" xmlns:p="http://schemas.openxmlformats.org/presentationml/2006/main">
-  <p:cSld>
-    <p:spTree>
-      <p:nvGrpSpPr>
-        <p:cNvPr id="1" name=""/>
-        <p:cNvGrpSpPr/>
-        <p:nvPr/>
-      </p:nvGrpSpPr>
-      <p:grpSpPr>
-        <a:xfrm>
-          <a:off x="0" y="0"/>
-          <a:ext cx="0" cy="0"/>
-          <a:chOff x="0" y="0"/>
-          <a:chExt cx="0" cy="0"/>
-        </a:xfrm>
-      </p:grpSpPr>
-      <p:sp>
-        <p:nvSpPr>
-          <p:cNvPr id="2" name="Title 1"/>
-          <p:cNvSpPr>
-            <a:spLocks noGrp="1"/>
-          </p:cNvSpPr>
-          <p:nvPr>
-            <p:ph type="title"/>
-          </p:nvPr>
-        </p:nvSpPr>
-        <p:spPr/>
-        <p:txBody>
-          <a:bodyPr/>
-          <a:lstStyle/>
-          <a:p>
-            <a:r>
-              <a:rPr lang="en-US" dirty="0" err="1" smtClean="0"/>
-              <a:t>Git</a:t>
-            </a:r>
-            <a:r>
-              <a:rPr lang="en-US" dirty="0" smtClean="0"/>
-              <a:t> is much powerful than that</a:t>
-            </a:r>
-            <a:endParaRPr lang="en-US" dirty="0"/>
-          </a:p>
-        </p:txBody>
-      </p:sp>
-      <p:sp>
-        <p:nvSpPr>
-          <p:cNvPr id="3" name="Content Placeholder 2"/>
-          <p:cNvSpPr>
-            <a:spLocks noGrp="1"/>
-          </p:cNvSpPr>
-          <p:nvPr>
-            <p:ph idx="1"/>
-          </p:nvPr>
-        </p:nvSpPr>
-        <p:spPr/>
-        <p:txBody>
-          <a:bodyPr/>
-          <a:lstStyle/>
-          <a:p>
-            <a:r>
-              <a:rPr lang="en-US" dirty="0" smtClean="0"/>
-              <a:t>Our </a:t>
-            </a:r>
-            <a:r>
-              <a:rPr lang="en-US" dirty="0" err="1" smtClean="0"/>
-              <a:t>git</a:t>
-            </a:r>
-            <a:r>
-              <a:rPr lang="en-US" dirty="0" smtClean="0"/>
-              <a:t> introduction only covers a small part of </a:t>
-            </a:r>
-            <a:r>
-              <a:rPr lang="en-US" dirty="0" err="1" smtClean="0"/>
-              <a:t>Git</a:t>
-            </a:r>
-            <a:endParaRPr lang="en-US" dirty="0" smtClean="0"/>
-          </a:p>
-          <a:p>
-            <a:r>
-              <a:rPr lang="en-US" dirty="0" err="1" smtClean="0"/>
-              <a:t>Git</a:t>
-            </a:r>
-            <a:r>
-              <a:rPr lang="en-US" dirty="0" smtClean="0"/>
-              <a:t> tutorial:</a:t>
-            </a:r>
-          </a:p>
-          <a:p>
-            <a:pPr lvl="1"/>
-            <a:r>
-              <a:rPr lang="en-US" dirty="0">
-                <a:hlinkClick r:id="rId2"/>
-              </a:rPr>
-              <a:t>https://</a:t>
-            </a:r>
-            <a:r>
-              <a:rPr lang="en-US" dirty="0" smtClean="0">
-                <a:hlinkClick r:id="rId2"/>
-              </a:rPr>
-              <a:t>www.atlassian.com/git/tutorials/what-is-versioncontrol</a:t>
-            </a:r>
-            <a:r>
-              <a:rPr lang="en-US" dirty="0" smtClean="0"/>
-              <a:t> </a:t>
-            </a:r>
-          </a:p>
-          <a:p>
-            <a:pPr lvl="1"/>
-            <a:r>
-              <a:rPr lang="en-US" dirty="0">
-                <a:hlinkClick r:id="rId3"/>
-              </a:rPr>
-              <a:t>https://</a:t>
-            </a:r>
-            <a:r>
-              <a:rPr lang="en-US" dirty="0" err="1">
-                <a:hlinkClick r:id="rId3"/>
-              </a:rPr>
-              <a:t>try.github.io</a:t>
-            </a:r>
-            <a:r>
-              <a:rPr lang="en-US" dirty="0">
-                <a:hlinkClick r:id="rId3"/>
-              </a:rPr>
-              <a:t>/levels/1/challenges/1</a:t>
-            </a:r>
-            <a:endParaRPr lang="en-US" dirty="0"/>
-          </a:p>
-        </p:txBody>
-      </p:sp>
-      <p:sp>
-        <p:nvSpPr>
-          <p:cNvPr id="4" name="Slide Number Placeholder 3"/>
-          <p:cNvSpPr>
-            <a:spLocks noGrp="1"/>
-          </p:cNvSpPr>
-          <p:nvPr>
-            <p:ph type="sldNum" sz="quarter" idx="12"/>
-          </p:nvPr>
-        </p:nvSpPr>
-        <p:spPr/>
-        <p:txBody>
-          <a:bodyPr/>
-          <a:lstStyle/>
-          <a:p>
-            <a:fld id="{2EF37834-DECA-D44B-90BD-9C7AAAF5A0F7}" type="slidenum">
-              <a:rPr lang="en-US" smtClean="0"/>
-              <a:t>33</a:t>
-            </a:fld>
-            <a:endParaRPr lang="en-US"/>
-          </a:p>
-        </p:txBody>
-      </p:sp>
-    </p:spTree>
-    <p:extLst>
-      <p:ext uri="{BB962C8B-B14F-4D97-AF65-F5344CB8AC3E}">
-        <p14:creationId xmlns:p14="http://schemas.microsoft.com/office/powerpoint/2010/main" val="836670644"/>
-      </p:ext>
-    </p:extLst>
-  </p:cSld>
-  <p:clrMapOvr>
-    <a:masterClrMapping/>
-  </p:clrMapOvr>
-  <p:timing>
-    <p:tnLst>
-      <p:par>
-        <p:cTn id="1" dur="indefinite" restart="never" nodeType="tmRoot"/>
-      </p:par>
-    </p:tnLst>
-  </p:timing>
-</p:sld>
-</file>
-
-<file path=ppt/slides/slide34.xml><?xml version="1.0" encoding="utf-8"?>
-<p:sld xmlns:a="http://schemas.openxmlformats.org/drawingml/2006/main" xmlns:r="http://schemas.openxmlformats.org/officeDocument/2006/relationships" xmlns:p="http://schemas.openxmlformats.org/presentationml/2006/main">
-  <p:cSld>
-    <p:spTree>
-      <p:nvGrpSpPr>
-        <p:cNvPr id="1" name=""/>
-        <p:cNvGrpSpPr/>
-        <p:nvPr/>
-      </p:nvGrpSpPr>
-      <p:grpSpPr>
-        <a:xfrm>
-          <a:off x="0" y="0"/>
-          <a:ext cx="0" cy="0"/>
-          <a:chOff x="0" y="0"/>
-          <a:chExt cx="0" cy="0"/>
-        </a:xfrm>
-      </p:grpSpPr>
-      <p:sp>
-        <p:nvSpPr>
-          <p:cNvPr id="2" name="Title 1"/>
-          <p:cNvSpPr>
-            <a:spLocks noGrp="1"/>
-          </p:cNvSpPr>
-          <p:nvPr>
-            <p:ph type="title"/>
-          </p:nvPr>
-        </p:nvSpPr>
-        <p:spPr/>
-        <p:txBody>
-          <a:bodyPr/>
-          <a:lstStyle/>
-          <a:p>
-            <a:r>
-              <a:rPr lang="en-US" dirty="0" smtClean="0">
-                <a:solidFill>
-                  <a:schemeClr val="accent1"/>
-                </a:solidFill>
-              </a:rPr>
-              <a:t>All the </a:t>
-            </a:r>
-            <a:r>
-              <a:rPr lang="en-US" dirty="0" err="1" smtClean="0">
-                <a:solidFill>
-                  <a:schemeClr val="accent1"/>
-                </a:solidFill>
-              </a:rPr>
-              <a:t>git</a:t>
-            </a:r>
-            <a:r>
-              <a:rPr lang="en-US" dirty="0" smtClean="0">
-                <a:solidFill>
-                  <a:schemeClr val="accent1"/>
-                </a:solidFill>
-              </a:rPr>
-              <a:t> commands you need for CSO</a:t>
-            </a:r>
-            <a:endParaRPr lang="en-US" dirty="0">
-              <a:solidFill>
-                <a:schemeClr val="accent1"/>
-              </a:solidFill>
-            </a:endParaRPr>
-          </a:p>
-        </p:txBody>
-      </p:sp>
-      <p:sp>
-        <p:nvSpPr>
-          <p:cNvPr id="3" name="Content Placeholder 2"/>
-          <p:cNvSpPr>
-            <a:spLocks noGrp="1"/>
-          </p:cNvSpPr>
-          <p:nvPr>
-            <p:ph idx="1"/>
-          </p:nvPr>
-        </p:nvSpPr>
-        <p:spPr/>
-        <p:txBody>
-          <a:bodyPr/>
-          <a:lstStyle/>
-          <a:p>
-            <a:r>
-              <a:rPr lang="en-US" dirty="0" smtClean="0"/>
-              <a:t>For beginners, it’s super easy to mess up </a:t>
-            </a:r>
-            <a:r>
-              <a:rPr lang="en-US" dirty="0" err="1" smtClean="0"/>
-              <a:t>Git</a:t>
-            </a:r>
-            <a:endParaRPr lang="en-US" dirty="0" smtClean="0"/>
-          </a:p>
-          <a:p>
-            <a:r>
-              <a:rPr lang="en-US" dirty="0" smtClean="0"/>
-              <a:t>After setting lab repository, you ONLY need to use the </a:t>
-            </a:r>
-            <a:r>
-              <a:rPr lang="en-US" dirty="0" err="1" smtClean="0"/>
-              <a:t>follwing</a:t>
-            </a:r>
-            <a:r>
-              <a:rPr lang="en-US" dirty="0" smtClean="0"/>
-              <a:t> </a:t>
-            </a:r>
-            <a:r>
-              <a:rPr lang="en-US" dirty="0" err="1" smtClean="0"/>
-              <a:t>git</a:t>
-            </a:r>
-            <a:r>
-              <a:rPr lang="en-US" dirty="0" smtClean="0"/>
-              <a:t> commands:</a:t>
-            </a:r>
-          </a:p>
-          <a:p>
-            <a:pPr lvl="1"/>
-            <a:r>
-              <a:rPr lang="en-US" dirty="0" err="1" smtClean="0"/>
-              <a:t>git</a:t>
-            </a:r>
-            <a:r>
-              <a:rPr lang="en-US" dirty="0" smtClean="0"/>
-              <a:t> add filenames</a:t>
-            </a:r>
-          </a:p>
-          <a:p>
-            <a:pPr lvl="1"/>
-            <a:r>
-              <a:rPr lang="en-US" dirty="0" err="1"/>
-              <a:t>git</a:t>
-            </a:r>
-            <a:r>
-              <a:rPr lang="en-US" dirty="0"/>
-              <a:t> </a:t>
-            </a:r>
-            <a:r>
-              <a:rPr lang="en-US" dirty="0" smtClean="0"/>
-              <a:t>commit </a:t>
-            </a:r>
-            <a:r>
-              <a:rPr lang="mr-IN" dirty="0" smtClean="0"/>
-              <a:t>-</a:t>
-            </a:r>
-            <a:r>
-              <a:rPr lang="en-US" dirty="0" smtClean="0"/>
-              <a:t>m “commit message”</a:t>
-            </a:r>
-          </a:p>
-          <a:p>
-            <a:pPr lvl="1"/>
-            <a:r>
-              <a:rPr lang="en-US" dirty="0" err="1" smtClean="0"/>
-              <a:t>git</a:t>
-            </a:r>
-            <a:r>
-              <a:rPr lang="en-US" dirty="0" smtClean="0"/>
-              <a:t> push origin master</a:t>
-            </a:r>
-          </a:p>
-          <a:p>
-            <a:pPr lvl="1"/>
-            <a:r>
-              <a:rPr lang="en-US" dirty="0" err="1"/>
-              <a:t>git</a:t>
-            </a:r>
-            <a:r>
-              <a:rPr lang="en-US" dirty="0"/>
-              <a:t> </a:t>
-            </a:r>
-            <a:r>
-              <a:rPr lang="en-US" dirty="0" smtClean="0"/>
-              <a:t>clone your-lab-repo lab</a:t>
-            </a:r>
-          </a:p>
-          <a:p>
-            <a:pPr lvl="1"/>
-            <a:r>
-              <a:rPr lang="en-US" dirty="0" err="1"/>
-              <a:t>git</a:t>
-            </a:r>
-            <a:r>
-              <a:rPr lang="en-US" dirty="0"/>
-              <a:t> </a:t>
-            </a:r>
-            <a:r>
-              <a:rPr lang="en-US" dirty="0" smtClean="0"/>
-              <a:t>status</a:t>
-            </a:r>
-            <a:endParaRPr lang="en-US" dirty="0"/>
-          </a:p>
-          <a:p>
-            <a:pPr lvl="1"/>
-            <a:endParaRPr lang="en-US" dirty="0"/>
-          </a:p>
-        </p:txBody>
-      </p:sp>
-      <p:sp>
-        <p:nvSpPr>
-          <p:cNvPr id="4" name="Rectangle 3"/>
-          <p:cNvSpPr/>
-          <p:nvPr/>
-        </p:nvSpPr>
-        <p:spPr>
-          <a:xfrm>
-            <a:off x="6766560" y="4389120"/>
-            <a:ext cx="4126230" cy="857250"/>
-          </a:xfrm>
-          <a:prstGeom prst="rect">
-            <a:avLst/>
-          </a:prstGeom>
-          <a:solidFill>
-            <a:srgbClr val="C00000"/>
-          </a:solidFill>
-        </p:spPr>
-        <p:style>
-          <a:lnRef idx="2">
-            <a:schemeClr val="accent1">
-              <a:shade val="50000"/>
-            </a:schemeClr>
-          </a:lnRef>
-          <a:fillRef idx="1">
-            <a:schemeClr val="accent1"/>
-          </a:fillRef>
-          <a:effectRef idx="0">
-            <a:schemeClr val="accent1"/>
-          </a:effectRef>
-          <a:fontRef idx="minor">
-            <a:schemeClr val="lt1"/>
-          </a:fontRef>
-        </p:style>
-        <p:txBody>
-          <a:bodyPr rtlCol="0" anchor="ctr"/>
-          <a:lstStyle/>
-          <a:p>
-            <a:r>
-              <a:rPr lang="en-US" dirty="0" smtClean="0"/>
-              <a:t>Warning: unless you know what you are doing, do not use any other </a:t>
-            </a:r>
-            <a:r>
-              <a:rPr lang="en-US" dirty="0" err="1" smtClean="0"/>
-              <a:t>git</a:t>
-            </a:r>
-            <a:r>
-              <a:rPr lang="en-US" dirty="0" smtClean="0"/>
-              <a:t> commands or </a:t>
-            </a:r>
-            <a:r>
-              <a:rPr lang="en-US" dirty="0" err="1" smtClean="0"/>
-              <a:t>git</a:t>
-            </a:r>
-            <a:r>
-              <a:rPr lang="en-US" dirty="0" smtClean="0"/>
-              <a:t> command flags</a:t>
-            </a:r>
-            <a:endParaRPr lang="en-US" dirty="0"/>
-          </a:p>
-        </p:txBody>
-      </p:sp>
-      <p:pic>
-        <p:nvPicPr>
-          <p:cNvPr id="6146" name="Picture 2" descr="ow to Handle It When You Mess Up on the Project (and You Will) | GreenBo"/>
-          <p:cNvPicPr>
-            <a:picLocks noChangeAspect="1" noChangeArrowheads="1"/>
-          </p:cNvPicPr>
-          <p:nvPr/>
-        </p:nvPicPr>
-        <p:blipFill>
-          <a:blip r:embed="rId2">
-            <a:extLst>
-              <a:ext uri="{28A0092B-C50C-407E-A947-70E740481C1C}">
-                <a14:useLocalDpi xmlns:a14="http://schemas.microsoft.com/office/drawing/2010/main" val="0"/>
-              </a:ext>
-            </a:extLst>
-          </a:blip>
-          <a:srcRect/>
-          <a:stretch>
-            <a:fillRect/>
-          </a:stretch>
-        </p:blipFill>
-        <p:spPr bwMode="auto">
-          <a:xfrm>
-            <a:off x="0" y="5405438"/>
-            <a:ext cx="2020382" cy="1452562"/>
-          </a:xfrm>
-          <a:prstGeom prst="rect">
-            <a:avLst/>
-          </a:prstGeom>
-          <a:noFill/>
-          <a:extLst>
-            <a:ext uri="{909E8E84-426E-40DD-AFC4-6F175D3DCCD1}">
-              <a14:hiddenFill xmlns:a14="http://schemas.microsoft.com/office/drawing/2010/main">
-                <a:solidFill>
-                  <a:srgbClr val="FFFFFF"/>
-                </a:solidFill>
-              </a14:hiddenFill>
-            </a:ext>
-          </a:extLst>
-        </p:spPr>
-      </p:pic>
-      <p:sp>
-        <p:nvSpPr>
-          <p:cNvPr id="5" name="Slide Number Placeholder 4"/>
-          <p:cNvSpPr>
-            <a:spLocks noGrp="1"/>
-          </p:cNvSpPr>
-          <p:nvPr>
-            <p:ph type="sldNum" sz="quarter" idx="12"/>
-          </p:nvPr>
-        </p:nvSpPr>
-        <p:spPr/>
-        <p:txBody>
-          <a:bodyPr/>
-          <a:lstStyle/>
-          <a:p>
-            <a:fld id="{2EF37834-DECA-D44B-90BD-9C7AAAF5A0F7}" type="slidenum">
-              <a:rPr lang="en-US" smtClean="0"/>
-              <a:t>34</a:t>
-            </a:fld>
-            <a:endParaRPr lang="en-US"/>
-          </a:p>
-        </p:txBody>
-      </p:sp>
-    </p:spTree>
-    <p:extLst>
-      <p:ext uri="{BB962C8B-B14F-4D97-AF65-F5344CB8AC3E}">
-        <p14:creationId xmlns:p14="http://schemas.microsoft.com/office/powerpoint/2010/main" val="1027136594"/>
-      </p:ext>
-    </p:extLst>
-  </p:cSld>
-  <p:clrMapOvr>
-    <a:masterClrMapping/>
-  </p:clrMapOvr>
-  <p:timing>
-    <p:tnLst>
-      <p:par>
-        <p:cTn id="1" dur="indefinite" restart="never" nodeType="tmRoot"/>
-      </p:par>
-    </p:tnLst>
-  </p:timing>
-</p:sld>
-</file>
-
-<file path=ppt/slides/slide35.xml><?xml version="1.0" encoding="utf-8"?>
-<p:sld xmlns:a="http://schemas.openxmlformats.org/drawingml/2006/main" xmlns:r="http://schemas.openxmlformats.org/officeDocument/2006/relationships" xmlns:p="http://schemas.openxmlformats.org/presentationml/2006/main">
-  <p:cSld>
-    <p:spTree>
-      <p:nvGrpSpPr>
-        <p:cNvPr id="1" name=""/>
-        <p:cNvGrpSpPr/>
-        <p:nvPr/>
-      </p:nvGrpSpPr>
-      <p:grpSpPr>
-        <a:xfrm>
-          <a:off x="0" y="0"/>
-          <a:ext cx="0" cy="0"/>
-          <a:chOff x="0" y="0"/>
-          <a:chExt cx="0" cy="0"/>
-        </a:xfrm>
-      </p:grpSpPr>
-      <p:sp>
-        <p:nvSpPr>
-          <p:cNvPr id="2" name="Title 1"/>
-          <p:cNvSpPr>
-            <a:spLocks noGrp="1"/>
-          </p:cNvSpPr>
-          <p:nvPr>
-            <p:ph type="title"/>
-          </p:nvPr>
-        </p:nvSpPr>
-        <p:spPr/>
-        <p:txBody>
-          <a:bodyPr/>
-          <a:lstStyle/>
-          <a:p>
-            <a:r>
-              <a:rPr lang="en-US" dirty="0" smtClean="0"/>
-              <a:t>Ask the staff for help</a:t>
-            </a:r>
-            <a:endParaRPr lang="en-US" dirty="0"/>
-          </a:p>
-        </p:txBody>
-      </p:sp>
-      <p:sp>
-        <p:nvSpPr>
-          <p:cNvPr id="3" name="Content Placeholder 2"/>
-          <p:cNvSpPr>
-            <a:spLocks noGrp="1"/>
-          </p:cNvSpPr>
-          <p:nvPr>
-            <p:ph idx="1"/>
-          </p:nvPr>
-        </p:nvSpPr>
-        <p:spPr/>
-        <p:txBody>
-          <a:bodyPr/>
-          <a:lstStyle/>
-          <a:p>
-            <a:r>
-              <a:rPr lang="en-US" dirty="0" smtClean="0"/>
-              <a:t>If you really cannot fix conflicts or other </a:t>
-            </a:r>
-            <a:r>
-              <a:rPr lang="en-US" dirty="0" err="1" smtClean="0"/>
-              <a:t>git</a:t>
-            </a:r>
-            <a:r>
-              <a:rPr lang="en-US" dirty="0" smtClean="0"/>
-              <a:t> problems, you should ask course staff for help</a:t>
-            </a:r>
-          </a:p>
-          <a:p>
-            <a:pPr lvl="1"/>
-            <a:r>
-              <a:rPr lang="en-US" dirty="0" smtClean="0"/>
-              <a:t>You need to email the staff or attend office hours</a:t>
-            </a:r>
-          </a:p>
-          <a:p>
-            <a:pPr lvl="2"/>
-            <a:r>
-              <a:rPr lang="en-US" dirty="0" smtClean="0"/>
-              <a:t>Online makes things harder..</a:t>
-            </a:r>
-          </a:p>
-          <a:p>
-            <a:pPr lvl="1"/>
-            <a:r>
-              <a:rPr lang="en-US" dirty="0" smtClean="0"/>
-              <a:t>You should start your lab earlier</a:t>
-            </a:r>
-          </a:p>
-          <a:p>
-            <a:r>
-              <a:rPr lang="en-US" dirty="0" smtClean="0"/>
-              <a:t>Don’t randomly issue commands to further mess things up</a:t>
-            </a:r>
-          </a:p>
-          <a:p>
-            <a:pPr lvl="1"/>
-            <a:endParaRPr lang="en-US" dirty="0"/>
-          </a:p>
-        </p:txBody>
-      </p:sp>
-      <p:sp>
-        <p:nvSpPr>
-          <p:cNvPr id="4" name="Slide Number Placeholder 3"/>
-          <p:cNvSpPr>
-            <a:spLocks noGrp="1"/>
-          </p:cNvSpPr>
-          <p:nvPr>
-            <p:ph type="sldNum" sz="quarter" idx="12"/>
-          </p:nvPr>
-        </p:nvSpPr>
-        <p:spPr/>
-        <p:txBody>
-          <a:bodyPr/>
-          <a:lstStyle/>
-          <a:p>
-            <a:fld id="{2EF37834-DECA-D44B-90BD-9C7AAAF5A0F7}" type="slidenum">
-              <a:rPr lang="en-US" smtClean="0"/>
-              <a:t>35</a:t>
-            </a:fld>
-            <a:endParaRPr lang="en-US"/>
-          </a:p>
-        </p:txBody>
-      </p:sp>
-    </p:spTree>
-    <p:extLst>
-      <p:ext uri="{BB962C8B-B14F-4D97-AF65-F5344CB8AC3E}">
-        <p14:creationId xmlns:p14="http://schemas.microsoft.com/office/powerpoint/2010/main" val="1896812158"/>
-      </p:ext>
-    </p:extLst>
-  </p:cSld>
-  <p:clrMapOvr>
-    <a:masterClrMapping/>
-  </p:clrMapOvr>
-  <p:timing>
-    <p:tnLst>
-      <p:par>
-        <p:cTn id="1" dur="indefinite" restart="never" nodeType="tmRoot"/>
-      </p:par>
-    </p:tnLst>
-  </p:timing>
-</p:sld>
-</file>
-
-<file path=ppt/slides/slide36.xml><?xml version="1.0" encoding="utf-8"?>
-<p:sld xmlns:a="http://schemas.openxmlformats.org/drawingml/2006/main" xmlns:r="http://schemas.openxmlformats.org/officeDocument/2006/relationships" xmlns:p="http://schemas.openxmlformats.org/presentationml/2006/main">
-  <p:cSld>
-    <p:spTree>
-      <p:nvGrpSpPr>
-        <p:cNvPr id="1" name=""/>
-        <p:cNvGrpSpPr/>
-        <p:nvPr/>
-      </p:nvGrpSpPr>
-      <p:grpSpPr>
-        <a:xfrm>
-          <a:off x="0" y="0"/>
-          <a:ext cx="0" cy="0"/>
-          <a:chOff x="0" y="0"/>
-          <a:chExt cx="0" cy="0"/>
-        </a:xfrm>
-      </p:grpSpPr>
-      <p:sp>
-        <p:nvSpPr>
-          <p:cNvPr id="2" name="Title 1"/>
-          <p:cNvSpPr>
-            <a:spLocks noGrp="1"/>
-          </p:cNvSpPr>
-          <p:nvPr>
-            <p:ph type="title"/>
-          </p:nvPr>
-        </p:nvSpPr>
-        <p:spPr/>
-        <p:txBody>
-          <a:bodyPr/>
-          <a:lstStyle/>
-          <a:p>
-            <a:r>
-              <a:rPr lang="en-US" dirty="0" smtClean="0"/>
-              <a:t>Things you should </a:t>
-            </a:r>
-            <a:r>
-              <a:rPr lang="en-US" dirty="0" smtClean="0">
-                <a:solidFill>
-                  <a:srgbClr val="C00000"/>
-                </a:solidFill>
-              </a:rPr>
-              <a:t>NEVER</a:t>
-            </a:r>
-            <a:r>
-              <a:rPr lang="en-US" dirty="0" smtClean="0"/>
-              <a:t> do</a:t>
-            </a:r>
-            <a:endParaRPr lang="en-US" dirty="0"/>
-          </a:p>
-        </p:txBody>
-      </p:sp>
-      <p:sp>
-        <p:nvSpPr>
-          <p:cNvPr id="3" name="Content Placeholder 2"/>
-          <p:cNvSpPr>
-            <a:spLocks noGrp="1"/>
-          </p:cNvSpPr>
-          <p:nvPr>
-            <p:ph idx="1"/>
-          </p:nvPr>
-        </p:nvSpPr>
-        <p:spPr/>
-        <p:txBody>
-          <a:bodyPr/>
-          <a:lstStyle/>
-          <a:p>
-            <a:r>
-              <a:rPr lang="en-US" dirty="0" smtClean="0"/>
-              <a:t>Don’t use </a:t>
-            </a:r>
-            <a:r>
-              <a:rPr lang="en-US" dirty="0" err="1" smtClean="0"/>
-              <a:t>git</a:t>
-            </a:r>
-            <a:r>
-              <a:rPr lang="en-US" dirty="0" smtClean="0"/>
-              <a:t> add *, </a:t>
-            </a:r>
-            <a:r>
-              <a:rPr lang="en-US" dirty="0" err="1" smtClean="0"/>
-              <a:t>git</a:t>
-            </a:r>
-            <a:r>
-              <a:rPr lang="en-US" dirty="0" smtClean="0"/>
-              <a:t> add .</a:t>
-            </a:r>
-          </a:p>
-          <a:p>
-            <a:pPr lvl="1"/>
-            <a:r>
-              <a:rPr lang="en-US" dirty="0" smtClean="0"/>
-              <a:t>Instead, you should always specify the file names you want to commit</a:t>
-            </a:r>
-          </a:p>
-          <a:p>
-            <a:pPr lvl="1"/>
-            <a:r>
-              <a:rPr lang="en-US" dirty="0" smtClean="0"/>
-              <a:t>Please don’t add complied programs to </a:t>
-            </a:r>
-            <a:r>
-              <a:rPr lang="en-US" dirty="0" err="1" smtClean="0"/>
-              <a:t>git</a:t>
-            </a:r>
-            <a:endParaRPr lang="en-US" dirty="0" smtClean="0"/>
-          </a:p>
-          <a:p>
-            <a:r>
-              <a:rPr lang="en-US" dirty="0" smtClean="0"/>
-              <a:t>Don’t modify any file using GitHub website</a:t>
-            </a:r>
-          </a:p>
-          <a:p>
-            <a:pPr lvl="1"/>
-            <a:r>
-              <a:rPr lang="en-US" dirty="0" smtClean="0"/>
-              <a:t>Instead, you should always make changes locally on your laptop and then push commits to GitHub</a:t>
-            </a:r>
-          </a:p>
-          <a:p>
-            <a:pPr lvl="1"/>
-            <a:r>
-              <a:rPr lang="en-US" dirty="0" smtClean="0"/>
-              <a:t>Otherwise, there will be conflicts, which will lead to sadness</a:t>
-            </a:r>
-            <a:endParaRPr lang="en-US" dirty="0"/>
-          </a:p>
-        </p:txBody>
-      </p:sp>
-      <p:sp>
-        <p:nvSpPr>
-          <p:cNvPr id="4" name="Slide Number Placeholder 3"/>
-          <p:cNvSpPr>
-            <a:spLocks noGrp="1"/>
-          </p:cNvSpPr>
-          <p:nvPr>
-            <p:ph type="sldNum" sz="quarter" idx="12"/>
-          </p:nvPr>
-        </p:nvSpPr>
-        <p:spPr/>
-        <p:txBody>
-          <a:bodyPr/>
-          <a:lstStyle/>
-          <a:p>
-            <a:fld id="{2EF37834-DECA-D44B-90BD-9C7AAAF5A0F7}" type="slidenum">
-              <a:rPr lang="en-US" smtClean="0"/>
-              <a:t>36</a:t>
-            </a:fld>
-            <a:endParaRPr lang="en-US"/>
-          </a:p>
-        </p:txBody>
-      </p:sp>
-    </p:spTree>
-    <p:extLst>
-      <p:ext uri="{BB962C8B-B14F-4D97-AF65-F5344CB8AC3E}">
-        <p14:creationId xmlns:p14="http://schemas.microsoft.com/office/powerpoint/2010/main" val="1363568041"/>
-      </p:ext>
-    </p:extLst>
-  </p:cSld>
-  <p:clrMapOvr>
-    <a:masterClrMapping/>
-  </p:clrMapOvr>
-  <p:timing>
-    <p:tnLst>
-      <p:par>
-        <p:cTn id="1" dur="indefinite" restart="never" nodeType="tmRoot"/>
-      </p:par>
-    </p:tnLst>
-  </p:timing>
-</p:sld>
-</file>
-
-<file path=ppt/slides/slide4.xml><?xml version="1.0" encoding="utf-8"?>
-<p:sld xmlns:a="http://schemas.openxmlformats.org/drawingml/2006/main" xmlns:r="http://schemas.openxmlformats.org/officeDocument/2006/relationships" xmlns:p="http://schemas.openxmlformats.org/presentationml/2006/main">
-  <p:cSld>
-    <p:spTree>
-      <p:nvGrpSpPr>
-        <p:cNvPr id="1" name=""/>
-        <p:cNvGrpSpPr/>
-        <p:nvPr/>
-      </p:nvGrpSpPr>
-      <p:grpSpPr>
-        <a:xfrm>
-          <a:off x="0" y="0"/>
-          <a:ext cx="0" cy="0"/>
-          <a:chOff x="0" y="0"/>
-          <a:chExt cx="0" cy="0"/>
-        </a:xfrm>
-      </p:grpSpPr>
-      <p:sp>
-        <p:nvSpPr>
-          <p:cNvPr id="4" name="Title 3"/>
-          <p:cNvSpPr>
-            <a:spLocks noGrp="1"/>
-          </p:cNvSpPr>
-          <p:nvPr>
-            <p:ph type="title"/>
-          </p:nvPr>
-        </p:nvSpPr>
-        <p:spPr/>
-        <p:txBody>
-          <a:bodyPr/>
-          <a:lstStyle/>
-          <a:p>
-            <a:r>
-              <a:rPr lang="en-US" dirty="0" smtClean="0"/>
-              <a:t>What is this recitation for?</a:t>
-            </a:r>
-            <a:endParaRPr lang="en-US" dirty="0"/>
-          </a:p>
-        </p:txBody>
-      </p:sp>
-      <p:sp>
-        <p:nvSpPr>
-          <p:cNvPr id="5" name="Content Placeholder 4"/>
-          <p:cNvSpPr>
-            <a:spLocks noGrp="1"/>
-          </p:cNvSpPr>
-          <p:nvPr>
-            <p:ph idx="1"/>
-          </p:nvPr>
-        </p:nvSpPr>
-        <p:spPr/>
-        <p:txBody>
-          <a:bodyPr/>
-          <a:lstStyle/>
-          <a:p>
-            <a:r>
-              <a:rPr lang="en-US" dirty="0" smtClean="0"/>
+              <a:rPr lang="en-US" dirty="0"/>
               <a:t>Help you better understand the course contents, including but not limited to:</a:t>
             </a:r>
           </a:p>
@@ -14160,7 +12099,7 @@
               <a:buNone/>
             </a:pPr>
             <a:r>
-              <a:rPr lang="en-US" dirty="0" smtClean="0"/>
+              <a:rPr lang="en-US" dirty="0"/>
               <a:t>-   Reinforce this week’s lecture content</a:t>
             </a:r>
           </a:p>
@@ -14169,7 +12108,7 @@
               <a:buNone/>
             </a:pPr>
             <a:r>
-              <a:rPr lang="en-US" dirty="0" smtClean="0"/>
+              <a:rPr lang="en-US" dirty="0"/>
               <a:t>-   Review previous week’s assessment</a:t>
             </a:r>
           </a:p>
@@ -14178,16 +12117,15 @@
               <a:buNone/>
             </a:pPr>
             <a:r>
-              <a:rPr lang="en-US" dirty="0" smtClean="0"/>
+              <a:rPr lang="en-US" dirty="0"/>
               <a:t>-   Some exercises meant to help with the labs/assessments</a:t>
             </a:r>
           </a:p>
           <a:p>
             <a:r>
-              <a:rPr lang="en-US" dirty="0" smtClean="0"/>
-              <a:t>Make us all suffer by forcing us out of bed early</a:t>
-            </a:r>
-            <a:endParaRPr lang="en-US" dirty="0"/>
+              <a:rPr lang="en-US" dirty="0"/>
+              <a:t>Make us all suffer by making us stay at school late</a:t>
+            </a:r>
           </a:p>
         </p:txBody>
       </p:sp>
@@ -14208,7 +12146,7 @@
           <a:p>
             <a:fld id="{2EF37834-DECA-D44B-90BD-9C7AAAF5A0F7}" type="slidenum">
               <a:rPr lang="en-US" smtClean="0"/>
-              <a:t>4</a:t>
+              <a:t>3</a:t>
             </a:fld>
             <a:endParaRPr lang="en-US"/>
           </a:p>
@@ -14306,6 +12244,1130 @@
 </p:sld>
 </file>
 
+<file path=ppt/slides/slide30.xml><?xml version="1.0" encoding="utf-8"?>
+<p:sld xmlns:a="http://schemas.openxmlformats.org/drawingml/2006/main" xmlns:r="http://schemas.openxmlformats.org/officeDocument/2006/relationships" xmlns:p="http://schemas.openxmlformats.org/presentationml/2006/main">
+  <p:cSld>
+    <p:spTree>
+      <p:nvGrpSpPr>
+        <p:cNvPr id="1" name=""/>
+        <p:cNvGrpSpPr/>
+        <p:nvPr/>
+      </p:nvGrpSpPr>
+      <p:grpSpPr>
+        <a:xfrm>
+          <a:off x="0" y="0"/>
+          <a:ext cx="0" cy="0"/>
+          <a:chOff x="0" y="0"/>
+          <a:chExt cx="0" cy="0"/>
+        </a:xfrm>
+      </p:grpSpPr>
+      <p:sp>
+        <p:nvSpPr>
+          <p:cNvPr id="2" name="Title 1"/>
+          <p:cNvSpPr>
+            <a:spLocks noGrp="1"/>
+          </p:cNvSpPr>
+          <p:nvPr>
+            <p:ph type="title"/>
+          </p:nvPr>
+        </p:nvSpPr>
+        <p:spPr/>
+        <p:txBody>
+          <a:bodyPr/>
+          <a:lstStyle/>
+          <a:p>
+            <a:r>
+              <a:rPr lang="en-US" dirty="0"/>
+              <a:t>Triple check with GitHub</a:t>
+            </a:r>
+          </a:p>
+        </p:txBody>
+      </p:sp>
+      <p:sp>
+        <p:nvSpPr>
+          <p:cNvPr id="3" name="Content Placeholder 2"/>
+          <p:cNvSpPr>
+            <a:spLocks noGrp="1"/>
+          </p:cNvSpPr>
+          <p:nvPr>
+            <p:ph idx="1"/>
+          </p:nvPr>
+        </p:nvSpPr>
+        <p:spPr/>
+        <p:txBody>
+          <a:bodyPr/>
+          <a:lstStyle/>
+          <a:p>
+            <a:r>
+              <a:rPr lang="en-US" dirty="0"/>
+              <a:t>Still not sure/confident about whether assignment was submitted properly?</a:t>
+            </a:r>
+          </a:p>
+          <a:p>
+            <a:r>
+              <a:rPr lang="en-US" dirty="0"/>
+              <a:t>Go to </a:t>
+            </a:r>
+            <a:r>
+              <a:rPr lang="en-US" dirty="0">
+                <a:hlinkClick r:id="rId2"/>
+              </a:rPr>
+              <a:t>github.com</a:t>
+            </a:r>
+            <a:r>
+              <a:rPr lang="en-US" dirty="0"/>
+              <a:t>, then go to your repo</a:t>
+            </a:r>
+          </a:p>
+          <a:p>
+            <a:r>
+              <a:rPr lang="en-US" dirty="0"/>
+              <a:t>Manually check if every file contains the up-to-date information</a:t>
+            </a:r>
+          </a:p>
+        </p:txBody>
+      </p:sp>
+      <p:sp>
+        <p:nvSpPr>
+          <p:cNvPr id="4" name="Slide Number Placeholder 3"/>
+          <p:cNvSpPr>
+            <a:spLocks noGrp="1"/>
+          </p:cNvSpPr>
+          <p:nvPr>
+            <p:ph type="sldNum" sz="quarter" idx="12"/>
+          </p:nvPr>
+        </p:nvSpPr>
+        <p:spPr/>
+        <p:txBody>
+          <a:bodyPr/>
+          <a:lstStyle/>
+          <a:p>
+            <a:fld id="{2EF37834-DECA-D44B-90BD-9C7AAAF5A0F7}" type="slidenum">
+              <a:rPr lang="en-US" smtClean="0"/>
+              <a:t>30</a:t>
+            </a:fld>
+            <a:endParaRPr lang="en-US"/>
+          </a:p>
+        </p:txBody>
+      </p:sp>
+    </p:spTree>
+    <p:extLst>
+      <p:ext uri="{BB962C8B-B14F-4D97-AF65-F5344CB8AC3E}">
+        <p14:creationId xmlns:p14="http://schemas.microsoft.com/office/powerpoint/2010/main" val="1071662170"/>
+      </p:ext>
+    </p:extLst>
+  </p:cSld>
+  <p:clrMapOvr>
+    <a:masterClrMapping/>
+  </p:clrMapOvr>
+</p:sld>
+</file>
+
+<file path=ppt/slides/slide31.xml><?xml version="1.0" encoding="utf-8"?>
+<p:sld xmlns:a="http://schemas.openxmlformats.org/drawingml/2006/main" xmlns:r="http://schemas.openxmlformats.org/officeDocument/2006/relationships" xmlns:p="http://schemas.openxmlformats.org/presentationml/2006/main">
+  <p:cSld>
+    <p:spTree>
+      <p:nvGrpSpPr>
+        <p:cNvPr id="1" name=""/>
+        <p:cNvGrpSpPr/>
+        <p:nvPr/>
+      </p:nvGrpSpPr>
+      <p:grpSpPr>
+        <a:xfrm>
+          <a:off x="0" y="0"/>
+          <a:ext cx="0" cy="0"/>
+          <a:chOff x="0" y="0"/>
+          <a:chExt cx="0" cy="0"/>
+        </a:xfrm>
+      </p:grpSpPr>
+      <p:sp>
+        <p:nvSpPr>
+          <p:cNvPr id="2" name="Title 1"/>
+          <p:cNvSpPr>
+            <a:spLocks noGrp="1"/>
+          </p:cNvSpPr>
+          <p:nvPr>
+            <p:ph type="title"/>
+          </p:nvPr>
+        </p:nvSpPr>
+        <p:spPr/>
+        <p:txBody>
+          <a:bodyPr/>
+          <a:lstStyle/>
+          <a:p>
+            <a:r>
+              <a:rPr lang="en-US" dirty="0" err="1"/>
+              <a:t>Git</a:t>
+            </a:r>
+            <a:r>
+              <a:rPr lang="en-US" dirty="0"/>
+              <a:t> is much powerful than that</a:t>
+            </a:r>
+          </a:p>
+        </p:txBody>
+      </p:sp>
+      <p:sp>
+        <p:nvSpPr>
+          <p:cNvPr id="3" name="Content Placeholder 2"/>
+          <p:cNvSpPr>
+            <a:spLocks noGrp="1"/>
+          </p:cNvSpPr>
+          <p:nvPr>
+            <p:ph idx="1"/>
+          </p:nvPr>
+        </p:nvSpPr>
+        <p:spPr/>
+        <p:txBody>
+          <a:bodyPr/>
+          <a:lstStyle/>
+          <a:p>
+            <a:r>
+              <a:rPr lang="en-US" dirty="0"/>
+              <a:t>Our </a:t>
+            </a:r>
+            <a:r>
+              <a:rPr lang="en-US" dirty="0" err="1"/>
+              <a:t>git</a:t>
+            </a:r>
+            <a:r>
+              <a:rPr lang="en-US" dirty="0"/>
+              <a:t> introduction only covers a small part of </a:t>
+            </a:r>
+            <a:r>
+              <a:rPr lang="en-US" dirty="0" err="1"/>
+              <a:t>Git</a:t>
+            </a:r>
+            <a:endParaRPr lang="en-US" dirty="0"/>
+          </a:p>
+          <a:p>
+            <a:r>
+              <a:rPr lang="en-US" dirty="0" err="1"/>
+              <a:t>Git</a:t>
+            </a:r>
+            <a:r>
+              <a:rPr lang="en-US" dirty="0"/>
+              <a:t> tutorial:</a:t>
+            </a:r>
+          </a:p>
+          <a:p>
+            <a:pPr lvl="1"/>
+            <a:r>
+              <a:rPr lang="en-US" dirty="0">
+                <a:hlinkClick r:id="rId2"/>
+              </a:rPr>
+              <a:t>https://www.atlassian.com/git/tutorials/what-is-versioncontrol</a:t>
+            </a:r>
+            <a:r>
+              <a:rPr lang="en-US" dirty="0"/>
+              <a:t> </a:t>
+            </a:r>
+          </a:p>
+          <a:p>
+            <a:pPr lvl="1"/>
+            <a:r>
+              <a:rPr lang="en-US" dirty="0">
+                <a:hlinkClick r:id="rId3"/>
+              </a:rPr>
+              <a:t>https://</a:t>
+            </a:r>
+            <a:r>
+              <a:rPr lang="en-US" dirty="0" err="1">
+                <a:hlinkClick r:id="rId3"/>
+              </a:rPr>
+              <a:t>try.github.io</a:t>
+            </a:r>
+            <a:r>
+              <a:rPr lang="en-US" dirty="0">
+                <a:hlinkClick r:id="rId3"/>
+              </a:rPr>
+              <a:t>/levels/1/challenges/1</a:t>
+            </a:r>
+            <a:endParaRPr lang="en-US" dirty="0"/>
+          </a:p>
+        </p:txBody>
+      </p:sp>
+      <p:sp>
+        <p:nvSpPr>
+          <p:cNvPr id="4" name="Slide Number Placeholder 3"/>
+          <p:cNvSpPr>
+            <a:spLocks noGrp="1"/>
+          </p:cNvSpPr>
+          <p:nvPr>
+            <p:ph type="sldNum" sz="quarter" idx="12"/>
+          </p:nvPr>
+        </p:nvSpPr>
+        <p:spPr/>
+        <p:txBody>
+          <a:bodyPr/>
+          <a:lstStyle/>
+          <a:p>
+            <a:fld id="{2EF37834-DECA-D44B-90BD-9C7AAAF5A0F7}" type="slidenum">
+              <a:rPr lang="en-US" smtClean="0"/>
+              <a:t>31</a:t>
+            </a:fld>
+            <a:endParaRPr lang="en-US"/>
+          </a:p>
+        </p:txBody>
+      </p:sp>
+    </p:spTree>
+    <p:extLst>
+      <p:ext uri="{BB962C8B-B14F-4D97-AF65-F5344CB8AC3E}">
+        <p14:creationId xmlns:p14="http://schemas.microsoft.com/office/powerpoint/2010/main" val="836670644"/>
+      </p:ext>
+    </p:extLst>
+  </p:cSld>
+  <p:clrMapOvr>
+    <a:masterClrMapping/>
+  </p:clrMapOvr>
+</p:sld>
+</file>
+
+<file path=ppt/slides/slide32.xml><?xml version="1.0" encoding="utf-8"?>
+<p:sld xmlns:a="http://schemas.openxmlformats.org/drawingml/2006/main" xmlns:r="http://schemas.openxmlformats.org/officeDocument/2006/relationships" xmlns:p="http://schemas.openxmlformats.org/presentationml/2006/main">
+  <p:cSld>
+    <p:spTree>
+      <p:nvGrpSpPr>
+        <p:cNvPr id="1" name=""/>
+        <p:cNvGrpSpPr/>
+        <p:nvPr/>
+      </p:nvGrpSpPr>
+      <p:grpSpPr>
+        <a:xfrm>
+          <a:off x="0" y="0"/>
+          <a:ext cx="0" cy="0"/>
+          <a:chOff x="0" y="0"/>
+          <a:chExt cx="0" cy="0"/>
+        </a:xfrm>
+      </p:grpSpPr>
+      <p:sp>
+        <p:nvSpPr>
+          <p:cNvPr id="2" name="Title 1"/>
+          <p:cNvSpPr>
+            <a:spLocks noGrp="1"/>
+          </p:cNvSpPr>
+          <p:nvPr>
+            <p:ph type="title"/>
+          </p:nvPr>
+        </p:nvSpPr>
+        <p:spPr/>
+        <p:txBody>
+          <a:bodyPr/>
+          <a:lstStyle/>
+          <a:p>
+            <a:r>
+              <a:rPr lang="en-US" dirty="0">
+                <a:solidFill>
+                  <a:schemeClr val="accent1"/>
+                </a:solidFill>
+              </a:rPr>
+              <a:t>All the </a:t>
+            </a:r>
+            <a:r>
+              <a:rPr lang="en-US" dirty="0" err="1">
+                <a:solidFill>
+                  <a:schemeClr val="accent1"/>
+                </a:solidFill>
+              </a:rPr>
+              <a:t>git</a:t>
+            </a:r>
+            <a:r>
+              <a:rPr lang="en-US" dirty="0">
+                <a:solidFill>
+                  <a:schemeClr val="accent1"/>
+                </a:solidFill>
+              </a:rPr>
+              <a:t> commands you need for CSO</a:t>
+            </a:r>
+          </a:p>
+        </p:txBody>
+      </p:sp>
+      <p:sp>
+        <p:nvSpPr>
+          <p:cNvPr id="3" name="Content Placeholder 2"/>
+          <p:cNvSpPr>
+            <a:spLocks noGrp="1"/>
+          </p:cNvSpPr>
+          <p:nvPr>
+            <p:ph idx="1"/>
+          </p:nvPr>
+        </p:nvSpPr>
+        <p:spPr/>
+        <p:txBody>
+          <a:bodyPr/>
+          <a:lstStyle/>
+          <a:p>
+            <a:r>
+              <a:rPr lang="en-US" dirty="0"/>
+              <a:t>For beginners, it’s super easy to mess up </a:t>
+            </a:r>
+            <a:r>
+              <a:rPr lang="en-US" dirty="0" err="1"/>
+              <a:t>Git</a:t>
+            </a:r>
+            <a:endParaRPr lang="en-US" dirty="0"/>
+          </a:p>
+          <a:p>
+            <a:r>
+              <a:rPr lang="en-US" dirty="0"/>
+              <a:t>After setting lab repository, you ONLY need to use the </a:t>
+            </a:r>
+            <a:r>
+              <a:rPr lang="en-US" dirty="0" err="1"/>
+              <a:t>follwing</a:t>
+            </a:r>
+            <a:r>
+              <a:rPr lang="en-US" dirty="0"/>
+              <a:t> </a:t>
+            </a:r>
+            <a:r>
+              <a:rPr lang="en-US" dirty="0" err="1"/>
+              <a:t>git</a:t>
+            </a:r>
+            <a:r>
+              <a:rPr lang="en-US" dirty="0"/>
+              <a:t> commands:</a:t>
+            </a:r>
+          </a:p>
+          <a:p>
+            <a:pPr lvl="1"/>
+            <a:r>
+              <a:rPr lang="en-US" dirty="0" err="1"/>
+              <a:t>git</a:t>
+            </a:r>
+            <a:r>
+              <a:rPr lang="en-US" dirty="0"/>
+              <a:t> add filenames</a:t>
+            </a:r>
+          </a:p>
+          <a:p>
+            <a:pPr lvl="1"/>
+            <a:r>
+              <a:rPr lang="en-US" dirty="0" err="1"/>
+              <a:t>git</a:t>
+            </a:r>
+            <a:r>
+              <a:rPr lang="en-US" dirty="0"/>
+              <a:t> commit </a:t>
+            </a:r>
+            <a:r>
+              <a:rPr lang="mr-IN" dirty="0"/>
+              <a:t>-</a:t>
+            </a:r>
+            <a:r>
+              <a:rPr lang="en-US" dirty="0"/>
+              <a:t>m “commit message”</a:t>
+            </a:r>
+          </a:p>
+          <a:p>
+            <a:pPr lvl="1"/>
+            <a:r>
+              <a:rPr lang="en-US" dirty="0" err="1"/>
+              <a:t>git</a:t>
+            </a:r>
+            <a:r>
+              <a:rPr lang="en-US" dirty="0"/>
+              <a:t> push origin master</a:t>
+            </a:r>
+          </a:p>
+          <a:p>
+            <a:pPr lvl="1"/>
+            <a:r>
+              <a:rPr lang="en-US" dirty="0" err="1"/>
+              <a:t>git</a:t>
+            </a:r>
+            <a:r>
+              <a:rPr lang="en-US" dirty="0"/>
+              <a:t> clone your-lab-repo lab</a:t>
+            </a:r>
+          </a:p>
+          <a:p>
+            <a:pPr lvl="1"/>
+            <a:r>
+              <a:rPr lang="en-US" dirty="0" err="1"/>
+              <a:t>git</a:t>
+            </a:r>
+            <a:r>
+              <a:rPr lang="en-US" dirty="0"/>
+              <a:t> status</a:t>
+            </a:r>
+          </a:p>
+          <a:p>
+            <a:pPr lvl="1"/>
+            <a:endParaRPr lang="en-US" dirty="0"/>
+          </a:p>
+        </p:txBody>
+      </p:sp>
+      <p:sp>
+        <p:nvSpPr>
+          <p:cNvPr id="4" name="Rectangle 3"/>
+          <p:cNvSpPr/>
+          <p:nvPr/>
+        </p:nvSpPr>
+        <p:spPr>
+          <a:xfrm>
+            <a:off x="6766560" y="4389120"/>
+            <a:ext cx="4126230" cy="857250"/>
+          </a:xfrm>
+          <a:prstGeom prst="rect">
+            <a:avLst/>
+          </a:prstGeom>
+          <a:solidFill>
+            <a:srgbClr val="C00000"/>
+          </a:solidFill>
+        </p:spPr>
+        <p:style>
+          <a:lnRef idx="2">
+            <a:schemeClr val="accent1">
+              <a:shade val="50000"/>
+            </a:schemeClr>
+          </a:lnRef>
+          <a:fillRef idx="1">
+            <a:schemeClr val="accent1"/>
+          </a:fillRef>
+          <a:effectRef idx="0">
+            <a:schemeClr val="accent1"/>
+          </a:effectRef>
+          <a:fontRef idx="minor">
+            <a:schemeClr val="lt1"/>
+          </a:fontRef>
+        </p:style>
+        <p:txBody>
+          <a:bodyPr rtlCol="0" anchor="ctr"/>
+          <a:lstStyle/>
+          <a:p>
+            <a:r>
+              <a:rPr lang="en-US" dirty="0"/>
+              <a:t>Warning: unless you know what you are doing, do not use any other </a:t>
+            </a:r>
+            <a:r>
+              <a:rPr lang="en-US" dirty="0" err="1"/>
+              <a:t>git</a:t>
+            </a:r>
+            <a:r>
+              <a:rPr lang="en-US" dirty="0"/>
+              <a:t> commands or </a:t>
+            </a:r>
+            <a:r>
+              <a:rPr lang="en-US" dirty="0" err="1"/>
+              <a:t>git</a:t>
+            </a:r>
+            <a:r>
+              <a:rPr lang="en-US" dirty="0"/>
+              <a:t> command flags</a:t>
+            </a:r>
+          </a:p>
+        </p:txBody>
+      </p:sp>
+      <p:pic>
+        <p:nvPicPr>
+          <p:cNvPr id="6146" name="Picture 2" descr="ow to Handle It When You Mess Up on the Project (and You Will) | GreenBo"/>
+          <p:cNvPicPr>
+            <a:picLocks noChangeAspect="1" noChangeArrowheads="1"/>
+          </p:cNvPicPr>
+          <p:nvPr/>
+        </p:nvPicPr>
+        <p:blipFill>
+          <a:blip r:embed="rId2">
+            <a:extLst>
+              <a:ext uri="{28A0092B-C50C-407E-A947-70E740481C1C}">
+                <a14:useLocalDpi xmlns:a14="http://schemas.microsoft.com/office/drawing/2010/main" val="0"/>
+              </a:ext>
+            </a:extLst>
+          </a:blip>
+          <a:srcRect/>
+          <a:stretch>
+            <a:fillRect/>
+          </a:stretch>
+        </p:blipFill>
+        <p:spPr bwMode="auto">
+          <a:xfrm>
+            <a:off x="0" y="5405438"/>
+            <a:ext cx="2020382" cy="1452562"/>
+          </a:xfrm>
+          <a:prstGeom prst="rect">
+            <a:avLst/>
+          </a:prstGeom>
+          <a:noFill/>
+          <a:extLst>
+            <a:ext uri="{909E8E84-426E-40DD-AFC4-6F175D3DCCD1}">
+              <a14:hiddenFill xmlns:a14="http://schemas.microsoft.com/office/drawing/2010/main">
+                <a:solidFill>
+                  <a:srgbClr val="FFFFFF"/>
+                </a:solidFill>
+              </a14:hiddenFill>
+            </a:ext>
+          </a:extLst>
+        </p:spPr>
+      </p:pic>
+      <p:sp>
+        <p:nvSpPr>
+          <p:cNvPr id="5" name="Slide Number Placeholder 4"/>
+          <p:cNvSpPr>
+            <a:spLocks noGrp="1"/>
+          </p:cNvSpPr>
+          <p:nvPr>
+            <p:ph type="sldNum" sz="quarter" idx="12"/>
+          </p:nvPr>
+        </p:nvSpPr>
+        <p:spPr/>
+        <p:txBody>
+          <a:bodyPr/>
+          <a:lstStyle/>
+          <a:p>
+            <a:fld id="{2EF37834-DECA-D44B-90BD-9C7AAAF5A0F7}" type="slidenum">
+              <a:rPr lang="en-US" smtClean="0"/>
+              <a:t>32</a:t>
+            </a:fld>
+            <a:endParaRPr lang="en-US"/>
+          </a:p>
+        </p:txBody>
+      </p:sp>
+    </p:spTree>
+    <p:extLst>
+      <p:ext uri="{BB962C8B-B14F-4D97-AF65-F5344CB8AC3E}">
+        <p14:creationId xmlns:p14="http://schemas.microsoft.com/office/powerpoint/2010/main" val="1027136594"/>
+      </p:ext>
+    </p:extLst>
+  </p:cSld>
+  <p:clrMapOvr>
+    <a:masterClrMapping/>
+  </p:clrMapOvr>
+</p:sld>
+</file>
+
+<file path=ppt/slides/slide33.xml><?xml version="1.0" encoding="utf-8"?>
+<p:sld xmlns:a="http://schemas.openxmlformats.org/drawingml/2006/main" xmlns:r="http://schemas.openxmlformats.org/officeDocument/2006/relationships" xmlns:p="http://schemas.openxmlformats.org/presentationml/2006/main">
+  <p:cSld>
+    <p:spTree>
+      <p:nvGrpSpPr>
+        <p:cNvPr id="1" name=""/>
+        <p:cNvGrpSpPr/>
+        <p:nvPr/>
+      </p:nvGrpSpPr>
+      <p:grpSpPr>
+        <a:xfrm>
+          <a:off x="0" y="0"/>
+          <a:ext cx="0" cy="0"/>
+          <a:chOff x="0" y="0"/>
+          <a:chExt cx="0" cy="0"/>
+        </a:xfrm>
+      </p:grpSpPr>
+      <p:sp>
+        <p:nvSpPr>
+          <p:cNvPr id="2" name="Title 1"/>
+          <p:cNvSpPr>
+            <a:spLocks noGrp="1"/>
+          </p:cNvSpPr>
+          <p:nvPr>
+            <p:ph type="title"/>
+          </p:nvPr>
+        </p:nvSpPr>
+        <p:spPr/>
+        <p:txBody>
+          <a:bodyPr/>
+          <a:lstStyle/>
+          <a:p>
+            <a:r>
+              <a:rPr lang="en-US" dirty="0"/>
+              <a:t>Ask the staff for help</a:t>
+            </a:r>
+          </a:p>
+        </p:txBody>
+      </p:sp>
+      <p:sp>
+        <p:nvSpPr>
+          <p:cNvPr id="3" name="Content Placeholder 2"/>
+          <p:cNvSpPr>
+            <a:spLocks noGrp="1"/>
+          </p:cNvSpPr>
+          <p:nvPr>
+            <p:ph idx="1"/>
+          </p:nvPr>
+        </p:nvSpPr>
+        <p:spPr/>
+        <p:txBody>
+          <a:bodyPr/>
+          <a:lstStyle/>
+          <a:p>
+            <a:r>
+              <a:rPr lang="en-US" dirty="0"/>
+              <a:t>If you really cannot fix conflicts or other </a:t>
+            </a:r>
+            <a:r>
+              <a:rPr lang="en-US" dirty="0" err="1"/>
+              <a:t>git</a:t>
+            </a:r>
+            <a:r>
+              <a:rPr lang="en-US" dirty="0"/>
+              <a:t> problems, you should ask course staff for help</a:t>
+            </a:r>
+          </a:p>
+          <a:p>
+            <a:pPr lvl="1"/>
+            <a:r>
+              <a:rPr lang="en-US" dirty="0"/>
+              <a:t>You need to email the staff or attend office hours</a:t>
+            </a:r>
+          </a:p>
+          <a:p>
+            <a:pPr lvl="2"/>
+            <a:r>
+              <a:rPr lang="en-US" dirty="0"/>
+              <a:t>Online makes things harder..</a:t>
+            </a:r>
+          </a:p>
+          <a:p>
+            <a:pPr lvl="1"/>
+            <a:r>
+              <a:rPr lang="en-US" dirty="0"/>
+              <a:t>You should start your lab earlier</a:t>
+            </a:r>
+          </a:p>
+          <a:p>
+            <a:r>
+              <a:rPr lang="en-US" dirty="0"/>
+              <a:t>Don’t randomly issue commands to further mess things up</a:t>
+            </a:r>
+          </a:p>
+          <a:p>
+            <a:pPr lvl="1"/>
+            <a:endParaRPr lang="en-US" dirty="0"/>
+          </a:p>
+        </p:txBody>
+      </p:sp>
+      <p:sp>
+        <p:nvSpPr>
+          <p:cNvPr id="4" name="Slide Number Placeholder 3"/>
+          <p:cNvSpPr>
+            <a:spLocks noGrp="1"/>
+          </p:cNvSpPr>
+          <p:nvPr>
+            <p:ph type="sldNum" sz="quarter" idx="12"/>
+          </p:nvPr>
+        </p:nvSpPr>
+        <p:spPr/>
+        <p:txBody>
+          <a:bodyPr/>
+          <a:lstStyle/>
+          <a:p>
+            <a:fld id="{2EF37834-DECA-D44B-90BD-9C7AAAF5A0F7}" type="slidenum">
+              <a:rPr lang="en-US" smtClean="0"/>
+              <a:t>33</a:t>
+            </a:fld>
+            <a:endParaRPr lang="en-US"/>
+          </a:p>
+        </p:txBody>
+      </p:sp>
+    </p:spTree>
+    <p:extLst>
+      <p:ext uri="{BB962C8B-B14F-4D97-AF65-F5344CB8AC3E}">
+        <p14:creationId xmlns:p14="http://schemas.microsoft.com/office/powerpoint/2010/main" val="1896812158"/>
+      </p:ext>
+    </p:extLst>
+  </p:cSld>
+  <p:clrMapOvr>
+    <a:masterClrMapping/>
+  </p:clrMapOvr>
+</p:sld>
+</file>
+
+<file path=ppt/slides/slide34.xml><?xml version="1.0" encoding="utf-8"?>
+<p:sld xmlns:a="http://schemas.openxmlformats.org/drawingml/2006/main" xmlns:r="http://schemas.openxmlformats.org/officeDocument/2006/relationships" xmlns:p="http://schemas.openxmlformats.org/presentationml/2006/main">
+  <p:cSld>
+    <p:spTree>
+      <p:nvGrpSpPr>
+        <p:cNvPr id="1" name=""/>
+        <p:cNvGrpSpPr/>
+        <p:nvPr/>
+      </p:nvGrpSpPr>
+      <p:grpSpPr>
+        <a:xfrm>
+          <a:off x="0" y="0"/>
+          <a:ext cx="0" cy="0"/>
+          <a:chOff x="0" y="0"/>
+          <a:chExt cx="0" cy="0"/>
+        </a:xfrm>
+      </p:grpSpPr>
+      <p:sp>
+        <p:nvSpPr>
+          <p:cNvPr id="2" name="Title 1"/>
+          <p:cNvSpPr>
+            <a:spLocks noGrp="1"/>
+          </p:cNvSpPr>
+          <p:nvPr>
+            <p:ph type="title"/>
+          </p:nvPr>
+        </p:nvSpPr>
+        <p:spPr/>
+        <p:txBody>
+          <a:bodyPr/>
+          <a:lstStyle/>
+          <a:p>
+            <a:r>
+              <a:rPr lang="en-US" dirty="0"/>
+              <a:t>Things you should </a:t>
+            </a:r>
+            <a:r>
+              <a:rPr lang="en-US" dirty="0">
+                <a:solidFill>
+                  <a:srgbClr val="C00000"/>
+                </a:solidFill>
+              </a:rPr>
+              <a:t>NEVER</a:t>
+            </a:r>
+            <a:r>
+              <a:rPr lang="en-US" dirty="0"/>
+              <a:t> do</a:t>
+            </a:r>
+          </a:p>
+        </p:txBody>
+      </p:sp>
+      <p:sp>
+        <p:nvSpPr>
+          <p:cNvPr id="3" name="Content Placeholder 2"/>
+          <p:cNvSpPr>
+            <a:spLocks noGrp="1"/>
+          </p:cNvSpPr>
+          <p:nvPr>
+            <p:ph idx="1"/>
+          </p:nvPr>
+        </p:nvSpPr>
+        <p:spPr/>
+        <p:txBody>
+          <a:bodyPr/>
+          <a:lstStyle/>
+          <a:p>
+            <a:r>
+              <a:rPr lang="en-US" dirty="0"/>
+              <a:t>Don’t use </a:t>
+            </a:r>
+            <a:r>
+              <a:rPr lang="en-US" dirty="0" err="1"/>
+              <a:t>git</a:t>
+            </a:r>
+            <a:r>
+              <a:rPr lang="en-US" dirty="0"/>
+              <a:t> add *, </a:t>
+            </a:r>
+            <a:r>
+              <a:rPr lang="en-US" dirty="0" err="1"/>
+              <a:t>git</a:t>
+            </a:r>
+            <a:r>
+              <a:rPr lang="en-US" dirty="0"/>
+              <a:t> add .</a:t>
+            </a:r>
+          </a:p>
+          <a:p>
+            <a:pPr lvl="1"/>
+            <a:r>
+              <a:rPr lang="en-US" dirty="0"/>
+              <a:t>Instead, you should always specify the file names you want to commit</a:t>
+            </a:r>
+          </a:p>
+          <a:p>
+            <a:pPr lvl="1"/>
+            <a:r>
+              <a:rPr lang="en-US" dirty="0"/>
+              <a:t>Please don’t add complied programs to </a:t>
+            </a:r>
+            <a:r>
+              <a:rPr lang="en-US" dirty="0" err="1"/>
+              <a:t>git</a:t>
+            </a:r>
+            <a:endParaRPr lang="en-US" dirty="0"/>
+          </a:p>
+          <a:p>
+            <a:r>
+              <a:rPr lang="en-US" dirty="0"/>
+              <a:t>Don’t modify any file using GitHub website</a:t>
+            </a:r>
+          </a:p>
+          <a:p>
+            <a:pPr lvl="1"/>
+            <a:r>
+              <a:rPr lang="en-US" dirty="0"/>
+              <a:t>Instead, you should always make changes locally on your laptop and then push commits to GitHub</a:t>
+            </a:r>
+          </a:p>
+          <a:p>
+            <a:pPr lvl="1"/>
+            <a:r>
+              <a:rPr lang="en-US" dirty="0"/>
+              <a:t>Otherwise, there will be conflicts, which will lead to sadness</a:t>
+            </a:r>
+          </a:p>
+        </p:txBody>
+      </p:sp>
+      <p:sp>
+        <p:nvSpPr>
+          <p:cNvPr id="4" name="Slide Number Placeholder 3"/>
+          <p:cNvSpPr>
+            <a:spLocks noGrp="1"/>
+          </p:cNvSpPr>
+          <p:nvPr>
+            <p:ph type="sldNum" sz="quarter" idx="12"/>
+          </p:nvPr>
+        </p:nvSpPr>
+        <p:spPr/>
+        <p:txBody>
+          <a:bodyPr/>
+          <a:lstStyle/>
+          <a:p>
+            <a:fld id="{2EF37834-DECA-D44B-90BD-9C7AAAF5A0F7}" type="slidenum">
+              <a:rPr lang="en-US" smtClean="0"/>
+              <a:t>34</a:t>
+            </a:fld>
+            <a:endParaRPr lang="en-US"/>
+          </a:p>
+        </p:txBody>
+      </p:sp>
+    </p:spTree>
+    <p:extLst>
+      <p:ext uri="{BB962C8B-B14F-4D97-AF65-F5344CB8AC3E}">
+        <p14:creationId xmlns:p14="http://schemas.microsoft.com/office/powerpoint/2010/main" val="1363568041"/>
+      </p:ext>
+    </p:extLst>
+  </p:cSld>
+  <p:clrMapOvr>
+    <a:masterClrMapping/>
+  </p:clrMapOvr>
+</p:sld>
+</file>
+
+<file path=ppt/slides/slide4.xml><?xml version="1.0" encoding="utf-8"?>
+<p:sld xmlns:a="http://schemas.openxmlformats.org/drawingml/2006/main" xmlns:r="http://schemas.openxmlformats.org/officeDocument/2006/relationships" xmlns:p="http://schemas.openxmlformats.org/presentationml/2006/main">
+  <p:cSld>
+    <p:spTree>
+      <p:nvGrpSpPr>
+        <p:cNvPr id="1" name=""/>
+        <p:cNvGrpSpPr/>
+        <p:nvPr/>
+      </p:nvGrpSpPr>
+      <p:grpSpPr>
+        <a:xfrm>
+          <a:off x="0" y="0"/>
+          <a:ext cx="0" cy="0"/>
+          <a:chOff x="0" y="0"/>
+          <a:chExt cx="0" cy="0"/>
+        </a:xfrm>
+      </p:grpSpPr>
+      <p:sp>
+        <p:nvSpPr>
+          <p:cNvPr id="2" name="Title 1"/>
+          <p:cNvSpPr>
+            <a:spLocks noGrp="1"/>
+          </p:cNvSpPr>
+          <p:nvPr>
+            <p:ph type="title"/>
+          </p:nvPr>
+        </p:nvSpPr>
+        <p:spPr/>
+        <p:txBody>
+          <a:bodyPr/>
+          <a:lstStyle/>
+          <a:p>
+            <a:r>
+              <a:rPr lang="en-US" dirty="0"/>
+              <a:t>Where we release course materials </a:t>
+            </a:r>
+          </a:p>
+        </p:txBody>
+      </p:sp>
+      <p:sp>
+        <p:nvSpPr>
+          <p:cNvPr id="3" name="Content Placeholder 2"/>
+          <p:cNvSpPr>
+            <a:spLocks noGrp="1"/>
+          </p:cNvSpPr>
+          <p:nvPr>
+            <p:ph idx="1"/>
+          </p:nvPr>
+        </p:nvSpPr>
+        <p:spPr/>
+        <p:txBody>
+          <a:bodyPr>
+            <a:normAutofit fontScale="85000" lnSpcReduction="20000"/>
+          </a:bodyPr>
+          <a:lstStyle/>
+          <a:p>
+            <a:r>
+              <a:rPr lang="en-US" altLang="zh-CN" dirty="0"/>
+              <a:t>Course website</a:t>
+            </a:r>
+          </a:p>
+          <a:p>
+            <a:pPr lvl="1">
+              <a:buFontTx/>
+              <a:buChar char="-"/>
+            </a:pPr>
+            <a:r>
+              <a:rPr lang="en-US" dirty="0">
+                <a:hlinkClick r:id="rId3"/>
+              </a:rPr>
+              <a:t>https://nyu-cso.github.io/</a:t>
+            </a:r>
+            <a:endParaRPr lang="en-US" dirty="0"/>
+          </a:p>
+          <a:p>
+            <a:pPr lvl="1">
+              <a:buFontTx/>
+              <a:buChar char="-"/>
+            </a:pPr>
+            <a:r>
+              <a:rPr lang="en-US" dirty="0"/>
+              <a:t>Recitation slides also on the course schedule page</a:t>
+            </a:r>
+          </a:p>
+          <a:p>
+            <a:r>
+              <a:rPr lang="en-US" dirty="0"/>
+              <a:t>NYU Brightspace</a:t>
+            </a:r>
+          </a:p>
+          <a:p>
+            <a:pPr marL="457200" lvl="1" indent="0">
+              <a:buNone/>
+            </a:pPr>
+            <a:r>
+              <a:rPr lang="en-US" dirty="0"/>
+              <a:t>-   Zoom recitation </a:t>
+            </a:r>
+            <a:r>
+              <a:rPr lang="en-US" altLang="zh-CN" dirty="0"/>
+              <a:t>links/</a:t>
+            </a:r>
+            <a:r>
+              <a:rPr lang="en-US" dirty="0"/>
+              <a:t>recording</a:t>
+            </a:r>
+          </a:p>
+          <a:p>
+            <a:r>
+              <a:rPr lang="en-US" dirty="0" err="1"/>
+              <a:t>CampusWire</a:t>
+            </a:r>
+            <a:endParaRPr lang="en-US" dirty="0"/>
+          </a:p>
+          <a:p>
+            <a:pPr lvl="1">
+              <a:buFontTx/>
+              <a:buChar char="-"/>
+            </a:pPr>
+            <a:r>
+              <a:rPr lang="en-US" dirty="0"/>
+              <a:t>It’s your responsibility to read Instructor’s Note on </a:t>
+            </a:r>
+            <a:r>
+              <a:rPr lang="en-US" dirty="0" err="1"/>
+              <a:t>Campuswire</a:t>
+            </a:r>
+            <a:endParaRPr lang="en-US" dirty="0"/>
+          </a:p>
+          <a:p>
+            <a:pPr lvl="1">
+              <a:buFontTx/>
+              <a:buChar char="-"/>
+            </a:pPr>
+            <a:r>
+              <a:rPr lang="en-US" dirty="0"/>
+              <a:t>You are encouraged to ask questions on </a:t>
+            </a:r>
+            <a:r>
+              <a:rPr lang="en-US" dirty="0" err="1"/>
+              <a:t>Campuswire</a:t>
+            </a:r>
+            <a:endParaRPr lang="en-US" dirty="0"/>
+          </a:p>
+          <a:p>
+            <a:r>
+              <a:rPr lang="en-US" dirty="0"/>
+              <a:t>GitHub</a:t>
+            </a:r>
+          </a:p>
+          <a:p>
+            <a:pPr marL="457200" lvl="1" indent="0">
+              <a:buNone/>
+            </a:pPr>
+            <a:r>
+              <a:rPr lang="en-US" dirty="0"/>
+              <a:t>-   All labs are released on GitHub</a:t>
+            </a:r>
+          </a:p>
+          <a:p>
+            <a:pPr lvl="1">
+              <a:buFontTx/>
+              <a:buChar char="-"/>
+            </a:pPr>
+            <a:r>
+              <a:rPr lang="en-US" dirty="0"/>
+              <a:t>You will submit all labs on both GitHub and </a:t>
+            </a:r>
+            <a:r>
+              <a:rPr lang="en-US" dirty="0" err="1"/>
+              <a:t>Gradescope</a:t>
+            </a:r>
+            <a:endParaRPr lang="en-US" dirty="0"/>
+          </a:p>
+          <a:p>
+            <a:r>
+              <a:rPr lang="en-US" dirty="0" err="1"/>
+              <a:t>Gradescope</a:t>
+            </a:r>
+            <a:endParaRPr lang="en-US" dirty="0"/>
+          </a:p>
+          <a:p>
+            <a:pPr marL="457200" lvl="1" indent="0">
+              <a:buNone/>
+            </a:pPr>
+            <a:r>
+              <a:rPr lang="en-US" dirty="0"/>
+              <a:t>-  Weekly mini-quiz on </a:t>
+            </a:r>
+            <a:r>
+              <a:rPr lang="en-US" dirty="0" err="1"/>
+              <a:t>Gradescope</a:t>
+            </a:r>
+            <a:endParaRPr lang="en-US" dirty="0"/>
+          </a:p>
+        </p:txBody>
+      </p:sp>
+      <p:sp>
+        <p:nvSpPr>
+          <p:cNvPr id="4" name="Slide Number Placeholder 3"/>
+          <p:cNvSpPr>
+            <a:spLocks noGrp="1"/>
+          </p:cNvSpPr>
+          <p:nvPr>
+            <p:ph type="sldNum" sz="quarter" idx="12"/>
+          </p:nvPr>
+        </p:nvSpPr>
+        <p:spPr/>
+        <p:txBody>
+          <a:bodyPr/>
+          <a:lstStyle/>
+          <a:p>
+            <a:fld id="{2EF37834-DECA-D44B-90BD-9C7AAAF5A0F7}" type="slidenum">
+              <a:rPr lang="en-US" smtClean="0"/>
+              <a:t>4</a:t>
+            </a:fld>
+            <a:endParaRPr lang="en-US"/>
+          </a:p>
+        </p:txBody>
+      </p:sp>
+    </p:spTree>
+    <p:extLst>
+      <p:ext uri="{BB962C8B-B14F-4D97-AF65-F5344CB8AC3E}">
+        <p14:creationId xmlns:p14="http://schemas.microsoft.com/office/powerpoint/2010/main" val="600224446"/>
+      </p:ext>
+    </p:extLst>
+  </p:cSld>
+  <p:clrMapOvr>
+    <a:masterClrMapping/>
+  </p:clrMapOvr>
+</p:sld>
+</file>
+
 <file path=ppt/slides/slide5.xml><?xml version="1.0" encoding="utf-8"?>
 <p:sld xmlns:a="http://schemas.openxmlformats.org/drawingml/2006/main" xmlns:r="http://schemas.openxmlformats.org/officeDocument/2006/relationships" xmlns:p="http://schemas.openxmlformats.org/presentationml/2006/main">
   <p:cSld>
@@ -14339,10 +13401,9 @@
           <a:lstStyle/>
           <a:p>
             <a:r>
-              <a:rPr lang="en-US" dirty="0" smtClean="0"/>
-              <a:t>Where we release course materials </a:t>
-            </a:r>
-            <a:endParaRPr lang="en-US" dirty="0"/>
+              <a:rPr lang="en-US" dirty="0"/>
+              <a:t>How to contact us</a:t>
+            </a:r>
           </a:p>
         </p:txBody>
       </p:sp>
@@ -14358,14 +13419,18 @@
         </p:nvSpPr>
         <p:spPr/>
         <p:txBody>
-          <a:bodyPr>
-            <a:normAutofit fontScale="85000" lnSpcReduction="20000"/>
-          </a:bodyPr>
-          <a:lstStyle/>
-          <a:p>
-            <a:r>
-              <a:rPr lang="en-US" altLang="zh-CN" dirty="0" smtClean="0"/>
-              <a:t>Course website</a:t>
+          <a:bodyPr/>
+          <a:lstStyle/>
+          <a:p>
+            <a:r>
+              <a:rPr lang="en-US" dirty="0"/>
+              <a:t>Don’t be afraid to ask questions!</a:t>
+            </a:r>
+          </a:p>
+          <a:p>
+            <a:r>
+              <a:rPr lang="en-US" dirty="0"/>
+              <a:t>If you have general questions about course contents or labs</a:t>
             </a:r>
           </a:p>
           <a:p>
@@ -14374,268 +13439,11 @@
               <a:buChar char="-"/>
             </a:pPr>
             <a:r>
-              <a:rPr lang="en-US" dirty="0">
-                <a:hlinkClick r:id="rId3"/>
-              </a:rPr>
-              <a:t>https://nyu-cso.github.io/</a:t>
-            </a:r>
-            <a:endParaRPr lang="en-US" dirty="0" smtClean="0"/>
-          </a:p>
-          <a:p>
-            <a:pPr lvl="1">
-              <a:buFontTx/>
-              <a:buChar char="-"/>
-            </a:pPr>
-            <a:r>
-              <a:rPr lang="en-US" dirty="0" smtClean="0"/>
-              <a:t>Recitation slides also on the course schedule page</a:t>
-            </a:r>
-          </a:p>
-          <a:p>
-            <a:r>
-              <a:rPr lang="en-US" dirty="0" smtClean="0"/>
-              <a:t>NYU Classes</a:t>
-            </a:r>
-          </a:p>
-          <a:p>
-            <a:pPr marL="457200" lvl="1" indent="0">
-              <a:buNone/>
-            </a:pPr>
-            <a:r>
-              <a:rPr lang="en-US" dirty="0" smtClean="0"/>
-              <a:t>-   Zoom </a:t>
-            </a:r>
-            <a:r>
-              <a:rPr lang="en-US" altLang="zh-CN" dirty="0" smtClean="0"/>
-              <a:t>links</a:t>
-            </a:r>
-            <a:r>
-              <a:rPr lang="en-US" altLang="zh-CN" dirty="0"/>
-              <a:t>/</a:t>
-            </a:r>
-            <a:r>
-              <a:rPr lang="en-US" dirty="0" smtClean="0"/>
-              <a:t>recording</a:t>
-            </a:r>
-          </a:p>
-          <a:p>
-            <a:r>
-              <a:rPr lang="en-US" dirty="0" err="1" smtClean="0"/>
-              <a:t>CampusWire</a:t>
-            </a:r>
-            <a:endParaRPr lang="en-US" dirty="0" smtClean="0"/>
-          </a:p>
-          <a:p>
-            <a:pPr lvl="1">
-              <a:buFontTx/>
-              <a:buChar char="-"/>
-            </a:pPr>
-            <a:r>
-              <a:rPr lang="en-US" dirty="0"/>
-              <a:t>I</a:t>
-            </a:r>
-            <a:r>
-              <a:rPr lang="en-US" dirty="0" smtClean="0"/>
-              <a:t>t’s your responsibility to read Instructor’s Note on </a:t>
-            </a:r>
-            <a:r>
-              <a:rPr lang="en-US" dirty="0" err="1"/>
-              <a:t>C</a:t>
-            </a:r>
-            <a:r>
-              <a:rPr lang="en-US" dirty="0" err="1" smtClean="0"/>
-              <a:t>ampuswire</a:t>
-            </a:r>
-            <a:endParaRPr lang="en-US" dirty="0" smtClean="0"/>
-          </a:p>
-          <a:p>
-            <a:pPr lvl="1">
-              <a:buFontTx/>
-              <a:buChar char="-"/>
-            </a:pPr>
-            <a:r>
-              <a:rPr lang="en-US" dirty="0" smtClean="0"/>
-              <a:t>You are encouraged to ask questions on </a:t>
-            </a:r>
-            <a:r>
-              <a:rPr lang="en-US" dirty="0" err="1" smtClean="0"/>
-              <a:t>Campuswire</a:t>
-            </a:r>
-            <a:endParaRPr lang="en-US" dirty="0" smtClean="0"/>
-          </a:p>
-          <a:p>
-            <a:r>
-              <a:rPr lang="en-US" dirty="0" smtClean="0"/>
-              <a:t>GitHub</a:t>
-            </a:r>
-          </a:p>
-          <a:p>
-            <a:pPr marL="457200" lvl="1" indent="0">
-              <a:buNone/>
-            </a:pPr>
-            <a:r>
-              <a:rPr lang="en-US" dirty="0" smtClean="0"/>
-              <a:t>-   All labs are released on GitHub</a:t>
-            </a:r>
-          </a:p>
-          <a:p>
-            <a:pPr lvl="1">
-              <a:buFontTx/>
-              <a:buChar char="-"/>
-            </a:pPr>
-            <a:r>
-              <a:rPr lang="en-US" dirty="0" smtClean="0"/>
-              <a:t>You will submit all labs on both GitHub and </a:t>
-            </a:r>
-            <a:r>
-              <a:rPr lang="en-US" dirty="0" err="1" smtClean="0"/>
-              <a:t>Gradescope</a:t>
-            </a:r>
-            <a:endParaRPr lang="en-US" dirty="0" smtClean="0"/>
-          </a:p>
-          <a:p>
-            <a:r>
-              <a:rPr lang="en-US" dirty="0" err="1" smtClean="0"/>
-              <a:t>Gradescope</a:t>
-            </a:r>
-            <a:endParaRPr lang="en-US" dirty="0" smtClean="0"/>
-          </a:p>
-          <a:p>
-            <a:pPr marL="457200" lvl="1" indent="0">
-              <a:buNone/>
-            </a:pPr>
-            <a:r>
-              <a:rPr lang="en-US" dirty="0" smtClean="0"/>
-              <a:t>-  Weekly mini-quiz on </a:t>
-            </a:r>
-            <a:r>
-              <a:rPr lang="en-US" dirty="0" err="1" smtClean="0"/>
-              <a:t>Gradescope</a:t>
-            </a:r>
-            <a:endParaRPr lang="en-US" dirty="0"/>
-          </a:p>
-        </p:txBody>
-      </p:sp>
-      <p:sp>
-        <p:nvSpPr>
-          <p:cNvPr id="4" name="Slide Number Placeholder 3"/>
-          <p:cNvSpPr>
-            <a:spLocks noGrp="1"/>
-          </p:cNvSpPr>
-          <p:nvPr>
-            <p:ph type="sldNum" sz="quarter" idx="12"/>
-          </p:nvPr>
-        </p:nvSpPr>
-        <p:spPr/>
-        <p:txBody>
-          <a:bodyPr/>
-          <a:lstStyle/>
-          <a:p>
-            <a:fld id="{2EF37834-DECA-D44B-90BD-9C7AAAF5A0F7}" type="slidenum">
-              <a:rPr lang="en-US" smtClean="0"/>
-              <a:t>5</a:t>
-            </a:fld>
-            <a:endParaRPr lang="en-US"/>
-          </a:p>
-        </p:txBody>
-      </p:sp>
-    </p:spTree>
-    <p:extLst>
-      <p:ext uri="{BB962C8B-B14F-4D97-AF65-F5344CB8AC3E}">
-        <p14:creationId xmlns:p14="http://schemas.microsoft.com/office/powerpoint/2010/main" val="600224446"/>
-      </p:ext>
-    </p:extLst>
-  </p:cSld>
-  <p:clrMapOvr>
-    <a:masterClrMapping/>
-  </p:clrMapOvr>
-  <p:timing>
-    <p:tnLst>
-      <p:par>
-        <p:cTn id="1" dur="indefinite" restart="never" nodeType="tmRoot"/>
-      </p:par>
-    </p:tnLst>
-  </p:timing>
-</p:sld>
-</file>
-
-<file path=ppt/slides/slide6.xml><?xml version="1.0" encoding="utf-8"?>
-<p:sld xmlns:a="http://schemas.openxmlformats.org/drawingml/2006/main" xmlns:r="http://schemas.openxmlformats.org/officeDocument/2006/relationships" xmlns:p="http://schemas.openxmlformats.org/presentationml/2006/main">
-  <p:cSld>
-    <p:spTree>
-      <p:nvGrpSpPr>
-        <p:cNvPr id="1" name=""/>
-        <p:cNvGrpSpPr/>
-        <p:nvPr/>
-      </p:nvGrpSpPr>
-      <p:grpSpPr>
-        <a:xfrm>
-          <a:off x="0" y="0"/>
-          <a:ext cx="0" cy="0"/>
-          <a:chOff x="0" y="0"/>
-          <a:chExt cx="0" cy="0"/>
-        </a:xfrm>
-      </p:grpSpPr>
-      <p:sp>
-        <p:nvSpPr>
-          <p:cNvPr id="2" name="Title 1"/>
-          <p:cNvSpPr>
-            <a:spLocks noGrp="1"/>
-          </p:cNvSpPr>
-          <p:nvPr>
-            <p:ph type="title"/>
-          </p:nvPr>
-        </p:nvSpPr>
-        <p:spPr/>
-        <p:txBody>
-          <a:bodyPr/>
-          <a:lstStyle/>
-          <a:p>
-            <a:r>
-              <a:rPr lang="en-US" dirty="0" smtClean="0"/>
-              <a:t>How to contact us</a:t>
-            </a:r>
-            <a:endParaRPr lang="en-US" dirty="0"/>
-          </a:p>
-        </p:txBody>
-      </p:sp>
-      <p:sp>
-        <p:nvSpPr>
-          <p:cNvPr id="3" name="Content Placeholder 2"/>
-          <p:cNvSpPr>
-            <a:spLocks noGrp="1"/>
-          </p:cNvSpPr>
-          <p:nvPr>
-            <p:ph idx="1"/>
-          </p:nvPr>
-        </p:nvSpPr>
-        <p:spPr/>
-        <p:txBody>
-          <a:bodyPr/>
-          <a:lstStyle/>
-          <a:p>
-            <a:r>
-              <a:rPr lang="en-US" dirty="0" smtClean="0"/>
-              <a:t>Don’t be afraid to ask questions!</a:t>
-            </a:r>
-          </a:p>
-          <a:p>
-            <a:r>
-              <a:rPr lang="en-US" dirty="0" smtClean="0"/>
-              <a:t>If you have general questions about course contents or labs</a:t>
-            </a:r>
-          </a:p>
-          <a:p>
-            <a:pPr lvl="1">
-              <a:buFontTx/>
-              <a:buChar char="-"/>
-            </a:pPr>
-            <a:r>
-              <a:rPr lang="en-US" dirty="0" smtClean="0"/>
+              <a:rPr lang="en-US" dirty="0"/>
               <a:t>Ask on </a:t>
             </a:r>
             <a:r>
-              <a:rPr lang="en-US" dirty="0" err="1" smtClean="0">
+              <a:rPr lang="en-US" dirty="0" err="1">
                 <a:solidFill>
                   <a:schemeClr val="accent4">
                     <a:lumMod val="60000"/>
@@ -14645,7 +13453,7 @@
               </a:rPr>
               <a:t>Campuswire</a:t>
             </a:r>
-            <a:endParaRPr lang="en-US" dirty="0" smtClean="0">
+            <a:endParaRPr lang="en-US" dirty="0">
               <a:solidFill>
                 <a:schemeClr val="accent4">
                   <a:lumMod val="60000"/>
@@ -14660,11 +13468,11 @@
               <a:buChar char="-"/>
             </a:pPr>
             <a:r>
-              <a:rPr lang="en-US" dirty="0" smtClean="0"/>
+              <a:rPr lang="en-US" dirty="0"/>
               <a:t>Come to </a:t>
             </a:r>
             <a:r>
-              <a:rPr lang="en-US" dirty="0" smtClean="0">
+              <a:rPr lang="en-US" dirty="0">
                 <a:solidFill>
                   <a:srgbClr val="FF98F3"/>
                 </a:solidFill>
@@ -14678,11 +13486,11 @@
               <a:buChar char="-"/>
             </a:pPr>
             <a:r>
-              <a:rPr lang="en-US" dirty="0" smtClean="0"/>
+              <a:rPr lang="en-US" dirty="0"/>
               <a:t>Register the </a:t>
             </a:r>
             <a:r>
-              <a:rPr lang="en-US" dirty="0" smtClean="0">
+              <a:rPr lang="en-US" dirty="0">
                 <a:solidFill>
                   <a:schemeClr val="accent6">
                     <a:lumMod val="60000"/>
@@ -14695,7 +13503,7 @@
           </a:p>
           <a:p>
             <a:r>
-              <a:rPr lang="en-US" dirty="0" smtClean="0"/>
+              <a:rPr lang="en-US" dirty="0"/>
               <a:t>If you want to send us a private message</a:t>
             </a:r>
           </a:p>
@@ -14704,11 +13512,11 @@
               <a:buNone/>
             </a:pPr>
             <a:r>
-              <a:rPr lang="en-US" dirty="0" smtClean="0"/>
+              <a:rPr lang="en-US" dirty="0"/>
               <a:t>-   Email </a:t>
             </a:r>
             <a:r>
-              <a:rPr lang="en-US" dirty="0" err="1" smtClean="0"/>
+              <a:rPr lang="en-US" dirty="0" err="1"/>
               <a:t>cso</a:t>
             </a:r>
             <a:r>
@@ -14716,7 +13524,7 @@
               <a:t>-staff mailing list at </a:t>
             </a:r>
             <a:r>
-              <a:rPr lang="en-US" u="sng" dirty="0" err="1" smtClean="0">
+              <a:rPr lang="en-US" u="sng" dirty="0" err="1">
                 <a:solidFill>
                   <a:schemeClr val="accent1"/>
                 </a:solidFill>
@@ -14734,14 +13542,9 @@
               <a:buNone/>
             </a:pPr>
             <a:r>
-              <a:rPr lang="en-US" dirty="0" smtClean="0"/>
-              <a:t>	- Include your name, your GitHub username, and your NYU </a:t>
-            </a:r>
-            <a:r>
-              <a:rPr lang="en-US" dirty="0" err="1" smtClean="0"/>
-              <a:t>NetID</a:t>
-            </a:r>
-            <a:endParaRPr lang="en-US" dirty="0"/>
+              <a:rPr lang="en-US" dirty="0"/>
+              <a:t>	</a:t>
+            </a:r>
           </a:p>
         </p:txBody>
       </p:sp>
@@ -14806,14 +13609,9 @@
           <a:lstStyle/>
           <a:p>
             <a:r>
-              <a:rPr lang="en-US" dirty="0" smtClean="0"/>
-              <a:t>If you want more personal </a:t>
-            </a:r>
-            <a:r>
-              <a:rPr lang="en-US" smtClean="0"/>
-              <a:t>tutorial or question answering</a:t>
-            </a:r>
-            <a:endParaRPr lang="en-US"/>
+              <a:rPr lang="en-US" dirty="0"/>
+              <a:t>If you want more personal question answering</a:t>
+            </a:r>
           </a:p>
         </p:txBody>
       </p:sp>
@@ -14834,7 +13632,7 @@
           <a:p>
             <a:fld id="{2EF37834-DECA-D44B-90BD-9C7AAAF5A0F7}" type="slidenum">
               <a:rPr lang="en-US" smtClean="0"/>
-              <a:t>6</a:t>
+              <a:t>5</a:t>
             </a:fld>
             <a:endParaRPr lang="en-US"/>
           </a:p>
@@ -14850,13 +13648,195 @@
   <p:clrMapOvr>
     <a:masterClrMapping/>
   </p:clrMapOvr>
-  <p:timing>
-    <p:tnLst>
-      <p:par>
-        <p:cTn id="1" dur="indefinite" restart="never" nodeType="tmRoot"/>
-      </p:par>
-    </p:tnLst>
-  </p:timing>
+</p:sld>
+</file>
+
+<file path=ppt/slides/slide6.xml><?xml version="1.0" encoding="utf-8"?>
+<p:sld xmlns:a="http://schemas.openxmlformats.org/drawingml/2006/main" xmlns:r="http://schemas.openxmlformats.org/officeDocument/2006/relationships" xmlns:p="http://schemas.openxmlformats.org/presentationml/2006/main">
+  <p:cSld>
+    <p:spTree>
+      <p:nvGrpSpPr>
+        <p:cNvPr id="1" name=""/>
+        <p:cNvGrpSpPr/>
+        <p:nvPr/>
+      </p:nvGrpSpPr>
+      <p:grpSpPr>
+        <a:xfrm>
+          <a:off x="0" y="0"/>
+          <a:ext cx="0" cy="0"/>
+          <a:chOff x="0" y="0"/>
+          <a:chExt cx="0" cy="0"/>
+        </a:xfrm>
+      </p:grpSpPr>
+      <p:sp>
+        <p:nvSpPr>
+          <p:cNvPr id="2" name="Title 1"/>
+          <p:cNvSpPr>
+            <a:spLocks noGrp="1"/>
+          </p:cNvSpPr>
+          <p:nvPr>
+            <p:ph type="title"/>
+          </p:nvPr>
+        </p:nvSpPr>
+        <p:spPr/>
+        <p:txBody>
+          <a:bodyPr/>
+          <a:lstStyle/>
+          <a:p>
+            <a:r>
+              <a:rPr lang="en-US" dirty="0"/>
+              <a:t>How are we going to proceed?</a:t>
+            </a:r>
+          </a:p>
+        </p:txBody>
+      </p:sp>
+      <p:sp>
+        <p:nvSpPr>
+          <p:cNvPr id="3" name="Content Placeholder 2"/>
+          <p:cNvSpPr>
+            <a:spLocks noGrp="1"/>
+          </p:cNvSpPr>
+          <p:nvPr>
+            <p:ph idx="1"/>
+          </p:nvPr>
+        </p:nvSpPr>
+        <p:spPr/>
+        <p:txBody>
+          <a:bodyPr/>
+          <a:lstStyle/>
+          <a:p>
+            <a:r>
+              <a:rPr lang="en-US" dirty="0"/>
+              <a:t>For the first two weeks, we will focus on lab setups, usage of basic tools, etc.</a:t>
+            </a:r>
+          </a:p>
+          <a:p>
+            <a:pPr lvl="1">
+              <a:buFontTx/>
+              <a:buChar char="-"/>
+            </a:pPr>
+            <a:r>
+              <a:rPr lang="en-US" dirty="0"/>
+              <a:t>Today we will cover lab setup related setups</a:t>
+            </a:r>
+          </a:p>
+          <a:p>
+            <a:pPr lvl="1">
+              <a:buFontTx/>
+              <a:buChar char="-"/>
+            </a:pPr>
+            <a:r>
+              <a:rPr lang="en-US" dirty="0"/>
+              <a:t>Next recitation will cover programming tools </a:t>
+            </a:r>
+          </a:p>
+          <a:p>
+            <a:pPr>
+              <a:buFontTx/>
+              <a:buChar char="-"/>
+            </a:pPr>
+            <a:r>
+              <a:rPr lang="en-US" dirty="0"/>
+              <a:t>From next week</a:t>
+            </a:r>
+          </a:p>
+          <a:p>
+            <a:pPr lvl="1">
+              <a:buFontTx/>
+              <a:buChar char="-"/>
+            </a:pPr>
+            <a:r>
+              <a:rPr lang="en-US" dirty="0"/>
+              <a:t>We will review weekly assessment, reinforce some course contents, exercises to prepare for your labs</a:t>
+            </a:r>
+          </a:p>
+          <a:p>
+            <a:r>
+              <a:rPr lang="en-US" dirty="0"/>
+              <a:t>Weekly assessments will be </a:t>
+            </a:r>
+            <a:r>
+              <a:rPr lang="en-US" dirty="0">
+                <a:solidFill>
+                  <a:srgbClr val="FFCBE7"/>
+                </a:solidFill>
+              </a:rPr>
+              <a:t>due Friday 9pm EST</a:t>
+            </a:r>
+          </a:p>
+          <a:p>
+            <a:pPr lvl="1">
+              <a:buFontTx/>
+              <a:buChar char="-"/>
+            </a:pPr>
+            <a:r>
+              <a:rPr lang="en-US" dirty="0"/>
+              <a:t> Done on </a:t>
+            </a:r>
+            <a:r>
+              <a:rPr lang="en-US" dirty="0" err="1">
+                <a:solidFill>
+                  <a:schemeClr val="accent4">
+                    <a:lumMod val="60000"/>
+                    <a:lumOff val="40000"/>
+                  </a:schemeClr>
+                </a:solidFill>
+              </a:rPr>
+              <a:t>Gradescope</a:t>
+            </a:r>
+            <a:r>
+              <a:rPr lang="en-US" dirty="0"/>
+              <a:t>, do it early</a:t>
+            </a:r>
+          </a:p>
+          <a:p>
+            <a:pPr lvl="1">
+              <a:buFontTx/>
+              <a:buChar char="-"/>
+            </a:pPr>
+            <a:r>
+              <a:rPr lang="en-US" dirty="0"/>
+              <a:t> No late submission</a:t>
+            </a:r>
+          </a:p>
+          <a:p>
+            <a:endParaRPr lang="en-US" dirty="0"/>
+          </a:p>
+        </p:txBody>
+      </p:sp>
+      <p:sp>
+        <p:nvSpPr>
+          <p:cNvPr id="4" name="Slide Number Placeholder 3"/>
+          <p:cNvSpPr>
+            <a:spLocks noGrp="1"/>
+          </p:cNvSpPr>
+          <p:nvPr>
+            <p:ph type="sldNum" sz="quarter" idx="12"/>
+          </p:nvPr>
+        </p:nvSpPr>
+        <p:spPr/>
+        <p:txBody>
+          <a:bodyPr/>
+          <a:lstStyle/>
+          <a:p>
+            <a:fld id="{2EF37834-DECA-D44B-90BD-9C7AAAF5A0F7}" type="slidenum">
+              <a:rPr lang="en-US" smtClean="0"/>
+              <a:t>6</a:t>
+            </a:fld>
+            <a:endParaRPr lang="en-US"/>
+          </a:p>
+        </p:txBody>
+      </p:sp>
+    </p:spTree>
+    <p:extLst>
+      <p:ext uri="{BB962C8B-B14F-4D97-AF65-F5344CB8AC3E}">
+        <p14:creationId xmlns:p14="http://schemas.microsoft.com/office/powerpoint/2010/main" val="1306031582"/>
+      </p:ext>
+    </p:extLst>
+  </p:cSld>
+  <p:clrMapOvr>
+    <a:masterClrMapping/>
+  </p:clrMapOvr>
 </p:sld>
 </file>
 
@@ -14893,10 +13873,9 @@
           <a:lstStyle/>
           <a:p>
             <a:r>
-              <a:rPr lang="en-US" dirty="0" smtClean="0"/>
-              <a:t>How are we going to proceed?</a:t>
-            </a:r>
-            <a:endParaRPr lang="en-US" dirty="0"/>
+              <a:rPr lang="en-US" dirty="0"/>
+              <a:t>Academic Integrity</a:t>
+            </a:r>
           </a:p>
         </p:txBody>
       </p:sp>
@@ -14910,103 +13889,120 @@
             <p:ph idx="1"/>
           </p:nvPr>
         </p:nvSpPr>
-        <p:spPr/>
-        <p:txBody>
-          <a:bodyPr/>
-          <a:lstStyle/>
-          <a:p>
-            <a:r>
-              <a:rPr lang="en-US" dirty="0" smtClean="0"/>
-              <a:t>For the first two weeks, we will focus on environment setups, usage of basic tools, etc.</a:t>
+        <p:spPr>
+          <a:xfrm>
+            <a:off x="396240" y="1825625"/>
+            <a:ext cx="11628120" cy="4351338"/>
+          </a:xfrm>
+        </p:spPr>
+        <p:txBody>
+          <a:bodyPr/>
+          <a:lstStyle/>
+          <a:p>
+            <a:pPr>
+              <a:lnSpc>
+                <a:spcPct val="100000"/>
+              </a:lnSpc>
+              <a:spcBef>
+                <a:spcPts val="0"/>
+              </a:spcBef>
+            </a:pPr>
+            <a:r>
+              <a:rPr lang="en-US" dirty="0"/>
+              <a:t>All work must be your own </a:t>
+            </a:r>
+            <a:r>
+              <a:rPr lang="mr-IN" dirty="0"/>
+              <a:t>–</a:t>
+            </a:r>
+            <a:r>
+              <a:rPr lang="en-US" dirty="0"/>
+              <a:t> do not copy or even look at assignments done by others</a:t>
             </a:r>
           </a:p>
           <a:p>
             <a:pPr lvl="1">
+              <a:lnSpc>
+                <a:spcPct val="100000"/>
+              </a:lnSpc>
+              <a:spcBef>
+                <a:spcPts val="0"/>
+              </a:spcBef>
               <a:buFontTx/>
               <a:buChar char="-"/>
             </a:pPr>
             <a:r>
-              <a:rPr lang="en-US" dirty="0" smtClean="0"/>
-              <a:t>Today we will cover environment related setups</a:t>
+              <a:rPr lang="en-US" dirty="0"/>
+              <a:t>Don’t ask </a:t>
+            </a:r>
+            <a:r>
+              <a:rPr lang="en-US" dirty="0" err="1"/>
+              <a:t>StackOverflow</a:t>
+            </a:r>
+            <a:r>
+              <a:rPr lang="en-US" dirty="0"/>
+              <a:t> or </a:t>
+            </a:r>
+            <a:r>
+              <a:rPr lang="en-US" dirty="0" err="1"/>
+              <a:t>Chegg</a:t>
+            </a:r>
+            <a:r>
+              <a:rPr lang="en-US" dirty="0"/>
+              <a:t> for help </a:t>
+            </a:r>
+            <a:r>
+              <a:rPr lang="mr-IN" dirty="0"/>
+              <a:t>-</a:t>
+            </a:r>
+            <a:r>
+              <a:rPr lang="en-US" dirty="0"/>
+              <a:t> if you need it, ask us!</a:t>
             </a:r>
           </a:p>
           <a:p>
             <a:pPr lvl="1">
+              <a:lnSpc>
+                <a:spcPct val="100000"/>
+              </a:lnSpc>
+              <a:spcBef>
+                <a:spcPts val="0"/>
+              </a:spcBef>
               <a:buFontTx/>
               <a:buChar char="-"/>
             </a:pPr>
             <a:r>
-              <a:rPr lang="en-US" dirty="0" smtClean="0"/>
-              <a:t>Next recitation will cover programming tools (6 labs, bonus)</a:t>
-            </a:r>
-          </a:p>
-          <a:p>
-            <a:r>
-              <a:rPr lang="en-US" dirty="0" smtClean="0"/>
-              <a:t>From the third week</a:t>
-            </a:r>
-          </a:p>
-          <a:p>
-            <a:pPr lvl="1">
-              <a:buFontTx/>
-              <a:buChar char="-"/>
+              <a:rPr lang="en-US" dirty="0"/>
+              <a:t>Don’t hire someone to do your work for you</a:t>
+            </a:r>
+          </a:p>
+          <a:p>
+            <a:pPr>
+              <a:lnSpc>
+                <a:spcPct val="100000"/>
+              </a:lnSpc>
+              <a:spcBef>
+                <a:spcPts val="0"/>
+              </a:spcBef>
             </a:pPr>
             <a:r>
-              <a:rPr lang="en-US" dirty="0" smtClean="0"/>
-              <a:t>We will review weekly assessment, reinforce some course contents, exercises to prepare for your labs</a:t>
-            </a:r>
-          </a:p>
-          <a:p>
-            <a:r>
-              <a:rPr lang="en-US" dirty="0" smtClean="0"/>
-              <a:t>Weekly assessments will be </a:t>
-            </a:r>
-            <a:r>
-              <a:rPr lang="en-US" dirty="0" smtClean="0">
-                <a:solidFill>
-                  <a:srgbClr val="FFCBE7"/>
-                </a:solidFill>
-              </a:rPr>
-              <a:t>due Friday 9pm EST</a:t>
-            </a:r>
-          </a:p>
-          <a:p>
-            <a:pPr lvl="1">
-              <a:buFontTx/>
-              <a:buChar char="-"/>
+              <a:rPr lang="en-US" dirty="0"/>
+              <a:t>We reserve the right to use software plagiarism detection tools such as Moss</a:t>
+            </a:r>
+          </a:p>
+          <a:p>
+            <a:pPr>
+              <a:lnSpc>
+                <a:spcPct val="100000"/>
+              </a:lnSpc>
+              <a:spcBef>
+                <a:spcPts val="0"/>
+              </a:spcBef>
             </a:pPr>
             <a:r>
-              <a:rPr lang="en-US" dirty="0" smtClean="0"/>
-              <a:t> Done on </a:t>
-            </a:r>
-            <a:r>
-              <a:rPr lang="en-US" dirty="0" err="1" smtClean="0">
-                <a:solidFill>
-                  <a:schemeClr val="accent4">
-                    <a:lumMod val="60000"/>
-                    <a:lumOff val="40000"/>
-                  </a:schemeClr>
-                </a:solidFill>
-              </a:rPr>
-              <a:t>Gradescope</a:t>
-            </a:r>
-            <a:r>
-              <a:rPr lang="en-US" dirty="0" smtClean="0"/>
-              <a:t>, do it early</a:t>
-            </a:r>
-          </a:p>
-          <a:p>
-            <a:pPr lvl="1">
-              <a:buFontTx/>
-              <a:buChar char="-"/>
-            </a:pPr>
-            <a:r>
-              <a:rPr lang="en-US" dirty="0" smtClean="0"/>
-              <a:t> No late submission</a:t>
-            </a:r>
-          </a:p>
-          <a:p>
-            <a:endParaRPr lang="en-US" dirty="0"/>
+              <a:rPr lang="en-US" dirty="0"/>
+              <a:t>It’s not worth the risk, just don’t cheat and make us sad</a:t>
+            </a:r>
           </a:p>
         </p:txBody>
       </p:sp>
@@ -15036,20 +14032,13 @@
     </p:spTree>
     <p:extLst>
       <p:ext uri="{BB962C8B-B14F-4D97-AF65-F5344CB8AC3E}">
-        <p14:creationId xmlns:p14="http://schemas.microsoft.com/office/powerpoint/2010/main" val="1306031582"/>
+        <p14:creationId xmlns:p14="http://schemas.microsoft.com/office/powerpoint/2010/main" val="389456367"/>
       </p:ext>
     </p:extLst>
   </p:cSld>
   <p:clrMapOvr>
     <a:masterClrMapping/>
   </p:clrMapOvr>
-  <p:timing>
-    <p:tnLst>
-      <p:par>
-        <p:cTn id="1" dur="indefinite" restart="never" nodeType="tmRoot"/>
-      </p:par>
-    </p:tnLst>
-  </p:timing>
 </p:sld>
 </file>
 
@@ -15072,7 +14061,7 @@
       </p:grpSpPr>
       <p:sp>
         <p:nvSpPr>
-          <p:cNvPr id="2" name="Title 1"/>
+          <p:cNvPr id="4" name="Title 3"/>
           <p:cNvSpPr>
             <a:spLocks noGrp="1"/>
           </p:cNvSpPr>
@@ -15086,139 +14075,41 @@
           <a:lstStyle/>
           <a:p>
             <a:r>
-              <a:rPr lang="en-US" dirty="0" smtClean="0"/>
-              <a:t>Academic Integrity</a:t>
-            </a:r>
-            <a:endParaRPr lang="en-US" dirty="0"/>
-          </a:p>
-        </p:txBody>
-      </p:sp>
-      <p:sp>
-        <p:nvSpPr>
-          <p:cNvPr id="3" name="Content Placeholder 2"/>
-          <p:cNvSpPr>
-            <a:spLocks noGrp="1"/>
-          </p:cNvSpPr>
-          <p:nvPr>
-            <p:ph idx="1"/>
-          </p:nvPr>
-        </p:nvSpPr>
-        <p:spPr/>
-        <p:txBody>
-          <a:bodyPr/>
-          <a:lstStyle/>
-          <a:p>
-            <a:pPr>
-              <a:lnSpc>
-                <a:spcPct val="100000"/>
-              </a:lnSpc>
-              <a:spcBef>
-                <a:spcPts val="0"/>
-              </a:spcBef>
-            </a:pPr>
-            <a:r>
-              <a:rPr lang="en-US" dirty="0" smtClean="0"/>
-              <a:t>All work must be your own </a:t>
-            </a:r>
-            <a:r>
-              <a:rPr lang="mr-IN" dirty="0" smtClean="0"/>
-              <a:t>–</a:t>
-            </a:r>
-            <a:r>
-              <a:rPr lang="en-US" dirty="0" smtClean="0"/>
-              <a:t> do not copy or even look at assignments done by others</a:t>
-            </a:r>
-          </a:p>
-          <a:p>
-            <a:pPr lvl="1">
-              <a:lnSpc>
-                <a:spcPct val="100000"/>
-              </a:lnSpc>
-              <a:spcBef>
-                <a:spcPts val="0"/>
-              </a:spcBef>
-              <a:buFontTx/>
-              <a:buChar char="-"/>
-            </a:pPr>
-            <a:r>
-              <a:rPr lang="en-US" dirty="0" smtClean="0"/>
-              <a:t>Don’t ask </a:t>
-            </a:r>
-            <a:r>
-              <a:rPr lang="en-US" dirty="0" err="1" smtClean="0"/>
-              <a:t>StackOverflow</a:t>
-            </a:r>
-            <a:r>
-              <a:rPr lang="en-US" dirty="0" smtClean="0"/>
-              <a:t> or </a:t>
-            </a:r>
-            <a:r>
-              <a:rPr lang="en-US" dirty="0" err="1" smtClean="0"/>
-              <a:t>Chegg</a:t>
-            </a:r>
-            <a:r>
-              <a:rPr lang="en-US" dirty="0" smtClean="0"/>
-              <a:t> for help </a:t>
-            </a:r>
-            <a:r>
-              <a:rPr lang="mr-IN" dirty="0" smtClean="0"/>
-              <a:t>-</a:t>
-            </a:r>
-            <a:r>
-              <a:rPr lang="en-US" dirty="0" smtClean="0"/>
-              <a:t> if you need it, ask us!</a:t>
-            </a:r>
-          </a:p>
-          <a:p>
-            <a:pPr lvl="1">
-              <a:lnSpc>
-                <a:spcPct val="100000"/>
-              </a:lnSpc>
-              <a:spcBef>
-                <a:spcPts val="0"/>
-              </a:spcBef>
-              <a:buFontTx/>
-              <a:buChar char="-"/>
-            </a:pPr>
-            <a:r>
-              <a:rPr lang="en-US" dirty="0" smtClean="0"/>
-              <a:t>Don’t hire someone to do your work for you</a:t>
-            </a:r>
-          </a:p>
-          <a:p>
-            <a:pPr>
-              <a:lnSpc>
-                <a:spcPct val="100000"/>
-              </a:lnSpc>
-              <a:spcBef>
-                <a:spcPts val="0"/>
-              </a:spcBef>
-            </a:pPr>
-            <a:r>
-              <a:rPr lang="en-US" dirty="0" smtClean="0"/>
-              <a:t>We reserve the right to use software plagiarism detection tools such as Moss</a:t>
-            </a:r>
-          </a:p>
-          <a:p>
-            <a:pPr>
-              <a:lnSpc>
-                <a:spcPct val="100000"/>
-              </a:lnSpc>
-              <a:spcBef>
-                <a:spcPts val="0"/>
-              </a:spcBef>
-            </a:pPr>
-            <a:r>
-              <a:rPr lang="en-US" dirty="0" smtClean="0"/>
-              <a:t>It’s not worth the risk, just don’t cheat and make us sad</a:t>
-            </a:r>
-            <a:endParaRPr lang="en-US" dirty="0"/>
-          </a:p>
-        </p:txBody>
-      </p:sp>
-      <p:sp>
-        <p:nvSpPr>
-          <p:cNvPr id="4" name="Slide Number Placeholder 3"/>
+              <a:rPr lang="en-US" dirty="0">
+                <a:solidFill>
+                  <a:schemeClr val="accent1"/>
+                </a:solidFill>
+              </a:rPr>
+              <a:t>Getting Started</a:t>
+            </a:r>
+          </a:p>
+        </p:txBody>
+      </p:sp>
+      <p:sp>
+        <p:nvSpPr>
+          <p:cNvPr id="5" name="Text Placeholder 4"/>
+          <p:cNvSpPr>
+            <a:spLocks noGrp="1"/>
+          </p:cNvSpPr>
+          <p:nvPr>
+            <p:ph type="body" idx="1"/>
+          </p:nvPr>
+        </p:nvSpPr>
+        <p:spPr/>
+        <p:txBody>
+          <a:bodyPr/>
+          <a:lstStyle/>
+          <a:p>
+            <a:r>
+              <a:rPr lang="en-US" dirty="0"/>
+              <a:t>Important things you must do</a:t>
+            </a:r>
+          </a:p>
+        </p:txBody>
+      </p:sp>
+      <p:sp>
+        <p:nvSpPr>
+          <p:cNvPr id="2" name="Slide Number Placeholder 1"/>
           <p:cNvSpPr>
             <a:spLocks noGrp="1"/>
           </p:cNvSpPr>
@@ -15242,20 +14133,13 @@
     </p:spTree>
     <p:extLst>
       <p:ext uri="{BB962C8B-B14F-4D97-AF65-F5344CB8AC3E}">
-        <p14:creationId xmlns:p14="http://schemas.microsoft.com/office/powerpoint/2010/main" val="389456367"/>
+        <p14:creationId xmlns:p14="http://schemas.microsoft.com/office/powerpoint/2010/main" val="1919135587"/>
       </p:ext>
     </p:extLst>
   </p:cSld>
   <p:clrMapOvr>
     <a:masterClrMapping/>
   </p:clrMapOvr>
-  <p:timing>
-    <p:tnLst>
-      <p:par>
-        <p:cTn id="1" dur="indefinite" restart="never" nodeType="tmRoot"/>
-      </p:par>
-    </p:tnLst>
-  </p:timing>
 </p:sld>
 </file>
 
@@ -15278,7 +14162,7 @@
       </p:grpSpPr>
       <p:sp>
         <p:nvSpPr>
-          <p:cNvPr id="4" name="Title 3"/>
+          <p:cNvPr id="2" name="Title 1"/>
           <p:cNvSpPr>
             <a:spLocks noGrp="1"/>
           </p:cNvSpPr>
@@ -15292,47 +14176,85 @@
           <a:lstStyle/>
           <a:p>
             <a:r>
-              <a:rPr lang="en-US" dirty="0" smtClean="0">
-                <a:solidFill>
-                  <a:schemeClr val="accent1"/>
-                </a:solidFill>
-              </a:rPr>
-              <a:t>Getting Started</a:t>
-            </a:r>
-            <a:endParaRPr lang="en-US" dirty="0">
-              <a:solidFill>
-                <a:schemeClr val="accent1"/>
-              </a:solidFill>
-            </a:endParaRPr>
-          </a:p>
-        </p:txBody>
-      </p:sp>
-      <p:sp>
-        <p:nvSpPr>
-          <p:cNvPr id="5" name="Text Placeholder 4"/>
-          <p:cNvSpPr>
-            <a:spLocks noGrp="1"/>
-          </p:cNvSpPr>
-          <p:nvPr>
-            <p:ph type="body" idx="1"/>
-          </p:nvPr>
-        </p:nvSpPr>
-        <p:spPr/>
-        <p:txBody>
-          <a:bodyPr/>
-          <a:lstStyle/>
-          <a:p>
-            <a:r>
-              <a:rPr lang="en-US" dirty="0" smtClean="0"/>
-              <a:t>Important things you must do</a:t>
-            </a:r>
-            <a:endParaRPr lang="en-US" dirty="0"/>
-          </a:p>
-        </p:txBody>
-      </p:sp>
-      <p:sp>
-        <p:nvSpPr>
-          <p:cNvPr id="2" name="Slide Number Placeholder 1"/>
+              <a:rPr lang="en-US" dirty="0"/>
+              <a:t>Today’s Topics</a:t>
+            </a:r>
+          </a:p>
+        </p:txBody>
+      </p:sp>
+      <p:sp>
+        <p:nvSpPr>
+          <p:cNvPr id="3" name="Content Placeholder 2"/>
+          <p:cNvSpPr>
+            <a:spLocks noGrp="1"/>
+          </p:cNvSpPr>
+          <p:nvPr>
+            <p:ph idx="1"/>
+          </p:nvPr>
+        </p:nvSpPr>
+        <p:spPr/>
+        <p:txBody>
+          <a:bodyPr/>
+          <a:lstStyle/>
+          <a:p>
+            <a:r>
+              <a:rPr lang="en-US" dirty="0"/>
+              <a:t>Log into snappy1</a:t>
+            </a:r>
+          </a:p>
+          <a:p>
+            <a:r>
+              <a:rPr lang="en-US" dirty="0"/>
+              <a:t>Setting up your </a:t>
+            </a:r>
+            <a:r>
+              <a:rPr lang="en-US" dirty="0" err="1"/>
+              <a:t>git</a:t>
+            </a:r>
+            <a:r>
+              <a:rPr lang="en-US" dirty="0"/>
+              <a:t> repositories</a:t>
+            </a:r>
+          </a:p>
+          <a:p>
+            <a:r>
+              <a:rPr lang="en-US" dirty="0"/>
+              <a:t>Basic Unix commands</a:t>
+            </a:r>
+          </a:p>
+          <a:p>
+            <a:r>
+              <a:rPr lang="en-US" dirty="0"/>
+              <a:t>Program development</a:t>
+            </a:r>
+          </a:p>
+          <a:p>
+            <a:pPr lvl="1"/>
+            <a:r>
+              <a:rPr lang="en-US" dirty="0"/>
+              <a:t>Editor (Sublime)</a:t>
+            </a:r>
+          </a:p>
+          <a:p>
+            <a:pPr lvl="1"/>
+            <a:r>
+              <a:rPr lang="en-US" dirty="0"/>
+              <a:t>Version control (</a:t>
+            </a:r>
+            <a:r>
+              <a:rPr lang="en-US" dirty="0" err="1"/>
+              <a:t>Git</a:t>
+            </a:r>
+            <a:r>
+              <a:rPr lang="en-US" dirty="0"/>
+              <a:t>)</a:t>
+            </a:r>
+          </a:p>
+        </p:txBody>
+      </p:sp>
+      <p:sp>
+        <p:nvSpPr>
+          <p:cNvPr id="4" name="Slide Number Placeholder 3"/>
           <p:cNvSpPr>
             <a:spLocks noGrp="1"/>
           </p:cNvSpPr>
@@ -15356,20 +14278,13 @@
     </p:spTree>
     <p:extLst>
       <p:ext uri="{BB962C8B-B14F-4D97-AF65-F5344CB8AC3E}">
-        <p14:creationId xmlns:p14="http://schemas.microsoft.com/office/powerpoint/2010/main" val="1919135587"/>
+        <p14:creationId xmlns:p14="http://schemas.microsoft.com/office/powerpoint/2010/main" val="1759529970"/>
       </p:ext>
     </p:extLst>
   </p:cSld>
   <p:clrMapOvr>
     <a:masterClrMapping/>
   </p:clrMapOvr>
-  <p:timing>
-    <p:tnLst>
-      <p:par>
-        <p:cTn id="1" dur="indefinite" restart="never" nodeType="tmRoot"/>
-      </p:par>
-    </p:tnLst>
-  </p:timing>
 </p:sld>
 </file>
 

--- a/rec-notes/r01.pptx
+++ b/rec-notes/r01.pptx
@@ -6647,40 +6647,69 @@
           <a:p>
             <a:r>
               <a:rPr lang="en-US" dirty="0"/>
-              <a:t>Here is a link contains useful command, for both beginners and experienced users:</a:t>
+              <a:t>Here are some useful links:</a:t>
             </a:r>
           </a:p>
           <a:p>
             <a:pPr lvl="1"/>
             <a:r>
+              <a:rPr lang="en-US" dirty="0"/>
+              <a:t>A one-pager: https://</a:t>
+            </a:r>
+            <a:r>
+              <a:rPr lang="en-US" dirty="0" err="1"/>
+              <a:t>nyu-cso.github.io</a:t>
+            </a:r>
+            <a:r>
+              <a:rPr lang="en-US" dirty="0"/>
+              <a:t>/labs/</a:t>
+            </a:r>
+            <a:r>
+              <a:rPr lang="en-US" dirty="0" err="1"/>
+              <a:t>linux_cheat_sheet</a:t>
+            </a:r>
+            <a:endParaRPr lang="en-US" dirty="0"/>
+          </a:p>
+          <a:p>
+            <a:pPr lvl="1"/>
+            <a:r>
               <a:rPr lang="en-US" dirty="0">
-                <a:hlinkClick r:id="rId3"/>
+                <a:hlinkClick r:id="rId3">
+                  <a:extLst>
+                    <a:ext uri="{A12FA001-AC4F-418D-AE19-62706E023703}">
+                      <ahyp:hlinkClr xmlns:ahyp="http://schemas.microsoft.com/office/drawing/2018/hyperlinkcolor" val="tx"/>
+                    </a:ext>
+                  </a:extLst>
+                </a:hlinkClick>
               </a:rPr>
-              <a:t>https://</a:t>
-            </a:r>
-            <a:r>
-              <a:rPr lang="en-US" dirty="0" err="1">
-                <a:hlinkClick r:id="rId3"/>
+              <a:t>A more descriptive source</a:t>
+            </a:r>
+            <a:r>
+              <a:rPr lang="en-US" dirty="0">
+                <a:solidFill>
+                  <a:srgbClr val="0563C1"/>
+                </a:solidFill>
+                <a:hlinkClick r:id="rId3">
+                  <a:extLst>
+                    <a:ext uri="{A12FA001-AC4F-418D-AE19-62706E023703}">
+                      <ahyp:hlinkClr xmlns:ahyp="http://schemas.microsoft.com/office/drawing/2018/hyperlinkcolor" val="tx"/>
+                    </a:ext>
+                  </a:extLst>
+                </a:hlinkClick>
               </a:rPr>
-              <a:t>github.com</a:t>
+              <a:t>: https://</a:t>
             </a:r>
             <a:r>
               <a:rPr lang="en-US" dirty="0">
-                <a:hlinkClick r:id="rId3"/>
+                <a:hlinkClick r:id="rId3">
+                  <a:extLst>
+                    <a:ext uri="{A12FA001-AC4F-418D-AE19-62706E023703}">
+                      <ahyp:hlinkClr xmlns:ahyp="http://schemas.microsoft.com/office/drawing/2018/hyperlinkcolor" val="tx"/>
+                    </a:ext>
+                  </a:extLst>
+                </a:hlinkClick>
               </a:rPr>
-              <a:t>/</a:t>
-            </a:r>
-            <a:r>
-              <a:rPr lang="en-US" dirty="0" err="1">
-                <a:hlinkClick r:id="rId3"/>
-              </a:rPr>
-              <a:t>jlevy</a:t>
-            </a:r>
-            <a:r>
-              <a:rPr lang="en-US" dirty="0">
-                <a:hlinkClick r:id="rId3"/>
-              </a:rPr>
-              <a:t>/the-art-of-command-line</a:t>
+              <a:t>github.com/jlevy/the-art-of-command-line</a:t>
             </a:r>
             <a:endParaRPr lang="en-US" dirty="0"/>
           </a:p>
@@ -6772,7 +6801,12 @@
             <p:ph idx="1"/>
           </p:nvPr>
         </p:nvSpPr>
-        <p:spPr/>
+        <p:spPr>
+          <a:xfrm>
+            <a:off x="838200" y="1825625"/>
+            <a:ext cx="10988040" cy="4351338"/>
+          </a:xfrm>
+        </p:spPr>
         <p:txBody>
           <a:bodyPr/>
           <a:lstStyle/>
@@ -6825,14 +6859,29 @@
           <a:p>
             <a:r>
               <a:rPr lang="en-US" dirty="0"/>
-              <a:t>We recommend you use Sublime Text</a:t>
+              <a:t>We recommend you use nano</a:t>
             </a:r>
           </a:p>
           <a:p>
             <a:pPr lvl="1"/>
             <a:r>
               <a:rPr lang="en-US" dirty="0"/>
-              <a:t>Which should be already installed on the VM image</a:t>
+              <a:t>Unfortunately, </a:t>
+            </a:r>
+            <a:r>
+              <a:rPr lang="en-US" dirty="0" err="1"/>
+              <a:t>vscode</a:t>
+            </a:r>
+            <a:r>
+              <a:rPr lang="en-US" dirty="0"/>
+              <a:t> and sublime are not installed on snappy1</a:t>
+            </a:r>
+          </a:p>
+          <a:p>
+            <a:pPr lvl="1"/>
+            <a:r>
+              <a:rPr lang="en-US" dirty="0"/>
+              <a:t>No self-respecting programmers use nano, but you can get by with nano in CSO </a:t>
             </a:r>
           </a:p>
         </p:txBody>
@@ -6957,30 +7006,20 @@
             <a:pPr lvl="1"/>
             <a:r>
               <a:rPr lang="en-US" dirty="0"/>
-              <a:t>Create your lab-1 repository by clicking the link below</a:t>
-            </a:r>
+              <a:t>Create your lab-1 repository by following the link posted on </a:t>
+            </a:r>
+            <a:r>
+              <a:rPr lang="en-US" dirty="0" err="1"/>
+              <a:t>Campuswire</a:t>
+            </a:r>
+            <a:endParaRPr lang="en-US" dirty="0"/>
           </a:p>
           <a:p>
             <a:pPr lvl="2"/>
             <a:r>
-              <a:rPr lang="en-US" u="sng" dirty="0">
-                <a:hlinkClick r:id="rId3"/>
-              </a:rPr>
-              <a:t>https://classroom.github.com/a/RvmnAdGI</a:t>
-            </a:r>
-            <a:endParaRPr lang="en-US" dirty="0"/>
-          </a:p>
-          <a:p>
-            <a:pPr lvl="2"/>
-            <a:r>
-              <a:rPr lang="en-US" dirty="0"/>
-              <a:t>Select your NYU </a:t>
-            </a:r>
-            <a:r>
-              <a:rPr lang="en-US" dirty="0" err="1"/>
-              <a:t>NetID</a:t>
-            </a:r>
-            <a:endParaRPr lang="en-US" dirty="0"/>
+              <a:rPr lang="en-US" dirty="0"/>
+              <a:t>Select your NYU NetID</a:t>
+            </a:r>
           </a:p>
           <a:p>
             <a:pPr lvl="3"/>
@@ -7251,26 +7290,39 @@
                                   </p:childTnLst>
                                 </p:cTn>
                               </p:par>
-                            </p:childTnLst>
-                          </p:cTn>
-                        </p:par>
-                      </p:childTnLst>
-                    </p:cTn>
-                  </p:par>
-                  <p:par>
-                    <p:cTn id="19" fill="hold">
-                      <p:stCondLst>
-                        <p:cond delay="indefinite"/>
-                      </p:stCondLst>
-                      <p:childTnLst>
-                        <p:par>
-                          <p:cTn id="20" fill="hold">
-                            <p:stCondLst>
-                              <p:cond delay="0"/>
-                            </p:stCondLst>
-                            <p:childTnLst>
                               <p:par>
-                                <p:cTn id="21" presetID="1" presetClass="entr" presetSubtype="0" fill="hold" nodeType="clickEffect">
+                                <p:cTn id="19" presetID="1" presetClass="entr" presetSubtype="0" fill="hold" nodeType="withEffect">
+                                  <p:stCondLst>
+                                    <p:cond delay="0"/>
+                                  </p:stCondLst>
+                                  <p:childTnLst>
+                                    <p:set>
+                                      <p:cBhvr>
+                                        <p:cTn id="20" dur="1" fill="hold">
+                                          <p:stCondLst>
+                                            <p:cond delay="0"/>
+                                          </p:stCondLst>
+                                        </p:cTn>
+                                        <p:tgtEl>
+                                          <p:spTgt spid="3">
+                                            <p:txEl>
+                                              <p:pRg st="4" end="4"/>
+                                            </p:txEl>
+                                          </p:spTgt>
+                                        </p:tgtEl>
+                                        <p:attrNameLst>
+                                          <p:attrName>style.visibility</p:attrName>
+                                        </p:attrNameLst>
+                                      </p:cBhvr>
+                                      <p:to>
+                                        <p:strVal val="visible"/>
+                                      </p:to>
+                                    </p:set>
+                                  </p:childTnLst>
+                                </p:cTn>
+                              </p:par>
+                              <p:par>
+                                <p:cTn id="21" presetID="1" presetClass="entr" presetSubtype="0" fill="hold" nodeType="withEffect">
                                   <p:stCondLst>
                                     <p:cond delay="0"/>
                                   </p:stCondLst>
@@ -7285,7 +7337,7 @@
                                         <p:tgtEl>
                                           <p:spTgt spid="3">
                                             <p:txEl>
-                                              <p:pRg st="4" end="4"/>
+                                              <p:pRg st="5" end="5"/>
                                             </p:txEl>
                                           </p:spTgt>
                                         </p:tgtEl>
@@ -7316,69 +7368,7 @@
                                         <p:tgtEl>
                                           <p:spTgt spid="3">
                                             <p:txEl>
-                                              <p:pRg st="5" end="5"/>
-                                            </p:txEl>
-                                          </p:spTgt>
-                                        </p:tgtEl>
-                                        <p:attrNameLst>
-                                          <p:attrName>style.visibility</p:attrName>
-                                        </p:attrNameLst>
-                                      </p:cBhvr>
-                                      <p:to>
-                                        <p:strVal val="visible"/>
-                                      </p:to>
-                                    </p:set>
-                                  </p:childTnLst>
-                                </p:cTn>
-                              </p:par>
-                              <p:par>
-                                <p:cTn id="25" presetID="1" presetClass="entr" presetSubtype="0" fill="hold" nodeType="withEffect">
-                                  <p:stCondLst>
-                                    <p:cond delay="0"/>
-                                  </p:stCondLst>
-                                  <p:childTnLst>
-                                    <p:set>
-                                      <p:cBhvr>
-                                        <p:cTn id="26" dur="1" fill="hold">
-                                          <p:stCondLst>
-                                            <p:cond delay="0"/>
-                                          </p:stCondLst>
-                                        </p:cTn>
-                                        <p:tgtEl>
-                                          <p:spTgt spid="3">
-                                            <p:txEl>
                                               <p:pRg st="6" end="6"/>
-                                            </p:txEl>
-                                          </p:spTgt>
-                                        </p:tgtEl>
-                                        <p:attrNameLst>
-                                          <p:attrName>style.visibility</p:attrName>
-                                        </p:attrNameLst>
-                                      </p:cBhvr>
-                                      <p:to>
-                                        <p:strVal val="visible"/>
-                                      </p:to>
-                                    </p:set>
-                                  </p:childTnLst>
-                                </p:cTn>
-                              </p:par>
-                              <p:par>
-                                <p:cTn id="27" presetID="1" presetClass="entr" presetSubtype="0" fill="hold" nodeType="withEffect">
-                                  <p:stCondLst>
-                                    <p:cond delay="0"/>
-                                  </p:stCondLst>
-                                  <p:childTnLst>
-                                    <p:set>
-                                      <p:cBhvr>
-                                        <p:cTn id="28" dur="1" fill="hold">
-                                          <p:stCondLst>
-                                            <p:cond delay="0"/>
-                                          </p:stCondLst>
-                                        </p:cTn>
-                                        <p:tgtEl>
-                                          <p:spTgt spid="3">
-                                            <p:txEl>
-                                              <p:pRg st="7" end="7"/>
                                             </p:txEl>
                                           </p:spTgt>
                                         </p:tgtEl>
@@ -7400,26 +7390,26 @@
                     </p:cTn>
                   </p:par>
                   <p:par>
-                    <p:cTn id="29" fill="hold">
+                    <p:cTn id="25" fill="hold">
                       <p:stCondLst>
                         <p:cond delay="indefinite"/>
                       </p:stCondLst>
                       <p:childTnLst>
                         <p:par>
-                          <p:cTn id="30" fill="hold">
+                          <p:cTn id="26" fill="hold">
                             <p:stCondLst>
                               <p:cond delay="0"/>
                             </p:stCondLst>
                             <p:childTnLst>
                               <p:par>
-                                <p:cTn id="31" presetID="1" presetClass="entr" presetSubtype="0" fill="hold" nodeType="clickEffect">
+                                <p:cTn id="27" presetID="1" presetClass="entr" presetSubtype="0" fill="hold" nodeType="clickEffect">
                                   <p:stCondLst>
                                     <p:cond delay="0"/>
                                   </p:stCondLst>
                                   <p:childTnLst>
                                     <p:set>
                                       <p:cBhvr>
-                                        <p:cTn id="32" dur="1" fill="hold">
+                                        <p:cTn id="28" dur="1" fill="hold">
                                           <p:stCondLst>
                                             <p:cond delay="0"/>
                                           </p:stCondLst>
@@ -7427,7 +7417,7 @@
                                         <p:tgtEl>
                                           <p:spTgt spid="3">
                                             <p:txEl>
-                                              <p:pRg st="8" end="8"/>
+                                              <p:pRg st="7" end="7"/>
                                             </p:txEl>
                                           </p:spTgt>
                                         </p:tgtEl>
@@ -10060,20 +10050,12 @@
           <a:p>
             <a:pPr lvl="1"/>
             <a:r>
-              <a:rPr lang="en-US" dirty="0" err="1">
-                <a:solidFill>
-                  <a:schemeClr val="accent1"/>
-                </a:solidFill>
-              </a:rPr>
-              <a:t>git</a:t>
-            </a:r>
-            <a:r>
               <a:rPr lang="en-US" dirty="0">
                 <a:solidFill>
                   <a:schemeClr val="accent1"/>
                 </a:solidFill>
               </a:rPr>
-              <a:t> clone https://</a:t>
+              <a:t>git clone https://</a:t>
             </a:r>
             <a:r>
               <a:rPr lang="en-US" dirty="0" err="1">
@@ -10089,7 +10071,7 @@
                   <a:schemeClr val="accent1"/>
                 </a:solidFill>
               </a:rPr>
-              <a:t>/nyu-cso-fa20/clab-part1-&lt;</a:t>
+              <a:t>/nyu-cso-fa21/clab-part1-&lt;</a:t>
             </a:r>
             <a:r>
               <a:rPr lang="en-US" dirty="0" err="1">
@@ -10105,23 +10087,7 @@
                   <a:schemeClr val="accent1"/>
                 </a:solidFill>
               </a:rPr>
-              <a:t>&gt;.</a:t>
-            </a:r>
-            <a:r>
-              <a:rPr lang="en-US" dirty="0" err="1">
-                <a:solidFill>
-                  <a:schemeClr val="accent1"/>
-                </a:solidFill>
-              </a:rPr>
-              <a:t>git</a:t>
-            </a:r>
-            <a:r>
-              <a:rPr lang="en-US" dirty="0">
-                <a:solidFill>
-                  <a:schemeClr val="accent1"/>
-                </a:solidFill>
-              </a:rPr>
-              <a:t> lab1</a:t>
+              <a:t>&gt;.git lab1</a:t>
             </a:r>
           </a:p>
           <a:p>
@@ -10401,6 +10367,112 @@
           </a:p>
         </p:txBody>
       </p:sp>
+      <p:cxnSp>
+        <p:nvCxnSpPr>
+          <p:cNvPr id="6" name="Straight Connector 5">
+            <a:extLst>
+              <a:ext uri="{FF2B5EF4-FFF2-40B4-BE49-F238E27FC236}">
+                <a16:creationId xmlns:a16="http://schemas.microsoft.com/office/drawing/2014/main" id="{53AC4F74-9233-9743-BDD8-3A41C4AE750F}"/>
+              </a:ext>
+            </a:extLst>
+          </p:cNvPr>
+          <p:cNvCxnSpPr/>
+          <p:nvPr/>
+        </p:nvCxnSpPr>
+        <p:spPr>
+          <a:xfrm flipV="1">
+            <a:off x="8610600" y="5288280"/>
+            <a:ext cx="914400" cy="369570"/>
+          </a:xfrm>
+          <a:prstGeom prst="line">
+            <a:avLst/>
+          </a:prstGeom>
+        </p:spPr>
+        <p:style>
+          <a:lnRef idx="2">
+            <a:schemeClr val="accent4"/>
+          </a:lnRef>
+          <a:fillRef idx="0">
+            <a:schemeClr val="accent4"/>
+          </a:fillRef>
+          <a:effectRef idx="1">
+            <a:schemeClr val="accent4"/>
+          </a:effectRef>
+          <a:fontRef idx="minor">
+            <a:schemeClr val="tx1"/>
+          </a:fontRef>
+        </p:style>
+      </p:cxnSp>
+      <p:sp>
+        <p:nvSpPr>
+          <p:cNvPr id="7" name="TextBox 6">
+            <a:extLst>
+              <a:ext uri="{FF2B5EF4-FFF2-40B4-BE49-F238E27FC236}">
+                <a16:creationId xmlns:a16="http://schemas.microsoft.com/office/drawing/2014/main" id="{04B8B521-DD46-A243-A7F3-F919D01FF8C4}"/>
+              </a:ext>
+            </a:extLst>
+          </p:cNvPr>
+          <p:cNvSpPr txBox="1"/>
+          <p:nvPr/>
+        </p:nvSpPr>
+        <p:spPr>
+          <a:xfrm>
+            <a:off x="8728883" y="5641142"/>
+            <a:ext cx="986617" cy="369332"/>
+          </a:xfrm>
+          <a:prstGeom prst="rect">
+            <a:avLst/>
+          </a:prstGeom>
+          <a:noFill/>
+        </p:spPr>
+        <p:txBody>
+          <a:bodyPr wrap="none" rtlCol="0">
+            <a:spAutoFit/>
+          </a:bodyPr>
+          <a:lstStyle/>
+          <a:p>
+            <a:r>
+              <a:rPr lang="en-US" dirty="0"/>
+              <a:t>Snappy1</a:t>
+            </a:r>
+          </a:p>
+        </p:txBody>
+      </p:sp>
+      <p:sp>
+        <p:nvSpPr>
+          <p:cNvPr id="10" name="TextBox 9">
+            <a:extLst>
+              <a:ext uri="{FF2B5EF4-FFF2-40B4-BE49-F238E27FC236}">
+                <a16:creationId xmlns:a16="http://schemas.microsoft.com/office/drawing/2014/main" id="{451A14DE-84C7-F94A-B8E6-32092907B459}"/>
+              </a:ext>
+            </a:extLst>
+          </p:cNvPr>
+          <p:cNvSpPr txBox="1"/>
+          <p:nvPr/>
+        </p:nvSpPr>
+        <p:spPr>
+          <a:xfrm>
+            <a:off x="3106969" y="5641142"/>
+            <a:ext cx="1918154" cy="369332"/>
+          </a:xfrm>
+          <a:prstGeom prst="rect">
+            <a:avLst/>
+          </a:prstGeom>
+          <a:noFill/>
+        </p:spPr>
+        <p:txBody>
+          <a:bodyPr wrap="none" rtlCol="0">
+            <a:spAutoFit/>
+          </a:bodyPr>
+          <a:lstStyle/>
+          <a:p>
+            <a:r>
+              <a:rPr lang="en-US" dirty="0"/>
+              <a:t>stored on snappy1</a:t>
+            </a:r>
+          </a:p>
+        </p:txBody>
+      </p:sp>
     </p:spTree>
     <p:extLst>
       <p:ext uri="{BB962C8B-B14F-4D97-AF65-F5344CB8AC3E}">
@@ -10441,14 +10513,19 @@
             <p:ph type="title"/>
           </p:nvPr>
         </p:nvSpPr>
-        <p:spPr/>
-        <p:txBody>
-          <a:bodyPr/>
-          <a:lstStyle/>
-          <a:p>
-            <a:r>
-              <a:rPr lang="en-US" dirty="0"/>
-              <a:t>A closer look at your local repository</a:t>
+        <p:spPr>
+          <a:xfrm>
+            <a:off x="274320" y="307419"/>
+            <a:ext cx="11917680" cy="1325563"/>
+          </a:xfrm>
+        </p:spPr>
+        <p:txBody>
+          <a:bodyPr/>
+          <a:lstStyle/>
+          <a:p>
+            <a:r>
+              <a:rPr lang="en-US" dirty="0"/>
+              <a:t>A closer look at your repository stored on snappy1</a:t>
             </a:r>
           </a:p>
         </p:txBody>
@@ -10491,7 +10568,7 @@
         <p:spPr>
           <a:xfrm>
             <a:off x="3714750" y="6149340"/>
-            <a:ext cx="3246120" cy="369332"/>
+            <a:ext cx="4499610" cy="369332"/>
           </a:xfrm>
           <a:prstGeom prst="rect">
             <a:avLst/>
@@ -10506,7 +10583,7 @@
           <a:p>
             <a:r>
               <a:rPr lang="en-US" dirty="0"/>
-              <a:t>Local repository</a:t>
+              <a:t>Local repository stored on snappy1</a:t>
             </a:r>
           </a:p>
         </p:txBody>
@@ -10703,8 +10780,8 @@
         </p:blipFill>
         <p:spPr>
           <a:xfrm>
-            <a:off x="8491220" y="2851973"/>
-            <a:ext cx="2393950" cy="3414684"/>
+            <a:off x="7127208" y="2195545"/>
+            <a:ext cx="3058160" cy="4362100"/>
           </a:xfrm>
           <a:prstGeom prst="rect">
             <a:avLst/>
@@ -10733,7 +10810,7 @@
         </p:blipFill>
         <p:spPr>
           <a:xfrm>
-            <a:off x="7995154" y="498832"/>
+            <a:off x="7117080" y="355330"/>
             <a:ext cx="2896366" cy="1671955"/>
           </a:xfrm>
           <a:prstGeom prst="rect">
@@ -10760,6 +10837,163 @@
               <a:rPr lang="en-US" smtClean="0"/>
               <a:t>25</a:t>
             </a:fld>
+            <a:endParaRPr lang="en-US" dirty="0"/>
+          </a:p>
+        </p:txBody>
+      </p:sp>
+      <p:pic>
+        <p:nvPicPr>
+          <p:cNvPr id="4" name="Picture 3">
+            <a:extLst>
+              <a:ext uri="{FF2B5EF4-FFF2-40B4-BE49-F238E27FC236}">
+                <a16:creationId xmlns:a16="http://schemas.microsoft.com/office/drawing/2014/main" id="{5792FC2C-C008-184D-9DB7-F3B0D13364A9}"/>
+              </a:ext>
+            </a:extLst>
+          </p:cNvPr>
+          <p:cNvPicPr>
+            <a:picLocks noChangeAspect="1"/>
+          </p:cNvPicPr>
+          <p:nvPr/>
+        </p:nvPicPr>
+        <p:blipFill>
+          <a:blip r:embed="rId5"/>
+          <a:stretch>
+            <a:fillRect/>
+          </a:stretch>
+        </p:blipFill>
+        <p:spPr>
+          <a:xfrm>
+            <a:off x="10408855" y="4660937"/>
+            <a:ext cx="1422400" cy="1422400"/>
+          </a:xfrm>
+          <a:prstGeom prst="rect">
+            <a:avLst/>
+          </a:prstGeom>
+        </p:spPr>
+      </p:pic>
+      <p:sp>
+        <p:nvSpPr>
+          <p:cNvPr id="7" name="TextBox 6">
+            <a:extLst>
+              <a:ext uri="{FF2B5EF4-FFF2-40B4-BE49-F238E27FC236}">
+                <a16:creationId xmlns:a16="http://schemas.microsoft.com/office/drawing/2014/main" id="{5653E364-FBB2-504D-B973-F1A30D3D1B7D}"/>
+              </a:ext>
+            </a:extLst>
+          </p:cNvPr>
+          <p:cNvSpPr txBox="1"/>
+          <p:nvPr/>
+        </p:nvSpPr>
+        <p:spPr>
+          <a:xfrm>
+            <a:off x="10281422" y="5942568"/>
+            <a:ext cx="1285608" cy="369332"/>
+          </a:xfrm>
+          <a:prstGeom prst="rect">
+            <a:avLst/>
+          </a:prstGeom>
+          <a:noFill/>
+        </p:spPr>
+        <p:txBody>
+          <a:bodyPr wrap="none" rtlCol="0">
+            <a:spAutoFit/>
+          </a:bodyPr>
+          <a:lstStyle/>
+          <a:p>
+            <a:r>
+              <a:rPr lang="en-US" dirty="0" err="1"/>
+              <a:t>Github.com</a:t>
+            </a:r>
+            <a:endParaRPr lang="en-US" dirty="0"/>
+          </a:p>
+        </p:txBody>
+      </p:sp>
+      <p:sp>
+        <p:nvSpPr>
+          <p:cNvPr id="9" name="Freeform 8">
+            <a:extLst>
+              <a:ext uri="{FF2B5EF4-FFF2-40B4-BE49-F238E27FC236}">
+                <a16:creationId xmlns:a16="http://schemas.microsoft.com/office/drawing/2014/main" id="{71D08F00-937F-4642-AFD2-311E6C8D13A3}"/>
+              </a:ext>
+            </a:extLst>
+          </p:cNvPr>
+          <p:cNvSpPr/>
+          <p:nvPr/>
+        </p:nvSpPr>
+        <p:spPr>
+          <a:xfrm>
+            <a:off x="8333907" y="5852075"/>
+            <a:ext cx="2170969" cy="515229"/>
+          </a:xfrm>
+          <a:custGeom>
+            <a:avLst/>
+            <a:gdLst>
+              <a:gd name="connsiteX0" fmla="*/ 0 w 1905000"/>
+              <a:gd name="connsiteY0" fmla="*/ 0 h 515229"/>
+              <a:gd name="connsiteX1" fmla="*/ 777240 w 1905000"/>
+              <a:gd name="connsiteY1" fmla="*/ 487680 h 515229"/>
+              <a:gd name="connsiteX2" fmla="*/ 1905000 w 1905000"/>
+              <a:gd name="connsiteY2" fmla="*/ 411480 h 515229"/>
+            </a:gdLst>
+            <a:ahLst/>
+            <a:cxnLst>
+              <a:cxn ang="0">
+                <a:pos x="connsiteX0" y="connsiteY0"/>
+              </a:cxn>
+              <a:cxn ang="0">
+                <a:pos x="connsiteX1" y="connsiteY1"/>
+              </a:cxn>
+              <a:cxn ang="0">
+                <a:pos x="connsiteX2" y="connsiteY2"/>
+              </a:cxn>
+            </a:cxnLst>
+            <a:rect l="l" t="t" r="r" b="b"/>
+            <a:pathLst>
+              <a:path w="1905000" h="515229">
+                <a:moveTo>
+                  <a:pt x="0" y="0"/>
+                </a:moveTo>
+                <a:cubicBezTo>
+                  <a:pt x="229870" y="209550"/>
+                  <a:pt x="459740" y="419100"/>
+                  <a:pt x="777240" y="487680"/>
+                </a:cubicBezTo>
+                <a:cubicBezTo>
+                  <a:pt x="1094740" y="556260"/>
+                  <a:pt x="1499870" y="483870"/>
+                  <a:pt x="1905000" y="411480"/>
+                </a:cubicBezTo>
+              </a:path>
+            </a:pathLst>
+          </a:custGeom>
+          <a:noFill/>
+          <a:ln w="101600">
+            <a:solidFill>
+              <a:srgbClr val="FFFF00"/>
+            </a:solidFill>
+            <a:tailEnd type="stealth" w="lg" len="lg"/>
+          </a:ln>
+        </p:spPr>
+        <p:style>
+          <a:lnRef idx="2">
+            <a:schemeClr val="accent1">
+              <a:shade val="50000"/>
+            </a:schemeClr>
+          </a:lnRef>
+          <a:fillRef idx="1">
+            <a:schemeClr val="accent1"/>
+          </a:fillRef>
+          <a:effectRef idx="0">
+            <a:schemeClr val="accent1"/>
+          </a:effectRef>
+          <a:fontRef idx="minor">
+            <a:schemeClr val="lt1"/>
+          </a:fontRef>
+        </p:style>
+        <p:txBody>
+          <a:bodyPr rtlCol="0" anchor="ctr"/>
+          <a:lstStyle/>
+          <a:p>
+            <a:pPr algn="ctr"/>
             <a:endParaRPr lang="en-US"/>
           </a:p>
         </p:txBody>
@@ -10913,7 +11147,7 @@
         </p:spPr>
         <p:txBody>
           <a:bodyPr>
-            <a:normAutofit fontScale="92500"/>
+            <a:normAutofit lnSpcReduction="10000"/>
           </a:bodyPr>
           <a:lstStyle/>
           <a:p>
@@ -10925,7 +11159,7 @@
           <a:p>
             <a:r>
               <a:rPr lang="en-US" dirty="0"/>
-              <a:t>Clone your lab repo locally</a:t>
+              <a:t>Clone your lab repo to snappy1</a:t>
             </a:r>
           </a:p>
           <a:p>
@@ -10946,12 +11180,8 @@
           <a:p>
             <a:pPr lvl="1"/>
             <a:r>
-              <a:rPr lang="en-US" dirty="0" err="1"/>
-              <a:t>git</a:t>
-            </a:r>
-            <a:r>
-              <a:rPr lang="en-US" dirty="0"/>
-              <a:t> clone https://</a:t>
+              <a:rPr lang="en-US" dirty="0"/>
+              <a:t>git clone https://</a:t>
             </a:r>
             <a:r>
               <a:rPr lang="en-US" dirty="0" err="1"/>
@@ -10959,7 +11189,7 @@
             </a:r>
             <a:r>
               <a:rPr lang="en-US" dirty="0"/>
-              <a:t>/nyu-cso-fa20/clab-part1-&lt;</a:t>
+              <a:t>/nyu-cso-fa21/clab-part1-&lt;</a:t>
             </a:r>
             <a:r>
               <a:rPr lang="en-US" dirty="0" err="1"/>
@@ -10967,35 +11197,13 @@
             </a:r>
             <a:r>
               <a:rPr lang="en-US" dirty="0"/>
-              <a:t>&gt;.</a:t>
-            </a:r>
-            <a:r>
-              <a:rPr lang="en-US" dirty="0" err="1"/>
-              <a:t>git</a:t>
-            </a:r>
-            <a:r>
-              <a:rPr lang="en-US" dirty="0"/>
-              <a:t> lab1</a:t>
-            </a:r>
-          </a:p>
-          <a:p>
-            <a:r>
-              <a:rPr lang="en-US" dirty="0"/>
-              <a:t>Then make changes locally in the VM</a:t>
-            </a:r>
-          </a:p>
-          <a:p>
-            <a:r>
-              <a:rPr lang="en-US" dirty="0"/>
-              <a:t>Tell </a:t>
-            </a:r>
-            <a:r>
-              <a:rPr lang="en-US" dirty="0" err="1"/>
-              <a:t>git</a:t>
-            </a:r>
-            <a:r>
-              <a:rPr lang="en-US" dirty="0"/>
-              <a:t> to track changes</a:t>
+              <a:t>&gt;.git lab1</a:t>
+            </a:r>
+          </a:p>
+          <a:p>
+            <a:r>
+              <a:rPr lang="en-US" dirty="0"/>
+              <a:t>Tell git to track changes</a:t>
             </a:r>
           </a:p>
           <a:p>
@@ -11248,33 +11456,15 @@
                                   </p:childTnLst>
                                 </p:cTn>
                               </p:par>
-                            </p:childTnLst>
-                          </p:cTn>
-                        </p:par>
-                      </p:childTnLst>
-                    </p:cTn>
-                  </p:par>
-                  <p:par>
-                    <p:cTn id="15" fill="hold">
-                      <p:stCondLst>
-                        <p:cond delay="indefinite"/>
-                      </p:stCondLst>
-                      <p:childTnLst>
-                        <p:par>
-                          <p:cTn id="16" fill="hold">
-                            <p:stCondLst>
-                              <p:cond delay="0"/>
-                            </p:stCondLst>
-                            <p:childTnLst>
                               <p:par>
-                                <p:cTn id="17" presetID="1" presetClass="entr" presetSubtype="0" fill="hold" nodeType="clickEffect">
+                                <p:cTn id="15" presetID="1" presetClass="entr" presetSubtype="0" fill="hold" nodeType="withEffect">
                                   <p:stCondLst>
                                     <p:cond delay="0"/>
                                   </p:stCondLst>
                                   <p:childTnLst>
                                     <p:set>
                                       <p:cBhvr>
-                                        <p:cTn id="18" dur="1" fill="hold">
+                                        <p:cTn id="16" dur="1" fill="hold">
                                           <p:stCondLst>
                                             <p:cond delay="0"/>
                                           </p:stCondLst>
@@ -11297,8 +11487,26 @@
                                   </p:childTnLst>
                                 </p:cTn>
                               </p:par>
+                            </p:childTnLst>
+                          </p:cTn>
+                        </p:par>
+                      </p:childTnLst>
+                    </p:cTn>
+                  </p:par>
+                  <p:par>
+                    <p:cTn id="17" fill="hold">
+                      <p:stCondLst>
+                        <p:cond delay="indefinite"/>
+                      </p:stCondLst>
+                      <p:childTnLst>
+                        <p:par>
+                          <p:cTn id="18" fill="hold">
+                            <p:stCondLst>
+                              <p:cond delay="0"/>
+                            </p:stCondLst>
+                            <p:childTnLst>
                               <p:par>
-                                <p:cTn id="19" presetID="1" presetClass="entr" presetSubtype="0" fill="hold" nodeType="withEffect">
+                                <p:cTn id="19" presetID="1" presetClass="entr" presetSubtype="0" fill="hold" nodeType="clickEffect">
                                   <p:stCondLst>
                                     <p:cond delay="0"/>
                                   </p:stCondLst>
@@ -11328,33 +11536,15 @@
                                   </p:childTnLst>
                                 </p:cTn>
                               </p:par>
-                            </p:childTnLst>
-                          </p:cTn>
-                        </p:par>
-                      </p:childTnLst>
-                    </p:cTn>
-                  </p:par>
-                  <p:par>
-                    <p:cTn id="21" fill="hold">
-                      <p:stCondLst>
-                        <p:cond delay="indefinite"/>
-                      </p:stCondLst>
-                      <p:childTnLst>
-                        <p:par>
-                          <p:cTn id="22" fill="hold">
-                            <p:stCondLst>
-                              <p:cond delay="0"/>
-                            </p:stCondLst>
-                            <p:childTnLst>
                               <p:par>
-                                <p:cTn id="23" presetID="1" presetClass="entr" presetSubtype="0" fill="hold" nodeType="clickEffect">
+                                <p:cTn id="21" presetID="1" presetClass="entr" presetSubtype="0" fill="hold" nodeType="withEffect">
                                   <p:stCondLst>
                                     <p:cond delay="0"/>
                                   </p:stCondLst>
                                   <p:childTnLst>
                                     <p:set>
                                       <p:cBhvr>
-                                        <p:cTn id="24" dur="1" fill="hold">
+                                        <p:cTn id="22" dur="1" fill="hold">
                                           <p:stCondLst>
                                             <p:cond delay="0"/>
                                           </p:stCondLst>
@@ -11377,8 +11567,26 @@
                                   </p:childTnLst>
                                 </p:cTn>
                               </p:par>
+                            </p:childTnLst>
+                          </p:cTn>
+                        </p:par>
+                      </p:childTnLst>
+                    </p:cTn>
+                  </p:par>
+                  <p:par>
+                    <p:cTn id="23" fill="hold">
+                      <p:stCondLst>
+                        <p:cond delay="indefinite"/>
+                      </p:stCondLst>
+                      <p:childTnLst>
+                        <p:par>
+                          <p:cTn id="24" fill="hold">
+                            <p:stCondLst>
+                              <p:cond delay="0"/>
+                            </p:stCondLst>
+                            <p:childTnLst>
                               <p:par>
-                                <p:cTn id="25" presetID="1" presetClass="entr" presetSubtype="0" fill="hold" nodeType="withEffect">
+                                <p:cTn id="25" presetID="1" presetClass="entr" presetSubtype="0" fill="hold" nodeType="clickEffect">
                                   <p:stCondLst>
                                     <p:cond delay="0"/>
                                   </p:stCondLst>
@@ -11408,33 +11616,15 @@
                                   </p:childTnLst>
                                 </p:cTn>
                               </p:par>
-                            </p:childTnLst>
-                          </p:cTn>
-                        </p:par>
-                      </p:childTnLst>
-                    </p:cTn>
-                  </p:par>
-                  <p:par>
-                    <p:cTn id="27" fill="hold">
-                      <p:stCondLst>
-                        <p:cond delay="indefinite"/>
-                      </p:stCondLst>
-                      <p:childTnLst>
-                        <p:par>
-                          <p:cTn id="28" fill="hold">
-                            <p:stCondLst>
-                              <p:cond delay="0"/>
-                            </p:stCondLst>
-                            <p:childTnLst>
                               <p:par>
-                                <p:cTn id="29" presetID="1" presetClass="entr" presetSubtype="0" fill="hold" nodeType="clickEffect">
+                                <p:cTn id="27" presetID="1" presetClass="entr" presetSubtype="0" fill="hold" nodeType="withEffect">
                                   <p:stCondLst>
                                     <p:cond delay="0"/>
                                   </p:stCondLst>
                                   <p:childTnLst>
                                     <p:set>
                                       <p:cBhvr>
-                                        <p:cTn id="30" dur="1" fill="hold">
+                                        <p:cTn id="28" dur="1" fill="hold">
                                           <p:stCondLst>
                                             <p:cond delay="0"/>
                                           </p:stCondLst>
@@ -11443,37 +11633,6 @@
                                           <p:spTgt spid="3">
                                             <p:txEl>
                                               <p:pRg st="9" end="9"/>
-                                            </p:txEl>
-                                          </p:spTgt>
-                                        </p:tgtEl>
-                                        <p:attrNameLst>
-                                          <p:attrName>style.visibility</p:attrName>
-                                        </p:attrNameLst>
-                                      </p:cBhvr>
-                                      <p:to>
-                                        <p:strVal val="visible"/>
-                                      </p:to>
-                                    </p:set>
-                                  </p:childTnLst>
-                                </p:cTn>
-                              </p:par>
-                              <p:par>
-                                <p:cTn id="31" presetID="1" presetClass="entr" presetSubtype="0" fill="hold" nodeType="withEffect">
-                                  <p:stCondLst>
-                                    <p:cond delay="0"/>
-                                  </p:stCondLst>
-                                  <p:childTnLst>
-                                    <p:set>
-                                      <p:cBhvr>
-                                        <p:cTn id="32" dur="1" fill="hold">
-                                          <p:stCondLst>
-                                            <p:cond delay="0"/>
-                                          </p:stCondLst>
-                                        </p:cTn>
-                                        <p:tgtEl>
-                                          <p:spTgt spid="3">
-                                            <p:txEl>
-                                              <p:pRg st="10" end="10"/>
                                             </p:txEl>
                                           </p:spTgt>
                                         </p:tgtEl>
@@ -11614,7 +11773,7 @@
           <a:p>
             <a:r>
               <a:rPr lang="en-US" dirty="0"/>
-              <a:t>If you don’t use “-m” option, an command line editor will pop up for you to edit the commit message</a:t>
+              <a:t>If you don’t use “-m” option, a command line editor will pop up for you to edit the commit message</a:t>
             </a:r>
           </a:p>
           <a:p>
@@ -11810,7 +11969,7 @@
         </p:blipFill>
         <p:spPr>
           <a:xfrm>
-            <a:off x="2485390" y="2245360"/>
+            <a:off x="2485390" y="2260600"/>
             <a:ext cx="4749800" cy="2092569"/>
           </a:xfrm>
           <a:prstGeom prst="rect">
@@ -12609,23 +12768,7 @@
           <a:p>
             <a:r>
               <a:rPr lang="en-US" dirty="0"/>
-              <a:t>After setting lab repository, you ONLY need to use the </a:t>
-            </a:r>
-            <a:r>
-              <a:rPr lang="en-US" dirty="0" err="1"/>
-              <a:t>follwing</a:t>
-            </a:r>
-            <a:r>
-              <a:rPr lang="en-US" dirty="0"/>
-              <a:t> </a:t>
-            </a:r>
-            <a:r>
-              <a:rPr lang="en-US" dirty="0" err="1"/>
-              <a:t>git</a:t>
-            </a:r>
-            <a:r>
-              <a:rPr lang="en-US" dirty="0"/>
-              <a:t> commands:</a:t>
+              <a:t>After setting lab repository, you ONLY need to use the following git commands:</a:t>
             </a:r>
           </a:p>
           <a:p>
@@ -12818,7 +12961,7 @@
               <a:rPr lang="en-US" smtClean="0"/>
               <a:t>32</a:t>
             </a:fld>
-            <a:endParaRPr lang="en-US"/>
+            <a:endParaRPr lang="en-US" dirty="0"/>
           </a:p>
         </p:txBody>
       </p:sp>

--- a/rec-notes/r01.pptx
+++ b/rec-notes/r01.pptx
@@ -230,7 +230,7 @@
           <a:p>
             <a:fld id="{FFB259E9-2292-734A-9561-4530563ECBFA}" type="datetimeFigureOut">
               <a:rPr lang="en-US" smtClean="0"/>
-              <a:t>9/2/21</a:t>
+              <a:t>9/7/21</a:t>
             </a:fld>
             <a:endParaRPr lang="en-US"/>
           </a:p>
@@ -2924,7 +2924,7 @@
           <a:p>
             <a:fld id="{DD4648B0-0D8A-A44A-9F83-65A680C91D66}" type="datetime1">
               <a:rPr lang="en-US" smtClean="0"/>
-              <a:t>9/2/21</a:t>
+              <a:t>9/7/21</a:t>
             </a:fld>
             <a:endParaRPr lang="en-US"/>
           </a:p>
@@ -3094,7 +3094,7 @@
           <a:p>
             <a:fld id="{C9853402-525C-D94A-9AFC-8B1CA73A089A}" type="datetime1">
               <a:rPr lang="en-US" smtClean="0"/>
-              <a:t>9/2/21</a:t>
+              <a:t>9/7/21</a:t>
             </a:fld>
             <a:endParaRPr lang="en-US"/>
           </a:p>
@@ -3274,7 +3274,7 @@
           <a:p>
             <a:fld id="{58A97C24-B85F-1F4C-8829-B7F99EAEEC5E}" type="datetime1">
               <a:rPr lang="en-US" smtClean="0"/>
-              <a:t>9/2/21</a:t>
+              <a:t>9/7/21</a:t>
             </a:fld>
             <a:endParaRPr lang="en-US"/>
           </a:p>
@@ -3444,7 +3444,7 @@
           <a:p>
             <a:fld id="{5B2ABF40-D45C-4B4D-9AEA-D280B9A137A5}" type="datetime1">
               <a:rPr lang="en-US" smtClean="0"/>
-              <a:t>9/2/21</a:t>
+              <a:t>9/7/21</a:t>
             </a:fld>
             <a:endParaRPr lang="en-US"/>
           </a:p>
@@ -3695,7 +3695,7 @@
           <a:p>
             <a:fld id="{E3BF3FF8-5E31-8E4A-81D6-016472780C8A}" type="datetime1">
               <a:rPr lang="en-US" smtClean="0"/>
-              <a:t>9/2/21</a:t>
+              <a:t>9/7/21</a:t>
             </a:fld>
             <a:endParaRPr lang="en-US"/>
           </a:p>
@@ -3932,7 +3932,7 @@
           <a:p>
             <a:fld id="{391C098F-9C46-1543-B69E-82AC018785DD}" type="datetime1">
               <a:rPr lang="en-US" smtClean="0"/>
-              <a:t>9/2/21</a:t>
+              <a:t>9/7/21</a:t>
             </a:fld>
             <a:endParaRPr lang="en-US"/>
           </a:p>
@@ -4299,7 +4299,7 @@
           <a:p>
             <a:fld id="{DAE7E8CE-F674-CE45-907F-B93796A820FE}" type="datetime1">
               <a:rPr lang="en-US" smtClean="0"/>
-              <a:t>9/2/21</a:t>
+              <a:t>9/7/21</a:t>
             </a:fld>
             <a:endParaRPr lang="en-US"/>
           </a:p>
@@ -4417,7 +4417,7 @@
           <a:p>
             <a:fld id="{DBDF53C4-8DB6-654C-B35C-A00DACD59E89}" type="datetime1">
               <a:rPr lang="en-US" smtClean="0"/>
-              <a:t>9/2/21</a:t>
+              <a:t>9/7/21</a:t>
             </a:fld>
             <a:endParaRPr lang="en-US"/>
           </a:p>
@@ -4512,7 +4512,7 @@
           <a:p>
             <a:fld id="{9221EE96-EEA7-8042-A539-B688675B1160}" type="datetime1">
               <a:rPr lang="en-US" smtClean="0"/>
-              <a:t>9/2/21</a:t>
+              <a:t>9/7/21</a:t>
             </a:fld>
             <a:endParaRPr lang="en-US"/>
           </a:p>
@@ -4789,7 +4789,7 @@
           <a:p>
             <a:fld id="{2A1AD559-03F7-AE4F-AE6E-879DA4105F4A}" type="datetime1">
               <a:rPr lang="en-US" smtClean="0"/>
-              <a:t>9/2/21</a:t>
+              <a:t>9/7/21</a:t>
             </a:fld>
             <a:endParaRPr lang="en-US"/>
           </a:p>
@@ -5046,7 +5046,7 @@
           <a:p>
             <a:fld id="{098ED254-4AE8-634D-8DBD-99E7834EA271}" type="datetime1">
               <a:rPr lang="en-US" smtClean="0"/>
-              <a:t>9/2/21</a:t>
+              <a:t>9/7/21</a:t>
             </a:fld>
             <a:endParaRPr lang="en-US"/>
           </a:p>
@@ -5259,7 +5259,7 @@
           <a:p>
             <a:fld id="{6F0CE346-2F65-2A42-99D8-3393CF554B36}" type="datetime1">
               <a:rPr lang="en-US" smtClean="0"/>
-              <a:t>9/2/21</a:t>
+              <a:t>9/7/21</a:t>
             </a:fld>
             <a:endParaRPr lang="en-US"/>
           </a:p>
@@ -5952,9 +5952,26 @@
           <a:lstStyle/>
           <a:p>
             <a:r>
-              <a:rPr lang="en-US" dirty="0"/>
-              <a:t>Basic virtual machine setup</a:t>
-            </a:r>
+              <a:rPr lang="en-US" altLang="zh-CN" dirty="0"/>
+              <a:t>Log</a:t>
+            </a:r>
+            <a:r>
+              <a:rPr lang="zh-CN" altLang="en-US" dirty="0"/>
+              <a:t> </a:t>
+            </a:r>
+            <a:r>
+              <a:rPr lang="en-US" altLang="zh-CN" dirty="0"/>
+              <a:t>into</a:t>
+            </a:r>
+            <a:r>
+              <a:rPr lang="zh-CN" altLang="en-US" dirty="0"/>
+              <a:t> </a:t>
+            </a:r>
+            <a:r>
+              <a:rPr lang="en-US" altLang="zh-CN" dirty="0"/>
+              <a:t>snappy1</a:t>
+            </a:r>
+            <a:endParaRPr lang="en-US" dirty="0"/>
           </a:p>
         </p:txBody>
       </p:sp>
@@ -5994,6 +6011,30 @@
               <a:rPr lang="en-US" dirty="0"/>
               <a:t>Separate instructions for Mac and Windows</a:t>
             </a:r>
+          </a:p>
+          <a:p>
+            <a:r>
+              <a:rPr lang="en-US" altLang="zh-CN" dirty="0"/>
+              <a:t>Forget</a:t>
+            </a:r>
+            <a:r>
+              <a:rPr lang="zh-CN" altLang="en-US" dirty="0"/>
+              <a:t> </a:t>
+            </a:r>
+            <a:r>
+              <a:rPr lang="en-US" altLang="zh-CN" dirty="0"/>
+              <a:t>password?</a:t>
+            </a:r>
+          </a:p>
+          <a:p>
+            <a:pPr lvl="1"/>
+            <a:r>
+              <a:rPr lang="en-US" dirty="0">
+                <a:hlinkClick r:id="rId4"/>
+              </a:rPr>
+              <a:t>https://cims.nyu.edu/webapps/password</a:t>
+            </a:r>
+            <a:endParaRPr lang="en-US" dirty="0"/>
           </a:p>
           <a:p>
             <a:r>
@@ -10055,23 +10096,7 @@
                   <a:schemeClr val="accent1"/>
                 </a:solidFill>
               </a:rPr>
-              <a:t>git clone https://</a:t>
-            </a:r>
-            <a:r>
-              <a:rPr lang="en-US" dirty="0" err="1">
-                <a:solidFill>
-                  <a:schemeClr val="accent1"/>
-                </a:solidFill>
-              </a:rPr>
-              <a:t>github.com</a:t>
-            </a:r>
-            <a:r>
-              <a:rPr lang="en-US" dirty="0">
-                <a:solidFill>
-                  <a:schemeClr val="accent1"/>
-                </a:solidFill>
-              </a:rPr>
-              <a:t>/nyu-cso-fa21/clab-part1-&lt;</a:t>
+              <a:t>git clone git@github.com:nyu-cso-fa21/clab-part1-&lt;</a:t>
             </a:r>
             <a:r>
               <a:rPr lang="en-US" dirty="0" err="1">
@@ -10087,7 +10112,31 @@
                   <a:schemeClr val="accent1"/>
                 </a:solidFill>
               </a:rPr>
-              <a:t>&gt;.git lab1</a:t>
+              <a:t>&gt;.git</a:t>
+            </a:r>
+            <a:r>
+              <a:rPr lang="zh-CN" altLang="en-US" dirty="0">
+                <a:solidFill>
+                  <a:schemeClr val="accent1"/>
+                </a:solidFill>
+              </a:rPr>
+              <a:t> </a:t>
+            </a:r>
+            <a:r>
+              <a:rPr lang="en-US" altLang="zh-CN" dirty="0">
+                <a:solidFill>
+                  <a:schemeClr val="accent1"/>
+                </a:solidFill>
+              </a:rPr>
+              <a:t>clab-part</a:t>
+            </a:r>
+            <a:r>
+              <a:rPr lang="en-US" dirty="0">
+                <a:solidFill>
+                  <a:schemeClr val="accent1"/>
+                </a:solidFill>
+              </a:rPr>
+              <a:t>1</a:t>
             </a:r>
           </a:p>
           <a:p>
@@ -10124,7 +10173,23 @@
                   <a:schemeClr val="accent1"/>
                 </a:solidFill>
               </a:rPr>
-              <a:t>cd lab1</a:t>
+              <a:t>cd </a:t>
+            </a:r>
+            <a:r>
+              <a:rPr lang="en-US" altLang="zh-CN" dirty="0">
+                <a:solidFill>
+                  <a:schemeClr val="accent1"/>
+                </a:solidFill>
+              </a:rPr>
+              <a:t>clab-part</a:t>
+            </a:r>
+            <a:r>
+              <a:rPr lang="en-US" dirty="0">
+                <a:solidFill>
+                  <a:schemeClr val="accent1"/>
+                </a:solidFill>
+              </a:rPr>
+              <a:t>1</a:t>
             </a:r>
           </a:p>
         </p:txBody>
@@ -11147,7 +11212,7 @@
         </p:spPr>
         <p:txBody>
           <a:bodyPr>
-            <a:normAutofit lnSpcReduction="10000"/>
+            <a:normAutofit/>
           </a:bodyPr>
           <a:lstStyle/>
           <a:p>
@@ -11181,15 +11246,7 @@
             <a:pPr lvl="1"/>
             <a:r>
               <a:rPr lang="en-US" dirty="0"/>
-              <a:t>git clone https://</a:t>
-            </a:r>
-            <a:r>
-              <a:rPr lang="en-US" dirty="0" err="1"/>
-              <a:t>github.com</a:t>
-            </a:r>
-            <a:r>
-              <a:rPr lang="en-US" dirty="0"/>
-              <a:t>/nyu-cso-fa21/clab-part1-&lt;</a:t>
+              <a:t>git clone git@github.com:nyu-cso-fa21/clab-part1-&lt;</a:t>
             </a:r>
             <a:r>
               <a:rPr lang="en-US" dirty="0" err="1"/>
@@ -11197,10 +11254,11 @@
             </a:r>
             <a:r>
               <a:rPr lang="en-US" dirty="0"/>
-              <a:t>&gt;.git lab1</a:t>
-            </a:r>
-          </a:p>
-          <a:p>
+              <a:t>&gt;.git clab-part1</a:t>
+            </a:r>
+          </a:p>
+          <a:p>
+            <a:pPr lvl="1"/>
             <a:r>
               <a:rPr lang="en-US" dirty="0"/>
               <a:t>Tell git to track changes</a:t>
@@ -11376,15 +11434,33 @@
                                   </p:childTnLst>
                                 </p:cTn>
                               </p:par>
+                            </p:childTnLst>
+                          </p:cTn>
+                        </p:par>
+                      </p:childTnLst>
+                    </p:cTn>
+                  </p:par>
+                  <p:par>
+                    <p:cTn id="9" fill="hold">
+                      <p:stCondLst>
+                        <p:cond delay="indefinite"/>
+                      </p:stCondLst>
+                      <p:childTnLst>
+                        <p:par>
+                          <p:cTn id="10" fill="hold">
+                            <p:stCondLst>
+                              <p:cond delay="0"/>
+                            </p:stCondLst>
+                            <p:childTnLst>
                               <p:par>
-                                <p:cTn id="9" presetID="1" presetClass="entr" presetSubtype="0" fill="hold" nodeType="withEffect">
+                                <p:cTn id="11" presetID="1" presetClass="entr" presetSubtype="0" fill="hold" nodeType="clickEffect">
                                   <p:stCondLst>
                                     <p:cond delay="0"/>
                                   </p:stCondLst>
                                   <p:childTnLst>
                                     <p:set>
                                       <p:cBhvr>
-                                        <p:cTn id="10" dur="1" fill="hold">
+                                        <p:cTn id="12" dur="1" fill="hold">
                                           <p:stCondLst>
                                             <p:cond delay="0"/>
                                           </p:stCondLst>
@@ -11414,26 +11490,26 @@
                     </p:cTn>
                   </p:par>
                   <p:par>
-                    <p:cTn id="11" fill="hold">
+                    <p:cTn id="13" fill="hold">
                       <p:stCondLst>
                         <p:cond delay="indefinite"/>
                       </p:stCondLst>
                       <p:childTnLst>
                         <p:par>
-                          <p:cTn id="12" fill="hold">
+                          <p:cTn id="14" fill="hold">
                             <p:stCondLst>
                               <p:cond delay="0"/>
                             </p:stCondLst>
                             <p:childTnLst>
                               <p:par>
-                                <p:cTn id="13" presetID="1" presetClass="entr" presetSubtype="0" fill="hold" nodeType="clickEffect">
+                                <p:cTn id="15" presetID="1" presetClass="entr" presetSubtype="0" fill="hold" nodeType="clickEffect">
                                   <p:stCondLst>
                                     <p:cond delay="0"/>
                                   </p:stCondLst>
                                   <p:childTnLst>
                                     <p:set>
                                       <p:cBhvr>
-                                        <p:cTn id="14" dur="1" fill="hold">
+                                        <p:cTn id="16" dur="1" fill="hold">
                                           <p:stCondLst>
                                             <p:cond delay="0"/>
                                           </p:stCondLst>
@@ -11457,14 +11533,14 @@
                                 </p:cTn>
                               </p:par>
                               <p:par>
-                                <p:cTn id="15" presetID="1" presetClass="entr" presetSubtype="0" fill="hold" nodeType="withEffect">
+                                <p:cTn id="17" presetID="1" presetClass="entr" presetSubtype="0" fill="hold" nodeType="withEffect">
                                   <p:stCondLst>
                                     <p:cond delay="0"/>
                                   </p:stCondLst>
                                   <p:childTnLst>
                                     <p:set>
                                       <p:cBhvr>
-                                        <p:cTn id="16" dur="1" fill="hold">
+                                        <p:cTn id="18" dur="1" fill="hold">
                                           <p:stCondLst>
                                             <p:cond delay="0"/>
                                           </p:stCondLst>
@@ -11494,26 +11570,26 @@
                     </p:cTn>
                   </p:par>
                   <p:par>
-                    <p:cTn id="17" fill="hold">
+                    <p:cTn id="19" fill="hold">
                       <p:stCondLst>
                         <p:cond delay="indefinite"/>
                       </p:stCondLst>
                       <p:childTnLst>
                         <p:par>
-                          <p:cTn id="18" fill="hold">
+                          <p:cTn id="20" fill="hold">
                             <p:stCondLst>
                               <p:cond delay="0"/>
                             </p:stCondLst>
                             <p:childTnLst>
                               <p:par>
-                                <p:cTn id="19" presetID="1" presetClass="entr" presetSubtype="0" fill="hold" nodeType="clickEffect">
+                                <p:cTn id="21" presetID="1" presetClass="entr" presetSubtype="0" fill="hold" nodeType="clickEffect">
                                   <p:stCondLst>
                                     <p:cond delay="0"/>
                                   </p:stCondLst>
                                   <p:childTnLst>
                                     <p:set>
                                       <p:cBhvr>
-                                        <p:cTn id="20" dur="1" fill="hold">
+                                        <p:cTn id="22" dur="1" fill="hold">
                                           <p:stCondLst>
                                             <p:cond delay="0"/>
                                           </p:stCondLst>
@@ -11537,14 +11613,14 @@
                                 </p:cTn>
                               </p:par>
                               <p:par>
-                                <p:cTn id="21" presetID="1" presetClass="entr" presetSubtype="0" fill="hold" nodeType="withEffect">
+                                <p:cTn id="23" presetID="1" presetClass="entr" presetSubtype="0" fill="hold" nodeType="withEffect">
                                   <p:stCondLst>
                                     <p:cond delay="0"/>
                                   </p:stCondLst>
                                   <p:childTnLst>
                                     <p:set>
                                       <p:cBhvr>
-                                        <p:cTn id="22" dur="1" fill="hold">
+                                        <p:cTn id="24" dur="1" fill="hold">
                                           <p:stCondLst>
                                             <p:cond delay="0"/>
                                           </p:stCondLst>
@@ -11574,26 +11650,26 @@
                     </p:cTn>
                   </p:par>
                   <p:par>
-                    <p:cTn id="23" fill="hold">
+                    <p:cTn id="25" fill="hold">
                       <p:stCondLst>
                         <p:cond delay="indefinite"/>
                       </p:stCondLst>
                       <p:childTnLst>
                         <p:par>
-                          <p:cTn id="24" fill="hold">
+                          <p:cTn id="26" fill="hold">
                             <p:stCondLst>
                               <p:cond delay="0"/>
                             </p:stCondLst>
                             <p:childTnLst>
                               <p:par>
-                                <p:cTn id="25" presetID="1" presetClass="entr" presetSubtype="0" fill="hold" nodeType="clickEffect">
+                                <p:cTn id="27" presetID="1" presetClass="entr" presetSubtype="0" fill="hold" nodeType="clickEffect">
                                   <p:stCondLst>
                                     <p:cond delay="0"/>
                                   </p:stCondLst>
                                   <p:childTnLst>
                                     <p:set>
                                       <p:cBhvr>
-                                        <p:cTn id="26" dur="1" fill="hold">
+                                        <p:cTn id="28" dur="1" fill="hold">
                                           <p:stCondLst>
                                             <p:cond delay="0"/>
                                           </p:stCondLst>
@@ -11617,14 +11693,14 @@
                                 </p:cTn>
                               </p:par>
                               <p:par>
-                                <p:cTn id="27" presetID="1" presetClass="entr" presetSubtype="0" fill="hold" nodeType="withEffect">
+                                <p:cTn id="29" presetID="1" presetClass="entr" presetSubtype="0" fill="hold" nodeType="withEffect">
                                   <p:stCondLst>
                                     <p:cond delay="0"/>
                                   </p:stCondLst>
                                   <p:childTnLst>
                                     <p:set>
                                       <p:cBhvr>
-                                        <p:cTn id="28" dur="1" fill="hold">
+                                        <p:cTn id="30" dur="1" fill="hold">
                                           <p:stCondLst>
                                             <p:cond delay="0"/>
                                           </p:stCondLst>
@@ -14146,6 +14222,50 @@
               <a:rPr lang="en-US" dirty="0"/>
               <a:t>It’s not worth the risk, just don’t cheat and make us sad</a:t>
             </a:r>
+          </a:p>
+          <a:p>
+            <a:pPr>
+              <a:lnSpc>
+                <a:spcPct val="100000"/>
+              </a:lnSpc>
+              <a:spcBef>
+                <a:spcPts val="0"/>
+              </a:spcBef>
+            </a:pPr>
+            <a:r>
+              <a:rPr lang="en-US" altLang="zh-CN" dirty="0"/>
+              <a:t>More</a:t>
+            </a:r>
+            <a:r>
+              <a:rPr lang="zh-CN" altLang="en-US" dirty="0"/>
+              <a:t> </a:t>
+            </a:r>
+            <a:r>
+              <a:rPr lang="en-US" altLang="zh-CN" dirty="0"/>
+              <a:t>details:</a:t>
+            </a:r>
+            <a:r>
+              <a:rPr lang="zh-CN" altLang="en-US" dirty="0"/>
+              <a:t> </a:t>
+            </a:r>
+            <a:r>
+              <a:rPr lang="en-US" altLang="zh-CN" dirty="0">
+                <a:hlinkClick r:id="rId3"/>
+              </a:rPr>
+              <a:t>https://nyu-cso.github.io/policy.html</a:t>
+            </a:r>
+            <a:endParaRPr lang="en-US" altLang="zh-CN" dirty="0"/>
+          </a:p>
+          <a:p>
+            <a:pPr>
+              <a:lnSpc>
+                <a:spcPct val="100000"/>
+              </a:lnSpc>
+              <a:spcBef>
+                <a:spcPts val="0"/>
+              </a:spcBef>
+            </a:pPr>
+            <a:endParaRPr lang="en-US" dirty="0"/>
           </a:p>
         </p:txBody>
       </p:sp>
